--- a/tcrug/unit_testing/tcrug_runit_2016_01_21.pptx
+++ b/tcrug/unit_testing/tcrug_runit_2016_01_21.pptx
@@ -8,10 +8,13 @@
     <p:sldId id="256" r:id="rId2"/>
     <p:sldId id="258" r:id="rId3"/>
     <p:sldId id="257" r:id="rId4"/>
-    <p:sldId id="259" r:id="rId5"/>
-    <p:sldId id="262" r:id="rId6"/>
-    <p:sldId id="260" r:id="rId7"/>
-    <p:sldId id="261" r:id="rId8"/>
+    <p:sldId id="265" r:id="rId5"/>
+    <p:sldId id="259" r:id="rId6"/>
+    <p:sldId id="262" r:id="rId7"/>
+    <p:sldId id="260" r:id="rId8"/>
+    <p:sldId id="261" r:id="rId9"/>
+    <p:sldId id="263" r:id="rId10"/>
+    <p:sldId id="264" r:id="rId11"/>
   </p:sldIdLst>
   <p:sldSz cx="12192000" cy="6858000"/>
   <p:notesSz cx="6858000" cy="9144000"/>
@@ -110,6 +113,11 @@
       </a:defRPr>
     </a:lvl9pPr>
   </p:defaultTextStyle>
+  <p:extLst>
+    <p:ext uri="{EFAFB233-063F-42B5-8137-9DF3F51BA10A}">
+      <p15:sldGuideLst xmlns:p15="http://schemas.microsoft.com/office/powerpoint/2012/main"/>
+    </p:ext>
+  </p:extLst>
 </p:presentation>
 </file>
 
@@ -244,7 +252,7 @@
           <a:p>
             <a:fld id="{BE86D659-235A-4480-A52F-151100DCBC9E}" type="datetimeFigureOut">
               <a:rPr lang="en-US" smtClean="0"/>
-              <a:t>1/16/2016</a:t>
+              <a:t>1/21/2016</a:t>
             </a:fld>
             <a:endParaRPr lang="en-US"/>
           </a:p>
@@ -414,7 +422,7 @@
           <a:p>
             <a:fld id="{BE86D659-235A-4480-A52F-151100DCBC9E}" type="datetimeFigureOut">
               <a:rPr lang="en-US" smtClean="0"/>
-              <a:t>1/16/2016</a:t>
+              <a:t>1/21/2016</a:t>
             </a:fld>
             <a:endParaRPr lang="en-US"/>
           </a:p>
@@ -594,7 +602,7 @@
           <a:p>
             <a:fld id="{BE86D659-235A-4480-A52F-151100DCBC9E}" type="datetimeFigureOut">
               <a:rPr lang="en-US" smtClean="0"/>
-              <a:t>1/16/2016</a:t>
+              <a:t>1/21/2016</a:t>
             </a:fld>
             <a:endParaRPr lang="en-US"/>
           </a:p>
@@ -764,7 +772,7 @@
           <a:p>
             <a:fld id="{BE86D659-235A-4480-A52F-151100DCBC9E}" type="datetimeFigureOut">
               <a:rPr lang="en-US" smtClean="0"/>
-              <a:t>1/16/2016</a:t>
+              <a:t>1/21/2016</a:t>
             </a:fld>
             <a:endParaRPr lang="en-US"/>
           </a:p>
@@ -1010,7 +1018,7 @@
           <a:p>
             <a:fld id="{BE86D659-235A-4480-A52F-151100DCBC9E}" type="datetimeFigureOut">
               <a:rPr lang="en-US" smtClean="0"/>
-              <a:t>1/16/2016</a:t>
+              <a:t>1/21/2016</a:t>
             </a:fld>
             <a:endParaRPr lang="en-US"/>
           </a:p>
@@ -1242,7 +1250,7 @@
           <a:p>
             <a:fld id="{BE86D659-235A-4480-A52F-151100DCBC9E}" type="datetimeFigureOut">
               <a:rPr lang="en-US" smtClean="0"/>
-              <a:t>1/16/2016</a:t>
+              <a:t>1/21/2016</a:t>
             </a:fld>
             <a:endParaRPr lang="en-US"/>
           </a:p>
@@ -1609,7 +1617,7 @@
           <a:p>
             <a:fld id="{BE86D659-235A-4480-A52F-151100DCBC9E}" type="datetimeFigureOut">
               <a:rPr lang="en-US" smtClean="0"/>
-              <a:t>1/16/2016</a:t>
+              <a:t>1/21/2016</a:t>
             </a:fld>
             <a:endParaRPr lang="en-US"/>
           </a:p>
@@ -1727,7 +1735,7 @@
           <a:p>
             <a:fld id="{BE86D659-235A-4480-A52F-151100DCBC9E}" type="datetimeFigureOut">
               <a:rPr lang="en-US" smtClean="0"/>
-              <a:t>1/16/2016</a:t>
+              <a:t>1/21/2016</a:t>
             </a:fld>
             <a:endParaRPr lang="en-US"/>
           </a:p>
@@ -1822,7 +1830,7 @@
           <a:p>
             <a:fld id="{BE86D659-235A-4480-A52F-151100DCBC9E}" type="datetimeFigureOut">
               <a:rPr lang="en-US" smtClean="0"/>
-              <a:t>1/16/2016</a:t>
+              <a:t>1/21/2016</a:t>
             </a:fld>
             <a:endParaRPr lang="en-US"/>
           </a:p>
@@ -2099,7 +2107,7 @@
           <a:p>
             <a:fld id="{BE86D659-235A-4480-A52F-151100DCBC9E}" type="datetimeFigureOut">
               <a:rPr lang="en-US" smtClean="0"/>
-              <a:t>1/16/2016</a:t>
+              <a:t>1/21/2016</a:t>
             </a:fld>
             <a:endParaRPr lang="en-US"/>
           </a:p>
@@ -2352,7 +2360,7 @@
           <a:p>
             <a:fld id="{BE86D659-235A-4480-A52F-151100DCBC9E}" type="datetimeFigureOut">
               <a:rPr lang="en-US" smtClean="0"/>
-              <a:t>1/16/2016</a:t>
+              <a:t>1/21/2016</a:t>
             </a:fld>
             <a:endParaRPr lang="en-US"/>
           </a:p>
@@ -2565,7 +2573,7 @@
           <a:p>
             <a:fld id="{BE86D659-235A-4480-A52F-151100DCBC9E}" type="datetimeFigureOut">
               <a:rPr lang="en-US" smtClean="0"/>
-              <a:t>1/16/2016</a:t>
+              <a:t>1/21/2016</a:t>
             </a:fld>
             <a:endParaRPr lang="en-US"/>
           </a:p>
@@ -3005,12 +3013,47 @@
         </p:nvSpPr>
         <p:spPr/>
         <p:txBody>
-          <a:bodyPr/>
+          <a:bodyPr>
+            <a:normAutofit fontScale="92500" lnSpcReduction="10000"/>
+          </a:bodyPr>
           <a:lstStyle/>
           <a:p>
             <a:r>
               <a:rPr lang="en-US" smtClean="0"/>
-              <a:t>And A Little on [S]OLID &amp; TDD</a:t>
+              <a:t>And A Little on [S]OLID &amp; </a:t>
+            </a:r>
+            <a:r>
+              <a:rPr lang="en-US" smtClean="0"/>
+              <a:t>TDD</a:t>
+            </a:r>
+          </a:p>
+          <a:p>
+            <a:endParaRPr lang="en-US"/>
+          </a:p>
+          <a:p>
+            <a:r>
+              <a:rPr lang="en-US" i="1" smtClean="0"/>
+              <a:t>Presentation &amp; Source Code on GitHub:</a:t>
+            </a:r>
+          </a:p>
+          <a:p>
+            <a:r>
+              <a:rPr lang="en-US">
+                <a:hlinkClick r:id="rId2"/>
+              </a:rPr>
+              <a:t>https</a:t>
+            </a:r>
+            <a:r>
+              <a:rPr lang="en-US">
+                <a:hlinkClick r:id="rId2"/>
+              </a:rPr>
+              <a:t>://</a:t>
+            </a:r>
+            <a:r>
+              <a:rPr lang="en-US" smtClean="0">
+                <a:hlinkClick r:id="rId2"/>
+              </a:rPr>
+              <a:t>github.com/donaldsawyer/Demos/tree/master/tcrug/unit_testing</a:t>
             </a:r>
             <a:endParaRPr lang="en-US"/>
           </a:p>
@@ -3026,6 +3069,190 @@
   <p:clrMapOvr>
     <a:masterClrMapping/>
   </p:clrMapOvr>
+</p:sld>
+</file>
+
+<file path=ppt/slides/slide10.xml><?xml version="1.0" encoding="utf-8"?>
+<p:sld xmlns:a="http://schemas.openxmlformats.org/drawingml/2006/main" xmlns:r="http://schemas.openxmlformats.org/officeDocument/2006/relationships" xmlns:p="http://schemas.openxmlformats.org/presentationml/2006/main">
+  <p:cSld>
+    <p:spTree>
+      <p:nvGrpSpPr>
+        <p:cNvPr id="1" name=""/>
+        <p:cNvGrpSpPr/>
+        <p:nvPr/>
+      </p:nvGrpSpPr>
+      <p:grpSpPr>
+        <a:xfrm>
+          <a:off x="0" y="0"/>
+          <a:ext cx="0" cy="0"/>
+          <a:chOff x="0" y="0"/>
+          <a:chExt cx="0" cy="0"/>
+        </a:xfrm>
+      </p:grpSpPr>
+      <p:sp>
+        <p:nvSpPr>
+          <p:cNvPr id="2" name="Title 1"/>
+          <p:cNvSpPr>
+            <a:spLocks noGrp="1"/>
+          </p:cNvSpPr>
+          <p:nvPr>
+            <p:ph type="title"/>
+          </p:nvPr>
+        </p:nvSpPr>
+        <p:spPr/>
+        <p:txBody>
+          <a:bodyPr/>
+          <a:lstStyle/>
+          <a:p>
+            <a:r>
+              <a:rPr lang="en-US" smtClean="0"/>
+              <a:t>Helpful Resources</a:t>
+            </a:r>
+            <a:endParaRPr lang="en-US"/>
+          </a:p>
+        </p:txBody>
+      </p:sp>
+      <p:sp>
+        <p:nvSpPr>
+          <p:cNvPr id="3" name="Content Placeholder 2"/>
+          <p:cNvSpPr>
+            <a:spLocks noGrp="1"/>
+          </p:cNvSpPr>
+          <p:nvPr>
+            <p:ph idx="1"/>
+          </p:nvPr>
+        </p:nvSpPr>
+        <p:spPr/>
+        <p:txBody>
+          <a:bodyPr/>
+          <a:lstStyle/>
+          <a:p>
+            <a:r>
+              <a:rPr lang="en-US" smtClean="0"/>
+              <a:t>TDD</a:t>
+            </a:r>
+          </a:p>
+          <a:p>
+            <a:pPr lvl="1"/>
+            <a:r>
+              <a:rPr lang="en-US">
+                <a:hlinkClick r:id="rId2"/>
+              </a:rPr>
+              <a:t>https</a:t>
+            </a:r>
+            <a:r>
+              <a:rPr lang="en-US">
+                <a:hlinkClick r:id="rId2"/>
+              </a:rPr>
+              <a:t>://</a:t>
+            </a:r>
+            <a:r>
+              <a:rPr lang="en-US" smtClean="0">
+                <a:hlinkClick r:id="rId2"/>
+              </a:rPr>
+              <a:t>en.wikipedia.org/wiki/Test-driven_development</a:t>
+            </a:r>
+            <a:endParaRPr lang="en-US" smtClean="0"/>
+          </a:p>
+          <a:p>
+            <a:pPr lvl="1"/>
+            <a:r>
+              <a:rPr lang="en-US">
+                <a:hlinkClick r:id="rId3"/>
+              </a:rPr>
+              <a:t>http</a:t>
+            </a:r>
+            <a:r>
+              <a:rPr lang="en-US">
+                <a:hlinkClick r:id="rId3"/>
+              </a:rPr>
+              <a:t>://</a:t>
+            </a:r>
+            <a:r>
+              <a:rPr lang="en-US" smtClean="0">
+                <a:hlinkClick r:id="rId3"/>
+              </a:rPr>
+              <a:t>www.agiledata.org/essays/tdd.html</a:t>
+            </a:r>
+            <a:endParaRPr lang="en-US" smtClean="0"/>
+          </a:p>
+          <a:p>
+            <a:r>
+              <a:rPr lang="en-US" smtClean="0"/>
+              <a:t>Refactoring</a:t>
+            </a:r>
+          </a:p>
+          <a:p>
+            <a:pPr lvl="1"/>
+            <a:r>
+              <a:rPr lang="en-US">
+                <a:hlinkClick r:id="rId4"/>
+              </a:rPr>
+              <a:t>http://</a:t>
+            </a:r>
+            <a:r>
+              <a:rPr lang="en-US">
+                <a:hlinkClick r:id="rId4"/>
+              </a:rPr>
+              <a:t>refactoring.com</a:t>
+            </a:r>
+            <a:r>
+              <a:rPr lang="en-US" smtClean="0">
+                <a:hlinkClick r:id="rId4"/>
+              </a:rPr>
+              <a:t>/</a:t>
+            </a:r>
+            <a:endParaRPr lang="en-US" smtClean="0"/>
+          </a:p>
+          <a:p>
+            <a:pPr lvl="1"/>
+            <a:r>
+              <a:rPr lang="en-US"/>
+              <a:t>Code Smells: </a:t>
+            </a:r>
+            <a:r>
+              <a:rPr lang="en-US">
+                <a:hlinkClick r:id="rId5"/>
+              </a:rPr>
+              <a:t>https</a:t>
+            </a:r>
+            <a:r>
+              <a:rPr lang="en-US">
+                <a:hlinkClick r:id="rId5"/>
+              </a:rPr>
+              <a:t>://</a:t>
+            </a:r>
+            <a:r>
+              <a:rPr lang="en-US" smtClean="0">
+                <a:hlinkClick r:id="rId5"/>
+              </a:rPr>
+              <a:t>en.wikipedia.org/wiki/Code_smell</a:t>
+            </a:r>
+            <a:endParaRPr lang="en-US" smtClean="0"/>
+          </a:p>
+          <a:p>
+            <a:pPr lvl="1"/>
+            <a:endParaRPr lang="en-US"/>
+          </a:p>
+        </p:txBody>
+      </p:sp>
+    </p:spTree>
+    <p:extLst>
+      <p:ext uri="{BB962C8B-B14F-4D97-AF65-F5344CB8AC3E}">
+        <p14:creationId xmlns:p14="http://schemas.microsoft.com/office/powerpoint/2010/main" val="3766945758"/>
+      </p:ext>
+    </p:extLst>
+  </p:cSld>
+  <p:clrMapOvr>
+    <a:masterClrMapping/>
+  </p:clrMapOvr>
+  <p:timing>
+    <p:tnLst>
+      <p:par>
+        <p:cTn id="1" dur="indefinite" restart="never" nodeType="tmRoot"/>
+      </p:par>
+    </p:tnLst>
+  </p:timing>
 </p:sld>
 </file>
 
@@ -3081,7 +3308,9 @@
         </p:nvSpPr>
         <p:spPr/>
         <p:txBody>
-          <a:bodyPr/>
+          <a:bodyPr>
+            <a:normAutofit lnSpcReduction="10000"/>
+          </a:bodyPr>
           <a:lstStyle/>
           <a:p>
             <a:r>
@@ -3147,7 +3376,18 @@
             <a:pPr lvl="1"/>
             <a:r>
               <a:rPr lang="en-US" smtClean="0"/>
-              <a:t>Verify the individual components perform as expected</a:t>
+              <a:t>Verify the individual components perform as </a:t>
+            </a:r>
+            <a:r>
+              <a:rPr lang="en-US" smtClean="0"/>
+              <a:t>expected</a:t>
+            </a:r>
+          </a:p>
+          <a:p>
+            <a:pPr lvl="1"/>
+            <a:r>
+              <a:rPr lang="en-US" smtClean="0"/>
+              <a:t>Gain confidence that “done” code is still working as the program changes</a:t>
             </a:r>
             <a:endParaRPr lang="en-US"/>
           </a:p>
@@ -3163,6 +3403,566 @@
   <p:clrMapOvr>
     <a:masterClrMapping/>
   </p:clrMapOvr>
+  <p:timing>
+    <p:tnLst>
+      <p:par>
+        <p:cTn id="1" dur="indefinite" restart="never" nodeType="tmRoot">
+          <p:childTnLst>
+            <p:seq concurrent="1" nextAc="seek">
+              <p:cTn id="2" dur="indefinite" nodeType="mainSeq">
+                <p:childTnLst>
+                  <p:par>
+                    <p:cTn id="3" fill="hold">
+                      <p:stCondLst>
+                        <p:cond delay="indefinite"/>
+                      </p:stCondLst>
+                      <p:childTnLst>
+                        <p:par>
+                          <p:cTn id="4" fill="hold">
+                            <p:stCondLst>
+                              <p:cond delay="0"/>
+                            </p:stCondLst>
+                            <p:childTnLst>
+                              <p:par>
+                                <p:cTn id="5" presetID="10" presetClass="entr" presetSubtype="0" fill="hold" grpId="0" nodeType="clickEffect">
+                                  <p:stCondLst>
+                                    <p:cond delay="0"/>
+                                  </p:stCondLst>
+                                  <p:childTnLst>
+                                    <p:set>
+                                      <p:cBhvr>
+                                        <p:cTn id="6" dur="1" fill="hold">
+                                          <p:stCondLst>
+                                            <p:cond delay="0"/>
+                                          </p:stCondLst>
+                                        </p:cTn>
+                                        <p:tgtEl>
+                                          <p:spTgt spid="3">
+                                            <p:txEl>
+                                              <p:pRg st="0" end="0"/>
+                                            </p:txEl>
+                                          </p:spTgt>
+                                        </p:tgtEl>
+                                        <p:attrNameLst>
+                                          <p:attrName>style.visibility</p:attrName>
+                                        </p:attrNameLst>
+                                      </p:cBhvr>
+                                      <p:to>
+                                        <p:strVal val="visible"/>
+                                      </p:to>
+                                    </p:set>
+                                    <p:animEffect transition="in" filter="fade">
+                                      <p:cBhvr>
+                                        <p:cTn id="7" dur="500"/>
+                                        <p:tgtEl>
+                                          <p:spTgt spid="3">
+                                            <p:txEl>
+                                              <p:pRg st="0" end="0"/>
+                                            </p:txEl>
+                                          </p:spTgt>
+                                        </p:tgtEl>
+                                      </p:cBhvr>
+                                    </p:animEffect>
+                                  </p:childTnLst>
+                                </p:cTn>
+                              </p:par>
+                              <p:par>
+                                <p:cTn id="8" presetID="10" presetClass="entr" presetSubtype="0" fill="hold" grpId="0" nodeType="withEffect">
+                                  <p:stCondLst>
+                                    <p:cond delay="0"/>
+                                  </p:stCondLst>
+                                  <p:childTnLst>
+                                    <p:set>
+                                      <p:cBhvr>
+                                        <p:cTn id="9" dur="1" fill="hold">
+                                          <p:stCondLst>
+                                            <p:cond delay="0"/>
+                                          </p:stCondLst>
+                                        </p:cTn>
+                                        <p:tgtEl>
+                                          <p:spTgt spid="3">
+                                            <p:txEl>
+                                              <p:pRg st="1" end="1"/>
+                                            </p:txEl>
+                                          </p:spTgt>
+                                        </p:tgtEl>
+                                        <p:attrNameLst>
+                                          <p:attrName>style.visibility</p:attrName>
+                                        </p:attrNameLst>
+                                      </p:cBhvr>
+                                      <p:to>
+                                        <p:strVal val="visible"/>
+                                      </p:to>
+                                    </p:set>
+                                    <p:animEffect transition="in" filter="fade">
+                                      <p:cBhvr>
+                                        <p:cTn id="10" dur="500"/>
+                                        <p:tgtEl>
+                                          <p:spTgt spid="3">
+                                            <p:txEl>
+                                              <p:pRg st="1" end="1"/>
+                                            </p:txEl>
+                                          </p:spTgt>
+                                        </p:tgtEl>
+                                      </p:cBhvr>
+                                    </p:animEffect>
+                                  </p:childTnLst>
+                                </p:cTn>
+                              </p:par>
+                              <p:par>
+                                <p:cTn id="11" presetID="10" presetClass="entr" presetSubtype="0" fill="hold" grpId="0" nodeType="withEffect">
+                                  <p:stCondLst>
+                                    <p:cond delay="0"/>
+                                  </p:stCondLst>
+                                  <p:childTnLst>
+                                    <p:set>
+                                      <p:cBhvr>
+                                        <p:cTn id="12" dur="1" fill="hold">
+                                          <p:stCondLst>
+                                            <p:cond delay="0"/>
+                                          </p:stCondLst>
+                                        </p:cTn>
+                                        <p:tgtEl>
+                                          <p:spTgt spid="3">
+                                            <p:txEl>
+                                              <p:pRg st="2" end="2"/>
+                                            </p:txEl>
+                                          </p:spTgt>
+                                        </p:tgtEl>
+                                        <p:attrNameLst>
+                                          <p:attrName>style.visibility</p:attrName>
+                                        </p:attrNameLst>
+                                      </p:cBhvr>
+                                      <p:to>
+                                        <p:strVal val="visible"/>
+                                      </p:to>
+                                    </p:set>
+                                    <p:animEffect transition="in" filter="fade">
+                                      <p:cBhvr>
+                                        <p:cTn id="13" dur="500"/>
+                                        <p:tgtEl>
+                                          <p:spTgt spid="3">
+                                            <p:txEl>
+                                              <p:pRg st="2" end="2"/>
+                                            </p:txEl>
+                                          </p:spTgt>
+                                        </p:tgtEl>
+                                      </p:cBhvr>
+                                    </p:animEffect>
+                                  </p:childTnLst>
+                                </p:cTn>
+                              </p:par>
+                              <p:par>
+                                <p:cTn id="14" presetID="10" presetClass="entr" presetSubtype="0" fill="hold" grpId="0" nodeType="withEffect">
+                                  <p:stCondLst>
+                                    <p:cond delay="0"/>
+                                  </p:stCondLst>
+                                  <p:childTnLst>
+                                    <p:set>
+                                      <p:cBhvr>
+                                        <p:cTn id="15" dur="1" fill="hold">
+                                          <p:stCondLst>
+                                            <p:cond delay="0"/>
+                                          </p:stCondLst>
+                                        </p:cTn>
+                                        <p:tgtEl>
+                                          <p:spTgt spid="3">
+                                            <p:txEl>
+                                              <p:pRg st="3" end="3"/>
+                                            </p:txEl>
+                                          </p:spTgt>
+                                        </p:tgtEl>
+                                        <p:attrNameLst>
+                                          <p:attrName>style.visibility</p:attrName>
+                                        </p:attrNameLst>
+                                      </p:cBhvr>
+                                      <p:to>
+                                        <p:strVal val="visible"/>
+                                      </p:to>
+                                    </p:set>
+                                    <p:animEffect transition="in" filter="fade">
+                                      <p:cBhvr>
+                                        <p:cTn id="16" dur="500"/>
+                                        <p:tgtEl>
+                                          <p:spTgt spid="3">
+                                            <p:txEl>
+                                              <p:pRg st="3" end="3"/>
+                                            </p:txEl>
+                                          </p:spTgt>
+                                        </p:tgtEl>
+                                      </p:cBhvr>
+                                    </p:animEffect>
+                                  </p:childTnLst>
+                                </p:cTn>
+                              </p:par>
+                            </p:childTnLst>
+                          </p:cTn>
+                        </p:par>
+                      </p:childTnLst>
+                    </p:cTn>
+                  </p:par>
+                  <p:par>
+                    <p:cTn id="17" fill="hold">
+                      <p:stCondLst>
+                        <p:cond delay="indefinite"/>
+                      </p:stCondLst>
+                      <p:childTnLst>
+                        <p:par>
+                          <p:cTn id="18" fill="hold">
+                            <p:stCondLst>
+                              <p:cond delay="0"/>
+                            </p:stCondLst>
+                            <p:childTnLst>
+                              <p:par>
+                                <p:cTn id="19" presetID="10" presetClass="entr" presetSubtype="0" fill="hold" grpId="0" nodeType="clickEffect">
+                                  <p:stCondLst>
+                                    <p:cond delay="0"/>
+                                  </p:stCondLst>
+                                  <p:childTnLst>
+                                    <p:set>
+                                      <p:cBhvr>
+                                        <p:cTn id="20" dur="1" fill="hold">
+                                          <p:stCondLst>
+                                            <p:cond delay="0"/>
+                                          </p:stCondLst>
+                                        </p:cTn>
+                                        <p:tgtEl>
+                                          <p:spTgt spid="3">
+                                            <p:txEl>
+                                              <p:pRg st="4" end="4"/>
+                                            </p:txEl>
+                                          </p:spTgt>
+                                        </p:tgtEl>
+                                        <p:attrNameLst>
+                                          <p:attrName>style.visibility</p:attrName>
+                                        </p:attrNameLst>
+                                      </p:cBhvr>
+                                      <p:to>
+                                        <p:strVal val="visible"/>
+                                      </p:to>
+                                    </p:set>
+                                    <p:animEffect transition="in" filter="fade">
+                                      <p:cBhvr>
+                                        <p:cTn id="21" dur="500"/>
+                                        <p:tgtEl>
+                                          <p:spTgt spid="3">
+                                            <p:txEl>
+                                              <p:pRg st="4" end="4"/>
+                                            </p:txEl>
+                                          </p:spTgt>
+                                        </p:tgtEl>
+                                      </p:cBhvr>
+                                    </p:animEffect>
+                                  </p:childTnLst>
+                                </p:cTn>
+                              </p:par>
+                              <p:par>
+                                <p:cTn id="22" presetID="10" presetClass="entr" presetSubtype="0" fill="hold" grpId="0" nodeType="withEffect">
+                                  <p:stCondLst>
+                                    <p:cond delay="0"/>
+                                  </p:stCondLst>
+                                  <p:childTnLst>
+                                    <p:set>
+                                      <p:cBhvr>
+                                        <p:cTn id="23" dur="1" fill="hold">
+                                          <p:stCondLst>
+                                            <p:cond delay="0"/>
+                                          </p:stCondLst>
+                                        </p:cTn>
+                                        <p:tgtEl>
+                                          <p:spTgt spid="3">
+                                            <p:txEl>
+                                              <p:pRg st="5" end="5"/>
+                                            </p:txEl>
+                                          </p:spTgt>
+                                        </p:tgtEl>
+                                        <p:attrNameLst>
+                                          <p:attrName>style.visibility</p:attrName>
+                                        </p:attrNameLst>
+                                      </p:cBhvr>
+                                      <p:to>
+                                        <p:strVal val="visible"/>
+                                      </p:to>
+                                    </p:set>
+                                    <p:animEffect transition="in" filter="fade">
+                                      <p:cBhvr>
+                                        <p:cTn id="24" dur="500"/>
+                                        <p:tgtEl>
+                                          <p:spTgt spid="3">
+                                            <p:txEl>
+                                              <p:pRg st="5" end="5"/>
+                                            </p:txEl>
+                                          </p:spTgt>
+                                        </p:tgtEl>
+                                      </p:cBhvr>
+                                    </p:animEffect>
+                                  </p:childTnLst>
+                                </p:cTn>
+                              </p:par>
+                              <p:par>
+                                <p:cTn id="25" presetID="10" presetClass="entr" presetSubtype="0" fill="hold" grpId="0" nodeType="withEffect">
+                                  <p:stCondLst>
+                                    <p:cond delay="0"/>
+                                  </p:stCondLst>
+                                  <p:childTnLst>
+                                    <p:set>
+                                      <p:cBhvr>
+                                        <p:cTn id="26" dur="1" fill="hold">
+                                          <p:stCondLst>
+                                            <p:cond delay="0"/>
+                                          </p:stCondLst>
+                                        </p:cTn>
+                                        <p:tgtEl>
+                                          <p:spTgt spid="3">
+                                            <p:txEl>
+                                              <p:pRg st="6" end="6"/>
+                                            </p:txEl>
+                                          </p:spTgt>
+                                        </p:tgtEl>
+                                        <p:attrNameLst>
+                                          <p:attrName>style.visibility</p:attrName>
+                                        </p:attrNameLst>
+                                      </p:cBhvr>
+                                      <p:to>
+                                        <p:strVal val="visible"/>
+                                      </p:to>
+                                    </p:set>
+                                    <p:animEffect transition="in" filter="fade">
+                                      <p:cBhvr>
+                                        <p:cTn id="27" dur="500"/>
+                                        <p:tgtEl>
+                                          <p:spTgt spid="3">
+                                            <p:txEl>
+                                              <p:pRg st="6" end="6"/>
+                                            </p:txEl>
+                                          </p:spTgt>
+                                        </p:tgtEl>
+                                      </p:cBhvr>
+                                    </p:animEffect>
+                                  </p:childTnLst>
+                                </p:cTn>
+                              </p:par>
+                              <p:par>
+                                <p:cTn id="28" presetID="10" presetClass="entr" presetSubtype="0" fill="hold" grpId="0" nodeType="withEffect">
+                                  <p:stCondLst>
+                                    <p:cond delay="0"/>
+                                  </p:stCondLst>
+                                  <p:childTnLst>
+                                    <p:set>
+                                      <p:cBhvr>
+                                        <p:cTn id="29" dur="1" fill="hold">
+                                          <p:stCondLst>
+                                            <p:cond delay="0"/>
+                                          </p:stCondLst>
+                                        </p:cTn>
+                                        <p:tgtEl>
+                                          <p:spTgt spid="3">
+                                            <p:txEl>
+                                              <p:pRg st="7" end="7"/>
+                                            </p:txEl>
+                                          </p:spTgt>
+                                        </p:tgtEl>
+                                        <p:attrNameLst>
+                                          <p:attrName>style.visibility</p:attrName>
+                                        </p:attrNameLst>
+                                      </p:cBhvr>
+                                      <p:to>
+                                        <p:strVal val="visible"/>
+                                      </p:to>
+                                    </p:set>
+                                    <p:animEffect transition="in" filter="fade">
+                                      <p:cBhvr>
+                                        <p:cTn id="30" dur="500"/>
+                                        <p:tgtEl>
+                                          <p:spTgt spid="3">
+                                            <p:txEl>
+                                              <p:pRg st="7" end="7"/>
+                                            </p:txEl>
+                                          </p:spTgt>
+                                        </p:tgtEl>
+                                      </p:cBhvr>
+                                    </p:animEffect>
+                                  </p:childTnLst>
+                                </p:cTn>
+                              </p:par>
+                            </p:childTnLst>
+                          </p:cTn>
+                        </p:par>
+                      </p:childTnLst>
+                    </p:cTn>
+                  </p:par>
+                  <p:par>
+                    <p:cTn id="31" fill="hold">
+                      <p:stCondLst>
+                        <p:cond delay="indefinite"/>
+                      </p:stCondLst>
+                      <p:childTnLst>
+                        <p:par>
+                          <p:cTn id="32" fill="hold">
+                            <p:stCondLst>
+                              <p:cond delay="0"/>
+                            </p:stCondLst>
+                            <p:childTnLst>
+                              <p:par>
+                                <p:cTn id="33" presetID="10" presetClass="entr" presetSubtype="0" fill="hold" grpId="0" nodeType="clickEffect">
+                                  <p:stCondLst>
+                                    <p:cond delay="0"/>
+                                  </p:stCondLst>
+                                  <p:childTnLst>
+                                    <p:set>
+                                      <p:cBhvr>
+                                        <p:cTn id="34" dur="1" fill="hold">
+                                          <p:stCondLst>
+                                            <p:cond delay="0"/>
+                                          </p:stCondLst>
+                                        </p:cTn>
+                                        <p:tgtEl>
+                                          <p:spTgt spid="3">
+                                            <p:txEl>
+                                              <p:pRg st="8" end="8"/>
+                                            </p:txEl>
+                                          </p:spTgt>
+                                        </p:tgtEl>
+                                        <p:attrNameLst>
+                                          <p:attrName>style.visibility</p:attrName>
+                                        </p:attrNameLst>
+                                      </p:cBhvr>
+                                      <p:to>
+                                        <p:strVal val="visible"/>
+                                      </p:to>
+                                    </p:set>
+                                    <p:animEffect transition="in" filter="fade">
+                                      <p:cBhvr>
+                                        <p:cTn id="35" dur="500"/>
+                                        <p:tgtEl>
+                                          <p:spTgt spid="3">
+                                            <p:txEl>
+                                              <p:pRg st="8" end="8"/>
+                                            </p:txEl>
+                                          </p:spTgt>
+                                        </p:tgtEl>
+                                      </p:cBhvr>
+                                    </p:animEffect>
+                                  </p:childTnLst>
+                                </p:cTn>
+                              </p:par>
+                              <p:par>
+                                <p:cTn id="36" presetID="10" presetClass="entr" presetSubtype="0" fill="hold" grpId="0" nodeType="withEffect">
+                                  <p:stCondLst>
+                                    <p:cond delay="0"/>
+                                  </p:stCondLst>
+                                  <p:childTnLst>
+                                    <p:set>
+                                      <p:cBhvr>
+                                        <p:cTn id="37" dur="1" fill="hold">
+                                          <p:stCondLst>
+                                            <p:cond delay="0"/>
+                                          </p:stCondLst>
+                                        </p:cTn>
+                                        <p:tgtEl>
+                                          <p:spTgt spid="3">
+                                            <p:txEl>
+                                              <p:pRg st="9" end="9"/>
+                                            </p:txEl>
+                                          </p:spTgt>
+                                        </p:tgtEl>
+                                        <p:attrNameLst>
+                                          <p:attrName>style.visibility</p:attrName>
+                                        </p:attrNameLst>
+                                      </p:cBhvr>
+                                      <p:to>
+                                        <p:strVal val="visible"/>
+                                      </p:to>
+                                    </p:set>
+                                    <p:animEffect transition="in" filter="fade">
+                                      <p:cBhvr>
+                                        <p:cTn id="38" dur="500"/>
+                                        <p:tgtEl>
+                                          <p:spTgt spid="3">
+                                            <p:txEl>
+                                              <p:pRg st="9" end="9"/>
+                                            </p:txEl>
+                                          </p:spTgt>
+                                        </p:tgtEl>
+                                      </p:cBhvr>
+                                    </p:animEffect>
+                                  </p:childTnLst>
+                                </p:cTn>
+                              </p:par>
+                              <p:par>
+                                <p:cTn id="39" presetID="10" presetClass="entr" presetSubtype="0" fill="hold" grpId="0" nodeType="withEffect">
+                                  <p:stCondLst>
+                                    <p:cond delay="0"/>
+                                  </p:stCondLst>
+                                  <p:childTnLst>
+                                    <p:set>
+                                      <p:cBhvr>
+                                        <p:cTn id="40" dur="1" fill="hold">
+                                          <p:stCondLst>
+                                            <p:cond delay="0"/>
+                                          </p:stCondLst>
+                                        </p:cTn>
+                                        <p:tgtEl>
+                                          <p:spTgt spid="3">
+                                            <p:txEl>
+                                              <p:pRg st="10" end="10"/>
+                                            </p:txEl>
+                                          </p:spTgt>
+                                        </p:tgtEl>
+                                        <p:attrNameLst>
+                                          <p:attrName>style.visibility</p:attrName>
+                                        </p:attrNameLst>
+                                      </p:cBhvr>
+                                      <p:to>
+                                        <p:strVal val="visible"/>
+                                      </p:to>
+                                    </p:set>
+                                    <p:animEffect transition="in" filter="fade">
+                                      <p:cBhvr>
+                                        <p:cTn id="41" dur="500"/>
+                                        <p:tgtEl>
+                                          <p:spTgt spid="3">
+                                            <p:txEl>
+                                              <p:pRg st="10" end="10"/>
+                                            </p:txEl>
+                                          </p:spTgt>
+                                        </p:tgtEl>
+                                      </p:cBhvr>
+                                    </p:animEffect>
+                                  </p:childTnLst>
+                                </p:cTn>
+                              </p:par>
+                            </p:childTnLst>
+                          </p:cTn>
+                        </p:par>
+                      </p:childTnLst>
+                    </p:cTn>
+                  </p:par>
+                </p:childTnLst>
+              </p:cTn>
+              <p:prevCondLst>
+                <p:cond evt="onPrev" delay="0">
+                  <p:tgtEl>
+                    <p:sldTgt/>
+                  </p:tgtEl>
+                </p:cond>
+              </p:prevCondLst>
+              <p:nextCondLst>
+                <p:cond evt="onNext" delay="0">
+                  <p:tgtEl>
+                    <p:sldTgt/>
+                  </p:tgtEl>
+                </p:cond>
+              </p:nextCondLst>
+            </p:seq>
+          </p:childTnLst>
+        </p:cTn>
+      </p:par>
+    </p:tnLst>
+    <p:bldLst>
+      <p:bldP spid="3" grpId="0" build="p"/>
+    </p:bldLst>
+  </p:timing>
 </p:sld>
 </file>
 
@@ -3200,7 +4000,11 @@
           <a:p>
             <a:r>
               <a:rPr lang="en-US" smtClean="0"/>
-              <a:t>An Introduction to SOLID and TDD</a:t>
+              <a:t>An Introduction to </a:t>
+            </a:r>
+            <a:r>
+              <a:rPr lang="en-US" smtClean="0"/>
+              <a:t>SOLID</a:t>
             </a:r>
             <a:endParaRPr lang="en-US"/>
           </a:p>
@@ -3293,7 +4097,11 @@
             <a:pPr lvl="1"/>
             <a:r>
               <a:rPr lang="en-US" b="1" i="1" smtClean="0"/>
-              <a:t>THIS is what we’ll unit test</a:t>
+              <a:t>THIS is what we’ll unit </a:t>
+            </a:r>
+            <a:r>
+              <a:rPr lang="en-US" b="1" i="1" smtClean="0"/>
+              <a:t>test tonight</a:t>
             </a:r>
             <a:endParaRPr lang="en-US" b="1" i="1"/>
           </a:p>
@@ -3309,6 +4117,592 @@
   <p:clrMapOvr>
     <a:masterClrMapping/>
   </p:clrMapOvr>
+  <p:timing>
+    <p:tnLst>
+      <p:par>
+        <p:cTn id="1" dur="indefinite" restart="never" nodeType="tmRoot">
+          <p:childTnLst>
+            <p:seq concurrent="1" nextAc="seek">
+              <p:cTn id="2" dur="indefinite" nodeType="mainSeq">
+                <p:childTnLst>
+                  <p:par>
+                    <p:cTn id="3" fill="hold">
+                      <p:stCondLst>
+                        <p:cond delay="indefinite"/>
+                      </p:stCondLst>
+                      <p:childTnLst>
+                        <p:par>
+                          <p:cTn id="4" fill="hold">
+                            <p:stCondLst>
+                              <p:cond delay="0"/>
+                            </p:stCondLst>
+                            <p:childTnLst>
+                              <p:par>
+                                <p:cTn id="5" presetID="10" presetClass="entr" presetSubtype="0" fill="hold" nodeType="clickEffect">
+                                  <p:stCondLst>
+                                    <p:cond delay="0"/>
+                                  </p:stCondLst>
+                                  <p:childTnLst>
+                                    <p:set>
+                                      <p:cBhvr>
+                                        <p:cTn id="6" dur="1" fill="hold">
+                                          <p:stCondLst>
+                                            <p:cond delay="0"/>
+                                          </p:stCondLst>
+                                        </p:cTn>
+                                        <p:tgtEl>
+                                          <p:spTgt spid="3">
+                                            <p:txEl>
+                                              <p:pRg st="0" end="0"/>
+                                            </p:txEl>
+                                          </p:spTgt>
+                                        </p:tgtEl>
+                                        <p:attrNameLst>
+                                          <p:attrName>style.visibility</p:attrName>
+                                        </p:attrNameLst>
+                                      </p:cBhvr>
+                                      <p:to>
+                                        <p:strVal val="visible"/>
+                                      </p:to>
+                                    </p:set>
+                                    <p:animEffect transition="in" filter="fade">
+                                      <p:cBhvr>
+                                        <p:cTn id="7" dur="500"/>
+                                        <p:tgtEl>
+                                          <p:spTgt spid="3">
+                                            <p:txEl>
+                                              <p:pRg st="0" end="0"/>
+                                            </p:txEl>
+                                          </p:spTgt>
+                                        </p:tgtEl>
+                                      </p:cBhvr>
+                                    </p:animEffect>
+                                  </p:childTnLst>
+                                </p:cTn>
+                              </p:par>
+                            </p:childTnLst>
+                          </p:cTn>
+                        </p:par>
+                      </p:childTnLst>
+                    </p:cTn>
+                  </p:par>
+                  <p:par>
+                    <p:cTn id="8" fill="hold">
+                      <p:stCondLst>
+                        <p:cond delay="indefinite"/>
+                      </p:stCondLst>
+                      <p:childTnLst>
+                        <p:par>
+                          <p:cTn id="9" fill="hold">
+                            <p:stCondLst>
+                              <p:cond delay="0"/>
+                            </p:stCondLst>
+                            <p:childTnLst>
+                              <p:par>
+                                <p:cTn id="10" presetID="10" presetClass="entr" presetSubtype="0" fill="hold" nodeType="clickEffect">
+                                  <p:stCondLst>
+                                    <p:cond delay="0"/>
+                                  </p:stCondLst>
+                                  <p:childTnLst>
+                                    <p:set>
+                                      <p:cBhvr>
+                                        <p:cTn id="11" dur="1" fill="hold">
+                                          <p:stCondLst>
+                                            <p:cond delay="0"/>
+                                          </p:stCondLst>
+                                        </p:cTn>
+                                        <p:tgtEl>
+                                          <p:spTgt spid="3">
+                                            <p:txEl>
+                                              <p:pRg st="1" end="1"/>
+                                            </p:txEl>
+                                          </p:spTgt>
+                                        </p:tgtEl>
+                                        <p:attrNameLst>
+                                          <p:attrName>style.visibility</p:attrName>
+                                        </p:attrNameLst>
+                                      </p:cBhvr>
+                                      <p:to>
+                                        <p:strVal val="visible"/>
+                                      </p:to>
+                                    </p:set>
+                                    <p:animEffect transition="in" filter="fade">
+                                      <p:cBhvr>
+                                        <p:cTn id="12" dur="500"/>
+                                        <p:tgtEl>
+                                          <p:spTgt spid="3">
+                                            <p:txEl>
+                                              <p:pRg st="1" end="1"/>
+                                            </p:txEl>
+                                          </p:spTgt>
+                                        </p:tgtEl>
+                                      </p:cBhvr>
+                                    </p:animEffect>
+                                  </p:childTnLst>
+                                </p:cTn>
+                              </p:par>
+                            </p:childTnLst>
+                          </p:cTn>
+                        </p:par>
+                      </p:childTnLst>
+                    </p:cTn>
+                  </p:par>
+                  <p:par>
+                    <p:cTn id="13" fill="hold">
+                      <p:stCondLst>
+                        <p:cond delay="indefinite"/>
+                      </p:stCondLst>
+                      <p:childTnLst>
+                        <p:par>
+                          <p:cTn id="14" fill="hold">
+                            <p:stCondLst>
+                              <p:cond delay="0"/>
+                            </p:stCondLst>
+                            <p:childTnLst>
+                              <p:par>
+                                <p:cTn id="15" presetID="10" presetClass="entr" presetSubtype="0" fill="hold" nodeType="clickEffect">
+                                  <p:stCondLst>
+                                    <p:cond delay="0"/>
+                                  </p:stCondLst>
+                                  <p:childTnLst>
+                                    <p:set>
+                                      <p:cBhvr>
+                                        <p:cTn id="16" dur="1" fill="hold">
+                                          <p:stCondLst>
+                                            <p:cond delay="0"/>
+                                          </p:stCondLst>
+                                        </p:cTn>
+                                        <p:tgtEl>
+                                          <p:spTgt spid="3">
+                                            <p:txEl>
+                                              <p:pRg st="2" end="2"/>
+                                            </p:txEl>
+                                          </p:spTgt>
+                                        </p:tgtEl>
+                                        <p:attrNameLst>
+                                          <p:attrName>style.visibility</p:attrName>
+                                        </p:attrNameLst>
+                                      </p:cBhvr>
+                                      <p:to>
+                                        <p:strVal val="visible"/>
+                                      </p:to>
+                                    </p:set>
+                                    <p:animEffect transition="in" filter="fade">
+                                      <p:cBhvr>
+                                        <p:cTn id="17" dur="500"/>
+                                        <p:tgtEl>
+                                          <p:spTgt spid="3">
+                                            <p:txEl>
+                                              <p:pRg st="2" end="2"/>
+                                            </p:txEl>
+                                          </p:spTgt>
+                                        </p:tgtEl>
+                                      </p:cBhvr>
+                                    </p:animEffect>
+                                  </p:childTnLst>
+                                </p:cTn>
+                              </p:par>
+                              <p:par>
+                                <p:cTn id="18" presetID="10" presetClass="entr" presetSubtype="0" fill="hold" nodeType="withEffect">
+                                  <p:stCondLst>
+                                    <p:cond delay="0"/>
+                                  </p:stCondLst>
+                                  <p:childTnLst>
+                                    <p:set>
+                                      <p:cBhvr>
+                                        <p:cTn id="19" dur="1" fill="hold">
+                                          <p:stCondLst>
+                                            <p:cond delay="0"/>
+                                          </p:stCondLst>
+                                        </p:cTn>
+                                        <p:tgtEl>
+                                          <p:spTgt spid="3">
+                                            <p:txEl>
+                                              <p:pRg st="3" end="3"/>
+                                            </p:txEl>
+                                          </p:spTgt>
+                                        </p:tgtEl>
+                                        <p:attrNameLst>
+                                          <p:attrName>style.visibility</p:attrName>
+                                        </p:attrNameLst>
+                                      </p:cBhvr>
+                                      <p:to>
+                                        <p:strVal val="visible"/>
+                                      </p:to>
+                                    </p:set>
+                                    <p:animEffect transition="in" filter="fade">
+                                      <p:cBhvr>
+                                        <p:cTn id="20" dur="500"/>
+                                        <p:tgtEl>
+                                          <p:spTgt spid="3">
+                                            <p:txEl>
+                                              <p:pRg st="3" end="3"/>
+                                            </p:txEl>
+                                          </p:spTgt>
+                                        </p:tgtEl>
+                                      </p:cBhvr>
+                                    </p:animEffect>
+                                  </p:childTnLst>
+                                </p:cTn>
+                              </p:par>
+                              <p:par>
+                                <p:cTn id="21" presetID="10" presetClass="entr" presetSubtype="0" fill="hold" nodeType="withEffect">
+                                  <p:stCondLst>
+                                    <p:cond delay="0"/>
+                                  </p:stCondLst>
+                                  <p:childTnLst>
+                                    <p:set>
+                                      <p:cBhvr>
+                                        <p:cTn id="22" dur="1" fill="hold">
+                                          <p:stCondLst>
+                                            <p:cond delay="0"/>
+                                          </p:stCondLst>
+                                        </p:cTn>
+                                        <p:tgtEl>
+                                          <p:spTgt spid="3">
+                                            <p:txEl>
+                                              <p:pRg st="4" end="4"/>
+                                            </p:txEl>
+                                          </p:spTgt>
+                                        </p:tgtEl>
+                                        <p:attrNameLst>
+                                          <p:attrName>style.visibility</p:attrName>
+                                        </p:attrNameLst>
+                                      </p:cBhvr>
+                                      <p:to>
+                                        <p:strVal val="visible"/>
+                                      </p:to>
+                                    </p:set>
+                                    <p:animEffect transition="in" filter="fade">
+                                      <p:cBhvr>
+                                        <p:cTn id="23" dur="500"/>
+                                        <p:tgtEl>
+                                          <p:spTgt spid="3">
+                                            <p:txEl>
+                                              <p:pRg st="4" end="4"/>
+                                            </p:txEl>
+                                          </p:spTgt>
+                                        </p:tgtEl>
+                                      </p:cBhvr>
+                                    </p:animEffect>
+                                  </p:childTnLst>
+                                </p:cTn>
+                              </p:par>
+                              <p:par>
+                                <p:cTn id="24" presetID="10" presetClass="entr" presetSubtype="0" fill="hold" nodeType="withEffect">
+                                  <p:stCondLst>
+                                    <p:cond delay="0"/>
+                                  </p:stCondLst>
+                                  <p:childTnLst>
+                                    <p:set>
+                                      <p:cBhvr>
+                                        <p:cTn id="25" dur="1" fill="hold">
+                                          <p:stCondLst>
+                                            <p:cond delay="0"/>
+                                          </p:stCondLst>
+                                        </p:cTn>
+                                        <p:tgtEl>
+                                          <p:spTgt spid="3">
+                                            <p:txEl>
+                                              <p:pRg st="5" end="5"/>
+                                            </p:txEl>
+                                          </p:spTgt>
+                                        </p:tgtEl>
+                                        <p:attrNameLst>
+                                          <p:attrName>style.visibility</p:attrName>
+                                        </p:attrNameLst>
+                                      </p:cBhvr>
+                                      <p:to>
+                                        <p:strVal val="visible"/>
+                                      </p:to>
+                                    </p:set>
+                                    <p:animEffect transition="in" filter="fade">
+                                      <p:cBhvr>
+                                        <p:cTn id="26" dur="500"/>
+                                        <p:tgtEl>
+                                          <p:spTgt spid="3">
+                                            <p:txEl>
+                                              <p:pRg st="5" end="5"/>
+                                            </p:txEl>
+                                          </p:spTgt>
+                                        </p:tgtEl>
+                                      </p:cBhvr>
+                                    </p:animEffect>
+                                  </p:childTnLst>
+                                </p:cTn>
+                              </p:par>
+                            </p:childTnLst>
+                          </p:cTn>
+                        </p:par>
+                      </p:childTnLst>
+                    </p:cTn>
+                  </p:par>
+                  <p:par>
+                    <p:cTn id="27" fill="hold">
+                      <p:stCondLst>
+                        <p:cond delay="indefinite"/>
+                      </p:stCondLst>
+                      <p:childTnLst>
+                        <p:par>
+                          <p:cTn id="28" fill="hold">
+                            <p:stCondLst>
+                              <p:cond delay="0"/>
+                            </p:stCondLst>
+                            <p:childTnLst>
+                              <p:par>
+                                <p:cTn id="29" presetID="10" presetClass="entr" presetSubtype="0" fill="hold" nodeType="clickEffect">
+                                  <p:stCondLst>
+                                    <p:cond delay="0"/>
+                                  </p:stCondLst>
+                                  <p:childTnLst>
+                                    <p:set>
+                                      <p:cBhvr>
+                                        <p:cTn id="30" dur="1" fill="hold">
+                                          <p:stCondLst>
+                                            <p:cond delay="0"/>
+                                          </p:stCondLst>
+                                        </p:cTn>
+                                        <p:tgtEl>
+                                          <p:spTgt spid="3">
+                                            <p:txEl>
+                                              <p:pRg st="6" end="6"/>
+                                            </p:txEl>
+                                          </p:spTgt>
+                                        </p:tgtEl>
+                                        <p:attrNameLst>
+                                          <p:attrName>style.visibility</p:attrName>
+                                        </p:attrNameLst>
+                                      </p:cBhvr>
+                                      <p:to>
+                                        <p:strVal val="visible"/>
+                                      </p:to>
+                                    </p:set>
+                                    <p:animEffect transition="in" filter="fade">
+                                      <p:cBhvr>
+                                        <p:cTn id="31" dur="500"/>
+                                        <p:tgtEl>
+                                          <p:spTgt spid="3">
+                                            <p:txEl>
+                                              <p:pRg st="6" end="6"/>
+                                            </p:txEl>
+                                          </p:spTgt>
+                                        </p:tgtEl>
+                                      </p:cBhvr>
+                                    </p:animEffect>
+                                  </p:childTnLst>
+                                </p:cTn>
+                              </p:par>
+                            </p:childTnLst>
+                          </p:cTn>
+                        </p:par>
+                      </p:childTnLst>
+                    </p:cTn>
+                  </p:par>
+                  <p:par>
+                    <p:cTn id="32" fill="hold">
+                      <p:stCondLst>
+                        <p:cond delay="indefinite"/>
+                      </p:stCondLst>
+                      <p:childTnLst>
+                        <p:par>
+                          <p:cTn id="33" fill="hold">
+                            <p:stCondLst>
+                              <p:cond delay="0"/>
+                            </p:stCondLst>
+                            <p:childTnLst>
+                              <p:par>
+                                <p:cTn id="34" presetID="10" presetClass="entr" presetSubtype="0" fill="hold" nodeType="clickEffect">
+                                  <p:stCondLst>
+                                    <p:cond delay="0"/>
+                                  </p:stCondLst>
+                                  <p:childTnLst>
+                                    <p:set>
+                                      <p:cBhvr>
+                                        <p:cTn id="35" dur="1" fill="hold">
+                                          <p:stCondLst>
+                                            <p:cond delay="0"/>
+                                          </p:stCondLst>
+                                        </p:cTn>
+                                        <p:tgtEl>
+                                          <p:spTgt spid="3">
+                                            <p:txEl>
+                                              <p:pRg st="7" end="7"/>
+                                            </p:txEl>
+                                          </p:spTgt>
+                                        </p:tgtEl>
+                                        <p:attrNameLst>
+                                          <p:attrName>style.visibility</p:attrName>
+                                        </p:attrNameLst>
+                                      </p:cBhvr>
+                                      <p:to>
+                                        <p:strVal val="visible"/>
+                                      </p:to>
+                                    </p:set>
+                                    <p:animEffect transition="in" filter="fade">
+                                      <p:cBhvr>
+                                        <p:cTn id="36" dur="500"/>
+                                        <p:tgtEl>
+                                          <p:spTgt spid="3">
+                                            <p:txEl>
+                                              <p:pRg st="7" end="7"/>
+                                            </p:txEl>
+                                          </p:spTgt>
+                                        </p:tgtEl>
+                                      </p:cBhvr>
+                                    </p:animEffect>
+                                  </p:childTnLst>
+                                </p:cTn>
+                              </p:par>
+                            </p:childTnLst>
+                          </p:cTn>
+                        </p:par>
+                      </p:childTnLst>
+                    </p:cTn>
+                  </p:par>
+                  <p:par>
+                    <p:cTn id="37" fill="hold">
+                      <p:stCondLst>
+                        <p:cond delay="indefinite"/>
+                      </p:stCondLst>
+                      <p:childTnLst>
+                        <p:par>
+                          <p:cTn id="38" fill="hold">
+                            <p:stCondLst>
+                              <p:cond delay="0"/>
+                            </p:stCondLst>
+                            <p:childTnLst>
+                              <p:par>
+                                <p:cTn id="39" presetID="10" presetClass="entr" presetSubtype="0" fill="hold" nodeType="clickEffect">
+                                  <p:stCondLst>
+                                    <p:cond delay="0"/>
+                                  </p:stCondLst>
+                                  <p:childTnLst>
+                                    <p:set>
+                                      <p:cBhvr>
+                                        <p:cTn id="40" dur="1" fill="hold">
+                                          <p:stCondLst>
+                                            <p:cond delay="0"/>
+                                          </p:stCondLst>
+                                        </p:cTn>
+                                        <p:tgtEl>
+                                          <p:spTgt spid="3">
+                                            <p:txEl>
+                                              <p:pRg st="8" end="8"/>
+                                            </p:txEl>
+                                          </p:spTgt>
+                                        </p:tgtEl>
+                                        <p:attrNameLst>
+                                          <p:attrName>style.visibility</p:attrName>
+                                        </p:attrNameLst>
+                                      </p:cBhvr>
+                                      <p:to>
+                                        <p:strVal val="visible"/>
+                                      </p:to>
+                                    </p:set>
+                                    <p:animEffect transition="in" filter="fade">
+                                      <p:cBhvr>
+                                        <p:cTn id="41" dur="500"/>
+                                        <p:tgtEl>
+                                          <p:spTgt spid="3">
+                                            <p:txEl>
+                                              <p:pRg st="8" end="8"/>
+                                            </p:txEl>
+                                          </p:spTgt>
+                                        </p:tgtEl>
+                                      </p:cBhvr>
+                                    </p:animEffect>
+                                  </p:childTnLst>
+                                </p:cTn>
+                              </p:par>
+                            </p:childTnLst>
+                          </p:cTn>
+                        </p:par>
+                      </p:childTnLst>
+                    </p:cTn>
+                  </p:par>
+                  <p:par>
+                    <p:cTn id="42" fill="hold">
+                      <p:stCondLst>
+                        <p:cond delay="indefinite"/>
+                      </p:stCondLst>
+                      <p:childTnLst>
+                        <p:par>
+                          <p:cTn id="43" fill="hold">
+                            <p:stCondLst>
+                              <p:cond delay="0"/>
+                            </p:stCondLst>
+                            <p:childTnLst>
+                              <p:par>
+                                <p:cTn id="44" presetID="10" presetClass="entr" presetSubtype="0" fill="hold" nodeType="clickEffect">
+                                  <p:stCondLst>
+                                    <p:cond delay="0"/>
+                                  </p:stCondLst>
+                                  <p:childTnLst>
+                                    <p:set>
+                                      <p:cBhvr>
+                                        <p:cTn id="45" dur="1" fill="hold">
+                                          <p:stCondLst>
+                                            <p:cond delay="0"/>
+                                          </p:stCondLst>
+                                        </p:cTn>
+                                        <p:tgtEl>
+                                          <p:spTgt spid="3">
+                                            <p:txEl>
+                                              <p:pRg st="9" end="9"/>
+                                            </p:txEl>
+                                          </p:spTgt>
+                                        </p:tgtEl>
+                                        <p:attrNameLst>
+                                          <p:attrName>style.visibility</p:attrName>
+                                        </p:attrNameLst>
+                                      </p:cBhvr>
+                                      <p:to>
+                                        <p:strVal val="visible"/>
+                                      </p:to>
+                                    </p:set>
+                                    <p:animEffect transition="in" filter="fade">
+                                      <p:cBhvr>
+                                        <p:cTn id="46" dur="500"/>
+                                        <p:tgtEl>
+                                          <p:spTgt spid="3">
+                                            <p:txEl>
+                                              <p:pRg st="9" end="9"/>
+                                            </p:txEl>
+                                          </p:spTgt>
+                                        </p:tgtEl>
+                                      </p:cBhvr>
+                                    </p:animEffect>
+                                  </p:childTnLst>
+                                </p:cTn>
+                              </p:par>
+                            </p:childTnLst>
+                          </p:cTn>
+                        </p:par>
+                      </p:childTnLst>
+                    </p:cTn>
+                  </p:par>
+                </p:childTnLst>
+              </p:cTn>
+              <p:prevCondLst>
+                <p:cond evt="onPrev" delay="0">
+                  <p:tgtEl>
+                    <p:sldTgt/>
+                  </p:tgtEl>
+                </p:cond>
+              </p:prevCondLst>
+              <p:nextCondLst>
+                <p:cond evt="onNext" delay="0">
+                  <p:tgtEl>
+                    <p:sldTgt/>
+                  </p:tgtEl>
+                </p:cond>
+              </p:nextCondLst>
+            </p:seq>
+          </p:childTnLst>
+        </p:cTn>
+      </p:par>
+    </p:tnLst>
+  </p:timing>
 </p:sld>
 </file>
 
@@ -3346,160 +4740,72 @@
           <a:p>
             <a:r>
               <a:rPr lang="en-US" smtClean="0"/>
-              <a:t>Coded Unit Testing with RUnit</a:t>
+              <a:t>An Introduction to TDD</a:t>
             </a:r>
             <a:endParaRPr lang="en-US"/>
           </a:p>
         </p:txBody>
       </p:sp>
-      <p:sp>
-        <p:nvSpPr>
-          <p:cNvPr id="3" name="Content Placeholder 2"/>
-          <p:cNvSpPr>
-            <a:spLocks noGrp="1"/>
-          </p:cNvSpPr>
+      <p:pic>
+        <p:nvPicPr>
+          <p:cNvPr id="1026" name="Picture 2" descr="http://www.agiledata.org/images/tddSteps.jpg"/>
+          <p:cNvPicPr>
+            <a:picLocks noGrp="1" noChangeAspect="1" noChangeArrowheads="1"/>
+          </p:cNvPicPr>
           <p:nvPr>
             <p:ph idx="1"/>
           </p:nvPr>
-        </p:nvSpPr>
-        <p:spPr/>
-        <p:txBody>
-          <a:bodyPr>
-            <a:normAutofit fontScale="70000" lnSpcReduction="20000"/>
-          </a:bodyPr>
-          <a:lstStyle/>
-          <a:p>
-            <a:r>
-              <a:rPr lang="en-US" smtClean="0"/>
-              <a:t>Why?</a:t>
-            </a:r>
-          </a:p>
-          <a:p>
-            <a:pPr lvl="1"/>
-            <a:r>
-              <a:rPr lang="en-US" smtClean="0"/>
-              <a:t>Every time you change your code, you want to re-test it, ENTIRELY</a:t>
-            </a:r>
-          </a:p>
-          <a:p>
-            <a:pPr lvl="1"/>
-            <a:r>
-              <a:rPr lang="en-US" smtClean="0"/>
-              <a:t>Without coded testing, we skip testing pieces we’ve already tested</a:t>
-            </a:r>
-          </a:p>
-          <a:p>
-            <a:pPr lvl="1"/>
-            <a:r>
-              <a:rPr lang="en-US" smtClean="0"/>
-              <a:t>What if we broke something we previously built?</a:t>
-            </a:r>
-          </a:p>
-          <a:p>
-            <a:pPr lvl="2"/>
-            <a:r>
-              <a:rPr lang="en-US" smtClean="0"/>
-              <a:t>We won’t know until a defect is reported</a:t>
-            </a:r>
-          </a:p>
-          <a:p>
-            <a:pPr lvl="1"/>
-            <a:r>
-              <a:rPr lang="en-US" smtClean="0"/>
-              <a:t>Integrate testing within the deployment process</a:t>
-            </a:r>
-          </a:p>
-          <a:p>
-            <a:r>
-              <a:rPr lang="en-US" smtClean="0"/>
-              <a:t>Package: </a:t>
-            </a:r>
-            <a:r>
-              <a:rPr lang="en-US" smtClean="0">
-                <a:hlinkClick r:id="rId2"/>
-              </a:rPr>
-              <a:t>Runit</a:t>
-            </a:r>
-            <a:endParaRPr lang="en-US" smtClean="0"/>
-          </a:p>
-          <a:p>
-            <a:pPr lvl="1"/>
-            <a:r>
-              <a:rPr lang="en-US" smtClean="0"/>
-              <a:t>Allows automated verification of code units</a:t>
-            </a:r>
-          </a:p>
-          <a:p>
-            <a:pPr lvl="1"/>
-            <a:r>
-              <a:rPr lang="en-US" smtClean="0"/>
-              <a:t>Allows a test suites to be defined and tested together</a:t>
-            </a:r>
-          </a:p>
-          <a:p>
-            <a:pPr lvl="1"/>
-            <a:r>
-              <a:rPr lang="en-US" smtClean="0"/>
-              <a:t>Allows for test results to be reported</a:t>
-            </a:r>
-          </a:p>
-          <a:p>
-            <a:r>
-              <a:rPr lang="en-US" smtClean="0"/>
-              <a:t>Steps</a:t>
-            </a:r>
-          </a:p>
-          <a:p>
-            <a:pPr lvl="1"/>
-            <a:r>
-              <a:rPr lang="en-US" smtClean="0"/>
-              <a:t>Create a test driver</a:t>
-            </a:r>
-          </a:p>
-          <a:p>
-            <a:pPr lvl="1"/>
-            <a:r>
-              <a:rPr lang="en-US" smtClean="0"/>
-              <a:t>Create test scripts</a:t>
-            </a:r>
-          </a:p>
-          <a:p>
-            <a:pPr lvl="1"/>
-            <a:r>
-              <a:rPr lang="en-US" smtClean="0"/>
-              <a:t>Add test scripts to test suites in driver</a:t>
-            </a:r>
-          </a:p>
-          <a:p>
-            <a:pPr lvl="1"/>
-            <a:r>
-              <a:rPr lang="en-US" smtClean="0"/>
-              <a:t>Run test driver</a:t>
-            </a:r>
-          </a:p>
-          <a:p>
-            <a:pPr lvl="1"/>
-            <a:r>
-              <a:rPr lang="en-US" smtClean="0"/>
-              <a:t>View results</a:t>
-            </a:r>
-          </a:p>
-          <a:p>
-            <a:pPr lvl="1"/>
-            <a:endParaRPr lang="en-US"/>
-          </a:p>
-        </p:txBody>
-      </p:sp>
+        </p:nvPicPr>
+        <p:blipFill>
+          <a:blip r:embed="rId2">
+            <a:extLst>
+              <a:ext uri="{28A0092B-C50C-407E-A947-70E740481C1C}">
+                <a14:useLocalDpi xmlns:a14="http://schemas.microsoft.com/office/drawing/2010/main" val="0"/>
+              </a:ext>
+            </a:extLst>
+          </a:blip>
+          <a:srcRect/>
+          <a:stretch>
+            <a:fillRect/>
+          </a:stretch>
+        </p:blipFill>
+        <p:spPr bwMode="auto">
+          <a:xfrm>
+            <a:off x="4966554" y="1825625"/>
+            <a:ext cx="2258891" cy="4351338"/>
+          </a:xfrm>
+          <a:prstGeom prst="rect">
+            <a:avLst/>
+          </a:prstGeom>
+          <a:noFill/>
+          <a:extLst>
+            <a:ext uri="{909E8E84-426E-40DD-AFC4-6F175D3DCCD1}">
+              <a14:hiddenFill xmlns:a14="http://schemas.microsoft.com/office/drawing/2010/main">
+                <a:solidFill>
+                  <a:srgbClr val="FFFFFF"/>
+                </a:solidFill>
+              </a14:hiddenFill>
+            </a:ext>
+          </a:extLst>
+        </p:spPr>
+      </p:pic>
     </p:spTree>
     <p:extLst>
       <p:ext uri="{BB962C8B-B14F-4D97-AF65-F5344CB8AC3E}">
-        <p14:creationId xmlns:p14="http://schemas.microsoft.com/office/powerpoint/2010/main" val="704699504"/>
+        <p14:creationId xmlns:p14="http://schemas.microsoft.com/office/powerpoint/2010/main" val="4244172565"/>
       </p:ext>
     </p:extLst>
   </p:cSld>
   <p:clrMapOvr>
     <a:masterClrMapping/>
   </p:clrMapOvr>
+  <p:timing>
+    <p:tnLst>
+      <p:par>
+        <p:cTn id="1" dur="indefinite" restart="never" nodeType="tmRoot"/>
+      </p:par>
+    </p:tnLst>
+  </p:timing>
 </p:sld>
 </file>
 
@@ -3537,7 +4843,7 @@
           <a:p>
             <a:r>
               <a:rPr lang="en-US" smtClean="0"/>
-              <a:t>A Doorbuster Metric Program</a:t>
+              <a:t>Coded Unit Testing with RUnit</a:t>
             </a:r>
             <a:endParaRPr lang="en-US"/>
           </a:p>
@@ -3556,112 +4862,139 @@
         <p:spPr/>
         <p:txBody>
           <a:bodyPr>
-            <a:normAutofit lnSpcReduction="10000"/>
+            <a:normAutofit fontScale="62500" lnSpcReduction="20000"/>
           </a:bodyPr>
           <a:lstStyle/>
           <a:p>
-            <a:pPr marL="0" indent="0">
-              <a:buNone/>
-            </a:pPr>
-            <a:r>
-              <a:rPr lang="en-US" smtClean="0"/>
-              <a:t>Requirements</a:t>
-            </a:r>
-          </a:p>
-          <a:p>
-            <a:pPr marL="514350" indent="-514350">
-              <a:buAutoNum type="arabicPeriod"/>
-            </a:pPr>
-            <a:r>
-              <a:rPr lang="en-US" smtClean="0"/>
-              <a:t>Shall read two product csv files</a:t>
-            </a:r>
-          </a:p>
-          <a:p>
-            <a:pPr marL="971550" lvl="1" indent="-514350">
-              <a:buAutoNum type="arabicPeriod"/>
-            </a:pPr>
-            <a:r>
-              <a:rPr lang="en-US" smtClean="0"/>
-              <a:t>Doorbuster1.csv</a:t>
-            </a:r>
-          </a:p>
-          <a:p>
-            <a:pPr marL="971550" lvl="1" indent="-514350">
-              <a:buAutoNum type="arabicPeriod"/>
-            </a:pPr>
-            <a:r>
-              <a:rPr lang="en-US" smtClean="0"/>
-              <a:t>Doorbuster2.csv</a:t>
-            </a:r>
-          </a:p>
-          <a:p>
-            <a:pPr marL="514350" indent="-514350">
-              <a:buAutoNum type="arabicPeriod"/>
-            </a:pPr>
-            <a:r>
-              <a:rPr lang="en-US" smtClean="0"/>
-              <a:t>Shall add two metrics to the product data</a:t>
-            </a:r>
-          </a:p>
-          <a:p>
-            <a:pPr marL="971550" lvl="1" indent="-514350">
-              <a:buAutoNum type="arabicPeriod"/>
-            </a:pPr>
-            <a:r>
-              <a:rPr lang="en-US" smtClean="0"/>
-              <a:t>Products that are doorbusters but have no price assigned</a:t>
-            </a:r>
-          </a:p>
-          <a:p>
-            <a:pPr marL="971550" lvl="1" indent="-514350">
-              <a:buAutoNum type="arabicPeriod"/>
-            </a:pPr>
-            <a:r>
-              <a:rPr lang="en-US" smtClean="0"/>
-              <a:t>Products that are doorbusters and online, but are out of stock</a:t>
-            </a:r>
-          </a:p>
-          <a:p>
-            <a:pPr marL="514350" indent="-514350">
-              <a:buAutoNum type="arabicPeriod"/>
-            </a:pPr>
-            <a:r>
-              <a:rPr lang="en-US" smtClean="0"/>
-              <a:t>Shall write out a csv with the following:</a:t>
-            </a:r>
-          </a:p>
-          <a:p>
-            <a:pPr marL="971550" lvl="1" indent="-514350">
-              <a:buAutoNum type="arabicPeriod"/>
-            </a:pPr>
-            <a:r>
-              <a:rPr lang="en-US" smtClean="0"/>
-              <a:t>Product id</a:t>
-            </a:r>
-          </a:p>
-          <a:p>
-            <a:pPr marL="971550" lvl="1" indent="-514350">
-              <a:buAutoNum type="arabicPeriod"/>
-            </a:pPr>
-            <a:r>
-              <a:rPr lang="en-US" smtClean="0"/>
-              <a:t>No price metric</a:t>
-            </a:r>
-          </a:p>
-          <a:p>
-            <a:pPr marL="971550" lvl="1" indent="-514350">
-              <a:buAutoNum type="arabicPeriod"/>
-            </a:pPr>
-            <a:r>
-              <a:rPr lang="en-US" smtClean="0"/>
-              <a:t>Online but out of stock metric</a:t>
-            </a:r>
-          </a:p>
-          <a:p>
-            <a:pPr marL="971550" lvl="1" indent="-514350">
-              <a:buAutoNum type="arabicPeriod"/>
-            </a:pPr>
+            <a:r>
+              <a:rPr lang="en-US" smtClean="0"/>
+              <a:t>Why?</a:t>
+            </a:r>
+          </a:p>
+          <a:p>
+            <a:pPr lvl="1"/>
+            <a:r>
+              <a:rPr lang="en-US" smtClean="0"/>
+              <a:t>Every time you change your code, you want to re-test it, ENTIRELY</a:t>
+            </a:r>
+          </a:p>
+          <a:p>
+            <a:pPr lvl="1"/>
+            <a:r>
+              <a:rPr lang="en-US" smtClean="0"/>
+              <a:t>Without coded testing, we skip testing pieces we’ve already </a:t>
+            </a:r>
+            <a:r>
+              <a:rPr lang="en-US" smtClean="0"/>
+              <a:t>tested</a:t>
+            </a:r>
+          </a:p>
+          <a:p>
+            <a:pPr lvl="1"/>
+            <a:r>
+              <a:rPr lang="en-US" smtClean="0"/>
+              <a:t>Gain confidence in testing changes to large data sets</a:t>
+            </a:r>
+            <a:endParaRPr lang="en-US" smtClean="0"/>
+          </a:p>
+          <a:p>
+            <a:pPr lvl="1"/>
+            <a:r>
+              <a:rPr lang="en-US" smtClean="0"/>
+              <a:t>What if we broke something we previously built?</a:t>
+            </a:r>
+          </a:p>
+          <a:p>
+            <a:pPr lvl="2"/>
+            <a:r>
+              <a:rPr lang="en-US" smtClean="0"/>
+              <a:t>We won’t know until a defect is reported</a:t>
+            </a:r>
+          </a:p>
+          <a:p>
+            <a:pPr lvl="1"/>
+            <a:r>
+              <a:rPr lang="en-US" smtClean="0"/>
+              <a:t>Integrate testing within the deployment process</a:t>
+            </a:r>
+          </a:p>
+          <a:p>
+            <a:r>
+              <a:rPr lang="en-US" smtClean="0"/>
+              <a:t>Package: </a:t>
+            </a:r>
+            <a:r>
+              <a:rPr lang="en-US" smtClean="0">
+                <a:hlinkClick r:id="rId2"/>
+              </a:rPr>
+              <a:t>Runit</a:t>
+            </a:r>
+            <a:endParaRPr lang="en-US" smtClean="0"/>
+          </a:p>
+          <a:p>
+            <a:pPr lvl="1"/>
+            <a:r>
+              <a:rPr lang="en-US" smtClean="0"/>
+              <a:t>Allows automated verification of code units</a:t>
+            </a:r>
+          </a:p>
+          <a:p>
+            <a:pPr lvl="1"/>
+            <a:r>
+              <a:rPr lang="en-US" smtClean="0"/>
+              <a:t>Allows a test suites to be defined and tested together</a:t>
+            </a:r>
+          </a:p>
+          <a:p>
+            <a:pPr lvl="1"/>
+            <a:r>
+              <a:rPr lang="en-US" smtClean="0"/>
+              <a:t>Allows for test results to be reported</a:t>
+            </a:r>
+          </a:p>
+          <a:p>
+            <a:r>
+              <a:rPr lang="en-US" smtClean="0"/>
+              <a:t>Steps</a:t>
+            </a:r>
+          </a:p>
+          <a:p>
+            <a:pPr lvl="1"/>
+            <a:r>
+              <a:rPr lang="en-US" smtClean="0"/>
+              <a:t>Create a test driver</a:t>
+            </a:r>
+          </a:p>
+          <a:p>
+            <a:pPr lvl="1"/>
+            <a:r>
+              <a:rPr lang="en-US" smtClean="0"/>
+              <a:t>Create test scripts</a:t>
+            </a:r>
+          </a:p>
+          <a:p>
+            <a:pPr lvl="1"/>
+            <a:r>
+              <a:rPr lang="en-US" smtClean="0"/>
+              <a:t>Add test scripts to test suites in driver</a:t>
+            </a:r>
+          </a:p>
+          <a:p>
+            <a:pPr lvl="1"/>
+            <a:r>
+              <a:rPr lang="en-US" smtClean="0"/>
+              <a:t>Run test driver</a:t>
+            </a:r>
+          </a:p>
+          <a:p>
+            <a:pPr lvl="1"/>
+            <a:r>
+              <a:rPr lang="en-US" smtClean="0"/>
+              <a:t>View results</a:t>
+            </a:r>
+          </a:p>
+          <a:p>
+            <a:pPr lvl="1"/>
             <a:endParaRPr lang="en-US"/>
           </a:p>
         </p:txBody>
@@ -3669,13 +5002,918 @@
     </p:spTree>
     <p:extLst>
       <p:ext uri="{BB962C8B-B14F-4D97-AF65-F5344CB8AC3E}">
-        <p14:creationId xmlns:p14="http://schemas.microsoft.com/office/powerpoint/2010/main" val="1358362045"/>
+        <p14:creationId xmlns:p14="http://schemas.microsoft.com/office/powerpoint/2010/main" val="704699504"/>
       </p:ext>
     </p:extLst>
   </p:cSld>
   <p:clrMapOvr>
     <a:masterClrMapping/>
   </p:clrMapOvr>
+  <p:timing>
+    <p:tnLst>
+      <p:par>
+        <p:cTn id="1" dur="indefinite" restart="never" nodeType="tmRoot">
+          <p:childTnLst>
+            <p:seq concurrent="1" nextAc="seek">
+              <p:cTn id="2" dur="indefinite" nodeType="mainSeq">
+                <p:childTnLst>
+                  <p:par>
+                    <p:cTn id="3" fill="hold">
+                      <p:stCondLst>
+                        <p:cond delay="indefinite"/>
+                      </p:stCondLst>
+                      <p:childTnLst>
+                        <p:par>
+                          <p:cTn id="4" fill="hold">
+                            <p:stCondLst>
+                              <p:cond delay="0"/>
+                            </p:stCondLst>
+                            <p:childTnLst>
+                              <p:par>
+                                <p:cTn id="5" presetID="10" presetClass="entr" presetSubtype="0" fill="hold" nodeType="clickEffect">
+                                  <p:stCondLst>
+                                    <p:cond delay="0"/>
+                                  </p:stCondLst>
+                                  <p:childTnLst>
+                                    <p:set>
+                                      <p:cBhvr>
+                                        <p:cTn id="6" dur="1" fill="hold">
+                                          <p:stCondLst>
+                                            <p:cond delay="0"/>
+                                          </p:stCondLst>
+                                        </p:cTn>
+                                        <p:tgtEl>
+                                          <p:spTgt spid="3">
+                                            <p:txEl>
+                                              <p:pRg st="0" end="0"/>
+                                            </p:txEl>
+                                          </p:spTgt>
+                                        </p:tgtEl>
+                                        <p:attrNameLst>
+                                          <p:attrName>style.visibility</p:attrName>
+                                        </p:attrNameLst>
+                                      </p:cBhvr>
+                                      <p:to>
+                                        <p:strVal val="visible"/>
+                                      </p:to>
+                                    </p:set>
+                                    <p:animEffect transition="in" filter="fade">
+                                      <p:cBhvr>
+                                        <p:cTn id="7" dur="500"/>
+                                        <p:tgtEl>
+                                          <p:spTgt spid="3">
+                                            <p:txEl>
+                                              <p:pRg st="0" end="0"/>
+                                            </p:txEl>
+                                          </p:spTgt>
+                                        </p:tgtEl>
+                                      </p:cBhvr>
+                                    </p:animEffect>
+                                  </p:childTnLst>
+                                </p:cTn>
+                              </p:par>
+                            </p:childTnLst>
+                          </p:cTn>
+                        </p:par>
+                      </p:childTnLst>
+                    </p:cTn>
+                  </p:par>
+                  <p:par>
+                    <p:cTn id="8" fill="hold">
+                      <p:stCondLst>
+                        <p:cond delay="indefinite"/>
+                      </p:stCondLst>
+                      <p:childTnLst>
+                        <p:par>
+                          <p:cTn id="9" fill="hold">
+                            <p:stCondLst>
+                              <p:cond delay="0"/>
+                            </p:stCondLst>
+                            <p:childTnLst>
+                              <p:par>
+                                <p:cTn id="10" presetID="10" presetClass="entr" presetSubtype="0" fill="hold" nodeType="clickEffect">
+                                  <p:stCondLst>
+                                    <p:cond delay="0"/>
+                                  </p:stCondLst>
+                                  <p:childTnLst>
+                                    <p:set>
+                                      <p:cBhvr>
+                                        <p:cTn id="11" dur="1" fill="hold">
+                                          <p:stCondLst>
+                                            <p:cond delay="0"/>
+                                          </p:stCondLst>
+                                        </p:cTn>
+                                        <p:tgtEl>
+                                          <p:spTgt spid="3">
+                                            <p:txEl>
+                                              <p:pRg st="1" end="1"/>
+                                            </p:txEl>
+                                          </p:spTgt>
+                                        </p:tgtEl>
+                                        <p:attrNameLst>
+                                          <p:attrName>style.visibility</p:attrName>
+                                        </p:attrNameLst>
+                                      </p:cBhvr>
+                                      <p:to>
+                                        <p:strVal val="visible"/>
+                                      </p:to>
+                                    </p:set>
+                                    <p:animEffect transition="in" filter="fade">
+                                      <p:cBhvr>
+                                        <p:cTn id="12" dur="500"/>
+                                        <p:tgtEl>
+                                          <p:spTgt spid="3">
+                                            <p:txEl>
+                                              <p:pRg st="1" end="1"/>
+                                            </p:txEl>
+                                          </p:spTgt>
+                                        </p:tgtEl>
+                                      </p:cBhvr>
+                                    </p:animEffect>
+                                  </p:childTnLst>
+                                </p:cTn>
+                              </p:par>
+                            </p:childTnLst>
+                          </p:cTn>
+                        </p:par>
+                      </p:childTnLst>
+                    </p:cTn>
+                  </p:par>
+                  <p:par>
+                    <p:cTn id="13" fill="hold">
+                      <p:stCondLst>
+                        <p:cond delay="indefinite"/>
+                      </p:stCondLst>
+                      <p:childTnLst>
+                        <p:par>
+                          <p:cTn id="14" fill="hold">
+                            <p:stCondLst>
+                              <p:cond delay="0"/>
+                            </p:stCondLst>
+                            <p:childTnLst>
+                              <p:par>
+                                <p:cTn id="15" presetID="10" presetClass="entr" presetSubtype="0" fill="hold" nodeType="clickEffect">
+                                  <p:stCondLst>
+                                    <p:cond delay="0"/>
+                                  </p:stCondLst>
+                                  <p:childTnLst>
+                                    <p:set>
+                                      <p:cBhvr>
+                                        <p:cTn id="16" dur="1" fill="hold">
+                                          <p:stCondLst>
+                                            <p:cond delay="0"/>
+                                          </p:stCondLst>
+                                        </p:cTn>
+                                        <p:tgtEl>
+                                          <p:spTgt spid="3">
+                                            <p:txEl>
+                                              <p:pRg st="2" end="2"/>
+                                            </p:txEl>
+                                          </p:spTgt>
+                                        </p:tgtEl>
+                                        <p:attrNameLst>
+                                          <p:attrName>style.visibility</p:attrName>
+                                        </p:attrNameLst>
+                                      </p:cBhvr>
+                                      <p:to>
+                                        <p:strVal val="visible"/>
+                                      </p:to>
+                                    </p:set>
+                                    <p:animEffect transition="in" filter="fade">
+                                      <p:cBhvr>
+                                        <p:cTn id="17" dur="500"/>
+                                        <p:tgtEl>
+                                          <p:spTgt spid="3">
+                                            <p:txEl>
+                                              <p:pRg st="2" end="2"/>
+                                            </p:txEl>
+                                          </p:spTgt>
+                                        </p:tgtEl>
+                                      </p:cBhvr>
+                                    </p:animEffect>
+                                  </p:childTnLst>
+                                </p:cTn>
+                              </p:par>
+                            </p:childTnLst>
+                          </p:cTn>
+                        </p:par>
+                      </p:childTnLst>
+                    </p:cTn>
+                  </p:par>
+                  <p:par>
+                    <p:cTn id="18" fill="hold">
+                      <p:stCondLst>
+                        <p:cond delay="indefinite"/>
+                      </p:stCondLst>
+                      <p:childTnLst>
+                        <p:par>
+                          <p:cTn id="19" fill="hold">
+                            <p:stCondLst>
+                              <p:cond delay="0"/>
+                            </p:stCondLst>
+                            <p:childTnLst>
+                              <p:par>
+                                <p:cTn id="20" presetID="10" presetClass="entr" presetSubtype="0" fill="hold" nodeType="clickEffect">
+                                  <p:stCondLst>
+                                    <p:cond delay="0"/>
+                                  </p:stCondLst>
+                                  <p:childTnLst>
+                                    <p:set>
+                                      <p:cBhvr>
+                                        <p:cTn id="21" dur="1" fill="hold">
+                                          <p:stCondLst>
+                                            <p:cond delay="0"/>
+                                          </p:stCondLst>
+                                        </p:cTn>
+                                        <p:tgtEl>
+                                          <p:spTgt spid="3">
+                                            <p:txEl>
+                                              <p:pRg st="3" end="3"/>
+                                            </p:txEl>
+                                          </p:spTgt>
+                                        </p:tgtEl>
+                                        <p:attrNameLst>
+                                          <p:attrName>style.visibility</p:attrName>
+                                        </p:attrNameLst>
+                                      </p:cBhvr>
+                                      <p:to>
+                                        <p:strVal val="visible"/>
+                                      </p:to>
+                                    </p:set>
+                                    <p:animEffect transition="in" filter="fade">
+                                      <p:cBhvr>
+                                        <p:cTn id="22" dur="500"/>
+                                        <p:tgtEl>
+                                          <p:spTgt spid="3">
+                                            <p:txEl>
+                                              <p:pRg st="3" end="3"/>
+                                            </p:txEl>
+                                          </p:spTgt>
+                                        </p:tgtEl>
+                                      </p:cBhvr>
+                                    </p:animEffect>
+                                  </p:childTnLst>
+                                </p:cTn>
+                              </p:par>
+                            </p:childTnLst>
+                          </p:cTn>
+                        </p:par>
+                      </p:childTnLst>
+                    </p:cTn>
+                  </p:par>
+                  <p:par>
+                    <p:cTn id="23" fill="hold">
+                      <p:stCondLst>
+                        <p:cond delay="indefinite"/>
+                      </p:stCondLst>
+                      <p:childTnLst>
+                        <p:par>
+                          <p:cTn id="24" fill="hold">
+                            <p:stCondLst>
+                              <p:cond delay="0"/>
+                            </p:stCondLst>
+                            <p:childTnLst>
+                              <p:par>
+                                <p:cTn id="25" presetID="10" presetClass="entr" presetSubtype="0" fill="hold" nodeType="clickEffect">
+                                  <p:stCondLst>
+                                    <p:cond delay="0"/>
+                                  </p:stCondLst>
+                                  <p:childTnLst>
+                                    <p:set>
+                                      <p:cBhvr>
+                                        <p:cTn id="26" dur="1" fill="hold">
+                                          <p:stCondLst>
+                                            <p:cond delay="0"/>
+                                          </p:stCondLst>
+                                        </p:cTn>
+                                        <p:tgtEl>
+                                          <p:spTgt spid="3">
+                                            <p:txEl>
+                                              <p:pRg st="4" end="4"/>
+                                            </p:txEl>
+                                          </p:spTgt>
+                                        </p:tgtEl>
+                                        <p:attrNameLst>
+                                          <p:attrName>style.visibility</p:attrName>
+                                        </p:attrNameLst>
+                                      </p:cBhvr>
+                                      <p:to>
+                                        <p:strVal val="visible"/>
+                                      </p:to>
+                                    </p:set>
+                                    <p:animEffect transition="in" filter="fade">
+                                      <p:cBhvr>
+                                        <p:cTn id="27" dur="500"/>
+                                        <p:tgtEl>
+                                          <p:spTgt spid="3">
+                                            <p:txEl>
+                                              <p:pRg st="4" end="4"/>
+                                            </p:txEl>
+                                          </p:spTgt>
+                                        </p:tgtEl>
+                                      </p:cBhvr>
+                                    </p:animEffect>
+                                  </p:childTnLst>
+                                </p:cTn>
+                              </p:par>
+                              <p:par>
+                                <p:cTn id="28" presetID="10" presetClass="entr" presetSubtype="0" fill="hold" nodeType="withEffect">
+                                  <p:stCondLst>
+                                    <p:cond delay="0"/>
+                                  </p:stCondLst>
+                                  <p:childTnLst>
+                                    <p:set>
+                                      <p:cBhvr>
+                                        <p:cTn id="29" dur="1" fill="hold">
+                                          <p:stCondLst>
+                                            <p:cond delay="0"/>
+                                          </p:stCondLst>
+                                        </p:cTn>
+                                        <p:tgtEl>
+                                          <p:spTgt spid="3">
+                                            <p:txEl>
+                                              <p:pRg st="5" end="5"/>
+                                            </p:txEl>
+                                          </p:spTgt>
+                                        </p:tgtEl>
+                                        <p:attrNameLst>
+                                          <p:attrName>style.visibility</p:attrName>
+                                        </p:attrNameLst>
+                                      </p:cBhvr>
+                                      <p:to>
+                                        <p:strVal val="visible"/>
+                                      </p:to>
+                                    </p:set>
+                                    <p:animEffect transition="in" filter="fade">
+                                      <p:cBhvr>
+                                        <p:cTn id="30" dur="500"/>
+                                        <p:tgtEl>
+                                          <p:spTgt spid="3">
+                                            <p:txEl>
+                                              <p:pRg st="5" end="5"/>
+                                            </p:txEl>
+                                          </p:spTgt>
+                                        </p:tgtEl>
+                                      </p:cBhvr>
+                                    </p:animEffect>
+                                  </p:childTnLst>
+                                </p:cTn>
+                              </p:par>
+                            </p:childTnLst>
+                          </p:cTn>
+                        </p:par>
+                      </p:childTnLst>
+                    </p:cTn>
+                  </p:par>
+                  <p:par>
+                    <p:cTn id="31" fill="hold">
+                      <p:stCondLst>
+                        <p:cond delay="indefinite"/>
+                      </p:stCondLst>
+                      <p:childTnLst>
+                        <p:par>
+                          <p:cTn id="32" fill="hold">
+                            <p:stCondLst>
+                              <p:cond delay="0"/>
+                            </p:stCondLst>
+                            <p:childTnLst>
+                              <p:par>
+                                <p:cTn id="33" presetID="10" presetClass="entr" presetSubtype="0" fill="hold" nodeType="clickEffect">
+                                  <p:stCondLst>
+                                    <p:cond delay="0"/>
+                                  </p:stCondLst>
+                                  <p:childTnLst>
+                                    <p:set>
+                                      <p:cBhvr>
+                                        <p:cTn id="34" dur="1" fill="hold">
+                                          <p:stCondLst>
+                                            <p:cond delay="0"/>
+                                          </p:stCondLst>
+                                        </p:cTn>
+                                        <p:tgtEl>
+                                          <p:spTgt spid="3">
+                                            <p:txEl>
+                                              <p:pRg st="6" end="6"/>
+                                            </p:txEl>
+                                          </p:spTgt>
+                                        </p:tgtEl>
+                                        <p:attrNameLst>
+                                          <p:attrName>style.visibility</p:attrName>
+                                        </p:attrNameLst>
+                                      </p:cBhvr>
+                                      <p:to>
+                                        <p:strVal val="visible"/>
+                                      </p:to>
+                                    </p:set>
+                                    <p:animEffect transition="in" filter="fade">
+                                      <p:cBhvr>
+                                        <p:cTn id="35" dur="500"/>
+                                        <p:tgtEl>
+                                          <p:spTgt spid="3">
+                                            <p:txEl>
+                                              <p:pRg st="6" end="6"/>
+                                            </p:txEl>
+                                          </p:spTgt>
+                                        </p:tgtEl>
+                                      </p:cBhvr>
+                                    </p:animEffect>
+                                  </p:childTnLst>
+                                </p:cTn>
+                              </p:par>
+                            </p:childTnLst>
+                          </p:cTn>
+                        </p:par>
+                      </p:childTnLst>
+                    </p:cTn>
+                  </p:par>
+                  <p:par>
+                    <p:cTn id="36" fill="hold">
+                      <p:stCondLst>
+                        <p:cond delay="indefinite"/>
+                      </p:stCondLst>
+                      <p:childTnLst>
+                        <p:par>
+                          <p:cTn id="37" fill="hold">
+                            <p:stCondLst>
+                              <p:cond delay="0"/>
+                            </p:stCondLst>
+                            <p:childTnLst>
+                              <p:par>
+                                <p:cTn id="38" presetID="10" presetClass="entr" presetSubtype="0" fill="hold" nodeType="clickEffect">
+                                  <p:stCondLst>
+                                    <p:cond delay="0"/>
+                                  </p:stCondLst>
+                                  <p:childTnLst>
+                                    <p:set>
+                                      <p:cBhvr>
+                                        <p:cTn id="39" dur="1" fill="hold">
+                                          <p:stCondLst>
+                                            <p:cond delay="0"/>
+                                          </p:stCondLst>
+                                        </p:cTn>
+                                        <p:tgtEl>
+                                          <p:spTgt spid="3">
+                                            <p:txEl>
+                                              <p:pRg st="7" end="7"/>
+                                            </p:txEl>
+                                          </p:spTgt>
+                                        </p:tgtEl>
+                                        <p:attrNameLst>
+                                          <p:attrName>style.visibility</p:attrName>
+                                        </p:attrNameLst>
+                                      </p:cBhvr>
+                                      <p:to>
+                                        <p:strVal val="visible"/>
+                                      </p:to>
+                                    </p:set>
+                                    <p:animEffect transition="in" filter="fade">
+                                      <p:cBhvr>
+                                        <p:cTn id="40" dur="500"/>
+                                        <p:tgtEl>
+                                          <p:spTgt spid="3">
+                                            <p:txEl>
+                                              <p:pRg st="7" end="7"/>
+                                            </p:txEl>
+                                          </p:spTgt>
+                                        </p:tgtEl>
+                                      </p:cBhvr>
+                                    </p:animEffect>
+                                  </p:childTnLst>
+                                </p:cTn>
+                              </p:par>
+                              <p:par>
+                                <p:cTn id="41" presetID="10" presetClass="entr" presetSubtype="0" fill="hold" nodeType="withEffect">
+                                  <p:stCondLst>
+                                    <p:cond delay="0"/>
+                                  </p:stCondLst>
+                                  <p:childTnLst>
+                                    <p:set>
+                                      <p:cBhvr>
+                                        <p:cTn id="42" dur="1" fill="hold">
+                                          <p:stCondLst>
+                                            <p:cond delay="0"/>
+                                          </p:stCondLst>
+                                        </p:cTn>
+                                        <p:tgtEl>
+                                          <p:spTgt spid="3">
+                                            <p:txEl>
+                                              <p:pRg st="8" end="8"/>
+                                            </p:txEl>
+                                          </p:spTgt>
+                                        </p:tgtEl>
+                                        <p:attrNameLst>
+                                          <p:attrName>style.visibility</p:attrName>
+                                        </p:attrNameLst>
+                                      </p:cBhvr>
+                                      <p:to>
+                                        <p:strVal val="visible"/>
+                                      </p:to>
+                                    </p:set>
+                                    <p:animEffect transition="in" filter="fade">
+                                      <p:cBhvr>
+                                        <p:cTn id="43" dur="500"/>
+                                        <p:tgtEl>
+                                          <p:spTgt spid="3">
+                                            <p:txEl>
+                                              <p:pRg st="8" end="8"/>
+                                            </p:txEl>
+                                          </p:spTgt>
+                                        </p:tgtEl>
+                                      </p:cBhvr>
+                                    </p:animEffect>
+                                  </p:childTnLst>
+                                </p:cTn>
+                              </p:par>
+                              <p:par>
+                                <p:cTn id="44" presetID="10" presetClass="entr" presetSubtype="0" fill="hold" nodeType="withEffect">
+                                  <p:stCondLst>
+                                    <p:cond delay="0"/>
+                                  </p:stCondLst>
+                                  <p:childTnLst>
+                                    <p:set>
+                                      <p:cBhvr>
+                                        <p:cTn id="45" dur="1" fill="hold">
+                                          <p:stCondLst>
+                                            <p:cond delay="0"/>
+                                          </p:stCondLst>
+                                        </p:cTn>
+                                        <p:tgtEl>
+                                          <p:spTgt spid="3">
+                                            <p:txEl>
+                                              <p:pRg st="9" end="9"/>
+                                            </p:txEl>
+                                          </p:spTgt>
+                                        </p:tgtEl>
+                                        <p:attrNameLst>
+                                          <p:attrName>style.visibility</p:attrName>
+                                        </p:attrNameLst>
+                                      </p:cBhvr>
+                                      <p:to>
+                                        <p:strVal val="visible"/>
+                                      </p:to>
+                                    </p:set>
+                                    <p:animEffect transition="in" filter="fade">
+                                      <p:cBhvr>
+                                        <p:cTn id="46" dur="500"/>
+                                        <p:tgtEl>
+                                          <p:spTgt spid="3">
+                                            <p:txEl>
+                                              <p:pRg st="9" end="9"/>
+                                            </p:txEl>
+                                          </p:spTgt>
+                                        </p:tgtEl>
+                                      </p:cBhvr>
+                                    </p:animEffect>
+                                  </p:childTnLst>
+                                </p:cTn>
+                              </p:par>
+                              <p:par>
+                                <p:cTn id="47" presetID="10" presetClass="entr" presetSubtype="0" fill="hold" nodeType="withEffect">
+                                  <p:stCondLst>
+                                    <p:cond delay="0"/>
+                                  </p:stCondLst>
+                                  <p:childTnLst>
+                                    <p:set>
+                                      <p:cBhvr>
+                                        <p:cTn id="48" dur="1" fill="hold">
+                                          <p:stCondLst>
+                                            <p:cond delay="0"/>
+                                          </p:stCondLst>
+                                        </p:cTn>
+                                        <p:tgtEl>
+                                          <p:spTgt spid="3">
+                                            <p:txEl>
+                                              <p:pRg st="10" end="10"/>
+                                            </p:txEl>
+                                          </p:spTgt>
+                                        </p:tgtEl>
+                                        <p:attrNameLst>
+                                          <p:attrName>style.visibility</p:attrName>
+                                        </p:attrNameLst>
+                                      </p:cBhvr>
+                                      <p:to>
+                                        <p:strVal val="visible"/>
+                                      </p:to>
+                                    </p:set>
+                                    <p:animEffect transition="in" filter="fade">
+                                      <p:cBhvr>
+                                        <p:cTn id="49" dur="500"/>
+                                        <p:tgtEl>
+                                          <p:spTgt spid="3">
+                                            <p:txEl>
+                                              <p:pRg st="10" end="10"/>
+                                            </p:txEl>
+                                          </p:spTgt>
+                                        </p:tgtEl>
+                                      </p:cBhvr>
+                                    </p:animEffect>
+                                  </p:childTnLst>
+                                </p:cTn>
+                              </p:par>
+                            </p:childTnLst>
+                          </p:cTn>
+                        </p:par>
+                      </p:childTnLst>
+                    </p:cTn>
+                  </p:par>
+                  <p:par>
+                    <p:cTn id="50" fill="hold">
+                      <p:stCondLst>
+                        <p:cond delay="indefinite"/>
+                      </p:stCondLst>
+                      <p:childTnLst>
+                        <p:par>
+                          <p:cTn id="51" fill="hold">
+                            <p:stCondLst>
+                              <p:cond delay="0"/>
+                            </p:stCondLst>
+                            <p:childTnLst>
+                              <p:par>
+                                <p:cTn id="52" presetID="10" presetClass="entr" presetSubtype="0" fill="hold" nodeType="clickEffect">
+                                  <p:stCondLst>
+                                    <p:cond delay="0"/>
+                                  </p:stCondLst>
+                                  <p:childTnLst>
+                                    <p:set>
+                                      <p:cBhvr>
+                                        <p:cTn id="53" dur="1" fill="hold">
+                                          <p:stCondLst>
+                                            <p:cond delay="0"/>
+                                          </p:stCondLst>
+                                        </p:cTn>
+                                        <p:tgtEl>
+                                          <p:spTgt spid="3">
+                                            <p:txEl>
+                                              <p:pRg st="11" end="11"/>
+                                            </p:txEl>
+                                          </p:spTgt>
+                                        </p:tgtEl>
+                                        <p:attrNameLst>
+                                          <p:attrName>style.visibility</p:attrName>
+                                        </p:attrNameLst>
+                                      </p:cBhvr>
+                                      <p:to>
+                                        <p:strVal val="visible"/>
+                                      </p:to>
+                                    </p:set>
+                                    <p:animEffect transition="in" filter="fade">
+                                      <p:cBhvr>
+                                        <p:cTn id="54" dur="500"/>
+                                        <p:tgtEl>
+                                          <p:spTgt spid="3">
+                                            <p:txEl>
+                                              <p:pRg st="11" end="11"/>
+                                            </p:txEl>
+                                          </p:spTgt>
+                                        </p:tgtEl>
+                                      </p:cBhvr>
+                                    </p:animEffect>
+                                  </p:childTnLst>
+                                </p:cTn>
+                              </p:par>
+                              <p:par>
+                                <p:cTn id="55" presetID="10" presetClass="entr" presetSubtype="0" fill="hold" nodeType="withEffect">
+                                  <p:stCondLst>
+                                    <p:cond delay="0"/>
+                                  </p:stCondLst>
+                                  <p:childTnLst>
+                                    <p:set>
+                                      <p:cBhvr>
+                                        <p:cTn id="56" dur="1" fill="hold">
+                                          <p:stCondLst>
+                                            <p:cond delay="0"/>
+                                          </p:stCondLst>
+                                        </p:cTn>
+                                        <p:tgtEl>
+                                          <p:spTgt spid="3">
+                                            <p:txEl>
+                                              <p:pRg st="12" end="12"/>
+                                            </p:txEl>
+                                          </p:spTgt>
+                                        </p:tgtEl>
+                                        <p:attrNameLst>
+                                          <p:attrName>style.visibility</p:attrName>
+                                        </p:attrNameLst>
+                                      </p:cBhvr>
+                                      <p:to>
+                                        <p:strVal val="visible"/>
+                                      </p:to>
+                                    </p:set>
+                                    <p:animEffect transition="in" filter="fade">
+                                      <p:cBhvr>
+                                        <p:cTn id="57" dur="500"/>
+                                        <p:tgtEl>
+                                          <p:spTgt spid="3">
+                                            <p:txEl>
+                                              <p:pRg st="12" end="12"/>
+                                            </p:txEl>
+                                          </p:spTgt>
+                                        </p:tgtEl>
+                                      </p:cBhvr>
+                                    </p:animEffect>
+                                  </p:childTnLst>
+                                </p:cTn>
+                              </p:par>
+                              <p:par>
+                                <p:cTn id="58" presetID="10" presetClass="entr" presetSubtype="0" fill="hold" nodeType="withEffect">
+                                  <p:stCondLst>
+                                    <p:cond delay="0"/>
+                                  </p:stCondLst>
+                                  <p:childTnLst>
+                                    <p:set>
+                                      <p:cBhvr>
+                                        <p:cTn id="59" dur="1" fill="hold">
+                                          <p:stCondLst>
+                                            <p:cond delay="0"/>
+                                          </p:stCondLst>
+                                        </p:cTn>
+                                        <p:tgtEl>
+                                          <p:spTgt spid="3">
+                                            <p:txEl>
+                                              <p:pRg st="13" end="13"/>
+                                            </p:txEl>
+                                          </p:spTgt>
+                                        </p:tgtEl>
+                                        <p:attrNameLst>
+                                          <p:attrName>style.visibility</p:attrName>
+                                        </p:attrNameLst>
+                                      </p:cBhvr>
+                                      <p:to>
+                                        <p:strVal val="visible"/>
+                                      </p:to>
+                                    </p:set>
+                                    <p:animEffect transition="in" filter="fade">
+                                      <p:cBhvr>
+                                        <p:cTn id="60" dur="500"/>
+                                        <p:tgtEl>
+                                          <p:spTgt spid="3">
+                                            <p:txEl>
+                                              <p:pRg st="13" end="13"/>
+                                            </p:txEl>
+                                          </p:spTgt>
+                                        </p:tgtEl>
+                                      </p:cBhvr>
+                                    </p:animEffect>
+                                  </p:childTnLst>
+                                </p:cTn>
+                              </p:par>
+                              <p:par>
+                                <p:cTn id="61" presetID="10" presetClass="entr" presetSubtype="0" fill="hold" nodeType="withEffect">
+                                  <p:stCondLst>
+                                    <p:cond delay="0"/>
+                                  </p:stCondLst>
+                                  <p:childTnLst>
+                                    <p:set>
+                                      <p:cBhvr>
+                                        <p:cTn id="62" dur="1" fill="hold">
+                                          <p:stCondLst>
+                                            <p:cond delay="0"/>
+                                          </p:stCondLst>
+                                        </p:cTn>
+                                        <p:tgtEl>
+                                          <p:spTgt spid="3">
+                                            <p:txEl>
+                                              <p:pRg st="14" end="14"/>
+                                            </p:txEl>
+                                          </p:spTgt>
+                                        </p:tgtEl>
+                                        <p:attrNameLst>
+                                          <p:attrName>style.visibility</p:attrName>
+                                        </p:attrNameLst>
+                                      </p:cBhvr>
+                                      <p:to>
+                                        <p:strVal val="visible"/>
+                                      </p:to>
+                                    </p:set>
+                                    <p:animEffect transition="in" filter="fade">
+                                      <p:cBhvr>
+                                        <p:cTn id="63" dur="500"/>
+                                        <p:tgtEl>
+                                          <p:spTgt spid="3">
+                                            <p:txEl>
+                                              <p:pRg st="14" end="14"/>
+                                            </p:txEl>
+                                          </p:spTgt>
+                                        </p:tgtEl>
+                                      </p:cBhvr>
+                                    </p:animEffect>
+                                  </p:childTnLst>
+                                </p:cTn>
+                              </p:par>
+                              <p:par>
+                                <p:cTn id="64" presetID="10" presetClass="entr" presetSubtype="0" fill="hold" nodeType="withEffect">
+                                  <p:stCondLst>
+                                    <p:cond delay="0"/>
+                                  </p:stCondLst>
+                                  <p:childTnLst>
+                                    <p:set>
+                                      <p:cBhvr>
+                                        <p:cTn id="65" dur="1" fill="hold">
+                                          <p:stCondLst>
+                                            <p:cond delay="0"/>
+                                          </p:stCondLst>
+                                        </p:cTn>
+                                        <p:tgtEl>
+                                          <p:spTgt spid="3">
+                                            <p:txEl>
+                                              <p:pRg st="15" end="15"/>
+                                            </p:txEl>
+                                          </p:spTgt>
+                                        </p:tgtEl>
+                                        <p:attrNameLst>
+                                          <p:attrName>style.visibility</p:attrName>
+                                        </p:attrNameLst>
+                                      </p:cBhvr>
+                                      <p:to>
+                                        <p:strVal val="visible"/>
+                                      </p:to>
+                                    </p:set>
+                                    <p:animEffect transition="in" filter="fade">
+                                      <p:cBhvr>
+                                        <p:cTn id="66" dur="500"/>
+                                        <p:tgtEl>
+                                          <p:spTgt spid="3">
+                                            <p:txEl>
+                                              <p:pRg st="15" end="15"/>
+                                            </p:txEl>
+                                          </p:spTgt>
+                                        </p:tgtEl>
+                                      </p:cBhvr>
+                                    </p:animEffect>
+                                  </p:childTnLst>
+                                </p:cTn>
+                              </p:par>
+                              <p:par>
+                                <p:cTn id="67" presetID="10" presetClass="entr" presetSubtype="0" fill="hold" nodeType="withEffect">
+                                  <p:stCondLst>
+                                    <p:cond delay="0"/>
+                                  </p:stCondLst>
+                                  <p:childTnLst>
+                                    <p:set>
+                                      <p:cBhvr>
+                                        <p:cTn id="68" dur="1" fill="hold">
+                                          <p:stCondLst>
+                                            <p:cond delay="0"/>
+                                          </p:stCondLst>
+                                        </p:cTn>
+                                        <p:tgtEl>
+                                          <p:spTgt spid="3">
+                                            <p:txEl>
+                                              <p:pRg st="16" end="16"/>
+                                            </p:txEl>
+                                          </p:spTgt>
+                                        </p:tgtEl>
+                                        <p:attrNameLst>
+                                          <p:attrName>style.visibility</p:attrName>
+                                        </p:attrNameLst>
+                                      </p:cBhvr>
+                                      <p:to>
+                                        <p:strVal val="visible"/>
+                                      </p:to>
+                                    </p:set>
+                                    <p:animEffect transition="in" filter="fade">
+                                      <p:cBhvr>
+                                        <p:cTn id="69" dur="500"/>
+                                        <p:tgtEl>
+                                          <p:spTgt spid="3">
+                                            <p:txEl>
+                                              <p:pRg st="16" end="16"/>
+                                            </p:txEl>
+                                          </p:spTgt>
+                                        </p:tgtEl>
+                                      </p:cBhvr>
+                                    </p:animEffect>
+                                  </p:childTnLst>
+                                </p:cTn>
+                              </p:par>
+                            </p:childTnLst>
+                          </p:cTn>
+                        </p:par>
+                      </p:childTnLst>
+                    </p:cTn>
+                  </p:par>
+                </p:childTnLst>
+              </p:cTn>
+              <p:prevCondLst>
+                <p:cond evt="onPrev" delay="0">
+                  <p:tgtEl>
+                    <p:sldTgt/>
+                  </p:tgtEl>
+                </p:cond>
+              </p:prevCondLst>
+              <p:nextCondLst>
+                <p:cond evt="onNext" delay="0">
+                  <p:tgtEl>
+                    <p:sldTgt/>
+                  </p:tgtEl>
+                </p:cond>
+              </p:nextCondLst>
+            </p:seq>
+          </p:childTnLst>
+        </p:cTn>
+      </p:par>
+    </p:tnLst>
+  </p:timing>
 </p:sld>
 </file>
 
@@ -3713,7 +5951,7 @@
           <a:p>
             <a:r>
               <a:rPr lang="en-US" smtClean="0"/>
-              <a:t>The R Example</a:t>
+              <a:t>A Doorbuster Metric Program</a:t>
             </a:r>
             <a:endParaRPr lang="en-US"/>
           </a:p>
@@ -3736,79 +5974,108 @@
           </a:bodyPr>
           <a:lstStyle/>
           <a:p>
-            <a:r>
-              <a:rPr lang="en-US" smtClean="0"/>
-              <a:t>0_monolith.R</a:t>
-            </a:r>
-          </a:p>
-          <a:p>
-            <a:pPr lvl="1"/>
-            <a:r>
-              <a:rPr lang="en-US" smtClean="0"/>
-              <a:t>A typical R Script</a:t>
-            </a:r>
-          </a:p>
-          <a:p>
-            <a:pPr lvl="1"/>
-            <a:r>
-              <a:rPr lang="en-US" smtClean="0"/>
-              <a:t>Contains a lot of code that all runs in sequence</a:t>
-            </a:r>
-          </a:p>
-          <a:p>
-            <a:r>
-              <a:rPr lang="en-US" smtClean="0"/>
-              <a:t>What the script does</a:t>
-            </a:r>
-          </a:p>
-          <a:p>
-            <a:pPr lvl="1"/>
-            <a:r>
-              <a:rPr lang="en-US" smtClean="0"/>
-              <a:t>Reads 2 data sets from csv (doorbuster data)</a:t>
-            </a:r>
-          </a:p>
-          <a:p>
-            <a:pPr lvl="2"/>
-            <a:r>
-              <a:rPr lang="en-US" smtClean="0"/>
-              <a:t>Doorbuster1.csv &amp; doorbuster2.csv</a:t>
-            </a:r>
-          </a:p>
-          <a:p>
-            <a:pPr lvl="1"/>
-            <a:r>
-              <a:rPr lang="en-US" smtClean="0"/>
-              <a:t>Combines the datasets</a:t>
-            </a:r>
-          </a:p>
-          <a:p>
-            <a:pPr lvl="1"/>
-            <a:r>
-              <a:rPr lang="en-US" smtClean="0"/>
-              <a:t>Adds metrics for</a:t>
-            </a:r>
-          </a:p>
-          <a:p>
-            <a:pPr lvl="2"/>
-            <a:r>
-              <a:rPr lang="en-US" smtClean="0"/>
-              <a:t>Doorbuster items missing a price</a:t>
-            </a:r>
-          </a:p>
-          <a:p>
-            <a:pPr lvl="2"/>
-            <a:r>
-              <a:rPr lang="en-US" smtClean="0"/>
-              <a:t>Doorbuster items that are online, but out of stock</a:t>
-            </a:r>
-          </a:p>
-          <a:p>
-            <a:pPr lvl="1"/>
-            <a:r>
-              <a:rPr lang="en-US" smtClean="0"/>
-              <a:t>Writes metric data to csv called doorbuster_metrics.csv</a:t>
-            </a:r>
+            <a:pPr marL="0" indent="0">
+              <a:buNone/>
+            </a:pPr>
+            <a:r>
+              <a:rPr lang="en-US" smtClean="0"/>
+              <a:t>Requirements</a:t>
+            </a:r>
+          </a:p>
+          <a:p>
+            <a:pPr marL="514350" indent="-514350">
+              <a:buAutoNum type="arabicPeriod"/>
+            </a:pPr>
+            <a:r>
+              <a:rPr lang="en-US" smtClean="0"/>
+              <a:t>Shall read two product csv files</a:t>
+            </a:r>
+          </a:p>
+          <a:p>
+            <a:pPr marL="971550" lvl="1" indent="-514350">
+              <a:buAutoNum type="arabicPeriod"/>
+            </a:pPr>
+            <a:r>
+              <a:rPr lang="en-US" smtClean="0"/>
+              <a:t>Doorbuster1.csv</a:t>
+            </a:r>
+          </a:p>
+          <a:p>
+            <a:pPr marL="971550" lvl="1" indent="-514350">
+              <a:buAutoNum type="arabicPeriod"/>
+            </a:pPr>
+            <a:r>
+              <a:rPr lang="en-US" smtClean="0"/>
+              <a:t>Doorbuster2.csv</a:t>
+            </a:r>
+          </a:p>
+          <a:p>
+            <a:pPr marL="514350" indent="-514350">
+              <a:buAutoNum type="arabicPeriod"/>
+            </a:pPr>
+            <a:r>
+              <a:rPr lang="en-US" smtClean="0"/>
+              <a:t>Shall add two metrics to the product data</a:t>
+            </a:r>
+          </a:p>
+          <a:p>
+            <a:pPr marL="971550" lvl="1" indent="-514350">
+              <a:buAutoNum type="arabicPeriod"/>
+            </a:pPr>
+            <a:r>
+              <a:rPr lang="en-US" smtClean="0"/>
+              <a:t>Products that are doorbusters but have no price assigned</a:t>
+            </a:r>
+          </a:p>
+          <a:p>
+            <a:pPr marL="971550" lvl="1" indent="-514350">
+              <a:buAutoNum type="arabicPeriod"/>
+            </a:pPr>
+            <a:r>
+              <a:rPr lang="en-US" smtClean="0"/>
+              <a:t>Products that are doorbusters and online, but are out of stock</a:t>
+            </a:r>
+          </a:p>
+          <a:p>
+            <a:pPr marL="514350" indent="-514350">
+              <a:buAutoNum type="arabicPeriod"/>
+            </a:pPr>
+            <a:r>
+              <a:rPr lang="en-US" smtClean="0"/>
+              <a:t>Shall write out a csv with the following:</a:t>
+            </a:r>
+          </a:p>
+          <a:p>
+            <a:pPr marL="971550" lvl="1" indent="-514350">
+              <a:buAutoNum type="arabicPeriod"/>
+            </a:pPr>
+            <a:r>
+              <a:rPr lang="en-US" smtClean="0"/>
+              <a:t>Product id</a:t>
+            </a:r>
+          </a:p>
+          <a:p>
+            <a:pPr marL="971550" lvl="1" indent="-514350">
+              <a:buAutoNum type="arabicPeriod"/>
+            </a:pPr>
+            <a:r>
+              <a:rPr lang="en-US" smtClean="0"/>
+              <a:t>No price metric</a:t>
+            </a:r>
+          </a:p>
+          <a:p>
+            <a:pPr marL="971550" lvl="1" indent="-514350">
+              <a:buAutoNum type="arabicPeriod"/>
+            </a:pPr>
+            <a:r>
+              <a:rPr lang="en-US" smtClean="0"/>
+              <a:t>Online but out of stock metric</a:t>
+            </a:r>
+          </a:p>
+          <a:p>
+            <a:pPr marL="971550" lvl="1" indent="-514350">
+              <a:buAutoNum type="arabicPeriod"/>
+            </a:pPr>
             <a:endParaRPr lang="en-US"/>
           </a:p>
         </p:txBody>
@@ -3816,13 +6083,591 @@
     </p:spTree>
     <p:extLst>
       <p:ext uri="{BB962C8B-B14F-4D97-AF65-F5344CB8AC3E}">
-        <p14:creationId xmlns:p14="http://schemas.microsoft.com/office/powerpoint/2010/main" val="1171179039"/>
+        <p14:creationId xmlns:p14="http://schemas.microsoft.com/office/powerpoint/2010/main" val="1358362045"/>
       </p:ext>
     </p:extLst>
   </p:cSld>
   <p:clrMapOvr>
     <a:masterClrMapping/>
   </p:clrMapOvr>
+  <p:timing>
+    <p:tnLst>
+      <p:par>
+        <p:cTn id="1" dur="indefinite" restart="never" nodeType="tmRoot">
+          <p:childTnLst>
+            <p:seq concurrent="1" nextAc="seek">
+              <p:cTn id="2" dur="indefinite" nodeType="mainSeq">
+                <p:childTnLst>
+                  <p:par>
+                    <p:cTn id="3" fill="hold">
+                      <p:stCondLst>
+                        <p:cond delay="indefinite"/>
+                      </p:stCondLst>
+                      <p:childTnLst>
+                        <p:par>
+                          <p:cTn id="4" fill="hold">
+                            <p:stCondLst>
+                              <p:cond delay="0"/>
+                            </p:stCondLst>
+                            <p:childTnLst>
+                              <p:par>
+                                <p:cTn id="5" presetID="10" presetClass="entr" presetSubtype="0" fill="hold" grpId="0" nodeType="clickEffect">
+                                  <p:stCondLst>
+                                    <p:cond delay="0"/>
+                                  </p:stCondLst>
+                                  <p:childTnLst>
+                                    <p:set>
+                                      <p:cBhvr>
+                                        <p:cTn id="6" dur="1" fill="hold">
+                                          <p:stCondLst>
+                                            <p:cond delay="0"/>
+                                          </p:stCondLst>
+                                        </p:cTn>
+                                        <p:tgtEl>
+                                          <p:spTgt spid="3">
+                                            <p:txEl>
+                                              <p:pRg st="0" end="0"/>
+                                            </p:txEl>
+                                          </p:spTgt>
+                                        </p:tgtEl>
+                                        <p:attrNameLst>
+                                          <p:attrName>style.visibility</p:attrName>
+                                        </p:attrNameLst>
+                                      </p:cBhvr>
+                                      <p:to>
+                                        <p:strVal val="visible"/>
+                                      </p:to>
+                                    </p:set>
+                                    <p:animEffect transition="in" filter="fade">
+                                      <p:cBhvr>
+                                        <p:cTn id="7" dur="500"/>
+                                        <p:tgtEl>
+                                          <p:spTgt spid="3">
+                                            <p:txEl>
+                                              <p:pRg st="0" end="0"/>
+                                            </p:txEl>
+                                          </p:spTgt>
+                                        </p:tgtEl>
+                                      </p:cBhvr>
+                                    </p:animEffect>
+                                  </p:childTnLst>
+                                </p:cTn>
+                              </p:par>
+                            </p:childTnLst>
+                          </p:cTn>
+                        </p:par>
+                      </p:childTnLst>
+                    </p:cTn>
+                  </p:par>
+                  <p:par>
+                    <p:cTn id="8" fill="hold">
+                      <p:stCondLst>
+                        <p:cond delay="indefinite"/>
+                      </p:stCondLst>
+                      <p:childTnLst>
+                        <p:par>
+                          <p:cTn id="9" fill="hold">
+                            <p:stCondLst>
+                              <p:cond delay="0"/>
+                            </p:stCondLst>
+                            <p:childTnLst>
+                              <p:par>
+                                <p:cTn id="10" presetID="10" presetClass="entr" presetSubtype="0" fill="hold" grpId="0" nodeType="clickEffect">
+                                  <p:stCondLst>
+                                    <p:cond delay="0"/>
+                                  </p:stCondLst>
+                                  <p:childTnLst>
+                                    <p:set>
+                                      <p:cBhvr>
+                                        <p:cTn id="11" dur="1" fill="hold">
+                                          <p:stCondLst>
+                                            <p:cond delay="0"/>
+                                          </p:stCondLst>
+                                        </p:cTn>
+                                        <p:tgtEl>
+                                          <p:spTgt spid="3">
+                                            <p:txEl>
+                                              <p:pRg st="1" end="1"/>
+                                            </p:txEl>
+                                          </p:spTgt>
+                                        </p:tgtEl>
+                                        <p:attrNameLst>
+                                          <p:attrName>style.visibility</p:attrName>
+                                        </p:attrNameLst>
+                                      </p:cBhvr>
+                                      <p:to>
+                                        <p:strVal val="visible"/>
+                                      </p:to>
+                                    </p:set>
+                                    <p:animEffect transition="in" filter="fade">
+                                      <p:cBhvr>
+                                        <p:cTn id="12" dur="500"/>
+                                        <p:tgtEl>
+                                          <p:spTgt spid="3">
+                                            <p:txEl>
+                                              <p:pRg st="1" end="1"/>
+                                            </p:txEl>
+                                          </p:spTgt>
+                                        </p:tgtEl>
+                                      </p:cBhvr>
+                                    </p:animEffect>
+                                  </p:childTnLst>
+                                </p:cTn>
+                              </p:par>
+                              <p:par>
+                                <p:cTn id="13" presetID="10" presetClass="entr" presetSubtype="0" fill="hold" grpId="0" nodeType="withEffect">
+                                  <p:stCondLst>
+                                    <p:cond delay="0"/>
+                                  </p:stCondLst>
+                                  <p:childTnLst>
+                                    <p:set>
+                                      <p:cBhvr>
+                                        <p:cTn id="14" dur="1" fill="hold">
+                                          <p:stCondLst>
+                                            <p:cond delay="0"/>
+                                          </p:stCondLst>
+                                        </p:cTn>
+                                        <p:tgtEl>
+                                          <p:spTgt spid="3">
+                                            <p:txEl>
+                                              <p:pRg st="2" end="2"/>
+                                            </p:txEl>
+                                          </p:spTgt>
+                                        </p:tgtEl>
+                                        <p:attrNameLst>
+                                          <p:attrName>style.visibility</p:attrName>
+                                        </p:attrNameLst>
+                                      </p:cBhvr>
+                                      <p:to>
+                                        <p:strVal val="visible"/>
+                                      </p:to>
+                                    </p:set>
+                                    <p:animEffect transition="in" filter="fade">
+                                      <p:cBhvr>
+                                        <p:cTn id="15" dur="500"/>
+                                        <p:tgtEl>
+                                          <p:spTgt spid="3">
+                                            <p:txEl>
+                                              <p:pRg st="2" end="2"/>
+                                            </p:txEl>
+                                          </p:spTgt>
+                                        </p:tgtEl>
+                                      </p:cBhvr>
+                                    </p:animEffect>
+                                  </p:childTnLst>
+                                </p:cTn>
+                              </p:par>
+                              <p:par>
+                                <p:cTn id="16" presetID="10" presetClass="entr" presetSubtype="0" fill="hold" grpId="0" nodeType="withEffect">
+                                  <p:stCondLst>
+                                    <p:cond delay="0"/>
+                                  </p:stCondLst>
+                                  <p:childTnLst>
+                                    <p:set>
+                                      <p:cBhvr>
+                                        <p:cTn id="17" dur="1" fill="hold">
+                                          <p:stCondLst>
+                                            <p:cond delay="0"/>
+                                          </p:stCondLst>
+                                        </p:cTn>
+                                        <p:tgtEl>
+                                          <p:spTgt spid="3">
+                                            <p:txEl>
+                                              <p:pRg st="3" end="3"/>
+                                            </p:txEl>
+                                          </p:spTgt>
+                                        </p:tgtEl>
+                                        <p:attrNameLst>
+                                          <p:attrName>style.visibility</p:attrName>
+                                        </p:attrNameLst>
+                                      </p:cBhvr>
+                                      <p:to>
+                                        <p:strVal val="visible"/>
+                                      </p:to>
+                                    </p:set>
+                                    <p:animEffect transition="in" filter="fade">
+                                      <p:cBhvr>
+                                        <p:cTn id="18" dur="500"/>
+                                        <p:tgtEl>
+                                          <p:spTgt spid="3">
+                                            <p:txEl>
+                                              <p:pRg st="3" end="3"/>
+                                            </p:txEl>
+                                          </p:spTgt>
+                                        </p:tgtEl>
+                                      </p:cBhvr>
+                                    </p:animEffect>
+                                  </p:childTnLst>
+                                </p:cTn>
+                              </p:par>
+                            </p:childTnLst>
+                          </p:cTn>
+                        </p:par>
+                      </p:childTnLst>
+                    </p:cTn>
+                  </p:par>
+                  <p:par>
+                    <p:cTn id="19" fill="hold">
+                      <p:stCondLst>
+                        <p:cond delay="indefinite"/>
+                      </p:stCondLst>
+                      <p:childTnLst>
+                        <p:par>
+                          <p:cTn id="20" fill="hold">
+                            <p:stCondLst>
+                              <p:cond delay="0"/>
+                            </p:stCondLst>
+                            <p:childTnLst>
+                              <p:par>
+                                <p:cTn id="21" presetID="10" presetClass="entr" presetSubtype="0" fill="hold" grpId="0" nodeType="clickEffect">
+                                  <p:stCondLst>
+                                    <p:cond delay="0"/>
+                                  </p:stCondLst>
+                                  <p:childTnLst>
+                                    <p:set>
+                                      <p:cBhvr>
+                                        <p:cTn id="22" dur="1" fill="hold">
+                                          <p:stCondLst>
+                                            <p:cond delay="0"/>
+                                          </p:stCondLst>
+                                        </p:cTn>
+                                        <p:tgtEl>
+                                          <p:spTgt spid="3">
+                                            <p:txEl>
+                                              <p:pRg st="4" end="4"/>
+                                            </p:txEl>
+                                          </p:spTgt>
+                                        </p:tgtEl>
+                                        <p:attrNameLst>
+                                          <p:attrName>style.visibility</p:attrName>
+                                        </p:attrNameLst>
+                                      </p:cBhvr>
+                                      <p:to>
+                                        <p:strVal val="visible"/>
+                                      </p:to>
+                                    </p:set>
+                                    <p:animEffect transition="in" filter="fade">
+                                      <p:cBhvr>
+                                        <p:cTn id="23" dur="500"/>
+                                        <p:tgtEl>
+                                          <p:spTgt spid="3">
+                                            <p:txEl>
+                                              <p:pRg st="4" end="4"/>
+                                            </p:txEl>
+                                          </p:spTgt>
+                                        </p:tgtEl>
+                                      </p:cBhvr>
+                                    </p:animEffect>
+                                  </p:childTnLst>
+                                </p:cTn>
+                              </p:par>
+                              <p:par>
+                                <p:cTn id="24" presetID="10" presetClass="entr" presetSubtype="0" fill="hold" grpId="0" nodeType="withEffect">
+                                  <p:stCondLst>
+                                    <p:cond delay="0"/>
+                                  </p:stCondLst>
+                                  <p:childTnLst>
+                                    <p:set>
+                                      <p:cBhvr>
+                                        <p:cTn id="25" dur="1" fill="hold">
+                                          <p:stCondLst>
+                                            <p:cond delay="0"/>
+                                          </p:stCondLst>
+                                        </p:cTn>
+                                        <p:tgtEl>
+                                          <p:spTgt spid="3">
+                                            <p:txEl>
+                                              <p:pRg st="5" end="5"/>
+                                            </p:txEl>
+                                          </p:spTgt>
+                                        </p:tgtEl>
+                                        <p:attrNameLst>
+                                          <p:attrName>style.visibility</p:attrName>
+                                        </p:attrNameLst>
+                                      </p:cBhvr>
+                                      <p:to>
+                                        <p:strVal val="visible"/>
+                                      </p:to>
+                                    </p:set>
+                                    <p:animEffect transition="in" filter="fade">
+                                      <p:cBhvr>
+                                        <p:cTn id="26" dur="500"/>
+                                        <p:tgtEl>
+                                          <p:spTgt spid="3">
+                                            <p:txEl>
+                                              <p:pRg st="5" end="5"/>
+                                            </p:txEl>
+                                          </p:spTgt>
+                                        </p:tgtEl>
+                                      </p:cBhvr>
+                                    </p:animEffect>
+                                  </p:childTnLst>
+                                </p:cTn>
+                              </p:par>
+                              <p:par>
+                                <p:cTn id="27" presetID="10" presetClass="entr" presetSubtype="0" fill="hold" grpId="0" nodeType="withEffect">
+                                  <p:stCondLst>
+                                    <p:cond delay="0"/>
+                                  </p:stCondLst>
+                                  <p:childTnLst>
+                                    <p:set>
+                                      <p:cBhvr>
+                                        <p:cTn id="28" dur="1" fill="hold">
+                                          <p:stCondLst>
+                                            <p:cond delay="0"/>
+                                          </p:stCondLst>
+                                        </p:cTn>
+                                        <p:tgtEl>
+                                          <p:spTgt spid="3">
+                                            <p:txEl>
+                                              <p:pRg st="6" end="6"/>
+                                            </p:txEl>
+                                          </p:spTgt>
+                                        </p:tgtEl>
+                                        <p:attrNameLst>
+                                          <p:attrName>style.visibility</p:attrName>
+                                        </p:attrNameLst>
+                                      </p:cBhvr>
+                                      <p:to>
+                                        <p:strVal val="visible"/>
+                                      </p:to>
+                                    </p:set>
+                                    <p:animEffect transition="in" filter="fade">
+                                      <p:cBhvr>
+                                        <p:cTn id="29" dur="500"/>
+                                        <p:tgtEl>
+                                          <p:spTgt spid="3">
+                                            <p:txEl>
+                                              <p:pRg st="6" end="6"/>
+                                            </p:txEl>
+                                          </p:spTgt>
+                                        </p:tgtEl>
+                                      </p:cBhvr>
+                                    </p:animEffect>
+                                  </p:childTnLst>
+                                </p:cTn>
+                              </p:par>
+                            </p:childTnLst>
+                          </p:cTn>
+                        </p:par>
+                      </p:childTnLst>
+                    </p:cTn>
+                  </p:par>
+                  <p:par>
+                    <p:cTn id="30" fill="hold">
+                      <p:stCondLst>
+                        <p:cond delay="indefinite"/>
+                      </p:stCondLst>
+                      <p:childTnLst>
+                        <p:par>
+                          <p:cTn id="31" fill="hold">
+                            <p:stCondLst>
+                              <p:cond delay="0"/>
+                            </p:stCondLst>
+                            <p:childTnLst>
+                              <p:par>
+                                <p:cTn id="32" presetID="10" presetClass="entr" presetSubtype="0" fill="hold" grpId="0" nodeType="clickEffect">
+                                  <p:stCondLst>
+                                    <p:cond delay="0"/>
+                                  </p:stCondLst>
+                                  <p:childTnLst>
+                                    <p:set>
+                                      <p:cBhvr>
+                                        <p:cTn id="33" dur="1" fill="hold">
+                                          <p:stCondLst>
+                                            <p:cond delay="0"/>
+                                          </p:stCondLst>
+                                        </p:cTn>
+                                        <p:tgtEl>
+                                          <p:spTgt spid="3">
+                                            <p:txEl>
+                                              <p:pRg st="7" end="7"/>
+                                            </p:txEl>
+                                          </p:spTgt>
+                                        </p:tgtEl>
+                                        <p:attrNameLst>
+                                          <p:attrName>style.visibility</p:attrName>
+                                        </p:attrNameLst>
+                                      </p:cBhvr>
+                                      <p:to>
+                                        <p:strVal val="visible"/>
+                                      </p:to>
+                                    </p:set>
+                                    <p:animEffect transition="in" filter="fade">
+                                      <p:cBhvr>
+                                        <p:cTn id="34" dur="500"/>
+                                        <p:tgtEl>
+                                          <p:spTgt spid="3">
+                                            <p:txEl>
+                                              <p:pRg st="7" end="7"/>
+                                            </p:txEl>
+                                          </p:spTgt>
+                                        </p:tgtEl>
+                                      </p:cBhvr>
+                                    </p:animEffect>
+                                  </p:childTnLst>
+                                </p:cTn>
+                              </p:par>
+                              <p:par>
+                                <p:cTn id="35" presetID="10" presetClass="entr" presetSubtype="0" fill="hold" grpId="0" nodeType="withEffect">
+                                  <p:stCondLst>
+                                    <p:cond delay="0"/>
+                                  </p:stCondLst>
+                                  <p:childTnLst>
+                                    <p:set>
+                                      <p:cBhvr>
+                                        <p:cTn id="36" dur="1" fill="hold">
+                                          <p:stCondLst>
+                                            <p:cond delay="0"/>
+                                          </p:stCondLst>
+                                        </p:cTn>
+                                        <p:tgtEl>
+                                          <p:spTgt spid="3">
+                                            <p:txEl>
+                                              <p:pRg st="8" end="8"/>
+                                            </p:txEl>
+                                          </p:spTgt>
+                                        </p:tgtEl>
+                                        <p:attrNameLst>
+                                          <p:attrName>style.visibility</p:attrName>
+                                        </p:attrNameLst>
+                                      </p:cBhvr>
+                                      <p:to>
+                                        <p:strVal val="visible"/>
+                                      </p:to>
+                                    </p:set>
+                                    <p:animEffect transition="in" filter="fade">
+                                      <p:cBhvr>
+                                        <p:cTn id="37" dur="500"/>
+                                        <p:tgtEl>
+                                          <p:spTgt spid="3">
+                                            <p:txEl>
+                                              <p:pRg st="8" end="8"/>
+                                            </p:txEl>
+                                          </p:spTgt>
+                                        </p:tgtEl>
+                                      </p:cBhvr>
+                                    </p:animEffect>
+                                  </p:childTnLst>
+                                </p:cTn>
+                              </p:par>
+                              <p:par>
+                                <p:cTn id="38" presetID="10" presetClass="entr" presetSubtype="0" fill="hold" grpId="0" nodeType="withEffect">
+                                  <p:stCondLst>
+                                    <p:cond delay="0"/>
+                                  </p:stCondLst>
+                                  <p:childTnLst>
+                                    <p:set>
+                                      <p:cBhvr>
+                                        <p:cTn id="39" dur="1" fill="hold">
+                                          <p:stCondLst>
+                                            <p:cond delay="0"/>
+                                          </p:stCondLst>
+                                        </p:cTn>
+                                        <p:tgtEl>
+                                          <p:spTgt spid="3">
+                                            <p:txEl>
+                                              <p:pRg st="9" end="9"/>
+                                            </p:txEl>
+                                          </p:spTgt>
+                                        </p:tgtEl>
+                                        <p:attrNameLst>
+                                          <p:attrName>style.visibility</p:attrName>
+                                        </p:attrNameLst>
+                                      </p:cBhvr>
+                                      <p:to>
+                                        <p:strVal val="visible"/>
+                                      </p:to>
+                                    </p:set>
+                                    <p:animEffect transition="in" filter="fade">
+                                      <p:cBhvr>
+                                        <p:cTn id="40" dur="500"/>
+                                        <p:tgtEl>
+                                          <p:spTgt spid="3">
+                                            <p:txEl>
+                                              <p:pRg st="9" end="9"/>
+                                            </p:txEl>
+                                          </p:spTgt>
+                                        </p:tgtEl>
+                                      </p:cBhvr>
+                                    </p:animEffect>
+                                  </p:childTnLst>
+                                </p:cTn>
+                              </p:par>
+                              <p:par>
+                                <p:cTn id="41" presetID="10" presetClass="entr" presetSubtype="0" fill="hold" grpId="0" nodeType="withEffect">
+                                  <p:stCondLst>
+                                    <p:cond delay="0"/>
+                                  </p:stCondLst>
+                                  <p:childTnLst>
+                                    <p:set>
+                                      <p:cBhvr>
+                                        <p:cTn id="42" dur="1" fill="hold">
+                                          <p:stCondLst>
+                                            <p:cond delay="0"/>
+                                          </p:stCondLst>
+                                        </p:cTn>
+                                        <p:tgtEl>
+                                          <p:spTgt spid="3">
+                                            <p:txEl>
+                                              <p:pRg st="10" end="10"/>
+                                            </p:txEl>
+                                          </p:spTgt>
+                                        </p:tgtEl>
+                                        <p:attrNameLst>
+                                          <p:attrName>style.visibility</p:attrName>
+                                        </p:attrNameLst>
+                                      </p:cBhvr>
+                                      <p:to>
+                                        <p:strVal val="visible"/>
+                                      </p:to>
+                                    </p:set>
+                                    <p:animEffect transition="in" filter="fade">
+                                      <p:cBhvr>
+                                        <p:cTn id="43" dur="500"/>
+                                        <p:tgtEl>
+                                          <p:spTgt spid="3">
+                                            <p:txEl>
+                                              <p:pRg st="10" end="10"/>
+                                            </p:txEl>
+                                          </p:spTgt>
+                                        </p:tgtEl>
+                                      </p:cBhvr>
+                                    </p:animEffect>
+                                  </p:childTnLst>
+                                </p:cTn>
+                              </p:par>
+                            </p:childTnLst>
+                          </p:cTn>
+                        </p:par>
+                      </p:childTnLst>
+                    </p:cTn>
+                  </p:par>
+                </p:childTnLst>
+              </p:cTn>
+              <p:prevCondLst>
+                <p:cond evt="onPrev" delay="0">
+                  <p:tgtEl>
+                    <p:sldTgt/>
+                  </p:tgtEl>
+                </p:cond>
+              </p:prevCondLst>
+              <p:nextCondLst>
+                <p:cond evt="onNext" delay="0">
+                  <p:tgtEl>
+                    <p:sldTgt/>
+                  </p:tgtEl>
+                </p:cond>
+              </p:nextCondLst>
+            </p:seq>
+          </p:childTnLst>
+        </p:cTn>
+      </p:par>
+    </p:tnLst>
+    <p:bldLst>
+      <p:bldP spid="3" grpId="0" build="p"/>
+    </p:bldLst>
+  </p:timing>
 </p:sld>
 </file>
 
@@ -3860,6 +6705,695 @@
           <a:p>
             <a:r>
               <a:rPr lang="en-US" smtClean="0"/>
+              <a:t>The R Example</a:t>
+            </a:r>
+            <a:endParaRPr lang="en-US"/>
+          </a:p>
+        </p:txBody>
+      </p:sp>
+      <p:sp>
+        <p:nvSpPr>
+          <p:cNvPr id="3" name="Content Placeholder 2"/>
+          <p:cNvSpPr>
+            <a:spLocks noGrp="1"/>
+          </p:cNvSpPr>
+          <p:nvPr>
+            <p:ph idx="1"/>
+          </p:nvPr>
+        </p:nvSpPr>
+        <p:spPr/>
+        <p:txBody>
+          <a:bodyPr>
+            <a:normAutofit lnSpcReduction="10000"/>
+          </a:bodyPr>
+          <a:lstStyle/>
+          <a:p>
+            <a:r>
+              <a:rPr lang="en-US" smtClean="0"/>
+              <a:t>0_monolith.R</a:t>
+            </a:r>
+          </a:p>
+          <a:p>
+            <a:pPr lvl="1"/>
+            <a:r>
+              <a:rPr lang="en-US" smtClean="0"/>
+              <a:t>A typical R Script</a:t>
+            </a:r>
+          </a:p>
+          <a:p>
+            <a:pPr lvl="1"/>
+            <a:r>
+              <a:rPr lang="en-US" smtClean="0"/>
+              <a:t>Contains a lot of code that all runs in sequence</a:t>
+            </a:r>
+          </a:p>
+          <a:p>
+            <a:r>
+              <a:rPr lang="en-US" smtClean="0"/>
+              <a:t>What the script does</a:t>
+            </a:r>
+          </a:p>
+          <a:p>
+            <a:pPr lvl="1"/>
+            <a:r>
+              <a:rPr lang="en-US" smtClean="0"/>
+              <a:t>Reads 2 data sets from csv (doorbuster data)</a:t>
+            </a:r>
+          </a:p>
+          <a:p>
+            <a:pPr lvl="2"/>
+            <a:r>
+              <a:rPr lang="en-US" smtClean="0"/>
+              <a:t>Doorbuster1.csv &amp; doorbuster2.csv</a:t>
+            </a:r>
+          </a:p>
+          <a:p>
+            <a:pPr lvl="1"/>
+            <a:r>
+              <a:rPr lang="en-US" smtClean="0"/>
+              <a:t>Combines the datasets</a:t>
+            </a:r>
+          </a:p>
+          <a:p>
+            <a:pPr lvl="1"/>
+            <a:r>
+              <a:rPr lang="en-US" smtClean="0"/>
+              <a:t>Adds metrics for</a:t>
+            </a:r>
+          </a:p>
+          <a:p>
+            <a:pPr lvl="2"/>
+            <a:r>
+              <a:rPr lang="en-US" smtClean="0"/>
+              <a:t>Doorbuster items missing a price</a:t>
+            </a:r>
+          </a:p>
+          <a:p>
+            <a:pPr lvl="2"/>
+            <a:r>
+              <a:rPr lang="en-US" smtClean="0"/>
+              <a:t>Doorbuster items that are online, but out of stock</a:t>
+            </a:r>
+          </a:p>
+          <a:p>
+            <a:pPr lvl="1"/>
+            <a:r>
+              <a:rPr lang="en-US" smtClean="0"/>
+              <a:t>Writes metric data to csv called doorbuster_metrics.csv</a:t>
+            </a:r>
+            <a:endParaRPr lang="en-US"/>
+          </a:p>
+        </p:txBody>
+      </p:sp>
+    </p:spTree>
+    <p:extLst>
+      <p:ext uri="{BB962C8B-B14F-4D97-AF65-F5344CB8AC3E}">
+        <p14:creationId xmlns:p14="http://schemas.microsoft.com/office/powerpoint/2010/main" val="1171179039"/>
+      </p:ext>
+    </p:extLst>
+  </p:cSld>
+  <p:clrMapOvr>
+    <a:masterClrMapping/>
+  </p:clrMapOvr>
+  <p:timing>
+    <p:tnLst>
+      <p:par>
+        <p:cTn id="1" dur="indefinite" restart="never" nodeType="tmRoot">
+          <p:childTnLst>
+            <p:seq concurrent="1" nextAc="seek">
+              <p:cTn id="2" dur="indefinite" nodeType="mainSeq">
+                <p:childTnLst>
+                  <p:par>
+                    <p:cTn id="3" fill="hold">
+                      <p:stCondLst>
+                        <p:cond delay="indefinite"/>
+                      </p:stCondLst>
+                      <p:childTnLst>
+                        <p:par>
+                          <p:cTn id="4" fill="hold">
+                            <p:stCondLst>
+                              <p:cond delay="0"/>
+                            </p:stCondLst>
+                            <p:childTnLst>
+                              <p:par>
+                                <p:cTn id="5" presetID="10" presetClass="entr" presetSubtype="0" fill="hold" grpId="0" nodeType="clickEffect">
+                                  <p:stCondLst>
+                                    <p:cond delay="0"/>
+                                  </p:stCondLst>
+                                  <p:childTnLst>
+                                    <p:set>
+                                      <p:cBhvr>
+                                        <p:cTn id="6" dur="1" fill="hold">
+                                          <p:stCondLst>
+                                            <p:cond delay="0"/>
+                                          </p:stCondLst>
+                                        </p:cTn>
+                                        <p:tgtEl>
+                                          <p:spTgt spid="3">
+                                            <p:txEl>
+                                              <p:pRg st="0" end="0"/>
+                                            </p:txEl>
+                                          </p:spTgt>
+                                        </p:tgtEl>
+                                        <p:attrNameLst>
+                                          <p:attrName>style.visibility</p:attrName>
+                                        </p:attrNameLst>
+                                      </p:cBhvr>
+                                      <p:to>
+                                        <p:strVal val="visible"/>
+                                      </p:to>
+                                    </p:set>
+                                    <p:animEffect transition="in" filter="fade">
+                                      <p:cBhvr>
+                                        <p:cTn id="7" dur="500"/>
+                                        <p:tgtEl>
+                                          <p:spTgt spid="3">
+                                            <p:txEl>
+                                              <p:pRg st="0" end="0"/>
+                                            </p:txEl>
+                                          </p:spTgt>
+                                        </p:tgtEl>
+                                      </p:cBhvr>
+                                    </p:animEffect>
+                                  </p:childTnLst>
+                                </p:cTn>
+                              </p:par>
+                              <p:par>
+                                <p:cTn id="8" presetID="10" presetClass="entr" presetSubtype="0" fill="hold" grpId="0" nodeType="withEffect">
+                                  <p:stCondLst>
+                                    <p:cond delay="0"/>
+                                  </p:stCondLst>
+                                  <p:childTnLst>
+                                    <p:set>
+                                      <p:cBhvr>
+                                        <p:cTn id="9" dur="1" fill="hold">
+                                          <p:stCondLst>
+                                            <p:cond delay="0"/>
+                                          </p:stCondLst>
+                                        </p:cTn>
+                                        <p:tgtEl>
+                                          <p:spTgt spid="3">
+                                            <p:txEl>
+                                              <p:pRg st="1" end="1"/>
+                                            </p:txEl>
+                                          </p:spTgt>
+                                        </p:tgtEl>
+                                        <p:attrNameLst>
+                                          <p:attrName>style.visibility</p:attrName>
+                                        </p:attrNameLst>
+                                      </p:cBhvr>
+                                      <p:to>
+                                        <p:strVal val="visible"/>
+                                      </p:to>
+                                    </p:set>
+                                    <p:animEffect transition="in" filter="fade">
+                                      <p:cBhvr>
+                                        <p:cTn id="10" dur="500"/>
+                                        <p:tgtEl>
+                                          <p:spTgt spid="3">
+                                            <p:txEl>
+                                              <p:pRg st="1" end="1"/>
+                                            </p:txEl>
+                                          </p:spTgt>
+                                        </p:tgtEl>
+                                      </p:cBhvr>
+                                    </p:animEffect>
+                                  </p:childTnLst>
+                                </p:cTn>
+                              </p:par>
+                              <p:par>
+                                <p:cTn id="11" presetID="10" presetClass="entr" presetSubtype="0" fill="hold" grpId="0" nodeType="withEffect">
+                                  <p:stCondLst>
+                                    <p:cond delay="0"/>
+                                  </p:stCondLst>
+                                  <p:childTnLst>
+                                    <p:set>
+                                      <p:cBhvr>
+                                        <p:cTn id="12" dur="1" fill="hold">
+                                          <p:stCondLst>
+                                            <p:cond delay="0"/>
+                                          </p:stCondLst>
+                                        </p:cTn>
+                                        <p:tgtEl>
+                                          <p:spTgt spid="3">
+                                            <p:txEl>
+                                              <p:pRg st="2" end="2"/>
+                                            </p:txEl>
+                                          </p:spTgt>
+                                        </p:tgtEl>
+                                        <p:attrNameLst>
+                                          <p:attrName>style.visibility</p:attrName>
+                                        </p:attrNameLst>
+                                      </p:cBhvr>
+                                      <p:to>
+                                        <p:strVal val="visible"/>
+                                      </p:to>
+                                    </p:set>
+                                    <p:animEffect transition="in" filter="fade">
+                                      <p:cBhvr>
+                                        <p:cTn id="13" dur="500"/>
+                                        <p:tgtEl>
+                                          <p:spTgt spid="3">
+                                            <p:txEl>
+                                              <p:pRg st="2" end="2"/>
+                                            </p:txEl>
+                                          </p:spTgt>
+                                        </p:tgtEl>
+                                      </p:cBhvr>
+                                    </p:animEffect>
+                                  </p:childTnLst>
+                                </p:cTn>
+                              </p:par>
+                            </p:childTnLst>
+                          </p:cTn>
+                        </p:par>
+                      </p:childTnLst>
+                    </p:cTn>
+                  </p:par>
+                  <p:par>
+                    <p:cTn id="14" fill="hold">
+                      <p:stCondLst>
+                        <p:cond delay="indefinite"/>
+                      </p:stCondLst>
+                      <p:childTnLst>
+                        <p:par>
+                          <p:cTn id="15" fill="hold">
+                            <p:stCondLst>
+                              <p:cond delay="0"/>
+                            </p:stCondLst>
+                            <p:childTnLst>
+                              <p:par>
+                                <p:cTn id="16" presetID="10" presetClass="entr" presetSubtype="0" fill="hold" grpId="0" nodeType="clickEffect">
+                                  <p:stCondLst>
+                                    <p:cond delay="0"/>
+                                  </p:stCondLst>
+                                  <p:childTnLst>
+                                    <p:set>
+                                      <p:cBhvr>
+                                        <p:cTn id="17" dur="1" fill="hold">
+                                          <p:stCondLst>
+                                            <p:cond delay="0"/>
+                                          </p:stCondLst>
+                                        </p:cTn>
+                                        <p:tgtEl>
+                                          <p:spTgt spid="3">
+                                            <p:txEl>
+                                              <p:pRg st="3" end="3"/>
+                                            </p:txEl>
+                                          </p:spTgt>
+                                        </p:tgtEl>
+                                        <p:attrNameLst>
+                                          <p:attrName>style.visibility</p:attrName>
+                                        </p:attrNameLst>
+                                      </p:cBhvr>
+                                      <p:to>
+                                        <p:strVal val="visible"/>
+                                      </p:to>
+                                    </p:set>
+                                    <p:animEffect transition="in" filter="fade">
+                                      <p:cBhvr>
+                                        <p:cTn id="18" dur="500"/>
+                                        <p:tgtEl>
+                                          <p:spTgt spid="3">
+                                            <p:txEl>
+                                              <p:pRg st="3" end="3"/>
+                                            </p:txEl>
+                                          </p:spTgt>
+                                        </p:tgtEl>
+                                      </p:cBhvr>
+                                    </p:animEffect>
+                                  </p:childTnLst>
+                                </p:cTn>
+                              </p:par>
+                              <p:par>
+                                <p:cTn id="19" presetID="10" presetClass="entr" presetSubtype="0" fill="hold" grpId="0" nodeType="withEffect">
+                                  <p:stCondLst>
+                                    <p:cond delay="0"/>
+                                  </p:stCondLst>
+                                  <p:childTnLst>
+                                    <p:set>
+                                      <p:cBhvr>
+                                        <p:cTn id="20" dur="1" fill="hold">
+                                          <p:stCondLst>
+                                            <p:cond delay="0"/>
+                                          </p:stCondLst>
+                                        </p:cTn>
+                                        <p:tgtEl>
+                                          <p:spTgt spid="3">
+                                            <p:txEl>
+                                              <p:pRg st="4" end="4"/>
+                                            </p:txEl>
+                                          </p:spTgt>
+                                        </p:tgtEl>
+                                        <p:attrNameLst>
+                                          <p:attrName>style.visibility</p:attrName>
+                                        </p:attrNameLst>
+                                      </p:cBhvr>
+                                      <p:to>
+                                        <p:strVal val="visible"/>
+                                      </p:to>
+                                    </p:set>
+                                    <p:animEffect transition="in" filter="fade">
+                                      <p:cBhvr>
+                                        <p:cTn id="21" dur="500"/>
+                                        <p:tgtEl>
+                                          <p:spTgt spid="3">
+                                            <p:txEl>
+                                              <p:pRg st="4" end="4"/>
+                                            </p:txEl>
+                                          </p:spTgt>
+                                        </p:tgtEl>
+                                      </p:cBhvr>
+                                    </p:animEffect>
+                                  </p:childTnLst>
+                                </p:cTn>
+                              </p:par>
+                              <p:par>
+                                <p:cTn id="22" presetID="10" presetClass="entr" presetSubtype="0" fill="hold" grpId="0" nodeType="withEffect">
+                                  <p:stCondLst>
+                                    <p:cond delay="0"/>
+                                  </p:stCondLst>
+                                  <p:childTnLst>
+                                    <p:set>
+                                      <p:cBhvr>
+                                        <p:cTn id="23" dur="1" fill="hold">
+                                          <p:stCondLst>
+                                            <p:cond delay="0"/>
+                                          </p:stCondLst>
+                                        </p:cTn>
+                                        <p:tgtEl>
+                                          <p:spTgt spid="3">
+                                            <p:txEl>
+                                              <p:pRg st="5" end="5"/>
+                                            </p:txEl>
+                                          </p:spTgt>
+                                        </p:tgtEl>
+                                        <p:attrNameLst>
+                                          <p:attrName>style.visibility</p:attrName>
+                                        </p:attrNameLst>
+                                      </p:cBhvr>
+                                      <p:to>
+                                        <p:strVal val="visible"/>
+                                      </p:to>
+                                    </p:set>
+                                    <p:animEffect transition="in" filter="fade">
+                                      <p:cBhvr>
+                                        <p:cTn id="24" dur="500"/>
+                                        <p:tgtEl>
+                                          <p:spTgt spid="3">
+                                            <p:txEl>
+                                              <p:pRg st="5" end="5"/>
+                                            </p:txEl>
+                                          </p:spTgt>
+                                        </p:tgtEl>
+                                      </p:cBhvr>
+                                    </p:animEffect>
+                                  </p:childTnLst>
+                                </p:cTn>
+                              </p:par>
+                              <p:par>
+                                <p:cTn id="25" presetID="10" presetClass="entr" presetSubtype="0" fill="hold" grpId="0" nodeType="withEffect">
+                                  <p:stCondLst>
+                                    <p:cond delay="0"/>
+                                  </p:stCondLst>
+                                  <p:childTnLst>
+                                    <p:set>
+                                      <p:cBhvr>
+                                        <p:cTn id="26" dur="1" fill="hold">
+                                          <p:stCondLst>
+                                            <p:cond delay="0"/>
+                                          </p:stCondLst>
+                                        </p:cTn>
+                                        <p:tgtEl>
+                                          <p:spTgt spid="3">
+                                            <p:txEl>
+                                              <p:pRg st="6" end="6"/>
+                                            </p:txEl>
+                                          </p:spTgt>
+                                        </p:tgtEl>
+                                        <p:attrNameLst>
+                                          <p:attrName>style.visibility</p:attrName>
+                                        </p:attrNameLst>
+                                      </p:cBhvr>
+                                      <p:to>
+                                        <p:strVal val="visible"/>
+                                      </p:to>
+                                    </p:set>
+                                    <p:animEffect transition="in" filter="fade">
+                                      <p:cBhvr>
+                                        <p:cTn id="27" dur="500"/>
+                                        <p:tgtEl>
+                                          <p:spTgt spid="3">
+                                            <p:txEl>
+                                              <p:pRg st="6" end="6"/>
+                                            </p:txEl>
+                                          </p:spTgt>
+                                        </p:tgtEl>
+                                      </p:cBhvr>
+                                    </p:animEffect>
+                                  </p:childTnLst>
+                                </p:cTn>
+                              </p:par>
+                              <p:par>
+                                <p:cTn id="28" presetID="10" presetClass="entr" presetSubtype="0" fill="hold" grpId="0" nodeType="withEffect">
+                                  <p:stCondLst>
+                                    <p:cond delay="0"/>
+                                  </p:stCondLst>
+                                  <p:childTnLst>
+                                    <p:set>
+                                      <p:cBhvr>
+                                        <p:cTn id="29" dur="1" fill="hold">
+                                          <p:stCondLst>
+                                            <p:cond delay="0"/>
+                                          </p:stCondLst>
+                                        </p:cTn>
+                                        <p:tgtEl>
+                                          <p:spTgt spid="3">
+                                            <p:txEl>
+                                              <p:pRg st="7" end="7"/>
+                                            </p:txEl>
+                                          </p:spTgt>
+                                        </p:tgtEl>
+                                        <p:attrNameLst>
+                                          <p:attrName>style.visibility</p:attrName>
+                                        </p:attrNameLst>
+                                      </p:cBhvr>
+                                      <p:to>
+                                        <p:strVal val="visible"/>
+                                      </p:to>
+                                    </p:set>
+                                    <p:animEffect transition="in" filter="fade">
+                                      <p:cBhvr>
+                                        <p:cTn id="30" dur="500"/>
+                                        <p:tgtEl>
+                                          <p:spTgt spid="3">
+                                            <p:txEl>
+                                              <p:pRg st="7" end="7"/>
+                                            </p:txEl>
+                                          </p:spTgt>
+                                        </p:tgtEl>
+                                      </p:cBhvr>
+                                    </p:animEffect>
+                                  </p:childTnLst>
+                                </p:cTn>
+                              </p:par>
+                              <p:par>
+                                <p:cTn id="31" presetID="10" presetClass="entr" presetSubtype="0" fill="hold" grpId="0" nodeType="withEffect">
+                                  <p:stCondLst>
+                                    <p:cond delay="0"/>
+                                  </p:stCondLst>
+                                  <p:childTnLst>
+                                    <p:set>
+                                      <p:cBhvr>
+                                        <p:cTn id="32" dur="1" fill="hold">
+                                          <p:stCondLst>
+                                            <p:cond delay="0"/>
+                                          </p:stCondLst>
+                                        </p:cTn>
+                                        <p:tgtEl>
+                                          <p:spTgt spid="3">
+                                            <p:txEl>
+                                              <p:pRg st="8" end="8"/>
+                                            </p:txEl>
+                                          </p:spTgt>
+                                        </p:tgtEl>
+                                        <p:attrNameLst>
+                                          <p:attrName>style.visibility</p:attrName>
+                                        </p:attrNameLst>
+                                      </p:cBhvr>
+                                      <p:to>
+                                        <p:strVal val="visible"/>
+                                      </p:to>
+                                    </p:set>
+                                    <p:animEffect transition="in" filter="fade">
+                                      <p:cBhvr>
+                                        <p:cTn id="33" dur="500"/>
+                                        <p:tgtEl>
+                                          <p:spTgt spid="3">
+                                            <p:txEl>
+                                              <p:pRg st="8" end="8"/>
+                                            </p:txEl>
+                                          </p:spTgt>
+                                        </p:tgtEl>
+                                      </p:cBhvr>
+                                    </p:animEffect>
+                                  </p:childTnLst>
+                                </p:cTn>
+                              </p:par>
+                              <p:par>
+                                <p:cTn id="34" presetID="10" presetClass="entr" presetSubtype="0" fill="hold" grpId="0" nodeType="withEffect">
+                                  <p:stCondLst>
+                                    <p:cond delay="0"/>
+                                  </p:stCondLst>
+                                  <p:childTnLst>
+                                    <p:set>
+                                      <p:cBhvr>
+                                        <p:cTn id="35" dur="1" fill="hold">
+                                          <p:stCondLst>
+                                            <p:cond delay="0"/>
+                                          </p:stCondLst>
+                                        </p:cTn>
+                                        <p:tgtEl>
+                                          <p:spTgt spid="3">
+                                            <p:txEl>
+                                              <p:pRg st="9" end="9"/>
+                                            </p:txEl>
+                                          </p:spTgt>
+                                        </p:tgtEl>
+                                        <p:attrNameLst>
+                                          <p:attrName>style.visibility</p:attrName>
+                                        </p:attrNameLst>
+                                      </p:cBhvr>
+                                      <p:to>
+                                        <p:strVal val="visible"/>
+                                      </p:to>
+                                    </p:set>
+                                    <p:animEffect transition="in" filter="fade">
+                                      <p:cBhvr>
+                                        <p:cTn id="36" dur="500"/>
+                                        <p:tgtEl>
+                                          <p:spTgt spid="3">
+                                            <p:txEl>
+                                              <p:pRg st="9" end="9"/>
+                                            </p:txEl>
+                                          </p:spTgt>
+                                        </p:tgtEl>
+                                      </p:cBhvr>
+                                    </p:animEffect>
+                                  </p:childTnLst>
+                                </p:cTn>
+                              </p:par>
+                              <p:par>
+                                <p:cTn id="37" presetID="10" presetClass="entr" presetSubtype="0" fill="hold" grpId="0" nodeType="withEffect">
+                                  <p:stCondLst>
+                                    <p:cond delay="0"/>
+                                  </p:stCondLst>
+                                  <p:childTnLst>
+                                    <p:set>
+                                      <p:cBhvr>
+                                        <p:cTn id="38" dur="1" fill="hold">
+                                          <p:stCondLst>
+                                            <p:cond delay="0"/>
+                                          </p:stCondLst>
+                                        </p:cTn>
+                                        <p:tgtEl>
+                                          <p:spTgt spid="3">
+                                            <p:txEl>
+                                              <p:pRg st="10" end="10"/>
+                                            </p:txEl>
+                                          </p:spTgt>
+                                        </p:tgtEl>
+                                        <p:attrNameLst>
+                                          <p:attrName>style.visibility</p:attrName>
+                                        </p:attrNameLst>
+                                      </p:cBhvr>
+                                      <p:to>
+                                        <p:strVal val="visible"/>
+                                      </p:to>
+                                    </p:set>
+                                    <p:animEffect transition="in" filter="fade">
+                                      <p:cBhvr>
+                                        <p:cTn id="39" dur="500"/>
+                                        <p:tgtEl>
+                                          <p:spTgt spid="3">
+                                            <p:txEl>
+                                              <p:pRg st="10" end="10"/>
+                                            </p:txEl>
+                                          </p:spTgt>
+                                        </p:tgtEl>
+                                      </p:cBhvr>
+                                    </p:animEffect>
+                                  </p:childTnLst>
+                                </p:cTn>
+                              </p:par>
+                            </p:childTnLst>
+                          </p:cTn>
+                        </p:par>
+                      </p:childTnLst>
+                    </p:cTn>
+                  </p:par>
+                </p:childTnLst>
+              </p:cTn>
+              <p:prevCondLst>
+                <p:cond evt="onPrev" delay="0">
+                  <p:tgtEl>
+                    <p:sldTgt/>
+                  </p:tgtEl>
+                </p:cond>
+              </p:prevCondLst>
+              <p:nextCondLst>
+                <p:cond evt="onNext" delay="0">
+                  <p:tgtEl>
+                    <p:sldTgt/>
+                  </p:tgtEl>
+                </p:cond>
+              </p:nextCondLst>
+            </p:seq>
+          </p:childTnLst>
+        </p:cTn>
+      </p:par>
+    </p:tnLst>
+    <p:bldLst>
+      <p:bldP spid="3" grpId="0" build="p"/>
+    </p:bldLst>
+  </p:timing>
+</p:sld>
+</file>
+
+<file path=ppt/slides/slide8.xml><?xml version="1.0" encoding="utf-8"?>
+<p:sld xmlns:a="http://schemas.openxmlformats.org/drawingml/2006/main" xmlns:r="http://schemas.openxmlformats.org/officeDocument/2006/relationships" xmlns:p="http://schemas.openxmlformats.org/presentationml/2006/main">
+  <p:cSld>
+    <p:spTree>
+      <p:nvGrpSpPr>
+        <p:cNvPr id="1" name=""/>
+        <p:cNvGrpSpPr/>
+        <p:nvPr/>
+      </p:nvGrpSpPr>
+      <p:grpSpPr>
+        <a:xfrm>
+          <a:off x="0" y="0"/>
+          <a:ext cx="0" cy="0"/>
+          <a:chOff x="0" y="0"/>
+          <a:chExt cx="0" cy="0"/>
+        </a:xfrm>
+      </p:grpSpPr>
+      <p:sp>
+        <p:nvSpPr>
+          <p:cNvPr id="2" name="Title 1"/>
+          <p:cNvSpPr>
+            <a:spLocks noGrp="1"/>
+          </p:cNvSpPr>
+          <p:nvPr>
+            <p:ph type="title"/>
+          </p:nvPr>
+        </p:nvSpPr>
+        <p:spPr/>
+        <p:txBody>
+          <a:bodyPr/>
+          <a:lstStyle/>
+          <a:p>
+            <a:r>
+              <a:rPr lang="en-US" smtClean="0"/>
               <a:t>Refactor: Extract Method</a:t>
             </a:r>
             <a:endParaRPr lang="en-US"/>
@@ -3897,8 +7431,13 @@
             <a:pPr lvl="1"/>
             <a:r>
               <a:rPr lang="en-US" smtClean="0"/>
-              <a:t>Make a small function to follow the Single Responsibility</a:t>
-            </a:r>
+              <a:t>Make a small function to follow the Single </a:t>
+            </a:r>
+            <a:r>
+              <a:rPr lang="en-US" smtClean="0"/>
+              <a:t>Responsibility principle</a:t>
+            </a:r>
+            <a:endParaRPr lang="en-US" smtClean="0"/>
           </a:p>
           <a:p>
             <a:r>
@@ -3946,6 +7485,1211 @@
   <p:clrMapOvr>
     <a:masterClrMapping/>
   </p:clrMapOvr>
+  <p:timing>
+    <p:tnLst>
+      <p:par>
+        <p:cTn id="1" dur="indefinite" restart="never" nodeType="tmRoot">
+          <p:childTnLst>
+            <p:seq concurrent="1" nextAc="seek">
+              <p:cTn id="2" dur="indefinite" nodeType="mainSeq">
+                <p:childTnLst>
+                  <p:par>
+                    <p:cTn id="3" fill="hold">
+                      <p:stCondLst>
+                        <p:cond delay="indefinite"/>
+                      </p:stCondLst>
+                      <p:childTnLst>
+                        <p:par>
+                          <p:cTn id="4" fill="hold">
+                            <p:stCondLst>
+                              <p:cond delay="0"/>
+                            </p:stCondLst>
+                            <p:childTnLst>
+                              <p:par>
+                                <p:cTn id="5" presetID="10" presetClass="entr" presetSubtype="0" fill="hold" nodeType="clickEffect">
+                                  <p:stCondLst>
+                                    <p:cond delay="0"/>
+                                  </p:stCondLst>
+                                  <p:childTnLst>
+                                    <p:set>
+                                      <p:cBhvr>
+                                        <p:cTn id="6" dur="1" fill="hold">
+                                          <p:stCondLst>
+                                            <p:cond delay="0"/>
+                                          </p:stCondLst>
+                                        </p:cTn>
+                                        <p:tgtEl>
+                                          <p:spTgt spid="3">
+                                            <p:txEl>
+                                              <p:pRg st="0" end="0"/>
+                                            </p:txEl>
+                                          </p:spTgt>
+                                        </p:tgtEl>
+                                        <p:attrNameLst>
+                                          <p:attrName>style.visibility</p:attrName>
+                                        </p:attrNameLst>
+                                      </p:cBhvr>
+                                      <p:to>
+                                        <p:strVal val="visible"/>
+                                      </p:to>
+                                    </p:set>
+                                    <p:animEffect transition="in" filter="fade">
+                                      <p:cBhvr>
+                                        <p:cTn id="7" dur="500"/>
+                                        <p:tgtEl>
+                                          <p:spTgt spid="3">
+                                            <p:txEl>
+                                              <p:pRg st="0" end="0"/>
+                                            </p:txEl>
+                                          </p:spTgt>
+                                        </p:tgtEl>
+                                      </p:cBhvr>
+                                    </p:animEffect>
+                                  </p:childTnLst>
+                                </p:cTn>
+                              </p:par>
+                            </p:childTnLst>
+                          </p:cTn>
+                        </p:par>
+                      </p:childTnLst>
+                    </p:cTn>
+                  </p:par>
+                  <p:par>
+                    <p:cTn id="8" fill="hold">
+                      <p:stCondLst>
+                        <p:cond delay="indefinite"/>
+                      </p:stCondLst>
+                      <p:childTnLst>
+                        <p:par>
+                          <p:cTn id="9" fill="hold">
+                            <p:stCondLst>
+                              <p:cond delay="0"/>
+                            </p:stCondLst>
+                            <p:childTnLst>
+                              <p:par>
+                                <p:cTn id="10" presetID="10" presetClass="entr" presetSubtype="0" fill="hold" nodeType="clickEffect">
+                                  <p:stCondLst>
+                                    <p:cond delay="0"/>
+                                  </p:stCondLst>
+                                  <p:childTnLst>
+                                    <p:set>
+                                      <p:cBhvr>
+                                        <p:cTn id="11" dur="1" fill="hold">
+                                          <p:stCondLst>
+                                            <p:cond delay="0"/>
+                                          </p:stCondLst>
+                                        </p:cTn>
+                                        <p:tgtEl>
+                                          <p:spTgt spid="3">
+                                            <p:txEl>
+                                              <p:pRg st="1" end="1"/>
+                                            </p:txEl>
+                                          </p:spTgt>
+                                        </p:tgtEl>
+                                        <p:attrNameLst>
+                                          <p:attrName>style.visibility</p:attrName>
+                                        </p:attrNameLst>
+                                      </p:cBhvr>
+                                      <p:to>
+                                        <p:strVal val="visible"/>
+                                      </p:to>
+                                    </p:set>
+                                    <p:animEffect transition="in" filter="fade">
+                                      <p:cBhvr>
+                                        <p:cTn id="12" dur="500"/>
+                                        <p:tgtEl>
+                                          <p:spTgt spid="3">
+                                            <p:txEl>
+                                              <p:pRg st="1" end="1"/>
+                                            </p:txEl>
+                                          </p:spTgt>
+                                        </p:tgtEl>
+                                      </p:cBhvr>
+                                    </p:animEffect>
+                                  </p:childTnLst>
+                                </p:cTn>
+                              </p:par>
+                            </p:childTnLst>
+                          </p:cTn>
+                        </p:par>
+                      </p:childTnLst>
+                    </p:cTn>
+                  </p:par>
+                  <p:par>
+                    <p:cTn id="13" fill="hold">
+                      <p:stCondLst>
+                        <p:cond delay="indefinite"/>
+                      </p:stCondLst>
+                      <p:childTnLst>
+                        <p:par>
+                          <p:cTn id="14" fill="hold">
+                            <p:stCondLst>
+                              <p:cond delay="0"/>
+                            </p:stCondLst>
+                            <p:childTnLst>
+                              <p:par>
+                                <p:cTn id="15" presetID="10" presetClass="entr" presetSubtype="0" fill="hold" nodeType="clickEffect">
+                                  <p:stCondLst>
+                                    <p:cond delay="0"/>
+                                  </p:stCondLst>
+                                  <p:childTnLst>
+                                    <p:set>
+                                      <p:cBhvr>
+                                        <p:cTn id="16" dur="1" fill="hold">
+                                          <p:stCondLst>
+                                            <p:cond delay="0"/>
+                                          </p:stCondLst>
+                                        </p:cTn>
+                                        <p:tgtEl>
+                                          <p:spTgt spid="3">
+                                            <p:txEl>
+                                              <p:pRg st="2" end="2"/>
+                                            </p:txEl>
+                                          </p:spTgt>
+                                        </p:tgtEl>
+                                        <p:attrNameLst>
+                                          <p:attrName>style.visibility</p:attrName>
+                                        </p:attrNameLst>
+                                      </p:cBhvr>
+                                      <p:to>
+                                        <p:strVal val="visible"/>
+                                      </p:to>
+                                    </p:set>
+                                    <p:animEffect transition="in" filter="fade">
+                                      <p:cBhvr>
+                                        <p:cTn id="17" dur="500"/>
+                                        <p:tgtEl>
+                                          <p:spTgt spid="3">
+                                            <p:txEl>
+                                              <p:pRg st="2" end="2"/>
+                                            </p:txEl>
+                                          </p:spTgt>
+                                        </p:tgtEl>
+                                      </p:cBhvr>
+                                    </p:animEffect>
+                                  </p:childTnLst>
+                                </p:cTn>
+                              </p:par>
+                            </p:childTnLst>
+                          </p:cTn>
+                        </p:par>
+                      </p:childTnLst>
+                    </p:cTn>
+                  </p:par>
+                  <p:par>
+                    <p:cTn id="18" fill="hold">
+                      <p:stCondLst>
+                        <p:cond delay="indefinite"/>
+                      </p:stCondLst>
+                      <p:childTnLst>
+                        <p:par>
+                          <p:cTn id="19" fill="hold">
+                            <p:stCondLst>
+                              <p:cond delay="0"/>
+                            </p:stCondLst>
+                            <p:childTnLst>
+                              <p:par>
+                                <p:cTn id="20" presetID="10" presetClass="entr" presetSubtype="0" fill="hold" nodeType="clickEffect">
+                                  <p:stCondLst>
+                                    <p:cond delay="0"/>
+                                  </p:stCondLst>
+                                  <p:childTnLst>
+                                    <p:set>
+                                      <p:cBhvr>
+                                        <p:cTn id="21" dur="1" fill="hold">
+                                          <p:stCondLst>
+                                            <p:cond delay="0"/>
+                                          </p:stCondLst>
+                                        </p:cTn>
+                                        <p:tgtEl>
+                                          <p:spTgt spid="3">
+                                            <p:txEl>
+                                              <p:pRg st="3" end="3"/>
+                                            </p:txEl>
+                                          </p:spTgt>
+                                        </p:tgtEl>
+                                        <p:attrNameLst>
+                                          <p:attrName>style.visibility</p:attrName>
+                                        </p:attrNameLst>
+                                      </p:cBhvr>
+                                      <p:to>
+                                        <p:strVal val="visible"/>
+                                      </p:to>
+                                    </p:set>
+                                    <p:animEffect transition="in" filter="fade">
+                                      <p:cBhvr>
+                                        <p:cTn id="22" dur="500"/>
+                                        <p:tgtEl>
+                                          <p:spTgt spid="3">
+                                            <p:txEl>
+                                              <p:pRg st="3" end="3"/>
+                                            </p:txEl>
+                                          </p:spTgt>
+                                        </p:tgtEl>
+                                      </p:cBhvr>
+                                    </p:animEffect>
+                                  </p:childTnLst>
+                                </p:cTn>
+                              </p:par>
+                            </p:childTnLst>
+                          </p:cTn>
+                        </p:par>
+                      </p:childTnLst>
+                    </p:cTn>
+                  </p:par>
+                  <p:par>
+                    <p:cTn id="23" fill="hold">
+                      <p:stCondLst>
+                        <p:cond delay="indefinite"/>
+                      </p:stCondLst>
+                      <p:childTnLst>
+                        <p:par>
+                          <p:cTn id="24" fill="hold">
+                            <p:stCondLst>
+                              <p:cond delay="0"/>
+                            </p:stCondLst>
+                            <p:childTnLst>
+                              <p:par>
+                                <p:cTn id="25" presetID="10" presetClass="entr" presetSubtype="0" fill="hold" nodeType="clickEffect">
+                                  <p:stCondLst>
+                                    <p:cond delay="0"/>
+                                  </p:stCondLst>
+                                  <p:childTnLst>
+                                    <p:set>
+                                      <p:cBhvr>
+                                        <p:cTn id="26" dur="1" fill="hold">
+                                          <p:stCondLst>
+                                            <p:cond delay="0"/>
+                                          </p:stCondLst>
+                                        </p:cTn>
+                                        <p:tgtEl>
+                                          <p:spTgt spid="3">
+                                            <p:txEl>
+                                              <p:pRg st="4" end="4"/>
+                                            </p:txEl>
+                                          </p:spTgt>
+                                        </p:tgtEl>
+                                        <p:attrNameLst>
+                                          <p:attrName>style.visibility</p:attrName>
+                                        </p:attrNameLst>
+                                      </p:cBhvr>
+                                      <p:to>
+                                        <p:strVal val="visible"/>
+                                      </p:to>
+                                    </p:set>
+                                    <p:animEffect transition="in" filter="fade">
+                                      <p:cBhvr>
+                                        <p:cTn id="27" dur="500"/>
+                                        <p:tgtEl>
+                                          <p:spTgt spid="3">
+                                            <p:txEl>
+                                              <p:pRg st="4" end="4"/>
+                                            </p:txEl>
+                                          </p:spTgt>
+                                        </p:tgtEl>
+                                      </p:cBhvr>
+                                    </p:animEffect>
+                                  </p:childTnLst>
+                                </p:cTn>
+                              </p:par>
+                            </p:childTnLst>
+                          </p:cTn>
+                        </p:par>
+                      </p:childTnLst>
+                    </p:cTn>
+                  </p:par>
+                  <p:par>
+                    <p:cTn id="28" fill="hold">
+                      <p:stCondLst>
+                        <p:cond delay="indefinite"/>
+                      </p:stCondLst>
+                      <p:childTnLst>
+                        <p:par>
+                          <p:cTn id="29" fill="hold">
+                            <p:stCondLst>
+                              <p:cond delay="0"/>
+                            </p:stCondLst>
+                            <p:childTnLst>
+                              <p:par>
+                                <p:cTn id="30" presetID="10" presetClass="entr" presetSubtype="0" fill="hold" nodeType="clickEffect">
+                                  <p:stCondLst>
+                                    <p:cond delay="0"/>
+                                  </p:stCondLst>
+                                  <p:childTnLst>
+                                    <p:set>
+                                      <p:cBhvr>
+                                        <p:cTn id="31" dur="1" fill="hold">
+                                          <p:stCondLst>
+                                            <p:cond delay="0"/>
+                                          </p:stCondLst>
+                                        </p:cTn>
+                                        <p:tgtEl>
+                                          <p:spTgt spid="3">
+                                            <p:txEl>
+                                              <p:pRg st="5" end="5"/>
+                                            </p:txEl>
+                                          </p:spTgt>
+                                        </p:tgtEl>
+                                        <p:attrNameLst>
+                                          <p:attrName>style.visibility</p:attrName>
+                                        </p:attrNameLst>
+                                      </p:cBhvr>
+                                      <p:to>
+                                        <p:strVal val="visible"/>
+                                      </p:to>
+                                    </p:set>
+                                    <p:animEffect transition="in" filter="fade">
+                                      <p:cBhvr>
+                                        <p:cTn id="32" dur="500"/>
+                                        <p:tgtEl>
+                                          <p:spTgt spid="3">
+                                            <p:txEl>
+                                              <p:pRg st="5" end="5"/>
+                                            </p:txEl>
+                                          </p:spTgt>
+                                        </p:tgtEl>
+                                      </p:cBhvr>
+                                    </p:animEffect>
+                                  </p:childTnLst>
+                                </p:cTn>
+                              </p:par>
+                            </p:childTnLst>
+                          </p:cTn>
+                        </p:par>
+                      </p:childTnLst>
+                    </p:cTn>
+                  </p:par>
+                  <p:par>
+                    <p:cTn id="33" fill="hold">
+                      <p:stCondLst>
+                        <p:cond delay="indefinite"/>
+                      </p:stCondLst>
+                      <p:childTnLst>
+                        <p:par>
+                          <p:cTn id="34" fill="hold">
+                            <p:stCondLst>
+                              <p:cond delay="0"/>
+                            </p:stCondLst>
+                            <p:childTnLst>
+                              <p:par>
+                                <p:cTn id="35" presetID="10" presetClass="entr" presetSubtype="0" fill="hold" nodeType="clickEffect">
+                                  <p:stCondLst>
+                                    <p:cond delay="0"/>
+                                  </p:stCondLst>
+                                  <p:childTnLst>
+                                    <p:set>
+                                      <p:cBhvr>
+                                        <p:cTn id="36" dur="1" fill="hold">
+                                          <p:stCondLst>
+                                            <p:cond delay="0"/>
+                                          </p:stCondLst>
+                                        </p:cTn>
+                                        <p:tgtEl>
+                                          <p:spTgt spid="3">
+                                            <p:txEl>
+                                              <p:pRg st="6" end="6"/>
+                                            </p:txEl>
+                                          </p:spTgt>
+                                        </p:tgtEl>
+                                        <p:attrNameLst>
+                                          <p:attrName>style.visibility</p:attrName>
+                                        </p:attrNameLst>
+                                      </p:cBhvr>
+                                      <p:to>
+                                        <p:strVal val="visible"/>
+                                      </p:to>
+                                    </p:set>
+                                    <p:animEffect transition="in" filter="fade">
+                                      <p:cBhvr>
+                                        <p:cTn id="37" dur="500"/>
+                                        <p:tgtEl>
+                                          <p:spTgt spid="3">
+                                            <p:txEl>
+                                              <p:pRg st="6" end="6"/>
+                                            </p:txEl>
+                                          </p:spTgt>
+                                        </p:tgtEl>
+                                      </p:cBhvr>
+                                    </p:animEffect>
+                                  </p:childTnLst>
+                                </p:cTn>
+                              </p:par>
+                            </p:childTnLst>
+                          </p:cTn>
+                        </p:par>
+                      </p:childTnLst>
+                    </p:cTn>
+                  </p:par>
+                  <p:par>
+                    <p:cTn id="38" fill="hold">
+                      <p:stCondLst>
+                        <p:cond delay="indefinite"/>
+                      </p:stCondLst>
+                      <p:childTnLst>
+                        <p:par>
+                          <p:cTn id="39" fill="hold">
+                            <p:stCondLst>
+                              <p:cond delay="0"/>
+                            </p:stCondLst>
+                            <p:childTnLst>
+                              <p:par>
+                                <p:cTn id="40" presetID="10" presetClass="entr" presetSubtype="0" fill="hold" nodeType="clickEffect">
+                                  <p:stCondLst>
+                                    <p:cond delay="0"/>
+                                  </p:stCondLst>
+                                  <p:childTnLst>
+                                    <p:set>
+                                      <p:cBhvr>
+                                        <p:cTn id="41" dur="1" fill="hold">
+                                          <p:stCondLst>
+                                            <p:cond delay="0"/>
+                                          </p:stCondLst>
+                                        </p:cTn>
+                                        <p:tgtEl>
+                                          <p:spTgt spid="3">
+                                            <p:txEl>
+                                              <p:pRg st="7" end="7"/>
+                                            </p:txEl>
+                                          </p:spTgt>
+                                        </p:tgtEl>
+                                        <p:attrNameLst>
+                                          <p:attrName>style.visibility</p:attrName>
+                                        </p:attrNameLst>
+                                      </p:cBhvr>
+                                      <p:to>
+                                        <p:strVal val="visible"/>
+                                      </p:to>
+                                    </p:set>
+                                    <p:animEffect transition="in" filter="fade">
+                                      <p:cBhvr>
+                                        <p:cTn id="42" dur="500"/>
+                                        <p:tgtEl>
+                                          <p:spTgt spid="3">
+                                            <p:txEl>
+                                              <p:pRg st="7" end="7"/>
+                                            </p:txEl>
+                                          </p:spTgt>
+                                        </p:tgtEl>
+                                      </p:cBhvr>
+                                    </p:animEffect>
+                                  </p:childTnLst>
+                                </p:cTn>
+                              </p:par>
+                            </p:childTnLst>
+                          </p:cTn>
+                        </p:par>
+                      </p:childTnLst>
+                    </p:cTn>
+                  </p:par>
+                </p:childTnLst>
+              </p:cTn>
+              <p:prevCondLst>
+                <p:cond evt="onPrev" delay="0">
+                  <p:tgtEl>
+                    <p:sldTgt/>
+                  </p:tgtEl>
+                </p:cond>
+              </p:prevCondLst>
+              <p:nextCondLst>
+                <p:cond evt="onNext" delay="0">
+                  <p:tgtEl>
+                    <p:sldTgt/>
+                  </p:tgtEl>
+                </p:cond>
+              </p:nextCondLst>
+            </p:seq>
+          </p:childTnLst>
+        </p:cTn>
+      </p:par>
+    </p:tnLst>
+  </p:timing>
+</p:sld>
+</file>
+
+<file path=ppt/slides/slide9.xml><?xml version="1.0" encoding="utf-8"?>
+<p:sld xmlns:a="http://schemas.openxmlformats.org/drawingml/2006/main" xmlns:r="http://schemas.openxmlformats.org/officeDocument/2006/relationships" xmlns:p="http://schemas.openxmlformats.org/presentationml/2006/main">
+  <p:cSld>
+    <p:spTree>
+      <p:nvGrpSpPr>
+        <p:cNvPr id="1" name=""/>
+        <p:cNvGrpSpPr/>
+        <p:nvPr/>
+      </p:nvGrpSpPr>
+      <p:grpSpPr>
+        <a:xfrm>
+          <a:off x="0" y="0"/>
+          <a:ext cx="0" cy="0"/>
+          <a:chOff x="0" y="0"/>
+          <a:chExt cx="0" cy="0"/>
+        </a:xfrm>
+      </p:grpSpPr>
+      <p:sp>
+        <p:nvSpPr>
+          <p:cNvPr id="2" name="Title 1"/>
+          <p:cNvSpPr>
+            <a:spLocks noGrp="1"/>
+          </p:cNvSpPr>
+          <p:nvPr>
+            <p:ph type="title"/>
+          </p:nvPr>
+        </p:nvSpPr>
+        <p:spPr/>
+        <p:txBody>
+          <a:bodyPr/>
+          <a:lstStyle/>
+          <a:p>
+            <a:r>
+              <a:rPr lang="en-US" smtClean="0"/>
+              <a:t>To Refactor (the TDD Way)</a:t>
+            </a:r>
+            <a:endParaRPr lang="en-US"/>
+          </a:p>
+        </p:txBody>
+      </p:sp>
+      <p:sp>
+        <p:nvSpPr>
+          <p:cNvPr id="3" name="Content Placeholder 2"/>
+          <p:cNvSpPr>
+            <a:spLocks noGrp="1"/>
+          </p:cNvSpPr>
+          <p:nvPr>
+            <p:ph idx="1"/>
+          </p:nvPr>
+        </p:nvSpPr>
+        <p:spPr/>
+        <p:txBody>
+          <a:bodyPr/>
+          <a:lstStyle/>
+          <a:p>
+            <a:pPr marL="514350" indent="-514350">
+              <a:buFont typeface="+mj-lt"/>
+              <a:buAutoNum type="arabicPeriod"/>
+            </a:pPr>
+            <a:r>
+              <a:rPr lang="en-US" smtClean="0"/>
+              <a:t>Stub out a function for the code being refactored</a:t>
+            </a:r>
+          </a:p>
+          <a:p>
+            <a:pPr marL="514350" indent="-514350">
+              <a:buFont typeface="+mj-lt"/>
+              <a:buAutoNum type="arabicPeriod"/>
+            </a:pPr>
+            <a:r>
+              <a:rPr lang="en-US" smtClean="0"/>
+              <a:t>Write the appropriate unit tests</a:t>
+            </a:r>
+          </a:p>
+          <a:p>
+            <a:pPr marL="514350" indent="-514350">
+              <a:buFont typeface="+mj-lt"/>
+              <a:buAutoNum type="arabicPeriod"/>
+            </a:pPr>
+            <a:r>
+              <a:rPr lang="en-US" smtClean="0"/>
+              <a:t>RUN the tests </a:t>
+            </a:r>
+            <a:r>
+              <a:rPr lang="en-US" smtClean="0">
+                <a:sym typeface="Wingdings" panose="05000000000000000000" pitchFamily="2" charset="2"/>
+              </a:rPr>
+              <a:t> They BETTER fail!</a:t>
+            </a:r>
+          </a:p>
+          <a:p>
+            <a:pPr marL="514350" indent="-514350">
+              <a:buFont typeface="+mj-lt"/>
+              <a:buAutoNum type="arabicPeriod"/>
+            </a:pPr>
+            <a:r>
+              <a:rPr lang="en-US" smtClean="0">
+                <a:sym typeface="Wingdings" panose="05000000000000000000" pitchFamily="2" charset="2"/>
+              </a:rPr>
+              <a:t>Fill the code into the method</a:t>
+            </a:r>
+          </a:p>
+          <a:p>
+            <a:pPr marL="514350" indent="-514350">
+              <a:buFont typeface="+mj-lt"/>
+              <a:buAutoNum type="arabicPeriod"/>
+            </a:pPr>
+            <a:r>
+              <a:rPr lang="en-US" smtClean="0">
+                <a:sym typeface="Wingdings" panose="05000000000000000000" pitchFamily="2" charset="2"/>
+              </a:rPr>
+              <a:t>RUN the tests &amp; fix function until the tests pass</a:t>
+            </a:r>
+          </a:p>
+          <a:p>
+            <a:pPr marL="514350" indent="-514350">
+              <a:buFont typeface="+mj-lt"/>
+              <a:buAutoNum type="arabicPeriod"/>
+            </a:pPr>
+            <a:r>
+              <a:rPr lang="en-US" smtClean="0">
+                <a:sym typeface="Wingdings" panose="05000000000000000000" pitchFamily="2" charset="2"/>
+              </a:rPr>
+              <a:t>Move on</a:t>
+            </a:r>
+          </a:p>
+          <a:p>
+            <a:pPr marL="514350" indent="-514350">
+              <a:buFont typeface="+mj-lt"/>
+              <a:buAutoNum type="arabicPeriod"/>
+            </a:pPr>
+            <a:r>
+              <a:rPr lang="en-US" smtClean="0">
+                <a:sym typeface="Wingdings" panose="05000000000000000000" pitchFamily="2" charset="2"/>
+              </a:rPr>
+              <a:t>Every change to the program you make, RUN ALL THE TESTS</a:t>
+            </a:r>
+          </a:p>
+          <a:p>
+            <a:pPr marL="514350" indent="-514350">
+              <a:buFont typeface="+mj-lt"/>
+              <a:buAutoNum type="arabicPeriod"/>
+            </a:pPr>
+            <a:r>
+              <a:rPr lang="en-US" smtClean="0">
+                <a:sym typeface="Wingdings" panose="05000000000000000000" pitchFamily="2" charset="2"/>
+              </a:rPr>
+              <a:t>Every defect that gets reported  CREATE NEW TESTS</a:t>
+            </a:r>
+            <a:endParaRPr lang="en-US"/>
+          </a:p>
+        </p:txBody>
+      </p:sp>
+    </p:spTree>
+    <p:extLst>
+      <p:ext uri="{BB962C8B-B14F-4D97-AF65-F5344CB8AC3E}">
+        <p14:creationId xmlns:p14="http://schemas.microsoft.com/office/powerpoint/2010/main" val="137657008"/>
+      </p:ext>
+    </p:extLst>
+  </p:cSld>
+  <p:clrMapOvr>
+    <a:masterClrMapping/>
+  </p:clrMapOvr>
+  <p:timing>
+    <p:tnLst>
+      <p:par>
+        <p:cTn id="1" dur="indefinite" restart="never" nodeType="tmRoot">
+          <p:childTnLst>
+            <p:seq concurrent="1" nextAc="seek">
+              <p:cTn id="2" dur="indefinite" nodeType="mainSeq">
+                <p:childTnLst>
+                  <p:par>
+                    <p:cTn id="3" fill="hold">
+                      <p:stCondLst>
+                        <p:cond delay="indefinite"/>
+                      </p:stCondLst>
+                      <p:childTnLst>
+                        <p:par>
+                          <p:cTn id="4" fill="hold">
+                            <p:stCondLst>
+                              <p:cond delay="0"/>
+                            </p:stCondLst>
+                            <p:childTnLst>
+                              <p:par>
+                                <p:cTn id="5" presetID="10" presetClass="entr" presetSubtype="0" fill="hold" grpId="0" nodeType="clickEffect">
+                                  <p:stCondLst>
+                                    <p:cond delay="0"/>
+                                  </p:stCondLst>
+                                  <p:childTnLst>
+                                    <p:set>
+                                      <p:cBhvr>
+                                        <p:cTn id="6" dur="1" fill="hold">
+                                          <p:stCondLst>
+                                            <p:cond delay="0"/>
+                                          </p:stCondLst>
+                                        </p:cTn>
+                                        <p:tgtEl>
+                                          <p:spTgt spid="3">
+                                            <p:txEl>
+                                              <p:pRg st="0" end="0"/>
+                                            </p:txEl>
+                                          </p:spTgt>
+                                        </p:tgtEl>
+                                        <p:attrNameLst>
+                                          <p:attrName>style.visibility</p:attrName>
+                                        </p:attrNameLst>
+                                      </p:cBhvr>
+                                      <p:to>
+                                        <p:strVal val="visible"/>
+                                      </p:to>
+                                    </p:set>
+                                    <p:animEffect transition="in" filter="fade">
+                                      <p:cBhvr>
+                                        <p:cTn id="7" dur="500"/>
+                                        <p:tgtEl>
+                                          <p:spTgt spid="3">
+                                            <p:txEl>
+                                              <p:pRg st="0" end="0"/>
+                                            </p:txEl>
+                                          </p:spTgt>
+                                        </p:tgtEl>
+                                      </p:cBhvr>
+                                    </p:animEffect>
+                                  </p:childTnLst>
+                                </p:cTn>
+                              </p:par>
+                            </p:childTnLst>
+                          </p:cTn>
+                        </p:par>
+                      </p:childTnLst>
+                    </p:cTn>
+                  </p:par>
+                  <p:par>
+                    <p:cTn id="8" fill="hold">
+                      <p:stCondLst>
+                        <p:cond delay="indefinite"/>
+                      </p:stCondLst>
+                      <p:childTnLst>
+                        <p:par>
+                          <p:cTn id="9" fill="hold">
+                            <p:stCondLst>
+                              <p:cond delay="0"/>
+                            </p:stCondLst>
+                            <p:childTnLst>
+                              <p:par>
+                                <p:cTn id="10" presetID="10" presetClass="entr" presetSubtype="0" fill="hold" grpId="0" nodeType="clickEffect">
+                                  <p:stCondLst>
+                                    <p:cond delay="0"/>
+                                  </p:stCondLst>
+                                  <p:childTnLst>
+                                    <p:set>
+                                      <p:cBhvr>
+                                        <p:cTn id="11" dur="1" fill="hold">
+                                          <p:stCondLst>
+                                            <p:cond delay="0"/>
+                                          </p:stCondLst>
+                                        </p:cTn>
+                                        <p:tgtEl>
+                                          <p:spTgt spid="3">
+                                            <p:txEl>
+                                              <p:pRg st="1" end="1"/>
+                                            </p:txEl>
+                                          </p:spTgt>
+                                        </p:tgtEl>
+                                        <p:attrNameLst>
+                                          <p:attrName>style.visibility</p:attrName>
+                                        </p:attrNameLst>
+                                      </p:cBhvr>
+                                      <p:to>
+                                        <p:strVal val="visible"/>
+                                      </p:to>
+                                    </p:set>
+                                    <p:animEffect transition="in" filter="fade">
+                                      <p:cBhvr>
+                                        <p:cTn id="12" dur="500"/>
+                                        <p:tgtEl>
+                                          <p:spTgt spid="3">
+                                            <p:txEl>
+                                              <p:pRg st="1" end="1"/>
+                                            </p:txEl>
+                                          </p:spTgt>
+                                        </p:tgtEl>
+                                      </p:cBhvr>
+                                    </p:animEffect>
+                                  </p:childTnLst>
+                                </p:cTn>
+                              </p:par>
+                            </p:childTnLst>
+                          </p:cTn>
+                        </p:par>
+                      </p:childTnLst>
+                    </p:cTn>
+                  </p:par>
+                  <p:par>
+                    <p:cTn id="13" fill="hold">
+                      <p:stCondLst>
+                        <p:cond delay="indefinite"/>
+                      </p:stCondLst>
+                      <p:childTnLst>
+                        <p:par>
+                          <p:cTn id="14" fill="hold">
+                            <p:stCondLst>
+                              <p:cond delay="0"/>
+                            </p:stCondLst>
+                            <p:childTnLst>
+                              <p:par>
+                                <p:cTn id="15" presetID="10" presetClass="entr" presetSubtype="0" fill="hold" grpId="0" nodeType="clickEffect">
+                                  <p:stCondLst>
+                                    <p:cond delay="0"/>
+                                  </p:stCondLst>
+                                  <p:childTnLst>
+                                    <p:set>
+                                      <p:cBhvr>
+                                        <p:cTn id="16" dur="1" fill="hold">
+                                          <p:stCondLst>
+                                            <p:cond delay="0"/>
+                                          </p:stCondLst>
+                                        </p:cTn>
+                                        <p:tgtEl>
+                                          <p:spTgt spid="3">
+                                            <p:txEl>
+                                              <p:pRg st="2" end="2"/>
+                                            </p:txEl>
+                                          </p:spTgt>
+                                        </p:tgtEl>
+                                        <p:attrNameLst>
+                                          <p:attrName>style.visibility</p:attrName>
+                                        </p:attrNameLst>
+                                      </p:cBhvr>
+                                      <p:to>
+                                        <p:strVal val="visible"/>
+                                      </p:to>
+                                    </p:set>
+                                    <p:animEffect transition="in" filter="fade">
+                                      <p:cBhvr>
+                                        <p:cTn id="17" dur="500"/>
+                                        <p:tgtEl>
+                                          <p:spTgt spid="3">
+                                            <p:txEl>
+                                              <p:pRg st="2" end="2"/>
+                                            </p:txEl>
+                                          </p:spTgt>
+                                        </p:tgtEl>
+                                      </p:cBhvr>
+                                    </p:animEffect>
+                                  </p:childTnLst>
+                                </p:cTn>
+                              </p:par>
+                            </p:childTnLst>
+                          </p:cTn>
+                        </p:par>
+                      </p:childTnLst>
+                    </p:cTn>
+                  </p:par>
+                  <p:par>
+                    <p:cTn id="18" fill="hold">
+                      <p:stCondLst>
+                        <p:cond delay="indefinite"/>
+                      </p:stCondLst>
+                      <p:childTnLst>
+                        <p:par>
+                          <p:cTn id="19" fill="hold">
+                            <p:stCondLst>
+                              <p:cond delay="0"/>
+                            </p:stCondLst>
+                            <p:childTnLst>
+                              <p:par>
+                                <p:cTn id="20" presetID="10" presetClass="entr" presetSubtype="0" fill="hold" grpId="0" nodeType="clickEffect">
+                                  <p:stCondLst>
+                                    <p:cond delay="0"/>
+                                  </p:stCondLst>
+                                  <p:childTnLst>
+                                    <p:set>
+                                      <p:cBhvr>
+                                        <p:cTn id="21" dur="1" fill="hold">
+                                          <p:stCondLst>
+                                            <p:cond delay="0"/>
+                                          </p:stCondLst>
+                                        </p:cTn>
+                                        <p:tgtEl>
+                                          <p:spTgt spid="3">
+                                            <p:txEl>
+                                              <p:pRg st="3" end="3"/>
+                                            </p:txEl>
+                                          </p:spTgt>
+                                        </p:tgtEl>
+                                        <p:attrNameLst>
+                                          <p:attrName>style.visibility</p:attrName>
+                                        </p:attrNameLst>
+                                      </p:cBhvr>
+                                      <p:to>
+                                        <p:strVal val="visible"/>
+                                      </p:to>
+                                    </p:set>
+                                    <p:animEffect transition="in" filter="fade">
+                                      <p:cBhvr>
+                                        <p:cTn id="22" dur="500"/>
+                                        <p:tgtEl>
+                                          <p:spTgt spid="3">
+                                            <p:txEl>
+                                              <p:pRg st="3" end="3"/>
+                                            </p:txEl>
+                                          </p:spTgt>
+                                        </p:tgtEl>
+                                      </p:cBhvr>
+                                    </p:animEffect>
+                                  </p:childTnLst>
+                                </p:cTn>
+                              </p:par>
+                            </p:childTnLst>
+                          </p:cTn>
+                        </p:par>
+                      </p:childTnLst>
+                    </p:cTn>
+                  </p:par>
+                  <p:par>
+                    <p:cTn id="23" fill="hold">
+                      <p:stCondLst>
+                        <p:cond delay="indefinite"/>
+                      </p:stCondLst>
+                      <p:childTnLst>
+                        <p:par>
+                          <p:cTn id="24" fill="hold">
+                            <p:stCondLst>
+                              <p:cond delay="0"/>
+                            </p:stCondLst>
+                            <p:childTnLst>
+                              <p:par>
+                                <p:cTn id="25" presetID="10" presetClass="entr" presetSubtype="0" fill="hold" grpId="0" nodeType="clickEffect">
+                                  <p:stCondLst>
+                                    <p:cond delay="0"/>
+                                  </p:stCondLst>
+                                  <p:childTnLst>
+                                    <p:set>
+                                      <p:cBhvr>
+                                        <p:cTn id="26" dur="1" fill="hold">
+                                          <p:stCondLst>
+                                            <p:cond delay="0"/>
+                                          </p:stCondLst>
+                                        </p:cTn>
+                                        <p:tgtEl>
+                                          <p:spTgt spid="3">
+                                            <p:txEl>
+                                              <p:pRg st="4" end="4"/>
+                                            </p:txEl>
+                                          </p:spTgt>
+                                        </p:tgtEl>
+                                        <p:attrNameLst>
+                                          <p:attrName>style.visibility</p:attrName>
+                                        </p:attrNameLst>
+                                      </p:cBhvr>
+                                      <p:to>
+                                        <p:strVal val="visible"/>
+                                      </p:to>
+                                    </p:set>
+                                    <p:animEffect transition="in" filter="fade">
+                                      <p:cBhvr>
+                                        <p:cTn id="27" dur="500"/>
+                                        <p:tgtEl>
+                                          <p:spTgt spid="3">
+                                            <p:txEl>
+                                              <p:pRg st="4" end="4"/>
+                                            </p:txEl>
+                                          </p:spTgt>
+                                        </p:tgtEl>
+                                      </p:cBhvr>
+                                    </p:animEffect>
+                                  </p:childTnLst>
+                                </p:cTn>
+                              </p:par>
+                            </p:childTnLst>
+                          </p:cTn>
+                        </p:par>
+                      </p:childTnLst>
+                    </p:cTn>
+                  </p:par>
+                  <p:par>
+                    <p:cTn id="28" fill="hold">
+                      <p:stCondLst>
+                        <p:cond delay="indefinite"/>
+                      </p:stCondLst>
+                      <p:childTnLst>
+                        <p:par>
+                          <p:cTn id="29" fill="hold">
+                            <p:stCondLst>
+                              <p:cond delay="0"/>
+                            </p:stCondLst>
+                            <p:childTnLst>
+                              <p:par>
+                                <p:cTn id="30" presetID="10" presetClass="entr" presetSubtype="0" fill="hold" grpId="0" nodeType="clickEffect">
+                                  <p:stCondLst>
+                                    <p:cond delay="0"/>
+                                  </p:stCondLst>
+                                  <p:childTnLst>
+                                    <p:set>
+                                      <p:cBhvr>
+                                        <p:cTn id="31" dur="1" fill="hold">
+                                          <p:stCondLst>
+                                            <p:cond delay="0"/>
+                                          </p:stCondLst>
+                                        </p:cTn>
+                                        <p:tgtEl>
+                                          <p:spTgt spid="3">
+                                            <p:txEl>
+                                              <p:pRg st="5" end="5"/>
+                                            </p:txEl>
+                                          </p:spTgt>
+                                        </p:tgtEl>
+                                        <p:attrNameLst>
+                                          <p:attrName>style.visibility</p:attrName>
+                                        </p:attrNameLst>
+                                      </p:cBhvr>
+                                      <p:to>
+                                        <p:strVal val="visible"/>
+                                      </p:to>
+                                    </p:set>
+                                    <p:animEffect transition="in" filter="fade">
+                                      <p:cBhvr>
+                                        <p:cTn id="32" dur="500"/>
+                                        <p:tgtEl>
+                                          <p:spTgt spid="3">
+                                            <p:txEl>
+                                              <p:pRg st="5" end="5"/>
+                                            </p:txEl>
+                                          </p:spTgt>
+                                        </p:tgtEl>
+                                      </p:cBhvr>
+                                    </p:animEffect>
+                                  </p:childTnLst>
+                                </p:cTn>
+                              </p:par>
+                            </p:childTnLst>
+                          </p:cTn>
+                        </p:par>
+                      </p:childTnLst>
+                    </p:cTn>
+                  </p:par>
+                  <p:par>
+                    <p:cTn id="33" fill="hold">
+                      <p:stCondLst>
+                        <p:cond delay="indefinite"/>
+                      </p:stCondLst>
+                      <p:childTnLst>
+                        <p:par>
+                          <p:cTn id="34" fill="hold">
+                            <p:stCondLst>
+                              <p:cond delay="0"/>
+                            </p:stCondLst>
+                            <p:childTnLst>
+                              <p:par>
+                                <p:cTn id="35" presetID="10" presetClass="entr" presetSubtype="0" fill="hold" grpId="0" nodeType="clickEffect">
+                                  <p:stCondLst>
+                                    <p:cond delay="0"/>
+                                  </p:stCondLst>
+                                  <p:childTnLst>
+                                    <p:set>
+                                      <p:cBhvr>
+                                        <p:cTn id="36" dur="1" fill="hold">
+                                          <p:stCondLst>
+                                            <p:cond delay="0"/>
+                                          </p:stCondLst>
+                                        </p:cTn>
+                                        <p:tgtEl>
+                                          <p:spTgt spid="3">
+                                            <p:txEl>
+                                              <p:pRg st="6" end="6"/>
+                                            </p:txEl>
+                                          </p:spTgt>
+                                        </p:tgtEl>
+                                        <p:attrNameLst>
+                                          <p:attrName>style.visibility</p:attrName>
+                                        </p:attrNameLst>
+                                      </p:cBhvr>
+                                      <p:to>
+                                        <p:strVal val="visible"/>
+                                      </p:to>
+                                    </p:set>
+                                    <p:animEffect transition="in" filter="fade">
+                                      <p:cBhvr>
+                                        <p:cTn id="37" dur="500"/>
+                                        <p:tgtEl>
+                                          <p:spTgt spid="3">
+                                            <p:txEl>
+                                              <p:pRg st="6" end="6"/>
+                                            </p:txEl>
+                                          </p:spTgt>
+                                        </p:tgtEl>
+                                      </p:cBhvr>
+                                    </p:animEffect>
+                                  </p:childTnLst>
+                                </p:cTn>
+                              </p:par>
+                            </p:childTnLst>
+                          </p:cTn>
+                        </p:par>
+                      </p:childTnLst>
+                    </p:cTn>
+                  </p:par>
+                  <p:par>
+                    <p:cTn id="38" fill="hold">
+                      <p:stCondLst>
+                        <p:cond delay="indefinite"/>
+                      </p:stCondLst>
+                      <p:childTnLst>
+                        <p:par>
+                          <p:cTn id="39" fill="hold">
+                            <p:stCondLst>
+                              <p:cond delay="0"/>
+                            </p:stCondLst>
+                            <p:childTnLst>
+                              <p:par>
+                                <p:cTn id="40" presetID="10" presetClass="entr" presetSubtype="0" fill="hold" grpId="0" nodeType="clickEffect">
+                                  <p:stCondLst>
+                                    <p:cond delay="0"/>
+                                  </p:stCondLst>
+                                  <p:childTnLst>
+                                    <p:set>
+                                      <p:cBhvr>
+                                        <p:cTn id="41" dur="1" fill="hold">
+                                          <p:stCondLst>
+                                            <p:cond delay="0"/>
+                                          </p:stCondLst>
+                                        </p:cTn>
+                                        <p:tgtEl>
+                                          <p:spTgt spid="3">
+                                            <p:txEl>
+                                              <p:pRg st="7" end="7"/>
+                                            </p:txEl>
+                                          </p:spTgt>
+                                        </p:tgtEl>
+                                        <p:attrNameLst>
+                                          <p:attrName>style.visibility</p:attrName>
+                                        </p:attrNameLst>
+                                      </p:cBhvr>
+                                      <p:to>
+                                        <p:strVal val="visible"/>
+                                      </p:to>
+                                    </p:set>
+                                    <p:animEffect transition="in" filter="fade">
+                                      <p:cBhvr>
+                                        <p:cTn id="42" dur="500"/>
+                                        <p:tgtEl>
+                                          <p:spTgt spid="3">
+                                            <p:txEl>
+                                              <p:pRg st="7" end="7"/>
+                                            </p:txEl>
+                                          </p:spTgt>
+                                        </p:tgtEl>
+                                      </p:cBhvr>
+                                    </p:animEffect>
+                                  </p:childTnLst>
+                                </p:cTn>
+                              </p:par>
+                            </p:childTnLst>
+                          </p:cTn>
+                        </p:par>
+                      </p:childTnLst>
+                    </p:cTn>
+                  </p:par>
+                </p:childTnLst>
+              </p:cTn>
+              <p:prevCondLst>
+                <p:cond evt="onPrev" delay="0">
+                  <p:tgtEl>
+                    <p:sldTgt/>
+                  </p:tgtEl>
+                </p:cond>
+              </p:prevCondLst>
+              <p:nextCondLst>
+                <p:cond evt="onNext" delay="0">
+                  <p:tgtEl>
+                    <p:sldTgt/>
+                  </p:tgtEl>
+                </p:cond>
+              </p:nextCondLst>
+            </p:seq>
+          </p:childTnLst>
+        </p:cTn>
+      </p:par>
+    </p:tnLst>
+    <p:bldLst>
+      <p:bldP spid="3" grpId="0" build="p"/>
+    </p:bldLst>
+  </p:timing>
 </p:sld>
 </file>
 

--- a/tcrug/unit_testing/tcrug_runit_2016_01_21.pptx
+++ b/tcrug/unit_testing/tcrug_runit_2016_01_21.pptx
@@ -3020,11 +3020,7 @@
           <a:p>
             <a:r>
               <a:rPr lang="en-US" smtClean="0"/>
-              <a:t>And A Little on [S]OLID &amp; </a:t>
-            </a:r>
-            <a:r>
-              <a:rPr lang="en-US" smtClean="0"/>
-              <a:t>TDD</a:t>
+              <a:t>And A Little on [S]OLID &amp; TDD</a:t>
             </a:r>
           </a:p>
           <a:p>
@@ -3041,13 +3037,7 @@
               <a:rPr lang="en-US">
                 <a:hlinkClick r:id="rId2"/>
               </a:rPr>
-              <a:t>https</a:t>
-            </a:r>
-            <a:r>
-              <a:rPr lang="en-US">
-                <a:hlinkClick r:id="rId2"/>
-              </a:rPr>
-              <a:t>://</a:t>
+              <a:t>https://</a:t>
             </a:r>
             <a:r>
               <a:rPr lang="en-US" smtClean="0">
@@ -3138,13 +3128,7 @@
               <a:rPr lang="en-US">
                 <a:hlinkClick r:id="rId2"/>
               </a:rPr>
-              <a:t>https</a:t>
-            </a:r>
-            <a:r>
-              <a:rPr lang="en-US">
-                <a:hlinkClick r:id="rId2"/>
-              </a:rPr>
-              <a:t>://</a:t>
+              <a:t>https://</a:t>
             </a:r>
             <a:r>
               <a:rPr lang="en-US" smtClean="0">
@@ -3160,13 +3144,7 @@
               <a:rPr lang="en-US">
                 <a:hlinkClick r:id="rId3"/>
               </a:rPr>
-              <a:t>http</a:t>
-            </a:r>
-            <a:r>
-              <a:rPr lang="en-US">
-                <a:hlinkClick r:id="rId3"/>
-              </a:rPr>
-              <a:t>://</a:t>
+              <a:t>http://</a:t>
             </a:r>
             <a:r>
               <a:rPr lang="en-US" smtClean="0">
@@ -3188,13 +3166,7 @@
               <a:rPr lang="en-US">
                 <a:hlinkClick r:id="rId4"/>
               </a:rPr>
-              <a:t>http://</a:t>
-            </a:r>
-            <a:r>
-              <a:rPr lang="en-US">
-                <a:hlinkClick r:id="rId4"/>
-              </a:rPr>
-              <a:t>refactoring.com</a:t>
+              <a:t>http://refactoring.com</a:t>
             </a:r>
             <a:r>
               <a:rPr lang="en-US" smtClean="0">
@@ -3214,13 +3186,7 @@
               <a:rPr lang="en-US">
                 <a:hlinkClick r:id="rId5"/>
               </a:rPr>
-              <a:t>https</a:t>
-            </a:r>
-            <a:r>
-              <a:rPr lang="en-US">
-                <a:hlinkClick r:id="rId5"/>
-              </a:rPr>
-              <a:t>://</a:t>
+              <a:t>https://</a:t>
             </a:r>
             <a:r>
               <a:rPr lang="en-US" smtClean="0">
@@ -3376,11 +3342,7 @@
             <a:pPr lvl="1"/>
             <a:r>
               <a:rPr lang="en-US" smtClean="0"/>
-              <a:t>Verify the individual components perform as </a:t>
-            </a:r>
-            <a:r>
-              <a:rPr lang="en-US" smtClean="0"/>
-              <a:t>expected</a:t>
+              <a:t>Verify the individual components perform as expected</a:t>
             </a:r>
           </a:p>
           <a:p>
@@ -4000,11 +3962,7 @@
           <a:p>
             <a:r>
               <a:rPr lang="en-US" smtClean="0"/>
-              <a:t>An Introduction to </a:t>
-            </a:r>
-            <a:r>
-              <a:rPr lang="en-US" smtClean="0"/>
-              <a:t>SOLID</a:t>
+              <a:t>An Introduction to SOLID</a:t>
             </a:r>
             <a:endParaRPr lang="en-US"/>
           </a:p>
@@ -4097,11 +4055,7 @@
             <a:pPr lvl="1"/>
             <a:r>
               <a:rPr lang="en-US" b="1" i="1" smtClean="0"/>
-              <a:t>THIS is what we’ll unit </a:t>
-            </a:r>
-            <a:r>
-              <a:rPr lang="en-US" b="1" i="1" smtClean="0"/>
-              <a:t>test tonight</a:t>
+              <a:t>THIS is what we’ll unit test tonight</a:t>
             </a:r>
             <a:endParaRPr lang="en-US" b="1" i="1"/>
           </a:p>
@@ -4882,11 +4836,7 @@
             <a:pPr lvl="1"/>
             <a:r>
               <a:rPr lang="en-US" smtClean="0"/>
-              <a:t>Without coded testing, we skip testing pieces we’ve already </a:t>
-            </a:r>
-            <a:r>
-              <a:rPr lang="en-US" smtClean="0"/>
-              <a:t>tested</a:t>
+              <a:t>Without coded testing, we skip testing pieces we’ve already tested</a:t>
             </a:r>
           </a:p>
           <a:p>
@@ -4895,7 +4845,6 @@
               <a:rPr lang="en-US" smtClean="0"/>
               <a:t>Gain confidence in testing changes to large data sets</a:t>
             </a:r>
-            <a:endParaRPr lang="en-US" smtClean="0"/>
           </a:p>
           <a:p>
             <a:pPr lvl="1"/>
@@ -7431,13 +7380,8 @@
             <a:pPr lvl="1"/>
             <a:r>
               <a:rPr lang="en-US" smtClean="0"/>
-              <a:t>Make a small function to follow the Single </a:t>
-            </a:r>
-            <a:r>
-              <a:rPr lang="en-US" smtClean="0"/>
-              <a:t>Responsibility principle</a:t>
-            </a:r>
-            <a:endParaRPr lang="en-US" smtClean="0"/>
+              <a:t>Make a small function to follow the Single Responsibility principle</a:t>
+            </a:r>
           </a:p>
           <a:p>
             <a:r>

--- a/tcrug/unit_testing/tcrug_runit_2016_01_21.pptx
+++ b/tcrug/unit_testing/tcrug_runit_2016_01_21.pptx
@@ -2990,14 +2990,16 @@
         </p:nvSpPr>
         <p:spPr/>
         <p:txBody>
-          <a:bodyPr/>
+          <a:bodyPr anchor="ctr">
+            <a:normAutofit/>
+          </a:bodyPr>
           <a:lstStyle/>
           <a:p>
             <a:r>
-              <a:rPr lang="en-US" smtClean="0"/>
+              <a:rPr lang="en-US" sz="5400" smtClean="0"/>
               <a:t>Coded Unit Testing with RUnit</a:t>
             </a:r>
-            <a:endParaRPr lang="en-US"/>
+            <a:endParaRPr lang="en-US" sz="5400"/>
           </a:p>
         </p:txBody>
       </p:sp>
@@ -3011,7 +3013,12 @@
             <p:ph type="subTitle" idx="1"/>
           </p:nvPr>
         </p:nvSpPr>
-        <p:spPr/>
+        <p:spPr>
+          <a:xfrm>
+            <a:off x="1524000" y="2902857"/>
+            <a:ext cx="9144000" cy="2354943"/>
+          </a:xfrm>
+        </p:spPr>
         <p:txBody>
           <a:bodyPr>
             <a:normAutofit fontScale="92500" lnSpcReduction="10000"/>
@@ -3020,7 +3027,30 @@
           <a:p>
             <a:r>
               <a:rPr lang="en-US" smtClean="0"/>
-              <a:t>And A Little on [S]OLID &amp; TDD</a:t>
+              <a:t>And A Little on [S]OLID &amp; </a:t>
+            </a:r>
+            <a:r>
+              <a:rPr lang="en-US" smtClean="0"/>
+              <a:t>TDD</a:t>
+            </a:r>
+          </a:p>
+          <a:p>
+            <a:endParaRPr lang="en-US" smtClean="0"/>
+          </a:p>
+          <a:p>
+            <a:r>
+              <a:rPr lang="en-US" sz="2100" smtClean="0"/>
+              <a:t>Donald Sawyer (</a:t>
+            </a:r>
+            <a:r>
+              <a:rPr lang="en-US" sz="2100" smtClean="0">
+                <a:hlinkClick r:id="rId2"/>
+              </a:rPr>
+              <a:t>Donald.Sawyer@gmail.com</a:t>
+            </a:r>
+            <a:r>
+              <a:rPr lang="en-US" sz="2100" smtClean="0"/>
+              <a:t>)</a:t>
             </a:r>
           </a:p>
           <a:p>
@@ -3035,13 +3065,13 @@
           <a:p>
             <a:r>
               <a:rPr lang="en-US">
-                <a:hlinkClick r:id="rId2"/>
+                <a:hlinkClick r:id="rId3"/>
               </a:rPr>
               <a:t>https://</a:t>
             </a:r>
             <a:r>
               <a:rPr lang="en-US" smtClean="0">
-                <a:hlinkClick r:id="rId2"/>
+                <a:hlinkClick r:id="rId3"/>
               </a:rPr>
               <a:t>github.com/donaldsawyer/Demos/tree/master/tcrug/unit_testing</a:t>
             </a:r>

--- a/tcrug/unit_testing/tcrug_runit_2016_01_21.pptx
+++ b/tcrug/unit_testing/tcrug_runit_2016_01_21.pptx
@@ -3059,8 +3059,13 @@
           <a:p>
             <a:r>
               <a:rPr lang="en-US" i="1" smtClean="0"/>
-              <a:t>Presentation &amp; Source Code on GitHub:</a:t>
-            </a:r>
+              <a:t>Presentation &amp; Source Code on </a:t>
+            </a:r>
+            <a:r>
+              <a:rPr lang="en-US" i="1" smtClean="0"/>
+              <a:t>GitHub:</a:t>
+            </a:r>
+            <a:endParaRPr lang="en-US" i="1" smtClean="0"/>
           </a:p>
           <a:p>
             <a:r>
@@ -3089,6 +3094,13 @@
   <p:clrMapOvr>
     <a:masterClrMapping/>
   </p:clrMapOvr>
+  <p:timing>
+    <p:tnLst>
+      <p:par>
+        <p:cTn id="1" dur="indefinite" restart="never" nodeType="tmRoot"/>
+      </p:par>
+    </p:tnLst>
+  </p:timing>
 </p:sld>
 </file>
 

--- a/tcrug/unit_testing/tcrug_runit_2016_01_21.pptx
+++ b/tcrug/unit_testing/tcrug_runit_2016_01_21.pptx
@@ -4,17 +4,21 @@
   <p:sldMasterIdLst>
     <p:sldMasterId id="2147483648" r:id="rId1"/>
   </p:sldMasterIdLst>
+  <p:notesMasterIdLst>
+    <p:notesMasterId r:id="rId13"/>
+  </p:notesMasterIdLst>
   <p:sldIdLst>
     <p:sldId id="256" r:id="rId2"/>
     <p:sldId id="258" r:id="rId3"/>
     <p:sldId id="257" r:id="rId4"/>
-    <p:sldId id="265" r:id="rId5"/>
-    <p:sldId id="259" r:id="rId6"/>
-    <p:sldId id="262" r:id="rId7"/>
-    <p:sldId id="260" r:id="rId8"/>
-    <p:sldId id="261" r:id="rId9"/>
-    <p:sldId id="263" r:id="rId10"/>
-    <p:sldId id="264" r:id="rId11"/>
+    <p:sldId id="290" r:id="rId5"/>
+    <p:sldId id="291" r:id="rId6"/>
+    <p:sldId id="259" r:id="rId7"/>
+    <p:sldId id="262" r:id="rId8"/>
+    <p:sldId id="260" r:id="rId9"/>
+    <p:sldId id="261" r:id="rId10"/>
+    <p:sldId id="263" r:id="rId11"/>
+    <p:sldId id="264" r:id="rId12"/>
   </p:sldIdLst>
   <p:sldSz cx="12192000" cy="6858000"/>
   <p:notesSz cx="6858000" cy="9144000"/>
@@ -121,6 +125,998 @@
 </p:presentation>
 </file>
 
+<file path=ppt/notesMasters/notesMaster1.xml><?xml version="1.0" encoding="utf-8"?>
+<p:notesMaster xmlns:a="http://schemas.openxmlformats.org/drawingml/2006/main" xmlns:r="http://schemas.openxmlformats.org/officeDocument/2006/relationships" xmlns:p="http://schemas.openxmlformats.org/presentationml/2006/main">
+  <p:cSld>
+    <p:bg>
+      <p:bgRef idx="1001">
+        <a:schemeClr val="bg1"/>
+      </p:bgRef>
+    </p:bg>
+    <p:spTree>
+      <p:nvGrpSpPr>
+        <p:cNvPr id="1" name=""/>
+        <p:cNvGrpSpPr/>
+        <p:nvPr/>
+      </p:nvGrpSpPr>
+      <p:grpSpPr>
+        <a:xfrm>
+          <a:off x="0" y="0"/>
+          <a:ext cx="0" cy="0"/>
+          <a:chOff x="0" y="0"/>
+          <a:chExt cx="0" cy="0"/>
+        </a:xfrm>
+      </p:grpSpPr>
+      <p:sp>
+        <p:nvSpPr>
+          <p:cNvPr id="2" name="Header Placeholder 1"/>
+          <p:cNvSpPr>
+            <a:spLocks noGrp="1"/>
+          </p:cNvSpPr>
+          <p:nvPr>
+            <p:ph type="hdr" sz="quarter"/>
+          </p:nvPr>
+        </p:nvSpPr>
+        <p:spPr>
+          <a:xfrm>
+            <a:off x="0" y="0"/>
+            <a:ext cx="2971800" cy="458788"/>
+          </a:xfrm>
+          <a:prstGeom prst="rect">
+            <a:avLst/>
+          </a:prstGeom>
+        </p:spPr>
+        <p:txBody>
+          <a:bodyPr vert="horz" lIns="91440" tIns="45720" rIns="91440" bIns="45720" rtlCol="0"/>
+          <a:lstStyle>
+            <a:lvl1pPr algn="l">
+              <a:defRPr sz="1200"/>
+            </a:lvl1pPr>
+          </a:lstStyle>
+          <a:p>
+            <a:endParaRPr lang="en-US"/>
+          </a:p>
+        </p:txBody>
+      </p:sp>
+      <p:sp>
+        <p:nvSpPr>
+          <p:cNvPr id="3" name="Date Placeholder 2"/>
+          <p:cNvSpPr>
+            <a:spLocks noGrp="1"/>
+          </p:cNvSpPr>
+          <p:nvPr>
+            <p:ph type="dt" idx="1"/>
+          </p:nvPr>
+        </p:nvSpPr>
+        <p:spPr>
+          <a:xfrm>
+            <a:off x="3884613" y="0"/>
+            <a:ext cx="2971800" cy="458788"/>
+          </a:xfrm>
+          <a:prstGeom prst="rect">
+            <a:avLst/>
+          </a:prstGeom>
+        </p:spPr>
+        <p:txBody>
+          <a:bodyPr vert="horz" lIns="91440" tIns="45720" rIns="91440" bIns="45720" rtlCol="0"/>
+          <a:lstStyle>
+            <a:lvl1pPr algn="r">
+              <a:defRPr sz="1200"/>
+            </a:lvl1pPr>
+          </a:lstStyle>
+          <a:p>
+            <a:fld id="{17119444-0EAC-46C4-8C7F-BECA04876CB2}" type="datetimeFigureOut">
+              <a:rPr lang="en-US" smtClean="0"/>
+              <a:t>7/19/2018</a:t>
+            </a:fld>
+            <a:endParaRPr lang="en-US"/>
+          </a:p>
+        </p:txBody>
+      </p:sp>
+      <p:sp>
+        <p:nvSpPr>
+          <p:cNvPr id="4" name="Slide Image Placeholder 3"/>
+          <p:cNvSpPr>
+            <a:spLocks noGrp="1" noRot="1" noChangeAspect="1"/>
+          </p:cNvSpPr>
+          <p:nvPr>
+            <p:ph type="sldImg" idx="2"/>
+          </p:nvPr>
+        </p:nvSpPr>
+        <p:spPr>
+          <a:xfrm>
+            <a:off x="685800" y="1143000"/>
+            <a:ext cx="5486400" cy="3086100"/>
+          </a:xfrm>
+          <a:prstGeom prst="rect">
+            <a:avLst/>
+          </a:prstGeom>
+          <a:noFill/>
+          <a:ln w="12700">
+            <a:solidFill>
+              <a:prstClr val="black"/>
+            </a:solidFill>
+          </a:ln>
+        </p:spPr>
+        <p:txBody>
+          <a:bodyPr vert="horz" lIns="91440" tIns="45720" rIns="91440" bIns="45720" rtlCol="0" anchor="ctr"/>
+          <a:lstStyle/>
+          <a:p>
+            <a:endParaRPr lang="en-US"/>
+          </a:p>
+        </p:txBody>
+      </p:sp>
+      <p:sp>
+        <p:nvSpPr>
+          <p:cNvPr id="5" name="Notes Placeholder 4"/>
+          <p:cNvSpPr>
+            <a:spLocks noGrp="1"/>
+          </p:cNvSpPr>
+          <p:nvPr>
+            <p:ph type="body" sz="quarter" idx="3"/>
+          </p:nvPr>
+        </p:nvSpPr>
+        <p:spPr>
+          <a:xfrm>
+            <a:off x="685800" y="4400550"/>
+            <a:ext cx="5486400" cy="3600450"/>
+          </a:xfrm>
+          <a:prstGeom prst="rect">
+            <a:avLst/>
+          </a:prstGeom>
+        </p:spPr>
+        <p:txBody>
+          <a:bodyPr vert="horz" lIns="91440" tIns="45720" rIns="91440" bIns="45720" rtlCol="0"/>
+          <a:lstStyle/>
+          <a:p>
+            <a:pPr lvl="0"/>
+            <a:r>
+              <a:rPr lang="en-US"/>
+              <a:t>Edit Master text styles</a:t>
+            </a:r>
+          </a:p>
+          <a:p>
+            <a:pPr lvl="1"/>
+            <a:r>
+              <a:rPr lang="en-US"/>
+              <a:t>Second level</a:t>
+            </a:r>
+          </a:p>
+          <a:p>
+            <a:pPr lvl="2"/>
+            <a:r>
+              <a:rPr lang="en-US"/>
+              <a:t>Third level</a:t>
+            </a:r>
+          </a:p>
+          <a:p>
+            <a:pPr lvl="3"/>
+            <a:r>
+              <a:rPr lang="en-US"/>
+              <a:t>Fourth level</a:t>
+            </a:r>
+          </a:p>
+          <a:p>
+            <a:pPr lvl="4"/>
+            <a:r>
+              <a:rPr lang="en-US"/>
+              <a:t>Fifth level</a:t>
+            </a:r>
+          </a:p>
+        </p:txBody>
+      </p:sp>
+      <p:sp>
+        <p:nvSpPr>
+          <p:cNvPr id="6" name="Footer Placeholder 5"/>
+          <p:cNvSpPr>
+            <a:spLocks noGrp="1"/>
+          </p:cNvSpPr>
+          <p:nvPr>
+            <p:ph type="ftr" sz="quarter" idx="4"/>
+          </p:nvPr>
+        </p:nvSpPr>
+        <p:spPr>
+          <a:xfrm>
+            <a:off x="0" y="8685213"/>
+            <a:ext cx="2971800" cy="458787"/>
+          </a:xfrm>
+          <a:prstGeom prst="rect">
+            <a:avLst/>
+          </a:prstGeom>
+        </p:spPr>
+        <p:txBody>
+          <a:bodyPr vert="horz" lIns="91440" tIns="45720" rIns="91440" bIns="45720" rtlCol="0" anchor="b"/>
+          <a:lstStyle>
+            <a:lvl1pPr algn="l">
+              <a:defRPr sz="1200"/>
+            </a:lvl1pPr>
+          </a:lstStyle>
+          <a:p>
+            <a:endParaRPr lang="en-US"/>
+          </a:p>
+        </p:txBody>
+      </p:sp>
+      <p:sp>
+        <p:nvSpPr>
+          <p:cNvPr id="7" name="Slide Number Placeholder 6"/>
+          <p:cNvSpPr>
+            <a:spLocks noGrp="1"/>
+          </p:cNvSpPr>
+          <p:nvPr>
+            <p:ph type="sldNum" sz="quarter" idx="5"/>
+          </p:nvPr>
+        </p:nvSpPr>
+        <p:spPr>
+          <a:xfrm>
+            <a:off x="3884613" y="8685213"/>
+            <a:ext cx="2971800" cy="458787"/>
+          </a:xfrm>
+          <a:prstGeom prst="rect">
+            <a:avLst/>
+          </a:prstGeom>
+        </p:spPr>
+        <p:txBody>
+          <a:bodyPr vert="horz" lIns="91440" tIns="45720" rIns="91440" bIns="45720" rtlCol="0" anchor="b"/>
+          <a:lstStyle>
+            <a:lvl1pPr algn="r">
+              <a:defRPr sz="1200"/>
+            </a:lvl1pPr>
+          </a:lstStyle>
+          <a:p>
+            <a:fld id="{F3496621-8783-4CB2-97DF-757AC60A4E09}" type="slidenum">
+              <a:rPr lang="en-US" smtClean="0"/>
+              <a:t>‹#›</a:t>
+            </a:fld>
+            <a:endParaRPr lang="en-US"/>
+          </a:p>
+        </p:txBody>
+      </p:sp>
+    </p:spTree>
+    <p:extLst>
+      <p:ext uri="{BB962C8B-B14F-4D97-AF65-F5344CB8AC3E}">
+        <p14:creationId xmlns:p14="http://schemas.microsoft.com/office/powerpoint/2010/main" val="3536978421"/>
+      </p:ext>
+    </p:extLst>
+  </p:cSld>
+  <p:clrMap bg1="lt1" tx1="dk1" bg2="lt2" tx2="dk2" accent1="accent1" accent2="accent2" accent3="accent3" accent4="accent4" accent5="accent5" accent6="accent6" hlink="hlink" folHlink="folHlink"/>
+  <p:notesStyle>
+    <a:lvl1pPr marL="0" algn="l" defTabSz="914400" rtl="0" eaLnBrk="1" latinLnBrk="0" hangingPunct="1">
+      <a:defRPr sz="1200" kern="1200">
+        <a:solidFill>
+          <a:schemeClr val="tx1"/>
+        </a:solidFill>
+        <a:latin typeface="+mn-lt"/>
+        <a:ea typeface="+mn-ea"/>
+        <a:cs typeface="+mn-cs"/>
+      </a:defRPr>
+    </a:lvl1pPr>
+    <a:lvl2pPr marL="457200" algn="l" defTabSz="914400" rtl="0" eaLnBrk="1" latinLnBrk="0" hangingPunct="1">
+      <a:defRPr sz="1200" kern="1200">
+        <a:solidFill>
+          <a:schemeClr val="tx1"/>
+        </a:solidFill>
+        <a:latin typeface="+mn-lt"/>
+        <a:ea typeface="+mn-ea"/>
+        <a:cs typeface="+mn-cs"/>
+      </a:defRPr>
+    </a:lvl2pPr>
+    <a:lvl3pPr marL="914400" algn="l" defTabSz="914400" rtl="0" eaLnBrk="1" latinLnBrk="0" hangingPunct="1">
+      <a:defRPr sz="1200" kern="1200">
+        <a:solidFill>
+          <a:schemeClr val="tx1"/>
+        </a:solidFill>
+        <a:latin typeface="+mn-lt"/>
+        <a:ea typeface="+mn-ea"/>
+        <a:cs typeface="+mn-cs"/>
+      </a:defRPr>
+    </a:lvl3pPr>
+    <a:lvl4pPr marL="1371600" algn="l" defTabSz="914400" rtl="0" eaLnBrk="1" latinLnBrk="0" hangingPunct="1">
+      <a:defRPr sz="1200" kern="1200">
+        <a:solidFill>
+          <a:schemeClr val="tx1"/>
+        </a:solidFill>
+        <a:latin typeface="+mn-lt"/>
+        <a:ea typeface="+mn-ea"/>
+        <a:cs typeface="+mn-cs"/>
+      </a:defRPr>
+    </a:lvl4pPr>
+    <a:lvl5pPr marL="1828800" algn="l" defTabSz="914400" rtl="0" eaLnBrk="1" latinLnBrk="0" hangingPunct="1">
+      <a:defRPr sz="1200" kern="1200">
+        <a:solidFill>
+          <a:schemeClr val="tx1"/>
+        </a:solidFill>
+        <a:latin typeface="+mn-lt"/>
+        <a:ea typeface="+mn-ea"/>
+        <a:cs typeface="+mn-cs"/>
+      </a:defRPr>
+    </a:lvl5pPr>
+    <a:lvl6pPr marL="2286000" algn="l" defTabSz="914400" rtl="0" eaLnBrk="1" latinLnBrk="0" hangingPunct="1">
+      <a:defRPr sz="1200" kern="1200">
+        <a:solidFill>
+          <a:schemeClr val="tx1"/>
+        </a:solidFill>
+        <a:latin typeface="+mn-lt"/>
+        <a:ea typeface="+mn-ea"/>
+        <a:cs typeface="+mn-cs"/>
+      </a:defRPr>
+    </a:lvl6pPr>
+    <a:lvl7pPr marL="2743200" algn="l" defTabSz="914400" rtl="0" eaLnBrk="1" latinLnBrk="0" hangingPunct="1">
+      <a:defRPr sz="1200" kern="1200">
+        <a:solidFill>
+          <a:schemeClr val="tx1"/>
+        </a:solidFill>
+        <a:latin typeface="+mn-lt"/>
+        <a:ea typeface="+mn-ea"/>
+        <a:cs typeface="+mn-cs"/>
+      </a:defRPr>
+    </a:lvl7pPr>
+    <a:lvl8pPr marL="3200400" algn="l" defTabSz="914400" rtl="0" eaLnBrk="1" latinLnBrk="0" hangingPunct="1">
+      <a:defRPr sz="1200" kern="1200">
+        <a:solidFill>
+          <a:schemeClr val="tx1"/>
+        </a:solidFill>
+        <a:latin typeface="+mn-lt"/>
+        <a:ea typeface="+mn-ea"/>
+        <a:cs typeface="+mn-cs"/>
+      </a:defRPr>
+    </a:lvl8pPr>
+    <a:lvl9pPr marL="3657600" algn="l" defTabSz="914400" rtl="0" eaLnBrk="1" latinLnBrk="0" hangingPunct="1">
+      <a:defRPr sz="1200" kern="1200">
+        <a:solidFill>
+          <a:schemeClr val="tx1"/>
+        </a:solidFill>
+        <a:latin typeface="+mn-lt"/>
+        <a:ea typeface="+mn-ea"/>
+        <a:cs typeface="+mn-cs"/>
+      </a:defRPr>
+    </a:lvl9pPr>
+  </p:notesStyle>
+</p:notesMaster>
+</file>
+
+<file path=ppt/notesSlides/notesSlide1.xml><?xml version="1.0" encoding="utf-8"?>
+<p:notes xmlns:a="http://schemas.openxmlformats.org/drawingml/2006/main" xmlns:r="http://schemas.openxmlformats.org/officeDocument/2006/relationships" xmlns:p="http://schemas.openxmlformats.org/presentationml/2006/main">
+  <p:cSld>
+    <p:spTree>
+      <p:nvGrpSpPr>
+        <p:cNvPr id="1" name=""/>
+        <p:cNvGrpSpPr/>
+        <p:nvPr/>
+      </p:nvGrpSpPr>
+      <p:grpSpPr>
+        <a:xfrm>
+          <a:off x="0" y="0"/>
+          <a:ext cx="0" cy="0"/>
+          <a:chOff x="0" y="0"/>
+          <a:chExt cx="0" cy="0"/>
+        </a:xfrm>
+      </p:grpSpPr>
+      <p:sp>
+        <p:nvSpPr>
+          <p:cNvPr id="2" name="Slide Image Placeholder 1"/>
+          <p:cNvSpPr>
+            <a:spLocks noGrp="1" noRot="1" noChangeAspect="1"/>
+          </p:cNvSpPr>
+          <p:nvPr>
+            <p:ph type="sldImg"/>
+          </p:nvPr>
+        </p:nvSpPr>
+        <p:spPr/>
+      </p:sp>
+      <p:sp>
+        <p:nvSpPr>
+          <p:cNvPr id="3" name="Notes Placeholder 2"/>
+          <p:cNvSpPr>
+            <a:spLocks noGrp="1"/>
+          </p:cNvSpPr>
+          <p:nvPr>
+            <p:ph type="body" idx="1"/>
+          </p:nvPr>
+        </p:nvSpPr>
+        <p:spPr/>
+        <p:txBody>
+          <a:bodyPr/>
+          <a:lstStyle/>
+          <a:p>
+            <a:r>
+              <a:rPr lang="en-US" dirty="0"/>
+              <a:t>Single Responsibility</a:t>
+            </a:r>
+          </a:p>
+          <a:p>
+            <a:pPr marL="171450" indent="-171450">
+              <a:buFontTx/>
+              <a:buChar char="-"/>
+            </a:pPr>
+            <a:r>
+              <a:rPr lang="en-US" dirty="0"/>
+              <a:t>A “class” should have responsibility over</a:t>
+            </a:r>
+            <a:r>
+              <a:rPr lang="en-US" baseline="0" dirty="0"/>
+              <a:t> a single part of the functionality in software AND entirely encapsulated within</a:t>
+            </a:r>
+            <a:endParaRPr lang="en-US" dirty="0"/>
+          </a:p>
+          <a:p>
+            <a:pPr marL="171450" indent="-171450">
+              <a:buFontTx/>
+              <a:buChar char="-"/>
+            </a:pPr>
+            <a:r>
+              <a:rPr lang="en-US" dirty="0"/>
+              <a:t>A class should have one, and only one, reason to change</a:t>
+            </a:r>
+          </a:p>
+          <a:p>
+            <a:pPr marL="171450" indent="-171450">
+              <a:buFontTx/>
+              <a:buChar char="-"/>
+            </a:pPr>
+            <a:r>
+              <a:rPr lang="en-US" dirty="0"/>
+              <a:t>Classes with many responsibilities are tightly coupled</a:t>
+            </a:r>
+          </a:p>
+          <a:p>
+            <a:pPr marL="628650" lvl="1" indent="-171450">
+              <a:buFontTx/>
+              <a:buChar char="-"/>
+            </a:pPr>
+            <a:r>
+              <a:rPr lang="en-US" dirty="0"/>
+              <a:t>Making</a:t>
+            </a:r>
+            <a:r>
+              <a:rPr lang="en-US" baseline="0" dirty="0"/>
+              <a:t> one change shouldn’t break 10 other functions</a:t>
+            </a:r>
+            <a:endParaRPr lang="en-US" dirty="0"/>
+          </a:p>
+          <a:p>
+            <a:pPr marL="171450" indent="-171450">
+              <a:buFontTx/>
+              <a:buChar char="-"/>
+            </a:pPr>
+            <a:r>
+              <a:rPr lang="en-US" dirty="0"/>
+              <a:t>https://drive.google.com/file/d/0ByOwmqah_nuGNHEtcU5OekdDMkk/view</a:t>
+            </a:r>
+          </a:p>
+          <a:p>
+            <a:pPr marL="628650" lvl="1" indent="-171450">
+              <a:buFontTx/>
+              <a:buChar char="-"/>
+            </a:pPr>
+            <a:r>
+              <a:rPr lang="en-US" dirty="0"/>
+              <a:t>Example from Martin: Rectangle that renders and computes area</a:t>
+            </a:r>
+          </a:p>
+          <a:p>
+            <a:pPr marL="171450" lvl="0" indent="-171450">
+              <a:buFontTx/>
+              <a:buChar char="-"/>
+            </a:pPr>
+            <a:endParaRPr lang="en-US" dirty="0"/>
+          </a:p>
+          <a:p>
+            <a:pPr marL="0" lvl="0" indent="0">
+              <a:buFontTx/>
+              <a:buNone/>
+            </a:pPr>
+            <a:r>
+              <a:rPr lang="en-US" dirty="0"/>
+              <a:t>Open/Closed Principle</a:t>
+            </a:r>
+          </a:p>
+          <a:p>
+            <a:pPr marL="171450" lvl="0" indent="-171450">
+              <a:buFontTx/>
+              <a:buChar char="-"/>
+            </a:pPr>
+            <a:r>
+              <a:rPr lang="en-US" dirty="0"/>
+              <a:t>Open for extension, closed for modification</a:t>
+            </a:r>
+          </a:p>
+          <a:p>
+            <a:pPr marL="171450" lvl="0" indent="-171450">
+              <a:buFontTx/>
+              <a:buChar char="-"/>
+            </a:pPr>
+            <a:r>
+              <a:rPr lang="en-US" dirty="0"/>
+              <a:t>Ideologically hard, in my experience</a:t>
+            </a:r>
+          </a:p>
+          <a:p>
+            <a:pPr marL="171450" lvl="0" indent="-171450">
+              <a:buFontTx/>
+              <a:buChar char="-"/>
+            </a:pPr>
+            <a:r>
+              <a:rPr lang="en-US" dirty="0"/>
+              <a:t>Idea: Design Patterns like</a:t>
+            </a:r>
+            <a:r>
+              <a:rPr lang="en-US" baseline="0" dirty="0"/>
+              <a:t> the strategy pattern</a:t>
+            </a:r>
+          </a:p>
+          <a:p>
+            <a:pPr marL="171450" lvl="0" indent="-171450">
+              <a:buFontTx/>
+              <a:buChar char="-"/>
+            </a:pPr>
+            <a:r>
+              <a:rPr lang="en-US" baseline="0" dirty="0"/>
+              <a:t>Example: </a:t>
+            </a:r>
+            <a:endParaRPr lang="en-US" dirty="0"/>
+          </a:p>
+          <a:p>
+            <a:pPr marL="171450" lvl="0" indent="-171450">
+              <a:buFontTx/>
+              <a:buChar char="-"/>
+            </a:pPr>
+            <a:r>
+              <a:rPr lang="en-US" dirty="0"/>
+              <a:t>https://drive.google.com/file/d/0BwhCYaYDn8EgN2M5MTkwM2EtNWFkZC00ZTI3LWFjZTUtNTFhZGZiYmUzODc1/view</a:t>
+            </a:r>
+          </a:p>
+          <a:p>
+            <a:pPr marL="171450" lvl="0" indent="-171450">
+              <a:buFontTx/>
+              <a:buChar char="-"/>
+            </a:pPr>
+            <a:endParaRPr lang="en-US" dirty="0"/>
+          </a:p>
+          <a:p>
+            <a:pPr marL="0" lvl="0" indent="0">
+              <a:buFontTx/>
+              <a:buNone/>
+            </a:pPr>
+            <a:r>
+              <a:rPr lang="en-US" dirty="0" err="1"/>
+              <a:t>Liskov</a:t>
+            </a:r>
+            <a:r>
+              <a:rPr lang="en-US" dirty="0"/>
+              <a:t> Substitution</a:t>
+            </a:r>
+          </a:p>
+          <a:p>
+            <a:pPr marL="171450" lvl="0" indent="-171450">
+              <a:buFontTx/>
+              <a:buChar char="-"/>
+            </a:pPr>
+            <a:r>
+              <a:rPr lang="en-US" dirty="0"/>
+              <a:t>You</a:t>
+            </a:r>
+            <a:r>
+              <a:rPr lang="en-US" baseline="0" dirty="0"/>
+              <a:t> should be able to substitute a subclass for a superclass without adverse change in behavior</a:t>
+            </a:r>
+          </a:p>
+          <a:p>
+            <a:pPr marL="171450" lvl="0" indent="-171450">
+              <a:buFontTx/>
+              <a:buChar char="-"/>
+            </a:pPr>
+            <a:r>
+              <a:rPr lang="en-US" baseline="0" dirty="0"/>
+              <a:t>Derived types should be suitable for their parent types</a:t>
+            </a:r>
+          </a:p>
+          <a:p>
+            <a:pPr marL="171450" lvl="0" indent="-171450">
+              <a:buFontTx/>
+              <a:buChar char="-"/>
+            </a:pPr>
+            <a:r>
+              <a:rPr lang="en-US" dirty="0"/>
+              <a:t>A subtype should never strengthen </a:t>
+            </a:r>
+            <a:r>
+              <a:rPr lang="en-US" baseline="0" dirty="0"/>
+              <a:t>the preconditions/contract of a supertype</a:t>
+            </a:r>
+          </a:p>
+          <a:p>
+            <a:pPr marL="171450" lvl="0" indent="-171450">
+              <a:buFontTx/>
+              <a:buChar char="-"/>
+            </a:pPr>
+            <a:r>
+              <a:rPr lang="en-US" baseline="0" dirty="0"/>
+              <a:t>A subtype should never weaken the postconditions of a supertype</a:t>
+            </a:r>
+          </a:p>
+          <a:p>
+            <a:pPr marL="171450" lvl="0" indent="-171450">
+              <a:buFontTx/>
+              <a:buChar char="-"/>
+            </a:pPr>
+            <a:r>
+              <a:rPr lang="en-US" dirty="0"/>
+              <a:t>http://www.ckode.dk/programming/solid-principles-part-3-liskovs-substitution-principle/#postconditions</a:t>
+            </a:r>
+          </a:p>
+          <a:p>
+            <a:pPr marL="171450" lvl="0" indent="-171450">
+              <a:buFontTx/>
+              <a:buChar char="-"/>
+            </a:pPr>
+            <a:r>
+              <a:rPr lang="en-US" dirty="0"/>
+              <a:t>https://drive.google.com/file/d/0BwhCYaYDn8EgNzAzZjA5ZmItNjU3NS00MzQ5LTkwYjMtMDJhNDU5ZTM0MTlh/view</a:t>
+            </a:r>
+          </a:p>
+          <a:p>
+            <a:pPr marL="171450" lvl="0" indent="-171450">
+              <a:buFontTx/>
+              <a:buChar char="-"/>
+            </a:pPr>
+            <a:endParaRPr lang="en-US" dirty="0"/>
+          </a:p>
+          <a:p>
+            <a:pPr marL="0" lvl="0" indent="0">
+              <a:buFontTx/>
+              <a:buNone/>
+            </a:pPr>
+            <a:r>
+              <a:rPr lang="en-US" dirty="0"/>
+              <a:t>Interface Segregation</a:t>
+            </a:r>
+          </a:p>
+          <a:p>
+            <a:pPr marL="171450" lvl="0" indent="-171450">
+              <a:buFontTx/>
+              <a:buChar char="-"/>
+            </a:pPr>
+            <a:r>
+              <a:rPr lang="en-US" dirty="0"/>
+              <a:t>Classes</a:t>
+            </a:r>
+            <a:r>
+              <a:rPr lang="en-US" baseline="0" dirty="0"/>
+              <a:t> should not be forced to depend on interfaces that they do not use</a:t>
+            </a:r>
+          </a:p>
+          <a:p>
+            <a:pPr marL="628650" lvl="1" indent="-171450">
+              <a:buFontTx/>
+              <a:buChar char="-"/>
+            </a:pPr>
+            <a:r>
+              <a:rPr lang="en-US" baseline="0" dirty="0"/>
+              <a:t>Think of utility classes and interfaces</a:t>
+            </a:r>
+          </a:p>
+          <a:p>
+            <a:pPr marL="628650" lvl="1" indent="-171450">
+              <a:buFontTx/>
+              <a:buChar char="-"/>
+            </a:pPr>
+            <a:r>
+              <a:rPr lang="en-US" baseline="0" dirty="0"/>
+              <a:t>Cohesion</a:t>
+            </a:r>
+            <a:endParaRPr lang="en-US" dirty="0"/>
+          </a:p>
+          <a:p>
+            <a:pPr marL="171450" lvl="0" indent="-171450">
+              <a:buFontTx/>
+              <a:buChar char="-"/>
+            </a:pPr>
+            <a:r>
+              <a:rPr lang="en-US" dirty="0"/>
+              <a:t>Make fine-grained interfaces</a:t>
+            </a:r>
+            <a:r>
+              <a:rPr lang="en-US" baseline="0" dirty="0"/>
+              <a:t> that are client specific (role interfaces)</a:t>
+            </a:r>
+            <a:endParaRPr lang="en-US" dirty="0"/>
+          </a:p>
+          <a:p>
+            <a:pPr marL="171450" lvl="0" indent="-171450">
+              <a:buFontTx/>
+              <a:buChar char="-"/>
+            </a:pPr>
+            <a:r>
+              <a:rPr lang="en-US" dirty="0"/>
+              <a:t>Heavily violated</a:t>
+            </a:r>
+          </a:p>
+          <a:p>
+            <a:pPr marL="171450" lvl="0" indent="-171450">
+              <a:buFontTx/>
+              <a:buChar char="-"/>
+            </a:pPr>
+            <a:r>
+              <a:rPr lang="en-US" dirty="0"/>
+              <a:t>Some studies of design patterns might help with</a:t>
+            </a:r>
+            <a:r>
+              <a:rPr lang="en-US" baseline="0" dirty="0"/>
+              <a:t> this</a:t>
+            </a:r>
+            <a:endParaRPr lang="en-US" dirty="0"/>
+          </a:p>
+          <a:p>
+            <a:pPr marL="171450" lvl="0" indent="-171450">
+              <a:buFontTx/>
+              <a:buChar char="-"/>
+            </a:pPr>
+            <a:r>
+              <a:rPr lang="en-US" dirty="0"/>
+              <a:t>https://drive.google.com/file/d/0BwhCYaYDn8EgOTViYjJhYzMtMzYxMC00MzFjLWJjMzYtOGJiMDc5N2JkYmJi/view</a:t>
+            </a:r>
+          </a:p>
+          <a:p>
+            <a:pPr marL="171450" lvl="0" indent="-171450">
+              <a:buFontTx/>
+              <a:buChar char="-"/>
+            </a:pPr>
+            <a:endParaRPr lang="en-US" dirty="0"/>
+          </a:p>
+          <a:p>
+            <a:pPr marL="0" lvl="0" indent="0">
+              <a:buFontTx/>
+              <a:buNone/>
+            </a:pPr>
+            <a:r>
+              <a:rPr lang="en-US" dirty="0"/>
+              <a:t>Dependency Inversion</a:t>
+            </a:r>
+          </a:p>
+          <a:p>
+            <a:pPr marL="171450" lvl="0" indent="-171450">
+              <a:buFontTx/>
+              <a:buChar char="-"/>
+            </a:pPr>
+            <a:r>
+              <a:rPr lang="en-US" dirty="0"/>
+              <a:t>Principles:</a:t>
+            </a:r>
+          </a:p>
+          <a:p>
+            <a:pPr marL="628650" lvl="1" indent="-171450">
+              <a:buFontTx/>
+              <a:buChar char="-"/>
+            </a:pPr>
+            <a:r>
+              <a:rPr lang="en-US" dirty="0"/>
+              <a:t>High</a:t>
+            </a:r>
+            <a:r>
+              <a:rPr lang="en-US" baseline="0" dirty="0"/>
+              <a:t> level modules should not depend on low-level modules, rather abstractions for both</a:t>
+            </a:r>
+          </a:p>
+          <a:p>
+            <a:pPr marL="628650" lvl="1" indent="-171450">
+              <a:buFontTx/>
+              <a:buChar char="-"/>
+            </a:pPr>
+            <a:r>
+              <a:rPr lang="en-US" baseline="0" dirty="0"/>
+              <a:t>Abstractions should not depend on details, </a:t>
+            </a:r>
+            <a:r>
+              <a:rPr lang="en-US" baseline="0" dirty="0" err="1"/>
+              <a:t>detals</a:t>
+            </a:r>
+            <a:r>
+              <a:rPr lang="en-US" baseline="0" dirty="0"/>
+              <a:t> should depend on abstractions</a:t>
+            </a:r>
+            <a:endParaRPr lang="en-US" dirty="0"/>
+          </a:p>
+          <a:p>
+            <a:pPr marL="171450" lvl="0" indent="-171450">
+              <a:buFontTx/>
+              <a:buChar char="-"/>
+            </a:pPr>
+            <a:r>
+              <a:rPr lang="en-US" dirty="0"/>
+              <a:t>Reduce the coupling between classes</a:t>
+            </a:r>
+          </a:p>
+          <a:p>
+            <a:pPr marL="171450" lvl="0" indent="-171450">
+              <a:buFontTx/>
+              <a:buChar char="-"/>
+            </a:pPr>
+            <a:r>
+              <a:rPr lang="en-US" dirty="0"/>
+              <a:t>Depend on abstractions, not on concretions</a:t>
+            </a:r>
+          </a:p>
+          <a:p>
+            <a:pPr marL="171450" lvl="0" indent="-171450">
+              <a:buFontTx/>
+              <a:buChar char="-"/>
+            </a:pPr>
+            <a:r>
+              <a:rPr lang="en-US" dirty="0"/>
+              <a:t>This might be tougher</a:t>
+            </a:r>
+            <a:r>
+              <a:rPr lang="en-US" baseline="0" dirty="0"/>
+              <a:t> in BI</a:t>
+            </a:r>
+          </a:p>
+          <a:p>
+            <a:pPr marL="171450" lvl="0" indent="-171450">
+              <a:buFontTx/>
+              <a:buChar char="-"/>
+            </a:pPr>
+            <a:r>
+              <a:rPr lang="en-US" baseline="0" dirty="0"/>
+              <a:t>Where have you seen this one?</a:t>
+            </a:r>
+          </a:p>
+          <a:p>
+            <a:pPr marL="171450" lvl="0" indent="-171450">
+              <a:buFontTx/>
+              <a:buChar char="-"/>
+            </a:pPr>
+            <a:r>
+              <a:rPr lang="en-US" dirty="0"/>
+              <a:t>https://drive.google.com/file/d/0BwhCYaYDn8EgMjdlMWIzNGUtZTQ0NC00ZjQ5LTkwYzQtZjRhMDRlNTQ3ZGMz/view</a:t>
+            </a:r>
+          </a:p>
+          <a:p>
+            <a:pPr marL="171450" lvl="0" indent="-171450">
+              <a:buFontTx/>
+              <a:buChar char="-"/>
+            </a:pPr>
+            <a:endParaRPr lang="en-US" dirty="0"/>
+          </a:p>
+          <a:p>
+            <a:pPr marL="171450" lvl="0" indent="-171450">
+              <a:buFontTx/>
+              <a:buChar char="-"/>
+            </a:pPr>
+            <a:endParaRPr lang="en-US" dirty="0"/>
+          </a:p>
+          <a:p>
+            <a:endParaRPr lang="en-US" dirty="0"/>
+          </a:p>
+        </p:txBody>
+      </p:sp>
+      <p:sp>
+        <p:nvSpPr>
+          <p:cNvPr id="4" name="Slide Number Placeholder 3"/>
+          <p:cNvSpPr>
+            <a:spLocks noGrp="1"/>
+          </p:cNvSpPr>
+          <p:nvPr>
+            <p:ph type="sldNum" sz="quarter" idx="10"/>
+          </p:nvPr>
+        </p:nvSpPr>
+        <p:spPr/>
+        <p:txBody>
+          <a:bodyPr/>
+          <a:lstStyle/>
+          <a:p>
+            <a:fld id="{F3496621-8783-4CB2-97DF-757AC60A4E09}" type="slidenum">
+              <a:rPr lang="en-US" smtClean="0"/>
+              <a:t>3</a:t>
+            </a:fld>
+            <a:endParaRPr lang="en-US"/>
+          </a:p>
+        </p:txBody>
+      </p:sp>
+    </p:spTree>
+    <p:extLst>
+      <p:ext uri="{BB962C8B-B14F-4D97-AF65-F5344CB8AC3E}">
+        <p14:creationId xmlns:p14="http://schemas.microsoft.com/office/powerpoint/2010/main" val="2351528621"/>
+      </p:ext>
+    </p:extLst>
+  </p:cSld>
+  <p:clrMapOvr>
+    <a:masterClrMapping/>
+  </p:clrMapOvr>
+</p:notes>
+</file>
+
+<file path=ppt/notesSlides/notesSlide2.xml><?xml version="1.0" encoding="utf-8"?>
+<p:notes xmlns:a="http://schemas.openxmlformats.org/drawingml/2006/main" xmlns:r="http://schemas.openxmlformats.org/officeDocument/2006/relationships" xmlns:p="http://schemas.openxmlformats.org/presentationml/2006/main">
+  <p:cSld>
+    <p:spTree>
+      <p:nvGrpSpPr>
+        <p:cNvPr id="1" name=""/>
+        <p:cNvGrpSpPr/>
+        <p:nvPr/>
+      </p:nvGrpSpPr>
+      <p:grpSpPr>
+        <a:xfrm>
+          <a:off x="0" y="0"/>
+          <a:ext cx="0" cy="0"/>
+          <a:chOff x="0" y="0"/>
+          <a:chExt cx="0" cy="0"/>
+        </a:xfrm>
+      </p:grpSpPr>
+      <p:sp>
+        <p:nvSpPr>
+          <p:cNvPr id="2" name="Slide Image Placeholder 1"/>
+          <p:cNvSpPr>
+            <a:spLocks noGrp="1" noRot="1" noChangeAspect="1"/>
+          </p:cNvSpPr>
+          <p:nvPr>
+            <p:ph type="sldImg"/>
+          </p:nvPr>
+        </p:nvSpPr>
+        <p:spPr/>
+      </p:sp>
+      <p:sp>
+        <p:nvSpPr>
+          <p:cNvPr id="3" name="Notes Placeholder 2"/>
+          <p:cNvSpPr>
+            <a:spLocks noGrp="1"/>
+          </p:cNvSpPr>
+          <p:nvPr>
+            <p:ph type="body" idx="1"/>
+          </p:nvPr>
+        </p:nvSpPr>
+        <p:spPr/>
+        <p:txBody>
+          <a:bodyPr/>
+          <a:lstStyle/>
+          <a:p>
+            <a:r>
+              <a:rPr lang="en-US" dirty="0"/>
+              <a:t>TDD Isn’t easy to start,</a:t>
+            </a:r>
+            <a:r>
+              <a:rPr lang="en-US" baseline="0" dirty="0"/>
+              <a:t> you have to practice.</a:t>
+            </a:r>
+            <a:endParaRPr lang="en-US" dirty="0"/>
+          </a:p>
+        </p:txBody>
+      </p:sp>
+      <p:sp>
+        <p:nvSpPr>
+          <p:cNvPr id="4" name="Slide Number Placeholder 3"/>
+          <p:cNvSpPr>
+            <a:spLocks noGrp="1"/>
+          </p:cNvSpPr>
+          <p:nvPr>
+            <p:ph type="sldNum" sz="quarter" idx="10"/>
+          </p:nvPr>
+        </p:nvSpPr>
+        <p:spPr/>
+        <p:txBody>
+          <a:bodyPr/>
+          <a:lstStyle/>
+          <a:p>
+            <a:fld id="{42D9BCB6-4ADF-E241-8727-DE2078405E7F}" type="slidenum">
+              <a:rPr lang="en-US" smtClean="0"/>
+              <a:t>4</a:t>
+            </a:fld>
+            <a:endParaRPr lang="en-US"/>
+          </a:p>
+        </p:txBody>
+      </p:sp>
+    </p:spTree>
+    <p:extLst>
+      <p:ext uri="{BB962C8B-B14F-4D97-AF65-F5344CB8AC3E}">
+        <p14:creationId xmlns:p14="http://schemas.microsoft.com/office/powerpoint/2010/main" val="645660538"/>
+      </p:ext>
+    </p:extLst>
+  </p:cSld>
+  <p:clrMapOvr>
+    <a:masterClrMapping/>
+  </p:clrMapOvr>
+</p:notes>
+</file>
+
 <file path=ppt/slideLayouts/slideLayout1.xml><?xml version="1.0" encoding="utf-8"?>
 <p:sldLayout xmlns:a="http://schemas.openxmlformats.org/drawingml/2006/main" xmlns:r="http://schemas.openxmlformats.org/officeDocument/2006/relationships" xmlns:p="http://schemas.openxmlformats.org/presentationml/2006/main" type="title" preserve="1">
   <p:cSld name="Title Slide">
@@ -163,10 +1159,9 @@
           </a:lstStyle>
           <a:p>
             <a:r>
-              <a:rPr lang="en-US" smtClean="0"/>
+              <a:rPr lang="en-US"/>
               <a:t>Click to edit Master title style</a:t>
             </a:r>
-            <a:endParaRPr lang="en-US"/>
           </a:p>
         </p:txBody>
       </p:sp>
@@ -228,10 +1223,9 @@
           </a:lstStyle>
           <a:p>
             <a:r>
-              <a:rPr lang="en-US" smtClean="0"/>
+              <a:rPr lang="en-US"/>
               <a:t>Click to edit Master subtitle style</a:t>
             </a:r>
-            <a:endParaRPr lang="en-US"/>
           </a:p>
         </p:txBody>
       </p:sp>
@@ -252,7 +1246,7 @@
           <a:p>
             <a:fld id="{BE86D659-235A-4480-A52F-151100DCBC9E}" type="datetimeFigureOut">
               <a:rPr lang="en-US" smtClean="0"/>
-              <a:t>1/21/2016</a:t>
+              <a:t>7/19/2018</a:t>
             </a:fld>
             <a:endParaRPr lang="en-US"/>
           </a:p>
@@ -346,10 +1340,9 @@
           <a:lstStyle/>
           <a:p>
             <a:r>
-              <a:rPr lang="en-US" smtClean="0"/>
+              <a:rPr lang="en-US"/>
               <a:t>Click to edit Master title style</a:t>
             </a:r>
-            <a:endParaRPr lang="en-US"/>
           </a:p>
         </p:txBody>
       </p:sp>
@@ -370,38 +1363,37 @@
           <a:p>
             <a:pPr lvl="0"/>
             <a:r>
-              <a:rPr lang="en-US" smtClean="0"/>
+              <a:rPr lang="en-US"/>
               <a:t>Click to edit Master text styles</a:t>
             </a:r>
           </a:p>
           <a:p>
             <a:pPr lvl="1"/>
             <a:r>
-              <a:rPr lang="en-US" smtClean="0"/>
+              <a:rPr lang="en-US"/>
               <a:t>Second level</a:t>
             </a:r>
           </a:p>
           <a:p>
             <a:pPr lvl="2"/>
             <a:r>
-              <a:rPr lang="en-US" smtClean="0"/>
+              <a:rPr lang="en-US"/>
               <a:t>Third level</a:t>
             </a:r>
           </a:p>
           <a:p>
             <a:pPr lvl="3"/>
             <a:r>
-              <a:rPr lang="en-US" smtClean="0"/>
+              <a:rPr lang="en-US"/>
               <a:t>Fourth level</a:t>
             </a:r>
           </a:p>
           <a:p>
             <a:pPr lvl="4"/>
             <a:r>
-              <a:rPr lang="en-US" smtClean="0"/>
+              <a:rPr lang="en-US"/>
               <a:t>Fifth level</a:t>
             </a:r>
-            <a:endParaRPr lang="en-US"/>
           </a:p>
         </p:txBody>
       </p:sp>
@@ -422,7 +1414,7 @@
           <a:p>
             <a:fld id="{BE86D659-235A-4480-A52F-151100DCBC9E}" type="datetimeFigureOut">
               <a:rPr lang="en-US" smtClean="0"/>
-              <a:t>1/21/2016</a:t>
+              <a:t>7/19/2018</a:t>
             </a:fld>
             <a:endParaRPr lang="en-US"/>
           </a:p>
@@ -521,10 +1513,9 @@
           <a:lstStyle/>
           <a:p>
             <a:r>
-              <a:rPr lang="en-US" smtClean="0"/>
+              <a:rPr lang="en-US"/>
               <a:t>Click to edit Master title style</a:t>
             </a:r>
-            <a:endParaRPr lang="en-US"/>
           </a:p>
         </p:txBody>
       </p:sp>
@@ -550,38 +1541,37 @@
           <a:p>
             <a:pPr lvl="0"/>
             <a:r>
-              <a:rPr lang="en-US" smtClean="0"/>
+              <a:rPr lang="en-US"/>
               <a:t>Click to edit Master text styles</a:t>
             </a:r>
           </a:p>
           <a:p>
             <a:pPr lvl="1"/>
             <a:r>
-              <a:rPr lang="en-US" smtClean="0"/>
+              <a:rPr lang="en-US"/>
               <a:t>Second level</a:t>
             </a:r>
           </a:p>
           <a:p>
             <a:pPr lvl="2"/>
             <a:r>
-              <a:rPr lang="en-US" smtClean="0"/>
+              <a:rPr lang="en-US"/>
               <a:t>Third level</a:t>
             </a:r>
           </a:p>
           <a:p>
             <a:pPr lvl="3"/>
             <a:r>
-              <a:rPr lang="en-US" smtClean="0"/>
+              <a:rPr lang="en-US"/>
               <a:t>Fourth level</a:t>
             </a:r>
           </a:p>
           <a:p>
             <a:pPr lvl="4"/>
             <a:r>
-              <a:rPr lang="en-US" smtClean="0"/>
+              <a:rPr lang="en-US"/>
               <a:t>Fifth level</a:t>
             </a:r>
-            <a:endParaRPr lang="en-US"/>
           </a:p>
         </p:txBody>
       </p:sp>
@@ -602,7 +1592,7 @@
           <a:p>
             <a:fld id="{BE86D659-235A-4480-A52F-151100DCBC9E}" type="datetimeFigureOut">
               <a:rPr lang="en-US" smtClean="0"/>
-              <a:t>1/21/2016</a:t>
+              <a:t>7/19/2018</a:t>
             </a:fld>
             <a:endParaRPr lang="en-US"/>
           </a:p>
@@ -696,10 +1686,9 @@
           <a:lstStyle/>
           <a:p>
             <a:r>
-              <a:rPr lang="en-US" smtClean="0"/>
+              <a:rPr lang="en-US"/>
               <a:t>Click to edit Master title style</a:t>
             </a:r>
-            <a:endParaRPr lang="en-US"/>
           </a:p>
         </p:txBody>
       </p:sp>
@@ -720,38 +1709,37 @@
           <a:p>
             <a:pPr lvl="0"/>
             <a:r>
-              <a:rPr lang="en-US" smtClean="0"/>
+              <a:rPr lang="en-US"/>
               <a:t>Click to edit Master text styles</a:t>
             </a:r>
           </a:p>
           <a:p>
             <a:pPr lvl="1"/>
             <a:r>
-              <a:rPr lang="en-US" smtClean="0"/>
+              <a:rPr lang="en-US"/>
               <a:t>Second level</a:t>
             </a:r>
           </a:p>
           <a:p>
             <a:pPr lvl="2"/>
             <a:r>
-              <a:rPr lang="en-US" smtClean="0"/>
+              <a:rPr lang="en-US"/>
               <a:t>Third level</a:t>
             </a:r>
           </a:p>
           <a:p>
             <a:pPr lvl="3"/>
             <a:r>
-              <a:rPr lang="en-US" smtClean="0"/>
+              <a:rPr lang="en-US"/>
               <a:t>Fourth level</a:t>
             </a:r>
           </a:p>
           <a:p>
             <a:pPr lvl="4"/>
             <a:r>
-              <a:rPr lang="en-US" smtClean="0"/>
+              <a:rPr lang="en-US"/>
               <a:t>Fifth level</a:t>
             </a:r>
-            <a:endParaRPr lang="en-US"/>
           </a:p>
         </p:txBody>
       </p:sp>
@@ -772,7 +1760,7 @@
           <a:p>
             <a:fld id="{BE86D659-235A-4480-A52F-151100DCBC9E}" type="datetimeFigureOut">
               <a:rPr lang="en-US" smtClean="0"/>
-              <a:t>1/21/2016</a:t>
+              <a:t>7/19/2018</a:t>
             </a:fld>
             <a:endParaRPr lang="en-US"/>
           </a:p>
@@ -875,10 +1863,9 @@
           </a:lstStyle>
           <a:p>
             <a:r>
-              <a:rPr lang="en-US" smtClean="0"/>
+              <a:rPr lang="en-US"/>
               <a:t>Click to edit Master title style</a:t>
             </a:r>
-            <a:endParaRPr lang="en-US"/>
           </a:p>
         </p:txBody>
       </p:sp>
@@ -995,7 +1982,7 @@
           <a:p>
             <a:pPr lvl="0"/>
             <a:r>
-              <a:rPr lang="en-US" smtClean="0"/>
+              <a:rPr lang="en-US"/>
               <a:t>Click to edit Master text styles</a:t>
             </a:r>
           </a:p>
@@ -1018,7 +2005,7 @@
           <a:p>
             <a:fld id="{BE86D659-235A-4480-A52F-151100DCBC9E}" type="datetimeFigureOut">
               <a:rPr lang="en-US" smtClean="0"/>
-              <a:t>1/21/2016</a:t>
+              <a:t>7/19/2018</a:t>
             </a:fld>
             <a:endParaRPr lang="en-US"/>
           </a:p>
@@ -1112,10 +2099,9 @@
           <a:lstStyle/>
           <a:p>
             <a:r>
-              <a:rPr lang="en-US" smtClean="0"/>
+              <a:rPr lang="en-US"/>
               <a:t>Click to edit Master title style</a:t>
             </a:r>
-            <a:endParaRPr lang="en-US"/>
           </a:p>
         </p:txBody>
       </p:sp>
@@ -1141,38 +2127,37 @@
           <a:p>
             <a:pPr lvl="0"/>
             <a:r>
-              <a:rPr lang="en-US" smtClean="0"/>
+              <a:rPr lang="en-US"/>
               <a:t>Click to edit Master text styles</a:t>
             </a:r>
           </a:p>
           <a:p>
             <a:pPr lvl="1"/>
             <a:r>
-              <a:rPr lang="en-US" smtClean="0"/>
+              <a:rPr lang="en-US"/>
               <a:t>Second level</a:t>
             </a:r>
           </a:p>
           <a:p>
             <a:pPr lvl="2"/>
             <a:r>
-              <a:rPr lang="en-US" smtClean="0"/>
+              <a:rPr lang="en-US"/>
               <a:t>Third level</a:t>
             </a:r>
           </a:p>
           <a:p>
             <a:pPr lvl="3"/>
             <a:r>
-              <a:rPr lang="en-US" smtClean="0"/>
+              <a:rPr lang="en-US"/>
               <a:t>Fourth level</a:t>
             </a:r>
           </a:p>
           <a:p>
             <a:pPr lvl="4"/>
             <a:r>
-              <a:rPr lang="en-US" smtClean="0"/>
+              <a:rPr lang="en-US"/>
               <a:t>Fifth level</a:t>
             </a:r>
-            <a:endParaRPr lang="en-US"/>
           </a:p>
         </p:txBody>
       </p:sp>
@@ -1198,38 +2183,37 @@
           <a:p>
             <a:pPr lvl="0"/>
             <a:r>
-              <a:rPr lang="en-US" smtClean="0"/>
+              <a:rPr lang="en-US"/>
               <a:t>Click to edit Master text styles</a:t>
             </a:r>
           </a:p>
           <a:p>
             <a:pPr lvl="1"/>
             <a:r>
-              <a:rPr lang="en-US" smtClean="0"/>
+              <a:rPr lang="en-US"/>
               <a:t>Second level</a:t>
             </a:r>
           </a:p>
           <a:p>
             <a:pPr lvl="2"/>
             <a:r>
-              <a:rPr lang="en-US" smtClean="0"/>
+              <a:rPr lang="en-US"/>
               <a:t>Third level</a:t>
             </a:r>
           </a:p>
           <a:p>
             <a:pPr lvl="3"/>
             <a:r>
-              <a:rPr lang="en-US" smtClean="0"/>
+              <a:rPr lang="en-US"/>
               <a:t>Fourth level</a:t>
             </a:r>
           </a:p>
           <a:p>
             <a:pPr lvl="4"/>
             <a:r>
-              <a:rPr lang="en-US" smtClean="0"/>
+              <a:rPr lang="en-US"/>
               <a:t>Fifth level</a:t>
             </a:r>
-            <a:endParaRPr lang="en-US"/>
           </a:p>
         </p:txBody>
       </p:sp>
@@ -1250,7 +2234,7 @@
           <a:p>
             <a:fld id="{BE86D659-235A-4480-A52F-151100DCBC9E}" type="datetimeFigureOut">
               <a:rPr lang="en-US" smtClean="0"/>
-              <a:t>1/21/2016</a:t>
+              <a:t>7/19/2018</a:t>
             </a:fld>
             <a:endParaRPr lang="en-US"/>
           </a:p>
@@ -1349,10 +2333,9 @@
           <a:lstStyle/>
           <a:p>
             <a:r>
-              <a:rPr lang="en-US" smtClean="0"/>
+              <a:rPr lang="en-US"/>
               <a:t>Click to edit Master title style</a:t>
             </a:r>
-            <a:endParaRPr lang="en-US"/>
           </a:p>
         </p:txBody>
       </p:sp>
@@ -1415,7 +2398,7 @@
           <a:p>
             <a:pPr lvl="0"/>
             <a:r>
-              <a:rPr lang="en-US" smtClean="0"/>
+              <a:rPr lang="en-US"/>
               <a:t>Click to edit Master text styles</a:t>
             </a:r>
           </a:p>
@@ -1443,38 +2426,37 @@
           <a:p>
             <a:pPr lvl="0"/>
             <a:r>
-              <a:rPr lang="en-US" smtClean="0"/>
+              <a:rPr lang="en-US"/>
               <a:t>Click to edit Master text styles</a:t>
             </a:r>
           </a:p>
           <a:p>
             <a:pPr lvl="1"/>
             <a:r>
-              <a:rPr lang="en-US" smtClean="0"/>
+              <a:rPr lang="en-US"/>
               <a:t>Second level</a:t>
             </a:r>
           </a:p>
           <a:p>
             <a:pPr lvl="2"/>
             <a:r>
-              <a:rPr lang="en-US" smtClean="0"/>
+              <a:rPr lang="en-US"/>
               <a:t>Third level</a:t>
             </a:r>
           </a:p>
           <a:p>
             <a:pPr lvl="3"/>
             <a:r>
-              <a:rPr lang="en-US" smtClean="0"/>
+              <a:rPr lang="en-US"/>
               <a:t>Fourth level</a:t>
             </a:r>
           </a:p>
           <a:p>
             <a:pPr lvl="4"/>
             <a:r>
-              <a:rPr lang="en-US" smtClean="0"/>
+              <a:rPr lang="en-US"/>
               <a:t>Fifth level</a:t>
             </a:r>
-            <a:endParaRPr lang="en-US"/>
           </a:p>
         </p:txBody>
       </p:sp>
@@ -1537,7 +2519,7 @@
           <a:p>
             <a:pPr lvl="0"/>
             <a:r>
-              <a:rPr lang="en-US" smtClean="0"/>
+              <a:rPr lang="en-US"/>
               <a:t>Click to edit Master text styles</a:t>
             </a:r>
           </a:p>
@@ -1565,38 +2547,37 @@
           <a:p>
             <a:pPr lvl="0"/>
             <a:r>
-              <a:rPr lang="en-US" smtClean="0"/>
+              <a:rPr lang="en-US"/>
               <a:t>Click to edit Master text styles</a:t>
             </a:r>
           </a:p>
           <a:p>
             <a:pPr lvl="1"/>
             <a:r>
-              <a:rPr lang="en-US" smtClean="0"/>
+              <a:rPr lang="en-US"/>
               <a:t>Second level</a:t>
             </a:r>
           </a:p>
           <a:p>
             <a:pPr lvl="2"/>
             <a:r>
-              <a:rPr lang="en-US" smtClean="0"/>
+              <a:rPr lang="en-US"/>
               <a:t>Third level</a:t>
             </a:r>
           </a:p>
           <a:p>
             <a:pPr lvl="3"/>
             <a:r>
-              <a:rPr lang="en-US" smtClean="0"/>
+              <a:rPr lang="en-US"/>
               <a:t>Fourth level</a:t>
             </a:r>
           </a:p>
           <a:p>
             <a:pPr lvl="4"/>
             <a:r>
-              <a:rPr lang="en-US" smtClean="0"/>
+              <a:rPr lang="en-US"/>
               <a:t>Fifth level</a:t>
             </a:r>
-            <a:endParaRPr lang="en-US"/>
           </a:p>
         </p:txBody>
       </p:sp>
@@ -1617,7 +2598,7 @@
           <a:p>
             <a:fld id="{BE86D659-235A-4480-A52F-151100DCBC9E}" type="datetimeFigureOut">
               <a:rPr lang="en-US" smtClean="0"/>
-              <a:t>1/21/2016</a:t>
+              <a:t>7/19/2018</a:t>
             </a:fld>
             <a:endParaRPr lang="en-US"/>
           </a:p>
@@ -1711,10 +2692,9 @@
           <a:lstStyle/>
           <a:p>
             <a:r>
-              <a:rPr lang="en-US" smtClean="0"/>
+              <a:rPr lang="en-US"/>
               <a:t>Click to edit Master title style</a:t>
             </a:r>
-            <a:endParaRPr lang="en-US"/>
           </a:p>
         </p:txBody>
       </p:sp>
@@ -1735,7 +2715,7 @@
           <a:p>
             <a:fld id="{BE86D659-235A-4480-A52F-151100DCBC9E}" type="datetimeFigureOut">
               <a:rPr lang="en-US" smtClean="0"/>
-              <a:t>1/21/2016</a:t>
+              <a:t>7/19/2018</a:t>
             </a:fld>
             <a:endParaRPr lang="en-US"/>
           </a:p>
@@ -1830,7 +2810,7 @@
           <a:p>
             <a:fld id="{BE86D659-235A-4480-A52F-151100DCBC9E}" type="datetimeFigureOut">
               <a:rPr lang="en-US" smtClean="0"/>
-              <a:t>1/21/2016</a:t>
+              <a:t>7/19/2018</a:t>
             </a:fld>
             <a:endParaRPr lang="en-US"/>
           </a:p>
@@ -1933,10 +2913,9 @@
           </a:lstStyle>
           <a:p>
             <a:r>
-              <a:rPr lang="en-US" smtClean="0"/>
+              <a:rPr lang="en-US"/>
               <a:t>Click to edit Master title style</a:t>
             </a:r>
-            <a:endParaRPr lang="en-US"/>
           </a:p>
         </p:txBody>
       </p:sp>
@@ -1990,38 +2969,37 @@
           <a:p>
             <a:pPr lvl="0"/>
             <a:r>
-              <a:rPr lang="en-US" smtClean="0"/>
+              <a:rPr lang="en-US"/>
               <a:t>Click to edit Master text styles</a:t>
             </a:r>
           </a:p>
           <a:p>
             <a:pPr lvl="1"/>
             <a:r>
-              <a:rPr lang="en-US" smtClean="0"/>
+              <a:rPr lang="en-US"/>
               <a:t>Second level</a:t>
             </a:r>
           </a:p>
           <a:p>
             <a:pPr lvl="2"/>
             <a:r>
-              <a:rPr lang="en-US" smtClean="0"/>
+              <a:rPr lang="en-US"/>
               <a:t>Third level</a:t>
             </a:r>
           </a:p>
           <a:p>
             <a:pPr lvl="3"/>
             <a:r>
-              <a:rPr lang="en-US" smtClean="0"/>
+              <a:rPr lang="en-US"/>
               <a:t>Fourth level</a:t>
             </a:r>
           </a:p>
           <a:p>
             <a:pPr lvl="4"/>
             <a:r>
-              <a:rPr lang="en-US" smtClean="0"/>
+              <a:rPr lang="en-US"/>
               <a:t>Fifth level</a:t>
             </a:r>
-            <a:endParaRPr lang="en-US"/>
           </a:p>
         </p:txBody>
       </p:sp>
@@ -2084,7 +3062,7 @@
           <a:p>
             <a:pPr lvl="0"/>
             <a:r>
-              <a:rPr lang="en-US" smtClean="0"/>
+              <a:rPr lang="en-US"/>
               <a:t>Click to edit Master text styles</a:t>
             </a:r>
           </a:p>
@@ -2107,7 +3085,7 @@
           <a:p>
             <a:fld id="{BE86D659-235A-4480-A52F-151100DCBC9E}" type="datetimeFigureOut">
               <a:rPr lang="en-US" smtClean="0"/>
-              <a:t>1/21/2016</a:t>
+              <a:t>7/19/2018</a:t>
             </a:fld>
             <a:endParaRPr lang="en-US"/>
           </a:p>
@@ -2210,10 +3188,9 @@
           </a:lstStyle>
           <a:p>
             <a:r>
-              <a:rPr lang="en-US" smtClean="0"/>
+              <a:rPr lang="en-US"/>
               <a:t>Click to edit Master title style</a:t>
             </a:r>
-            <a:endParaRPr lang="en-US"/>
           </a:p>
         </p:txBody>
       </p:sp>
@@ -2337,7 +3314,7 @@
           <a:p>
             <a:pPr lvl="0"/>
             <a:r>
-              <a:rPr lang="en-US" smtClean="0"/>
+              <a:rPr lang="en-US"/>
               <a:t>Click to edit Master text styles</a:t>
             </a:r>
           </a:p>
@@ -2360,7 +3337,7 @@
           <a:p>
             <a:fld id="{BE86D659-235A-4480-A52F-151100DCBC9E}" type="datetimeFigureOut">
               <a:rPr lang="en-US" smtClean="0"/>
-              <a:t>1/21/2016</a:t>
+              <a:t>7/19/2018</a:t>
             </a:fld>
             <a:endParaRPr lang="en-US"/>
           </a:p>
@@ -2469,10 +3446,9 @@
           <a:lstStyle/>
           <a:p>
             <a:r>
-              <a:rPr lang="en-US" smtClean="0"/>
+              <a:rPr lang="en-US"/>
               <a:t>Click to edit Master title style</a:t>
             </a:r>
-            <a:endParaRPr lang="en-US"/>
           </a:p>
         </p:txBody>
       </p:sp>
@@ -2503,38 +3479,37 @@
           <a:p>
             <a:pPr lvl="0"/>
             <a:r>
-              <a:rPr lang="en-US" smtClean="0"/>
+              <a:rPr lang="en-US"/>
               <a:t>Click to edit Master text styles</a:t>
             </a:r>
           </a:p>
           <a:p>
             <a:pPr lvl="1"/>
             <a:r>
-              <a:rPr lang="en-US" smtClean="0"/>
+              <a:rPr lang="en-US"/>
               <a:t>Second level</a:t>
             </a:r>
           </a:p>
           <a:p>
             <a:pPr lvl="2"/>
             <a:r>
-              <a:rPr lang="en-US" smtClean="0"/>
+              <a:rPr lang="en-US"/>
               <a:t>Third level</a:t>
             </a:r>
           </a:p>
           <a:p>
             <a:pPr lvl="3"/>
             <a:r>
-              <a:rPr lang="en-US" smtClean="0"/>
+              <a:rPr lang="en-US"/>
               <a:t>Fourth level</a:t>
             </a:r>
           </a:p>
           <a:p>
             <a:pPr lvl="4"/>
             <a:r>
-              <a:rPr lang="en-US" smtClean="0"/>
+              <a:rPr lang="en-US"/>
               <a:t>Fifth level</a:t>
             </a:r>
-            <a:endParaRPr lang="en-US"/>
           </a:p>
         </p:txBody>
       </p:sp>
@@ -2573,7 +3548,7 @@
           <a:p>
             <a:fld id="{BE86D659-235A-4480-A52F-151100DCBC9E}" type="datetimeFigureOut">
               <a:rPr lang="en-US" smtClean="0"/>
-              <a:t>1/21/2016</a:t>
+              <a:t>7/19/2018</a:t>
             </a:fld>
             <a:endParaRPr lang="en-US"/>
           </a:p>
@@ -2996,10 +3971,9 @@
           <a:lstStyle/>
           <a:p>
             <a:r>
-              <a:rPr lang="en-US" sz="5400" smtClean="0"/>
+              <a:rPr lang="en-US" sz="5400"/>
               <a:t>Coded Unit Testing with RUnit</a:t>
             </a:r>
-            <a:endParaRPr lang="en-US" sz="5400"/>
           </a:p>
         </p:txBody>
       </p:sp>
@@ -3026,30 +4000,26 @@
           <a:lstStyle/>
           <a:p>
             <a:r>
-              <a:rPr lang="en-US" smtClean="0"/>
-              <a:t>And A Little on [S]OLID &amp; </a:t>
-            </a:r>
-            <a:r>
-              <a:rPr lang="en-US" smtClean="0"/>
-              <a:t>TDD</a:t>
-            </a:r>
-          </a:p>
-          <a:p>
-            <a:endParaRPr lang="en-US" smtClean="0"/>
-          </a:p>
-          <a:p>
-            <a:r>
-              <a:rPr lang="en-US" sz="2100" smtClean="0"/>
+              <a:rPr lang="en-US"/>
+              <a:t>And A Little on [S]OLID &amp; TDD</a:t>
+            </a:r>
+          </a:p>
+          <a:p>
+            <a:endParaRPr lang="en-US"/>
+          </a:p>
+          <a:p>
+            <a:r>
+              <a:rPr lang="en-US" sz="2100"/>
               <a:t>Donald Sawyer (</a:t>
             </a:r>
             <a:r>
-              <a:rPr lang="en-US" sz="2100" smtClean="0">
+              <a:rPr lang="en-US" sz="2100">
                 <a:hlinkClick r:id="rId2"/>
               </a:rPr>
               <a:t>Donald.Sawyer@gmail.com</a:t>
             </a:r>
             <a:r>
-              <a:rPr lang="en-US" sz="2100" smtClean="0"/>
+              <a:rPr lang="en-US" sz="2100"/>
               <a:t>)</a:t>
             </a:r>
           </a:p>
@@ -3058,27 +4028,16 @@
           </a:p>
           <a:p>
             <a:r>
-              <a:rPr lang="en-US" i="1" smtClean="0"/>
-              <a:t>Presentation &amp; Source Code on </a:t>
-            </a:r>
-            <a:r>
-              <a:rPr lang="en-US" i="1" smtClean="0"/>
-              <a:t>GitHub:</a:t>
-            </a:r>
-            <a:endParaRPr lang="en-US" i="1" smtClean="0"/>
+              <a:rPr lang="en-US" i="1"/>
+              <a:t>Presentation &amp; Source Code on GitHub:</a:t>
+            </a:r>
           </a:p>
           <a:p>
             <a:r>
               <a:rPr lang="en-US">
                 <a:hlinkClick r:id="rId3"/>
               </a:rPr>
-              <a:t>https://</a:t>
-            </a:r>
-            <a:r>
-              <a:rPr lang="en-US" smtClean="0">
-                <a:hlinkClick r:id="rId3"/>
-              </a:rPr>
-              <a:t>github.com/donaldsawyer/Demos/tree/master/tcrug/unit_testing</a:t>
+              <a:t>https://github.com/donaldsawyer/Demos/tree/master/tcrug/unit_testing</a:t>
             </a:r>
             <a:endParaRPr lang="en-US"/>
           </a:p>
@@ -3094,13 +4053,6 @@
   <p:clrMapOvr>
     <a:masterClrMapping/>
   </p:clrMapOvr>
-  <p:timing>
-    <p:tnLst>
-      <p:par>
-        <p:cTn id="1" dur="indefinite" restart="never" nodeType="tmRoot"/>
-      </p:par>
-    </p:tnLst>
-  </p:timing>
 </p:sld>
 </file>
 
@@ -3137,10 +4089,9 @@
           <a:lstStyle/>
           <a:p>
             <a:r>
-              <a:rPr lang="en-US" smtClean="0"/>
-              <a:t>Helpful Resources</a:t>
-            </a:r>
-            <a:endParaRPr lang="en-US"/>
+              <a:rPr lang="en-US"/>
+              <a:t>To Refactor (the TDD Way)</a:t>
+            </a:r>
           </a:p>
         </p:txBody>
       </p:sp>
@@ -3159,8 +4110,694 @@
           <a:bodyPr/>
           <a:lstStyle/>
           <a:p>
-            <a:r>
-              <a:rPr lang="en-US" smtClean="0"/>
+            <a:pPr marL="514350" indent="-514350">
+              <a:buFont typeface="+mj-lt"/>
+              <a:buAutoNum type="arabicPeriod"/>
+            </a:pPr>
+            <a:r>
+              <a:rPr lang="en-US"/>
+              <a:t>Stub out a function for the code being refactored</a:t>
+            </a:r>
+          </a:p>
+          <a:p>
+            <a:pPr marL="514350" indent="-514350">
+              <a:buFont typeface="+mj-lt"/>
+              <a:buAutoNum type="arabicPeriod"/>
+            </a:pPr>
+            <a:r>
+              <a:rPr lang="en-US"/>
+              <a:t>Write the appropriate unit tests</a:t>
+            </a:r>
+          </a:p>
+          <a:p>
+            <a:pPr marL="514350" indent="-514350">
+              <a:buFont typeface="+mj-lt"/>
+              <a:buAutoNum type="arabicPeriod"/>
+            </a:pPr>
+            <a:r>
+              <a:rPr lang="en-US"/>
+              <a:t>RUN the tests </a:t>
+            </a:r>
+            <a:r>
+              <a:rPr lang="en-US">
+                <a:sym typeface="Wingdings" panose="05000000000000000000" pitchFamily="2" charset="2"/>
+              </a:rPr>
+              <a:t> They BETTER fail!</a:t>
+            </a:r>
+          </a:p>
+          <a:p>
+            <a:pPr marL="514350" indent="-514350">
+              <a:buFont typeface="+mj-lt"/>
+              <a:buAutoNum type="arabicPeriod"/>
+            </a:pPr>
+            <a:r>
+              <a:rPr lang="en-US">
+                <a:sym typeface="Wingdings" panose="05000000000000000000" pitchFamily="2" charset="2"/>
+              </a:rPr>
+              <a:t>Fill the code into the method</a:t>
+            </a:r>
+          </a:p>
+          <a:p>
+            <a:pPr marL="514350" indent="-514350">
+              <a:buFont typeface="+mj-lt"/>
+              <a:buAutoNum type="arabicPeriod"/>
+            </a:pPr>
+            <a:r>
+              <a:rPr lang="en-US">
+                <a:sym typeface="Wingdings" panose="05000000000000000000" pitchFamily="2" charset="2"/>
+              </a:rPr>
+              <a:t>RUN the tests &amp; fix function until the tests pass</a:t>
+            </a:r>
+          </a:p>
+          <a:p>
+            <a:pPr marL="514350" indent="-514350">
+              <a:buFont typeface="+mj-lt"/>
+              <a:buAutoNum type="arabicPeriod"/>
+            </a:pPr>
+            <a:r>
+              <a:rPr lang="en-US">
+                <a:sym typeface="Wingdings" panose="05000000000000000000" pitchFamily="2" charset="2"/>
+              </a:rPr>
+              <a:t>Move on</a:t>
+            </a:r>
+          </a:p>
+          <a:p>
+            <a:pPr marL="514350" indent="-514350">
+              <a:buFont typeface="+mj-lt"/>
+              <a:buAutoNum type="arabicPeriod"/>
+            </a:pPr>
+            <a:r>
+              <a:rPr lang="en-US">
+                <a:sym typeface="Wingdings" panose="05000000000000000000" pitchFamily="2" charset="2"/>
+              </a:rPr>
+              <a:t>Every change to the program you make, RUN ALL THE TESTS</a:t>
+            </a:r>
+          </a:p>
+          <a:p>
+            <a:pPr marL="514350" indent="-514350">
+              <a:buFont typeface="+mj-lt"/>
+              <a:buAutoNum type="arabicPeriod"/>
+            </a:pPr>
+            <a:r>
+              <a:rPr lang="en-US">
+                <a:sym typeface="Wingdings" panose="05000000000000000000" pitchFamily="2" charset="2"/>
+              </a:rPr>
+              <a:t>Every defect that gets reported  CREATE NEW TESTS</a:t>
+            </a:r>
+            <a:endParaRPr lang="en-US"/>
+          </a:p>
+        </p:txBody>
+      </p:sp>
+    </p:spTree>
+    <p:extLst>
+      <p:ext uri="{BB962C8B-B14F-4D97-AF65-F5344CB8AC3E}">
+        <p14:creationId xmlns:p14="http://schemas.microsoft.com/office/powerpoint/2010/main" val="137657008"/>
+      </p:ext>
+    </p:extLst>
+  </p:cSld>
+  <p:clrMapOvr>
+    <a:masterClrMapping/>
+  </p:clrMapOvr>
+  <p:timing>
+    <p:tnLst>
+      <p:par>
+        <p:cTn id="1" dur="indefinite" restart="never" nodeType="tmRoot">
+          <p:childTnLst>
+            <p:seq concurrent="1" nextAc="seek">
+              <p:cTn id="2" dur="indefinite" nodeType="mainSeq">
+                <p:childTnLst>
+                  <p:par>
+                    <p:cTn id="3" fill="hold">
+                      <p:stCondLst>
+                        <p:cond delay="indefinite"/>
+                      </p:stCondLst>
+                      <p:childTnLst>
+                        <p:par>
+                          <p:cTn id="4" fill="hold">
+                            <p:stCondLst>
+                              <p:cond delay="0"/>
+                            </p:stCondLst>
+                            <p:childTnLst>
+                              <p:par>
+                                <p:cTn id="5" presetID="10" presetClass="entr" presetSubtype="0" fill="hold" grpId="0" nodeType="clickEffect">
+                                  <p:stCondLst>
+                                    <p:cond delay="0"/>
+                                  </p:stCondLst>
+                                  <p:childTnLst>
+                                    <p:set>
+                                      <p:cBhvr>
+                                        <p:cTn id="6" dur="1" fill="hold">
+                                          <p:stCondLst>
+                                            <p:cond delay="0"/>
+                                          </p:stCondLst>
+                                        </p:cTn>
+                                        <p:tgtEl>
+                                          <p:spTgt spid="3">
+                                            <p:txEl>
+                                              <p:pRg st="0" end="0"/>
+                                            </p:txEl>
+                                          </p:spTgt>
+                                        </p:tgtEl>
+                                        <p:attrNameLst>
+                                          <p:attrName>style.visibility</p:attrName>
+                                        </p:attrNameLst>
+                                      </p:cBhvr>
+                                      <p:to>
+                                        <p:strVal val="visible"/>
+                                      </p:to>
+                                    </p:set>
+                                    <p:animEffect transition="in" filter="fade">
+                                      <p:cBhvr>
+                                        <p:cTn id="7" dur="500"/>
+                                        <p:tgtEl>
+                                          <p:spTgt spid="3">
+                                            <p:txEl>
+                                              <p:pRg st="0" end="0"/>
+                                            </p:txEl>
+                                          </p:spTgt>
+                                        </p:tgtEl>
+                                      </p:cBhvr>
+                                    </p:animEffect>
+                                  </p:childTnLst>
+                                </p:cTn>
+                              </p:par>
+                            </p:childTnLst>
+                          </p:cTn>
+                        </p:par>
+                      </p:childTnLst>
+                    </p:cTn>
+                  </p:par>
+                  <p:par>
+                    <p:cTn id="8" fill="hold">
+                      <p:stCondLst>
+                        <p:cond delay="indefinite"/>
+                      </p:stCondLst>
+                      <p:childTnLst>
+                        <p:par>
+                          <p:cTn id="9" fill="hold">
+                            <p:stCondLst>
+                              <p:cond delay="0"/>
+                            </p:stCondLst>
+                            <p:childTnLst>
+                              <p:par>
+                                <p:cTn id="10" presetID="10" presetClass="entr" presetSubtype="0" fill="hold" grpId="0" nodeType="clickEffect">
+                                  <p:stCondLst>
+                                    <p:cond delay="0"/>
+                                  </p:stCondLst>
+                                  <p:childTnLst>
+                                    <p:set>
+                                      <p:cBhvr>
+                                        <p:cTn id="11" dur="1" fill="hold">
+                                          <p:stCondLst>
+                                            <p:cond delay="0"/>
+                                          </p:stCondLst>
+                                        </p:cTn>
+                                        <p:tgtEl>
+                                          <p:spTgt spid="3">
+                                            <p:txEl>
+                                              <p:pRg st="1" end="1"/>
+                                            </p:txEl>
+                                          </p:spTgt>
+                                        </p:tgtEl>
+                                        <p:attrNameLst>
+                                          <p:attrName>style.visibility</p:attrName>
+                                        </p:attrNameLst>
+                                      </p:cBhvr>
+                                      <p:to>
+                                        <p:strVal val="visible"/>
+                                      </p:to>
+                                    </p:set>
+                                    <p:animEffect transition="in" filter="fade">
+                                      <p:cBhvr>
+                                        <p:cTn id="12" dur="500"/>
+                                        <p:tgtEl>
+                                          <p:spTgt spid="3">
+                                            <p:txEl>
+                                              <p:pRg st="1" end="1"/>
+                                            </p:txEl>
+                                          </p:spTgt>
+                                        </p:tgtEl>
+                                      </p:cBhvr>
+                                    </p:animEffect>
+                                  </p:childTnLst>
+                                </p:cTn>
+                              </p:par>
+                            </p:childTnLst>
+                          </p:cTn>
+                        </p:par>
+                      </p:childTnLst>
+                    </p:cTn>
+                  </p:par>
+                  <p:par>
+                    <p:cTn id="13" fill="hold">
+                      <p:stCondLst>
+                        <p:cond delay="indefinite"/>
+                      </p:stCondLst>
+                      <p:childTnLst>
+                        <p:par>
+                          <p:cTn id="14" fill="hold">
+                            <p:stCondLst>
+                              <p:cond delay="0"/>
+                            </p:stCondLst>
+                            <p:childTnLst>
+                              <p:par>
+                                <p:cTn id="15" presetID="10" presetClass="entr" presetSubtype="0" fill="hold" grpId="0" nodeType="clickEffect">
+                                  <p:stCondLst>
+                                    <p:cond delay="0"/>
+                                  </p:stCondLst>
+                                  <p:childTnLst>
+                                    <p:set>
+                                      <p:cBhvr>
+                                        <p:cTn id="16" dur="1" fill="hold">
+                                          <p:stCondLst>
+                                            <p:cond delay="0"/>
+                                          </p:stCondLst>
+                                        </p:cTn>
+                                        <p:tgtEl>
+                                          <p:spTgt spid="3">
+                                            <p:txEl>
+                                              <p:pRg st="2" end="2"/>
+                                            </p:txEl>
+                                          </p:spTgt>
+                                        </p:tgtEl>
+                                        <p:attrNameLst>
+                                          <p:attrName>style.visibility</p:attrName>
+                                        </p:attrNameLst>
+                                      </p:cBhvr>
+                                      <p:to>
+                                        <p:strVal val="visible"/>
+                                      </p:to>
+                                    </p:set>
+                                    <p:animEffect transition="in" filter="fade">
+                                      <p:cBhvr>
+                                        <p:cTn id="17" dur="500"/>
+                                        <p:tgtEl>
+                                          <p:spTgt spid="3">
+                                            <p:txEl>
+                                              <p:pRg st="2" end="2"/>
+                                            </p:txEl>
+                                          </p:spTgt>
+                                        </p:tgtEl>
+                                      </p:cBhvr>
+                                    </p:animEffect>
+                                  </p:childTnLst>
+                                </p:cTn>
+                              </p:par>
+                            </p:childTnLst>
+                          </p:cTn>
+                        </p:par>
+                      </p:childTnLst>
+                    </p:cTn>
+                  </p:par>
+                  <p:par>
+                    <p:cTn id="18" fill="hold">
+                      <p:stCondLst>
+                        <p:cond delay="indefinite"/>
+                      </p:stCondLst>
+                      <p:childTnLst>
+                        <p:par>
+                          <p:cTn id="19" fill="hold">
+                            <p:stCondLst>
+                              <p:cond delay="0"/>
+                            </p:stCondLst>
+                            <p:childTnLst>
+                              <p:par>
+                                <p:cTn id="20" presetID="10" presetClass="entr" presetSubtype="0" fill="hold" grpId="0" nodeType="clickEffect">
+                                  <p:stCondLst>
+                                    <p:cond delay="0"/>
+                                  </p:stCondLst>
+                                  <p:childTnLst>
+                                    <p:set>
+                                      <p:cBhvr>
+                                        <p:cTn id="21" dur="1" fill="hold">
+                                          <p:stCondLst>
+                                            <p:cond delay="0"/>
+                                          </p:stCondLst>
+                                        </p:cTn>
+                                        <p:tgtEl>
+                                          <p:spTgt spid="3">
+                                            <p:txEl>
+                                              <p:pRg st="3" end="3"/>
+                                            </p:txEl>
+                                          </p:spTgt>
+                                        </p:tgtEl>
+                                        <p:attrNameLst>
+                                          <p:attrName>style.visibility</p:attrName>
+                                        </p:attrNameLst>
+                                      </p:cBhvr>
+                                      <p:to>
+                                        <p:strVal val="visible"/>
+                                      </p:to>
+                                    </p:set>
+                                    <p:animEffect transition="in" filter="fade">
+                                      <p:cBhvr>
+                                        <p:cTn id="22" dur="500"/>
+                                        <p:tgtEl>
+                                          <p:spTgt spid="3">
+                                            <p:txEl>
+                                              <p:pRg st="3" end="3"/>
+                                            </p:txEl>
+                                          </p:spTgt>
+                                        </p:tgtEl>
+                                      </p:cBhvr>
+                                    </p:animEffect>
+                                  </p:childTnLst>
+                                </p:cTn>
+                              </p:par>
+                            </p:childTnLst>
+                          </p:cTn>
+                        </p:par>
+                      </p:childTnLst>
+                    </p:cTn>
+                  </p:par>
+                  <p:par>
+                    <p:cTn id="23" fill="hold">
+                      <p:stCondLst>
+                        <p:cond delay="indefinite"/>
+                      </p:stCondLst>
+                      <p:childTnLst>
+                        <p:par>
+                          <p:cTn id="24" fill="hold">
+                            <p:stCondLst>
+                              <p:cond delay="0"/>
+                            </p:stCondLst>
+                            <p:childTnLst>
+                              <p:par>
+                                <p:cTn id="25" presetID="10" presetClass="entr" presetSubtype="0" fill="hold" grpId="0" nodeType="clickEffect">
+                                  <p:stCondLst>
+                                    <p:cond delay="0"/>
+                                  </p:stCondLst>
+                                  <p:childTnLst>
+                                    <p:set>
+                                      <p:cBhvr>
+                                        <p:cTn id="26" dur="1" fill="hold">
+                                          <p:stCondLst>
+                                            <p:cond delay="0"/>
+                                          </p:stCondLst>
+                                        </p:cTn>
+                                        <p:tgtEl>
+                                          <p:spTgt spid="3">
+                                            <p:txEl>
+                                              <p:pRg st="4" end="4"/>
+                                            </p:txEl>
+                                          </p:spTgt>
+                                        </p:tgtEl>
+                                        <p:attrNameLst>
+                                          <p:attrName>style.visibility</p:attrName>
+                                        </p:attrNameLst>
+                                      </p:cBhvr>
+                                      <p:to>
+                                        <p:strVal val="visible"/>
+                                      </p:to>
+                                    </p:set>
+                                    <p:animEffect transition="in" filter="fade">
+                                      <p:cBhvr>
+                                        <p:cTn id="27" dur="500"/>
+                                        <p:tgtEl>
+                                          <p:spTgt spid="3">
+                                            <p:txEl>
+                                              <p:pRg st="4" end="4"/>
+                                            </p:txEl>
+                                          </p:spTgt>
+                                        </p:tgtEl>
+                                      </p:cBhvr>
+                                    </p:animEffect>
+                                  </p:childTnLst>
+                                </p:cTn>
+                              </p:par>
+                            </p:childTnLst>
+                          </p:cTn>
+                        </p:par>
+                      </p:childTnLst>
+                    </p:cTn>
+                  </p:par>
+                  <p:par>
+                    <p:cTn id="28" fill="hold">
+                      <p:stCondLst>
+                        <p:cond delay="indefinite"/>
+                      </p:stCondLst>
+                      <p:childTnLst>
+                        <p:par>
+                          <p:cTn id="29" fill="hold">
+                            <p:stCondLst>
+                              <p:cond delay="0"/>
+                            </p:stCondLst>
+                            <p:childTnLst>
+                              <p:par>
+                                <p:cTn id="30" presetID="10" presetClass="entr" presetSubtype="0" fill="hold" grpId="0" nodeType="clickEffect">
+                                  <p:stCondLst>
+                                    <p:cond delay="0"/>
+                                  </p:stCondLst>
+                                  <p:childTnLst>
+                                    <p:set>
+                                      <p:cBhvr>
+                                        <p:cTn id="31" dur="1" fill="hold">
+                                          <p:stCondLst>
+                                            <p:cond delay="0"/>
+                                          </p:stCondLst>
+                                        </p:cTn>
+                                        <p:tgtEl>
+                                          <p:spTgt spid="3">
+                                            <p:txEl>
+                                              <p:pRg st="5" end="5"/>
+                                            </p:txEl>
+                                          </p:spTgt>
+                                        </p:tgtEl>
+                                        <p:attrNameLst>
+                                          <p:attrName>style.visibility</p:attrName>
+                                        </p:attrNameLst>
+                                      </p:cBhvr>
+                                      <p:to>
+                                        <p:strVal val="visible"/>
+                                      </p:to>
+                                    </p:set>
+                                    <p:animEffect transition="in" filter="fade">
+                                      <p:cBhvr>
+                                        <p:cTn id="32" dur="500"/>
+                                        <p:tgtEl>
+                                          <p:spTgt spid="3">
+                                            <p:txEl>
+                                              <p:pRg st="5" end="5"/>
+                                            </p:txEl>
+                                          </p:spTgt>
+                                        </p:tgtEl>
+                                      </p:cBhvr>
+                                    </p:animEffect>
+                                  </p:childTnLst>
+                                </p:cTn>
+                              </p:par>
+                            </p:childTnLst>
+                          </p:cTn>
+                        </p:par>
+                      </p:childTnLst>
+                    </p:cTn>
+                  </p:par>
+                  <p:par>
+                    <p:cTn id="33" fill="hold">
+                      <p:stCondLst>
+                        <p:cond delay="indefinite"/>
+                      </p:stCondLst>
+                      <p:childTnLst>
+                        <p:par>
+                          <p:cTn id="34" fill="hold">
+                            <p:stCondLst>
+                              <p:cond delay="0"/>
+                            </p:stCondLst>
+                            <p:childTnLst>
+                              <p:par>
+                                <p:cTn id="35" presetID="10" presetClass="entr" presetSubtype="0" fill="hold" grpId="0" nodeType="clickEffect">
+                                  <p:stCondLst>
+                                    <p:cond delay="0"/>
+                                  </p:stCondLst>
+                                  <p:childTnLst>
+                                    <p:set>
+                                      <p:cBhvr>
+                                        <p:cTn id="36" dur="1" fill="hold">
+                                          <p:stCondLst>
+                                            <p:cond delay="0"/>
+                                          </p:stCondLst>
+                                        </p:cTn>
+                                        <p:tgtEl>
+                                          <p:spTgt spid="3">
+                                            <p:txEl>
+                                              <p:pRg st="6" end="6"/>
+                                            </p:txEl>
+                                          </p:spTgt>
+                                        </p:tgtEl>
+                                        <p:attrNameLst>
+                                          <p:attrName>style.visibility</p:attrName>
+                                        </p:attrNameLst>
+                                      </p:cBhvr>
+                                      <p:to>
+                                        <p:strVal val="visible"/>
+                                      </p:to>
+                                    </p:set>
+                                    <p:animEffect transition="in" filter="fade">
+                                      <p:cBhvr>
+                                        <p:cTn id="37" dur="500"/>
+                                        <p:tgtEl>
+                                          <p:spTgt spid="3">
+                                            <p:txEl>
+                                              <p:pRg st="6" end="6"/>
+                                            </p:txEl>
+                                          </p:spTgt>
+                                        </p:tgtEl>
+                                      </p:cBhvr>
+                                    </p:animEffect>
+                                  </p:childTnLst>
+                                </p:cTn>
+                              </p:par>
+                            </p:childTnLst>
+                          </p:cTn>
+                        </p:par>
+                      </p:childTnLst>
+                    </p:cTn>
+                  </p:par>
+                  <p:par>
+                    <p:cTn id="38" fill="hold">
+                      <p:stCondLst>
+                        <p:cond delay="indefinite"/>
+                      </p:stCondLst>
+                      <p:childTnLst>
+                        <p:par>
+                          <p:cTn id="39" fill="hold">
+                            <p:stCondLst>
+                              <p:cond delay="0"/>
+                            </p:stCondLst>
+                            <p:childTnLst>
+                              <p:par>
+                                <p:cTn id="40" presetID="10" presetClass="entr" presetSubtype="0" fill="hold" grpId="0" nodeType="clickEffect">
+                                  <p:stCondLst>
+                                    <p:cond delay="0"/>
+                                  </p:stCondLst>
+                                  <p:childTnLst>
+                                    <p:set>
+                                      <p:cBhvr>
+                                        <p:cTn id="41" dur="1" fill="hold">
+                                          <p:stCondLst>
+                                            <p:cond delay="0"/>
+                                          </p:stCondLst>
+                                        </p:cTn>
+                                        <p:tgtEl>
+                                          <p:spTgt spid="3">
+                                            <p:txEl>
+                                              <p:pRg st="7" end="7"/>
+                                            </p:txEl>
+                                          </p:spTgt>
+                                        </p:tgtEl>
+                                        <p:attrNameLst>
+                                          <p:attrName>style.visibility</p:attrName>
+                                        </p:attrNameLst>
+                                      </p:cBhvr>
+                                      <p:to>
+                                        <p:strVal val="visible"/>
+                                      </p:to>
+                                    </p:set>
+                                    <p:animEffect transition="in" filter="fade">
+                                      <p:cBhvr>
+                                        <p:cTn id="42" dur="500"/>
+                                        <p:tgtEl>
+                                          <p:spTgt spid="3">
+                                            <p:txEl>
+                                              <p:pRg st="7" end="7"/>
+                                            </p:txEl>
+                                          </p:spTgt>
+                                        </p:tgtEl>
+                                      </p:cBhvr>
+                                    </p:animEffect>
+                                  </p:childTnLst>
+                                </p:cTn>
+                              </p:par>
+                            </p:childTnLst>
+                          </p:cTn>
+                        </p:par>
+                      </p:childTnLst>
+                    </p:cTn>
+                  </p:par>
+                </p:childTnLst>
+              </p:cTn>
+              <p:prevCondLst>
+                <p:cond evt="onPrev" delay="0">
+                  <p:tgtEl>
+                    <p:sldTgt/>
+                  </p:tgtEl>
+                </p:cond>
+              </p:prevCondLst>
+              <p:nextCondLst>
+                <p:cond evt="onNext" delay="0">
+                  <p:tgtEl>
+                    <p:sldTgt/>
+                  </p:tgtEl>
+                </p:cond>
+              </p:nextCondLst>
+            </p:seq>
+          </p:childTnLst>
+        </p:cTn>
+      </p:par>
+    </p:tnLst>
+    <p:bldLst>
+      <p:bldP spid="3" grpId="0" build="p"/>
+    </p:bldLst>
+  </p:timing>
+</p:sld>
+</file>
+
+<file path=ppt/slides/slide11.xml><?xml version="1.0" encoding="utf-8"?>
+<p:sld xmlns:a="http://schemas.openxmlformats.org/drawingml/2006/main" xmlns:r="http://schemas.openxmlformats.org/officeDocument/2006/relationships" xmlns:p="http://schemas.openxmlformats.org/presentationml/2006/main">
+  <p:cSld>
+    <p:spTree>
+      <p:nvGrpSpPr>
+        <p:cNvPr id="1" name=""/>
+        <p:cNvGrpSpPr/>
+        <p:nvPr/>
+      </p:nvGrpSpPr>
+      <p:grpSpPr>
+        <a:xfrm>
+          <a:off x="0" y="0"/>
+          <a:ext cx="0" cy="0"/>
+          <a:chOff x="0" y="0"/>
+          <a:chExt cx="0" cy="0"/>
+        </a:xfrm>
+      </p:grpSpPr>
+      <p:sp>
+        <p:nvSpPr>
+          <p:cNvPr id="2" name="Title 1"/>
+          <p:cNvSpPr>
+            <a:spLocks noGrp="1"/>
+          </p:cNvSpPr>
+          <p:nvPr>
+            <p:ph type="title"/>
+          </p:nvPr>
+        </p:nvSpPr>
+        <p:spPr/>
+        <p:txBody>
+          <a:bodyPr/>
+          <a:lstStyle/>
+          <a:p>
+            <a:r>
+              <a:rPr lang="en-US"/>
+              <a:t>Helpful Resources</a:t>
+            </a:r>
+          </a:p>
+        </p:txBody>
+      </p:sp>
+      <p:sp>
+        <p:nvSpPr>
+          <p:cNvPr id="3" name="Content Placeholder 2"/>
+          <p:cNvSpPr>
+            <a:spLocks noGrp="1"/>
+          </p:cNvSpPr>
+          <p:nvPr>
+            <p:ph idx="1"/>
+          </p:nvPr>
+        </p:nvSpPr>
+        <p:spPr/>
+        <p:txBody>
+          <a:bodyPr/>
+          <a:lstStyle/>
+          <a:p>
+            <a:r>
+              <a:rPr lang="en-US"/>
               <a:t>TDD</a:t>
             </a:r>
           </a:p>
@@ -3170,15 +4807,9 @@
               <a:rPr lang="en-US">
                 <a:hlinkClick r:id="rId2"/>
               </a:rPr>
-              <a:t>https://</a:t>
-            </a:r>
-            <a:r>
-              <a:rPr lang="en-US" smtClean="0">
-                <a:hlinkClick r:id="rId2"/>
-              </a:rPr>
-              <a:t>en.wikipedia.org/wiki/Test-driven_development</a:t>
-            </a:r>
-            <a:endParaRPr lang="en-US" smtClean="0"/>
+              <a:t>https://en.wikipedia.org/wiki/Test-driven_development</a:t>
+            </a:r>
+            <a:endParaRPr lang="en-US"/>
           </a:p>
           <a:p>
             <a:pPr lvl="1"/>
@@ -3186,19 +4817,13 @@
               <a:rPr lang="en-US">
                 <a:hlinkClick r:id="rId3"/>
               </a:rPr>
-              <a:t>http://</a:t>
-            </a:r>
-            <a:r>
-              <a:rPr lang="en-US" smtClean="0">
-                <a:hlinkClick r:id="rId3"/>
-              </a:rPr>
-              <a:t>www.agiledata.org/essays/tdd.html</a:t>
-            </a:r>
-            <a:endParaRPr lang="en-US" smtClean="0"/>
-          </a:p>
-          <a:p>
-            <a:r>
-              <a:rPr lang="en-US" smtClean="0"/>
+              <a:t>http://www.agiledata.org/essays/tdd.html</a:t>
+            </a:r>
+            <a:endParaRPr lang="en-US"/>
+          </a:p>
+          <a:p>
+            <a:r>
+              <a:rPr lang="en-US"/>
               <a:t>Refactoring</a:t>
             </a:r>
           </a:p>
@@ -3208,15 +4833,9 @@
               <a:rPr lang="en-US">
                 <a:hlinkClick r:id="rId4"/>
               </a:rPr>
-              <a:t>http://refactoring.com</a:t>
-            </a:r>
-            <a:r>
-              <a:rPr lang="en-US" smtClean="0">
-                <a:hlinkClick r:id="rId4"/>
-              </a:rPr>
-              <a:t>/</a:t>
-            </a:r>
-            <a:endParaRPr lang="en-US" smtClean="0"/>
+              <a:t>http://refactoring.com/</a:t>
+            </a:r>
+            <a:endParaRPr lang="en-US"/>
           </a:p>
           <a:p>
             <a:pPr lvl="1"/>
@@ -3228,15 +4847,9 @@
               <a:rPr lang="en-US">
                 <a:hlinkClick r:id="rId5"/>
               </a:rPr>
-              <a:t>https://</a:t>
-            </a:r>
-            <a:r>
-              <a:rPr lang="en-US" smtClean="0">
-                <a:hlinkClick r:id="rId5"/>
-              </a:rPr>
-              <a:t>en.wikipedia.org/wiki/Code_smell</a:t>
-            </a:r>
-            <a:endParaRPr lang="en-US" smtClean="0"/>
+              <a:t>https://en.wikipedia.org/wiki/Code_smell</a:t>
+            </a:r>
+            <a:endParaRPr lang="en-US"/>
           </a:p>
           <a:p>
             <a:pPr lvl="1"/>
@@ -3254,13 +4867,6 @@
   <p:clrMapOvr>
     <a:masterClrMapping/>
   </p:clrMapOvr>
-  <p:timing>
-    <p:tnLst>
-      <p:par>
-        <p:cTn id="1" dur="indefinite" restart="never" nodeType="tmRoot"/>
-      </p:par>
-    </p:tnLst>
-  </p:timing>
 </p:sld>
 </file>
 
@@ -3297,10 +4903,9 @@
           <a:lstStyle/>
           <a:p>
             <a:r>
-              <a:rPr lang="en-US" smtClean="0"/>
+              <a:rPr lang="en-US"/>
               <a:t>What is Unit Testing?</a:t>
             </a:r>
-            <a:endParaRPr lang="en-US"/>
           </a:p>
         </p:txBody>
       </p:sp>
@@ -3322,78 +4927,77 @@
           <a:lstStyle/>
           <a:p>
             <a:r>
-              <a:rPr lang="en-US" smtClean="0"/>
+              <a:rPr lang="en-US"/>
               <a:t>Types of testing</a:t>
             </a:r>
           </a:p>
           <a:p>
             <a:pPr lvl="1"/>
             <a:r>
-              <a:rPr lang="en-US" smtClean="0"/>
+              <a:rPr lang="en-US"/>
               <a:t>Unit</a:t>
             </a:r>
           </a:p>
           <a:p>
             <a:pPr lvl="1"/>
             <a:r>
-              <a:rPr lang="en-US" smtClean="0"/>
+              <a:rPr lang="en-US"/>
               <a:t>Integration</a:t>
             </a:r>
           </a:p>
           <a:p>
             <a:pPr lvl="1"/>
             <a:r>
-              <a:rPr lang="en-US" smtClean="0"/>
+              <a:rPr lang="en-US"/>
               <a:t>System</a:t>
             </a:r>
           </a:p>
           <a:p>
             <a:r>
-              <a:rPr lang="en-US" smtClean="0"/>
+              <a:rPr lang="en-US"/>
               <a:t>Unit Testing</a:t>
             </a:r>
           </a:p>
           <a:p>
             <a:pPr lvl="1"/>
             <a:r>
-              <a:rPr lang="en-US" smtClean="0"/>
+              <a:rPr lang="en-US"/>
               <a:t>Testing of an individual code module, function, or “unit”</a:t>
             </a:r>
           </a:p>
           <a:p>
             <a:pPr lvl="1"/>
             <a:r>
-              <a:rPr lang="en-US" smtClean="0"/>
+              <a:rPr lang="en-US"/>
               <a:t>Done by a developer before deployment</a:t>
             </a:r>
           </a:p>
           <a:p>
             <a:pPr lvl="1"/>
             <a:r>
-              <a:rPr lang="en-US" smtClean="0"/>
+              <a:rPr lang="en-US"/>
               <a:t>Verifies input/output of a “unit”</a:t>
             </a:r>
           </a:p>
           <a:p>
             <a:r>
-              <a:rPr lang="en-US" smtClean="0"/>
+              <a:rPr lang="en-US"/>
               <a:t>Why?</a:t>
             </a:r>
           </a:p>
           <a:p>
             <a:pPr lvl="1"/>
             <a:r>
-              <a:rPr lang="en-US" smtClean="0"/>
+              <a:rPr lang="en-US"/>
               <a:t>Verify the individual components perform as expected</a:t>
             </a:r>
           </a:p>
           <a:p>
             <a:pPr lvl="1"/>
             <a:r>
-              <a:rPr lang="en-US" smtClean="0"/>
+              <a:rPr lang="en-US"/>
               <a:t>Gain confidence that “done” code is still working as the program changes</a:t>
             </a:r>
-            <a:endParaRPr lang="en-US"/>
           </a:p>
         </p:txBody>
       </p:sp>
@@ -4003,10 +5607,9 @@
           <a:lstStyle/>
           <a:p>
             <a:r>
-              <a:rPr lang="en-US" smtClean="0"/>
+              <a:rPr lang="en-US"/>
               <a:t>An Introduction to SOLID</a:t>
             </a:r>
-            <a:endParaRPr lang="en-US"/>
           </a:p>
         </p:txBody>
       </p:sp>
@@ -4028,78 +5631,85 @@
           <a:lstStyle/>
           <a:p>
             <a:r>
-              <a:rPr lang="en-US" smtClean="0">
-                <a:hlinkClick r:id="rId2"/>
+              <a:rPr lang="en-US" dirty="0">
+                <a:hlinkClick r:id="rId3"/>
               </a:rPr>
               <a:t>SOLID Principles of Object-Oriented Design</a:t>
             </a:r>
-            <a:endParaRPr lang="en-US" smtClean="0"/>
+            <a:endParaRPr lang="en-US" dirty="0"/>
           </a:p>
           <a:p>
             <a:pPr lvl="1"/>
             <a:r>
-              <a:rPr lang="en-US" smtClean="0"/>
+              <a:rPr lang="en-US" dirty="0"/>
               <a:t>S – Single Responsibility</a:t>
             </a:r>
           </a:p>
           <a:p>
             <a:pPr lvl="1"/>
             <a:r>
-              <a:rPr lang="en-US" smtClean="0"/>
+              <a:rPr lang="en-US" dirty="0"/>
               <a:t>O – Open/Closed Principle</a:t>
             </a:r>
           </a:p>
           <a:p>
             <a:pPr lvl="1"/>
             <a:r>
-              <a:rPr lang="en-US" smtClean="0"/>
-              <a:t>L – Liskov Substitution</a:t>
+              <a:rPr lang="en-US" dirty="0"/>
+              <a:t>L – </a:t>
+            </a:r>
+            <a:r>
+              <a:rPr lang="en-US" dirty="0" err="1"/>
+              <a:t>Liskov</a:t>
+            </a:r>
+            <a:r>
+              <a:rPr lang="en-US" dirty="0"/>
+              <a:t> Substitution</a:t>
             </a:r>
           </a:p>
           <a:p>
             <a:pPr lvl="1"/>
             <a:r>
-              <a:rPr lang="en-US" smtClean="0"/>
+              <a:rPr lang="en-US" dirty="0"/>
               <a:t>I – Interface Segregation</a:t>
             </a:r>
           </a:p>
           <a:p>
             <a:pPr lvl="1"/>
             <a:r>
-              <a:rPr lang="en-US" smtClean="0"/>
+              <a:rPr lang="en-US" dirty="0"/>
               <a:t>D – Dependency Inversion</a:t>
             </a:r>
           </a:p>
           <a:p>
             <a:r>
-              <a:rPr lang="en-US" smtClean="0">
-                <a:hlinkClick r:id="rId3"/>
+              <a:rPr lang="en-US" dirty="0">
+                <a:hlinkClick r:id="rId4"/>
               </a:rPr>
               <a:t>Single Responsibility</a:t>
             </a:r>
-            <a:endParaRPr lang="en-US" smtClean="0"/>
+            <a:endParaRPr lang="en-US" dirty="0"/>
           </a:p>
           <a:p>
             <a:pPr lvl="1"/>
             <a:r>
-              <a:rPr lang="en-US" smtClean="0"/>
+              <a:rPr lang="en-US" dirty="0"/>
               <a:t>A module should have a single responsibility and that responsibility should be entirely encapsulated in the module</a:t>
             </a:r>
           </a:p>
           <a:p>
             <a:pPr lvl="1"/>
             <a:r>
-              <a:rPr lang="en-US" smtClean="0"/>
+              <a:rPr lang="en-US" dirty="0"/>
               <a:t>A module should have one, and only one, reason to change</a:t>
             </a:r>
           </a:p>
           <a:p>
             <a:pPr lvl="1"/>
             <a:r>
-              <a:rPr lang="en-US" b="1" i="1" smtClean="0"/>
-              <a:t>THIS is what we’ll unit test tonight</a:t>
-            </a:r>
-            <a:endParaRPr lang="en-US" b="1" i="1"/>
+              <a:rPr lang="en-US" b="1" i="1" dirty="0"/>
+              <a:t>THIS is what we’ll unit test in this talk</a:t>
+            </a:r>
           </a:p>
         </p:txBody>
       </p:sp>
@@ -4735,60 +6345,145 @@
           <a:lstStyle/>
           <a:p>
             <a:r>
-              <a:rPr lang="en-US" smtClean="0"/>
-              <a:t>An Introduction to TDD</a:t>
-            </a:r>
-            <a:endParaRPr lang="en-US"/>
+              <a:rPr lang="en-US" dirty="0"/>
+              <a:t>Test-Driven Development (TDD)</a:t>
+            </a:r>
           </a:p>
         </p:txBody>
       </p:sp>
       <p:pic>
         <p:nvPicPr>
-          <p:cNvPr id="1026" name="Picture 2" descr="http://www.agiledata.org/images/tddSteps.jpg"/>
+          <p:cNvPr id="4" name="Content Placeholder 3"/>
           <p:cNvPicPr>
-            <a:picLocks noGrp="1" noChangeAspect="1" noChangeArrowheads="1"/>
+            <a:picLocks noGrp="1" noChangeAspect="1"/>
           </p:cNvPicPr>
           <p:nvPr>
             <p:ph idx="1"/>
           </p:nvPr>
         </p:nvPicPr>
         <p:blipFill>
-          <a:blip r:embed="rId2">
-            <a:extLst>
-              <a:ext uri="{28A0092B-C50C-407E-A947-70E740481C1C}">
-                <a14:useLocalDpi xmlns:a14="http://schemas.microsoft.com/office/drawing/2010/main" val="0"/>
-              </a:ext>
-            </a:extLst>
-          </a:blip>
-          <a:srcRect/>
+          <a:blip r:embed="rId3"/>
           <a:stretch>
             <a:fillRect/>
           </a:stretch>
         </p:blipFill>
-        <p:spPr bwMode="auto">
+        <p:spPr>
           <a:xfrm>
-            <a:off x="4966554" y="1825625"/>
+            <a:off x="1116449" y="1690688"/>
             <a:ext cx="2258891" cy="4351338"/>
           </a:xfrm>
           <a:prstGeom prst="rect">
             <a:avLst/>
           </a:prstGeom>
-          <a:noFill/>
-          <a:extLst>
-            <a:ext uri="{909E8E84-426E-40DD-AFC4-6F175D3DCCD1}">
-              <a14:hiddenFill xmlns:a14="http://schemas.microsoft.com/office/drawing/2010/main">
-                <a:solidFill>
-                  <a:srgbClr val="FFFFFF"/>
-                </a:solidFill>
-              </a14:hiddenFill>
-            </a:ext>
-          </a:extLst>
         </p:spPr>
       </p:pic>
+      <p:sp>
+        <p:nvSpPr>
+          <p:cNvPr id="5" name="TextBox 4"/>
+          <p:cNvSpPr txBox="1"/>
+          <p:nvPr/>
+        </p:nvSpPr>
+        <p:spPr>
+          <a:xfrm>
+            <a:off x="4463717" y="1690688"/>
+            <a:ext cx="6890084" cy="3970318"/>
+          </a:xfrm>
+          <a:prstGeom prst="rect">
+            <a:avLst/>
+          </a:prstGeom>
+          <a:noFill/>
+        </p:spPr>
+        <p:txBody>
+          <a:bodyPr wrap="square" rtlCol="0">
+            <a:spAutoFit/>
+          </a:bodyPr>
+          <a:lstStyle/>
+          <a:p>
+            <a:pPr marL="285750" indent="-285750">
+              <a:buFont typeface="Arial" charset="0"/>
+              <a:buChar char="•"/>
+            </a:pPr>
+            <a:r>
+              <a:rPr lang="en-US" sz="2800" dirty="0"/>
+              <a:t>Helps you understand your requirements</a:t>
+            </a:r>
+          </a:p>
+          <a:p>
+            <a:pPr marL="285750" indent="-285750">
+              <a:buFont typeface="Arial" charset="0"/>
+              <a:buChar char="•"/>
+            </a:pPr>
+            <a:r>
+              <a:rPr lang="en-US" sz="2800" dirty="0"/>
+              <a:t>Forces you to test (YAY!)</a:t>
+            </a:r>
+          </a:p>
+          <a:p>
+            <a:pPr marL="285750" indent="-285750">
+              <a:buFont typeface="Arial" charset="0"/>
+              <a:buChar char="•"/>
+            </a:pPr>
+            <a:r>
+              <a:rPr lang="en-US" sz="2800" dirty="0"/>
+              <a:t>If your test doesn’t fail first, it’s a bad test</a:t>
+            </a:r>
+          </a:p>
+          <a:p>
+            <a:pPr marL="742950" lvl="1" indent="-285750">
+              <a:buFont typeface="Arial" charset="0"/>
+              <a:buChar char="•"/>
+            </a:pPr>
+            <a:r>
+              <a:rPr lang="en-US" sz="2800" dirty="0"/>
+              <a:t>Avoid false positives</a:t>
+            </a:r>
+          </a:p>
+          <a:p>
+            <a:pPr marL="742950" lvl="1" indent="-285750">
+              <a:buFont typeface="Arial" charset="0"/>
+              <a:buChar char="•"/>
+            </a:pPr>
+            <a:r>
+              <a:rPr lang="en-US" sz="2800" dirty="0"/>
+              <a:t>Ensure better tests</a:t>
+            </a:r>
+          </a:p>
+          <a:p>
+            <a:pPr marL="285750" indent="-285750">
+              <a:buFont typeface="Arial" charset="0"/>
+              <a:buChar char="•"/>
+            </a:pPr>
+            <a:r>
+              <a:rPr lang="en-US" sz="2800" dirty="0"/>
+              <a:t>When you have tests, you can CONFIDENTLY change your code in the future</a:t>
+            </a:r>
+          </a:p>
+          <a:p>
+            <a:pPr marL="285750" indent="-285750">
+              <a:buFont typeface="Arial" charset="0"/>
+              <a:buChar char="•"/>
+            </a:pPr>
+            <a:r>
+              <a:rPr lang="en-US" sz="2800" dirty="0"/>
+              <a:t>Incorporate SOLID to make it easier</a:t>
+            </a:r>
+          </a:p>
+          <a:p>
+            <a:pPr marL="285750" indent="-285750">
+              <a:buFont typeface="Arial" charset="0"/>
+              <a:buChar char="•"/>
+            </a:pPr>
+            <a:r>
+              <a:rPr lang="en-US" sz="2800" dirty="0"/>
+              <a:t>It takes practice!</a:t>
+            </a:r>
+          </a:p>
+        </p:txBody>
+      </p:sp>
     </p:spTree>
     <p:extLst>
       <p:ext uri="{BB962C8B-B14F-4D97-AF65-F5344CB8AC3E}">
-        <p14:creationId xmlns:p14="http://schemas.microsoft.com/office/powerpoint/2010/main" val="4244172565"/>
+        <p14:creationId xmlns:p14="http://schemas.microsoft.com/office/powerpoint/2010/main" val="1752400368"/>
       </p:ext>
     </p:extLst>
   </p:cSld>
@@ -4798,7 +6493,571 @@
   <p:timing>
     <p:tnLst>
       <p:par>
-        <p:cTn id="1" dur="indefinite" restart="never" nodeType="tmRoot"/>
+        <p:cTn id="1" dur="indefinite" restart="never" nodeType="tmRoot">
+          <p:childTnLst>
+            <p:seq concurrent="1" nextAc="seek">
+              <p:cTn id="2" dur="indefinite" nodeType="mainSeq">
+                <p:childTnLst>
+                  <p:par>
+                    <p:cTn id="3" fill="hold">
+                      <p:stCondLst>
+                        <p:cond delay="indefinite"/>
+                      </p:stCondLst>
+                      <p:childTnLst>
+                        <p:par>
+                          <p:cTn id="4" fill="hold">
+                            <p:stCondLst>
+                              <p:cond delay="0"/>
+                            </p:stCondLst>
+                            <p:childTnLst>
+                              <p:par>
+                                <p:cTn id="5" presetID="10" presetClass="entr" presetSubtype="0" fill="hold" nodeType="clickEffect">
+                                  <p:stCondLst>
+                                    <p:cond delay="0"/>
+                                  </p:stCondLst>
+                                  <p:childTnLst>
+                                    <p:set>
+                                      <p:cBhvr>
+                                        <p:cTn id="6" dur="1" fill="hold">
+                                          <p:stCondLst>
+                                            <p:cond delay="0"/>
+                                          </p:stCondLst>
+                                        </p:cTn>
+                                        <p:tgtEl>
+                                          <p:spTgt spid="4"/>
+                                        </p:tgtEl>
+                                        <p:attrNameLst>
+                                          <p:attrName>style.visibility</p:attrName>
+                                        </p:attrNameLst>
+                                      </p:cBhvr>
+                                      <p:to>
+                                        <p:strVal val="visible"/>
+                                      </p:to>
+                                    </p:set>
+                                    <p:animEffect transition="in" filter="fade">
+                                      <p:cBhvr>
+                                        <p:cTn id="7" dur="500"/>
+                                        <p:tgtEl>
+                                          <p:spTgt spid="4"/>
+                                        </p:tgtEl>
+                                      </p:cBhvr>
+                                    </p:animEffect>
+                                  </p:childTnLst>
+                                </p:cTn>
+                              </p:par>
+                            </p:childTnLst>
+                          </p:cTn>
+                        </p:par>
+                      </p:childTnLst>
+                    </p:cTn>
+                  </p:par>
+                  <p:par>
+                    <p:cTn id="8" fill="hold">
+                      <p:stCondLst>
+                        <p:cond delay="indefinite"/>
+                      </p:stCondLst>
+                      <p:childTnLst>
+                        <p:par>
+                          <p:cTn id="9" fill="hold">
+                            <p:stCondLst>
+                              <p:cond delay="0"/>
+                            </p:stCondLst>
+                            <p:childTnLst>
+                              <p:par>
+                                <p:cTn id="10" presetID="10" presetClass="entr" presetSubtype="0" fill="hold" nodeType="clickEffect">
+                                  <p:stCondLst>
+                                    <p:cond delay="0"/>
+                                  </p:stCondLst>
+                                  <p:childTnLst>
+                                    <p:set>
+                                      <p:cBhvr>
+                                        <p:cTn id="11" dur="1" fill="hold">
+                                          <p:stCondLst>
+                                            <p:cond delay="0"/>
+                                          </p:stCondLst>
+                                        </p:cTn>
+                                        <p:tgtEl>
+                                          <p:spTgt spid="5">
+                                            <p:txEl>
+                                              <p:pRg st="0" end="0"/>
+                                            </p:txEl>
+                                          </p:spTgt>
+                                        </p:tgtEl>
+                                        <p:attrNameLst>
+                                          <p:attrName>style.visibility</p:attrName>
+                                        </p:attrNameLst>
+                                      </p:cBhvr>
+                                      <p:to>
+                                        <p:strVal val="visible"/>
+                                      </p:to>
+                                    </p:set>
+                                    <p:animEffect transition="in" filter="fade">
+                                      <p:cBhvr>
+                                        <p:cTn id="12" dur="500"/>
+                                        <p:tgtEl>
+                                          <p:spTgt spid="5">
+                                            <p:txEl>
+                                              <p:pRg st="0" end="0"/>
+                                            </p:txEl>
+                                          </p:spTgt>
+                                        </p:tgtEl>
+                                      </p:cBhvr>
+                                    </p:animEffect>
+                                  </p:childTnLst>
+                                </p:cTn>
+                              </p:par>
+                            </p:childTnLst>
+                          </p:cTn>
+                        </p:par>
+                      </p:childTnLst>
+                    </p:cTn>
+                  </p:par>
+                  <p:par>
+                    <p:cTn id="13" fill="hold">
+                      <p:stCondLst>
+                        <p:cond delay="indefinite"/>
+                      </p:stCondLst>
+                      <p:childTnLst>
+                        <p:par>
+                          <p:cTn id="14" fill="hold">
+                            <p:stCondLst>
+                              <p:cond delay="0"/>
+                            </p:stCondLst>
+                            <p:childTnLst>
+                              <p:par>
+                                <p:cTn id="15" presetID="10" presetClass="entr" presetSubtype="0" fill="hold" nodeType="clickEffect">
+                                  <p:stCondLst>
+                                    <p:cond delay="0"/>
+                                  </p:stCondLst>
+                                  <p:childTnLst>
+                                    <p:set>
+                                      <p:cBhvr>
+                                        <p:cTn id="16" dur="1" fill="hold">
+                                          <p:stCondLst>
+                                            <p:cond delay="0"/>
+                                          </p:stCondLst>
+                                        </p:cTn>
+                                        <p:tgtEl>
+                                          <p:spTgt spid="5">
+                                            <p:txEl>
+                                              <p:pRg st="1" end="1"/>
+                                            </p:txEl>
+                                          </p:spTgt>
+                                        </p:tgtEl>
+                                        <p:attrNameLst>
+                                          <p:attrName>style.visibility</p:attrName>
+                                        </p:attrNameLst>
+                                      </p:cBhvr>
+                                      <p:to>
+                                        <p:strVal val="visible"/>
+                                      </p:to>
+                                    </p:set>
+                                    <p:animEffect transition="in" filter="fade">
+                                      <p:cBhvr>
+                                        <p:cTn id="17" dur="500"/>
+                                        <p:tgtEl>
+                                          <p:spTgt spid="5">
+                                            <p:txEl>
+                                              <p:pRg st="1" end="1"/>
+                                            </p:txEl>
+                                          </p:spTgt>
+                                        </p:tgtEl>
+                                      </p:cBhvr>
+                                    </p:animEffect>
+                                  </p:childTnLst>
+                                </p:cTn>
+                              </p:par>
+                            </p:childTnLst>
+                          </p:cTn>
+                        </p:par>
+                      </p:childTnLst>
+                    </p:cTn>
+                  </p:par>
+                  <p:par>
+                    <p:cTn id="18" fill="hold">
+                      <p:stCondLst>
+                        <p:cond delay="indefinite"/>
+                      </p:stCondLst>
+                      <p:childTnLst>
+                        <p:par>
+                          <p:cTn id="19" fill="hold">
+                            <p:stCondLst>
+                              <p:cond delay="0"/>
+                            </p:stCondLst>
+                            <p:childTnLst>
+                              <p:par>
+                                <p:cTn id="20" presetID="10" presetClass="entr" presetSubtype="0" fill="hold" nodeType="clickEffect">
+                                  <p:stCondLst>
+                                    <p:cond delay="0"/>
+                                  </p:stCondLst>
+                                  <p:childTnLst>
+                                    <p:set>
+                                      <p:cBhvr>
+                                        <p:cTn id="21" dur="1" fill="hold">
+                                          <p:stCondLst>
+                                            <p:cond delay="0"/>
+                                          </p:stCondLst>
+                                        </p:cTn>
+                                        <p:tgtEl>
+                                          <p:spTgt spid="5">
+                                            <p:txEl>
+                                              <p:pRg st="2" end="2"/>
+                                            </p:txEl>
+                                          </p:spTgt>
+                                        </p:tgtEl>
+                                        <p:attrNameLst>
+                                          <p:attrName>style.visibility</p:attrName>
+                                        </p:attrNameLst>
+                                      </p:cBhvr>
+                                      <p:to>
+                                        <p:strVal val="visible"/>
+                                      </p:to>
+                                    </p:set>
+                                    <p:animEffect transition="in" filter="fade">
+                                      <p:cBhvr>
+                                        <p:cTn id="22" dur="500"/>
+                                        <p:tgtEl>
+                                          <p:spTgt spid="5">
+                                            <p:txEl>
+                                              <p:pRg st="2" end="2"/>
+                                            </p:txEl>
+                                          </p:spTgt>
+                                        </p:tgtEl>
+                                      </p:cBhvr>
+                                    </p:animEffect>
+                                  </p:childTnLst>
+                                </p:cTn>
+                              </p:par>
+                            </p:childTnLst>
+                          </p:cTn>
+                        </p:par>
+                      </p:childTnLst>
+                    </p:cTn>
+                  </p:par>
+                  <p:par>
+                    <p:cTn id="23" fill="hold">
+                      <p:stCondLst>
+                        <p:cond delay="indefinite"/>
+                      </p:stCondLst>
+                      <p:childTnLst>
+                        <p:par>
+                          <p:cTn id="24" fill="hold">
+                            <p:stCondLst>
+                              <p:cond delay="0"/>
+                            </p:stCondLst>
+                            <p:childTnLst>
+                              <p:par>
+                                <p:cTn id="25" presetID="10" presetClass="entr" presetSubtype="0" fill="hold" nodeType="clickEffect">
+                                  <p:stCondLst>
+                                    <p:cond delay="0"/>
+                                  </p:stCondLst>
+                                  <p:childTnLst>
+                                    <p:set>
+                                      <p:cBhvr>
+                                        <p:cTn id="26" dur="1" fill="hold">
+                                          <p:stCondLst>
+                                            <p:cond delay="0"/>
+                                          </p:stCondLst>
+                                        </p:cTn>
+                                        <p:tgtEl>
+                                          <p:spTgt spid="5">
+                                            <p:txEl>
+                                              <p:pRg st="3" end="3"/>
+                                            </p:txEl>
+                                          </p:spTgt>
+                                        </p:tgtEl>
+                                        <p:attrNameLst>
+                                          <p:attrName>style.visibility</p:attrName>
+                                        </p:attrNameLst>
+                                      </p:cBhvr>
+                                      <p:to>
+                                        <p:strVal val="visible"/>
+                                      </p:to>
+                                    </p:set>
+                                    <p:animEffect transition="in" filter="fade">
+                                      <p:cBhvr>
+                                        <p:cTn id="27" dur="500"/>
+                                        <p:tgtEl>
+                                          <p:spTgt spid="5">
+                                            <p:txEl>
+                                              <p:pRg st="3" end="3"/>
+                                            </p:txEl>
+                                          </p:spTgt>
+                                        </p:tgtEl>
+                                      </p:cBhvr>
+                                    </p:animEffect>
+                                  </p:childTnLst>
+                                </p:cTn>
+                              </p:par>
+                            </p:childTnLst>
+                          </p:cTn>
+                        </p:par>
+                      </p:childTnLst>
+                    </p:cTn>
+                  </p:par>
+                  <p:par>
+                    <p:cTn id="28" fill="hold">
+                      <p:stCondLst>
+                        <p:cond delay="indefinite"/>
+                      </p:stCondLst>
+                      <p:childTnLst>
+                        <p:par>
+                          <p:cTn id="29" fill="hold">
+                            <p:stCondLst>
+                              <p:cond delay="0"/>
+                            </p:stCondLst>
+                            <p:childTnLst>
+                              <p:par>
+                                <p:cTn id="30" presetID="10" presetClass="entr" presetSubtype="0" fill="hold" nodeType="clickEffect">
+                                  <p:stCondLst>
+                                    <p:cond delay="0"/>
+                                  </p:stCondLst>
+                                  <p:childTnLst>
+                                    <p:set>
+                                      <p:cBhvr>
+                                        <p:cTn id="31" dur="1" fill="hold">
+                                          <p:stCondLst>
+                                            <p:cond delay="0"/>
+                                          </p:stCondLst>
+                                        </p:cTn>
+                                        <p:tgtEl>
+                                          <p:spTgt spid="5">
+                                            <p:txEl>
+                                              <p:pRg st="4" end="4"/>
+                                            </p:txEl>
+                                          </p:spTgt>
+                                        </p:tgtEl>
+                                        <p:attrNameLst>
+                                          <p:attrName>style.visibility</p:attrName>
+                                        </p:attrNameLst>
+                                      </p:cBhvr>
+                                      <p:to>
+                                        <p:strVal val="visible"/>
+                                      </p:to>
+                                    </p:set>
+                                    <p:animEffect transition="in" filter="fade">
+                                      <p:cBhvr>
+                                        <p:cTn id="32" dur="500"/>
+                                        <p:tgtEl>
+                                          <p:spTgt spid="5">
+                                            <p:txEl>
+                                              <p:pRg st="4" end="4"/>
+                                            </p:txEl>
+                                          </p:spTgt>
+                                        </p:tgtEl>
+                                      </p:cBhvr>
+                                    </p:animEffect>
+                                  </p:childTnLst>
+                                </p:cTn>
+                              </p:par>
+                            </p:childTnLst>
+                          </p:cTn>
+                        </p:par>
+                      </p:childTnLst>
+                    </p:cTn>
+                  </p:par>
+                  <p:par>
+                    <p:cTn id="33" fill="hold">
+                      <p:stCondLst>
+                        <p:cond delay="indefinite"/>
+                      </p:stCondLst>
+                      <p:childTnLst>
+                        <p:par>
+                          <p:cTn id="34" fill="hold">
+                            <p:stCondLst>
+                              <p:cond delay="0"/>
+                            </p:stCondLst>
+                            <p:childTnLst>
+                              <p:par>
+                                <p:cTn id="35" presetID="10" presetClass="entr" presetSubtype="0" fill="hold" nodeType="clickEffect">
+                                  <p:stCondLst>
+                                    <p:cond delay="0"/>
+                                  </p:stCondLst>
+                                  <p:childTnLst>
+                                    <p:set>
+                                      <p:cBhvr>
+                                        <p:cTn id="36" dur="1" fill="hold">
+                                          <p:stCondLst>
+                                            <p:cond delay="0"/>
+                                          </p:stCondLst>
+                                        </p:cTn>
+                                        <p:tgtEl>
+                                          <p:spTgt spid="5">
+                                            <p:txEl>
+                                              <p:pRg st="5" end="5"/>
+                                            </p:txEl>
+                                          </p:spTgt>
+                                        </p:tgtEl>
+                                        <p:attrNameLst>
+                                          <p:attrName>style.visibility</p:attrName>
+                                        </p:attrNameLst>
+                                      </p:cBhvr>
+                                      <p:to>
+                                        <p:strVal val="visible"/>
+                                      </p:to>
+                                    </p:set>
+                                    <p:animEffect transition="in" filter="fade">
+                                      <p:cBhvr>
+                                        <p:cTn id="37" dur="500"/>
+                                        <p:tgtEl>
+                                          <p:spTgt spid="5">
+                                            <p:txEl>
+                                              <p:pRg st="5" end="5"/>
+                                            </p:txEl>
+                                          </p:spTgt>
+                                        </p:tgtEl>
+                                      </p:cBhvr>
+                                    </p:animEffect>
+                                  </p:childTnLst>
+                                </p:cTn>
+                              </p:par>
+                            </p:childTnLst>
+                          </p:cTn>
+                        </p:par>
+                      </p:childTnLst>
+                    </p:cTn>
+                  </p:par>
+                  <p:par>
+                    <p:cTn id="38" fill="hold">
+                      <p:stCondLst>
+                        <p:cond delay="indefinite"/>
+                      </p:stCondLst>
+                      <p:childTnLst>
+                        <p:par>
+                          <p:cTn id="39" fill="hold">
+                            <p:stCondLst>
+                              <p:cond delay="0"/>
+                            </p:stCondLst>
+                            <p:childTnLst>
+                              <p:par>
+                                <p:cTn id="40" presetID="10" presetClass="entr" presetSubtype="0" fill="hold" nodeType="clickEffect">
+                                  <p:stCondLst>
+                                    <p:cond delay="0"/>
+                                  </p:stCondLst>
+                                  <p:childTnLst>
+                                    <p:set>
+                                      <p:cBhvr>
+                                        <p:cTn id="41" dur="1" fill="hold">
+                                          <p:stCondLst>
+                                            <p:cond delay="0"/>
+                                          </p:stCondLst>
+                                        </p:cTn>
+                                        <p:tgtEl>
+                                          <p:spTgt spid="5">
+                                            <p:txEl>
+                                              <p:pRg st="6" end="6"/>
+                                            </p:txEl>
+                                          </p:spTgt>
+                                        </p:tgtEl>
+                                        <p:attrNameLst>
+                                          <p:attrName>style.visibility</p:attrName>
+                                        </p:attrNameLst>
+                                      </p:cBhvr>
+                                      <p:to>
+                                        <p:strVal val="visible"/>
+                                      </p:to>
+                                    </p:set>
+                                    <p:animEffect transition="in" filter="fade">
+                                      <p:cBhvr>
+                                        <p:cTn id="42" dur="500"/>
+                                        <p:tgtEl>
+                                          <p:spTgt spid="5">
+                                            <p:txEl>
+                                              <p:pRg st="6" end="6"/>
+                                            </p:txEl>
+                                          </p:spTgt>
+                                        </p:tgtEl>
+                                      </p:cBhvr>
+                                    </p:animEffect>
+                                  </p:childTnLst>
+                                </p:cTn>
+                              </p:par>
+                            </p:childTnLst>
+                          </p:cTn>
+                        </p:par>
+                      </p:childTnLst>
+                    </p:cTn>
+                  </p:par>
+                  <p:par>
+                    <p:cTn id="43" fill="hold">
+                      <p:stCondLst>
+                        <p:cond delay="indefinite"/>
+                      </p:stCondLst>
+                      <p:childTnLst>
+                        <p:par>
+                          <p:cTn id="44" fill="hold">
+                            <p:stCondLst>
+                              <p:cond delay="0"/>
+                            </p:stCondLst>
+                            <p:childTnLst>
+                              <p:par>
+                                <p:cTn id="45" presetID="10" presetClass="entr" presetSubtype="0" fill="hold" nodeType="clickEffect">
+                                  <p:stCondLst>
+                                    <p:cond delay="0"/>
+                                  </p:stCondLst>
+                                  <p:childTnLst>
+                                    <p:set>
+                                      <p:cBhvr>
+                                        <p:cTn id="46" dur="1" fill="hold">
+                                          <p:stCondLst>
+                                            <p:cond delay="0"/>
+                                          </p:stCondLst>
+                                        </p:cTn>
+                                        <p:tgtEl>
+                                          <p:spTgt spid="5">
+                                            <p:txEl>
+                                              <p:pRg st="7" end="7"/>
+                                            </p:txEl>
+                                          </p:spTgt>
+                                        </p:tgtEl>
+                                        <p:attrNameLst>
+                                          <p:attrName>style.visibility</p:attrName>
+                                        </p:attrNameLst>
+                                      </p:cBhvr>
+                                      <p:to>
+                                        <p:strVal val="visible"/>
+                                      </p:to>
+                                    </p:set>
+                                    <p:animEffect transition="in" filter="fade">
+                                      <p:cBhvr>
+                                        <p:cTn id="47" dur="500"/>
+                                        <p:tgtEl>
+                                          <p:spTgt spid="5">
+                                            <p:txEl>
+                                              <p:pRg st="7" end="7"/>
+                                            </p:txEl>
+                                          </p:spTgt>
+                                        </p:tgtEl>
+                                      </p:cBhvr>
+                                    </p:animEffect>
+                                  </p:childTnLst>
+                                </p:cTn>
+                              </p:par>
+                            </p:childTnLst>
+                          </p:cTn>
+                        </p:par>
+                      </p:childTnLst>
+                    </p:cTn>
+                  </p:par>
+                </p:childTnLst>
+              </p:cTn>
+              <p:prevCondLst>
+                <p:cond evt="onPrev" delay="0">
+                  <p:tgtEl>
+                    <p:sldTgt/>
+                  </p:tgtEl>
+                </p:cond>
+              </p:prevCondLst>
+              <p:nextCondLst>
+                <p:cond evt="onNext" delay="0">
+                  <p:tgtEl>
+                    <p:sldTgt/>
+                  </p:tgtEl>
+                </p:cond>
+              </p:nextCondLst>
+            </p:seq>
+          </p:childTnLst>
+        </p:cTn>
       </p:par>
     </p:tnLst>
   </p:timing>
@@ -4806,6 +7065,93 @@
 </file>
 
 <file path=ppt/slides/slide5.xml><?xml version="1.0" encoding="utf-8"?>
+<p:sld xmlns:a="http://schemas.openxmlformats.org/drawingml/2006/main" xmlns:r="http://schemas.openxmlformats.org/officeDocument/2006/relationships" xmlns:p="http://schemas.openxmlformats.org/presentationml/2006/main">
+  <p:cSld>
+    <p:spTree>
+      <p:nvGrpSpPr>
+        <p:cNvPr id="1" name=""/>
+        <p:cNvGrpSpPr/>
+        <p:nvPr/>
+      </p:nvGrpSpPr>
+      <p:grpSpPr>
+        <a:xfrm>
+          <a:off x="0" y="0"/>
+          <a:ext cx="0" cy="0"/>
+          <a:chOff x="0" y="0"/>
+          <a:chExt cx="0" cy="0"/>
+        </a:xfrm>
+      </p:grpSpPr>
+      <p:sp>
+        <p:nvSpPr>
+          <p:cNvPr id="4" name="Title 3">
+            <a:extLst>
+              <a:ext uri="{FF2B5EF4-FFF2-40B4-BE49-F238E27FC236}">
+                <a16:creationId xmlns:a16="http://schemas.microsoft.com/office/drawing/2014/main" id="{F8CE6D9D-8FB6-426E-92EE-E8F4A3871F61}"/>
+              </a:ext>
+            </a:extLst>
+          </p:cNvPr>
+          <p:cNvSpPr>
+            <a:spLocks noGrp="1"/>
+          </p:cNvSpPr>
+          <p:nvPr>
+            <p:ph type="title"/>
+          </p:nvPr>
+        </p:nvSpPr>
+        <p:spPr/>
+        <p:txBody>
+          <a:bodyPr/>
+          <a:lstStyle/>
+          <a:p>
+            <a:r>
+              <a:rPr lang="en-US" dirty="0"/>
+              <a:t>Demo </a:t>
+            </a:r>
+            <a:r>
+              <a:rPr lang="en-US"/>
+              <a:t>App in R</a:t>
+            </a:r>
+          </a:p>
+        </p:txBody>
+      </p:sp>
+      <p:sp>
+        <p:nvSpPr>
+          <p:cNvPr id="5" name="Text Placeholder 4">
+            <a:extLst>
+              <a:ext uri="{FF2B5EF4-FFF2-40B4-BE49-F238E27FC236}">
+                <a16:creationId xmlns:a16="http://schemas.microsoft.com/office/drawing/2014/main" id="{21313DED-C475-4BEC-82D2-AD6951936A13}"/>
+              </a:ext>
+            </a:extLst>
+          </p:cNvPr>
+          <p:cNvSpPr>
+            <a:spLocks noGrp="1"/>
+          </p:cNvSpPr>
+          <p:nvPr>
+            <p:ph type="body" idx="1"/>
+          </p:nvPr>
+        </p:nvSpPr>
+        <p:spPr/>
+        <p:txBody>
+          <a:bodyPr/>
+          <a:lstStyle/>
+          <a:p>
+            <a:endParaRPr lang="en-US"/>
+          </a:p>
+        </p:txBody>
+      </p:sp>
+    </p:spTree>
+    <p:extLst>
+      <p:ext uri="{BB962C8B-B14F-4D97-AF65-F5344CB8AC3E}">
+        <p14:creationId xmlns:p14="http://schemas.microsoft.com/office/powerpoint/2010/main" val="2337566926"/>
+      </p:ext>
+    </p:extLst>
+  </p:cSld>
+  <p:clrMapOvr>
+    <a:masterClrMapping/>
+  </p:clrMapOvr>
+</p:sld>
+</file>
+
+<file path=ppt/slides/slide6.xml><?xml version="1.0" encoding="utf-8"?>
 <p:sld xmlns:a="http://schemas.openxmlformats.org/drawingml/2006/main" xmlns:r="http://schemas.openxmlformats.org/officeDocument/2006/relationships" xmlns:p="http://schemas.openxmlformats.org/presentationml/2006/main">
   <p:cSld>
     <p:spTree>
@@ -4838,10 +7184,9 @@
           <a:lstStyle/>
           <a:p>
             <a:r>
-              <a:rPr lang="en-US" smtClean="0"/>
+              <a:rPr lang="en-US"/>
               <a:t>Coded Unit Testing with RUnit</a:t>
             </a:r>
-            <a:endParaRPr lang="en-US"/>
           </a:p>
         </p:txBody>
       </p:sp>
@@ -4863,124 +7208,124 @@
           <a:lstStyle/>
           <a:p>
             <a:r>
-              <a:rPr lang="en-US" smtClean="0"/>
+              <a:rPr lang="en-US"/>
               <a:t>Why?</a:t>
             </a:r>
           </a:p>
           <a:p>
             <a:pPr lvl="1"/>
             <a:r>
-              <a:rPr lang="en-US" smtClean="0"/>
+              <a:rPr lang="en-US"/>
               <a:t>Every time you change your code, you want to re-test it, ENTIRELY</a:t>
             </a:r>
           </a:p>
           <a:p>
             <a:pPr lvl="1"/>
             <a:r>
-              <a:rPr lang="en-US" smtClean="0"/>
+              <a:rPr lang="en-US"/>
               <a:t>Without coded testing, we skip testing pieces we’ve already tested</a:t>
             </a:r>
           </a:p>
           <a:p>
             <a:pPr lvl="1"/>
             <a:r>
-              <a:rPr lang="en-US" smtClean="0"/>
+              <a:rPr lang="en-US"/>
               <a:t>Gain confidence in testing changes to large data sets</a:t>
             </a:r>
           </a:p>
           <a:p>
             <a:pPr lvl="1"/>
             <a:r>
-              <a:rPr lang="en-US" smtClean="0"/>
+              <a:rPr lang="en-US"/>
               <a:t>What if we broke something we previously built?</a:t>
             </a:r>
           </a:p>
           <a:p>
             <a:pPr lvl="2"/>
             <a:r>
-              <a:rPr lang="en-US" smtClean="0"/>
+              <a:rPr lang="en-US"/>
               <a:t>We won’t know until a defect is reported</a:t>
             </a:r>
           </a:p>
           <a:p>
             <a:pPr lvl="1"/>
             <a:r>
-              <a:rPr lang="en-US" smtClean="0"/>
+              <a:rPr lang="en-US"/>
               <a:t>Integrate testing within the deployment process</a:t>
             </a:r>
           </a:p>
           <a:p>
             <a:r>
-              <a:rPr lang="en-US" smtClean="0"/>
+              <a:rPr lang="en-US"/>
               <a:t>Package: </a:t>
             </a:r>
             <a:r>
-              <a:rPr lang="en-US" smtClean="0">
+              <a:rPr lang="en-US">
                 <a:hlinkClick r:id="rId2"/>
               </a:rPr>
               <a:t>Runit</a:t>
             </a:r>
-            <a:endParaRPr lang="en-US" smtClean="0"/>
+            <a:endParaRPr lang="en-US"/>
           </a:p>
           <a:p>
             <a:pPr lvl="1"/>
             <a:r>
-              <a:rPr lang="en-US" smtClean="0"/>
+              <a:rPr lang="en-US"/>
               <a:t>Allows automated verification of code units</a:t>
             </a:r>
           </a:p>
           <a:p>
             <a:pPr lvl="1"/>
             <a:r>
-              <a:rPr lang="en-US" smtClean="0"/>
+              <a:rPr lang="en-US"/>
               <a:t>Allows a test suites to be defined and tested together</a:t>
             </a:r>
           </a:p>
           <a:p>
             <a:pPr lvl="1"/>
             <a:r>
-              <a:rPr lang="en-US" smtClean="0"/>
+              <a:rPr lang="en-US"/>
               <a:t>Allows for test results to be reported</a:t>
             </a:r>
           </a:p>
           <a:p>
             <a:r>
-              <a:rPr lang="en-US" smtClean="0"/>
+              <a:rPr lang="en-US"/>
               <a:t>Steps</a:t>
             </a:r>
           </a:p>
           <a:p>
             <a:pPr lvl="1"/>
             <a:r>
-              <a:rPr lang="en-US" smtClean="0"/>
+              <a:rPr lang="en-US"/>
               <a:t>Create a test driver</a:t>
             </a:r>
           </a:p>
           <a:p>
             <a:pPr lvl="1"/>
             <a:r>
-              <a:rPr lang="en-US" smtClean="0"/>
+              <a:rPr lang="en-US"/>
               <a:t>Create test scripts</a:t>
             </a:r>
           </a:p>
           <a:p>
             <a:pPr lvl="1"/>
             <a:r>
-              <a:rPr lang="en-US" smtClean="0"/>
+              <a:rPr lang="en-US"/>
               <a:t>Add test scripts to test suites in driver</a:t>
             </a:r>
           </a:p>
           <a:p>
             <a:pPr lvl="1"/>
             <a:r>
-              <a:rPr lang="en-US" smtClean="0"/>
+              <a:rPr lang="en-US"/>
               <a:t>Run test driver</a:t>
             </a:r>
           </a:p>
           <a:p>
             <a:pPr lvl="1"/>
             <a:r>
-              <a:rPr lang="en-US" smtClean="0"/>
+              <a:rPr lang="en-US"/>
               <a:t>View results</a:t>
             </a:r>
           </a:p>
@@ -5908,7 +8253,7 @@
 </p:sld>
 </file>
 
-<file path=ppt/slides/slide6.xml><?xml version="1.0" encoding="utf-8"?>
+<file path=ppt/slides/slide7.xml><?xml version="1.0" encoding="utf-8"?>
 <p:sld xmlns:a="http://schemas.openxmlformats.org/drawingml/2006/main" xmlns:r="http://schemas.openxmlformats.org/officeDocument/2006/relationships" xmlns:p="http://schemas.openxmlformats.org/presentationml/2006/main">
   <p:cSld>
     <p:spTree>
@@ -5941,10 +8286,9 @@
           <a:lstStyle/>
           <a:p>
             <a:r>
-              <a:rPr lang="en-US" smtClean="0"/>
+              <a:rPr lang="en-US"/>
               <a:t>A Doorbuster Metric Program</a:t>
             </a:r>
-            <a:endParaRPr lang="en-US"/>
           </a:p>
         </p:txBody>
       </p:sp>
@@ -5969,7 +8313,7 @@
               <a:buNone/>
             </a:pPr>
             <a:r>
-              <a:rPr lang="en-US" smtClean="0"/>
+              <a:rPr lang="en-US"/>
               <a:t>Requirements</a:t>
             </a:r>
           </a:p>
@@ -5978,7 +8322,7 @@
               <a:buAutoNum type="arabicPeriod"/>
             </a:pPr>
             <a:r>
-              <a:rPr lang="en-US" smtClean="0"/>
+              <a:rPr lang="en-US"/>
               <a:t>Shall read two product csv files</a:t>
             </a:r>
           </a:p>
@@ -5987,7 +8331,7 @@
               <a:buAutoNum type="arabicPeriod"/>
             </a:pPr>
             <a:r>
-              <a:rPr lang="en-US" smtClean="0"/>
+              <a:rPr lang="en-US"/>
               <a:t>Doorbuster1.csv</a:t>
             </a:r>
           </a:p>
@@ -5996,7 +8340,7 @@
               <a:buAutoNum type="arabicPeriod"/>
             </a:pPr>
             <a:r>
-              <a:rPr lang="en-US" smtClean="0"/>
+              <a:rPr lang="en-US"/>
               <a:t>Doorbuster2.csv</a:t>
             </a:r>
           </a:p>
@@ -6005,7 +8349,7 @@
               <a:buAutoNum type="arabicPeriod"/>
             </a:pPr>
             <a:r>
-              <a:rPr lang="en-US" smtClean="0"/>
+              <a:rPr lang="en-US"/>
               <a:t>Shall add two metrics to the product data</a:t>
             </a:r>
           </a:p>
@@ -6014,7 +8358,7 @@
               <a:buAutoNum type="arabicPeriod"/>
             </a:pPr>
             <a:r>
-              <a:rPr lang="en-US" smtClean="0"/>
+              <a:rPr lang="en-US"/>
               <a:t>Products that are doorbusters but have no price assigned</a:t>
             </a:r>
           </a:p>
@@ -6023,7 +8367,7 @@
               <a:buAutoNum type="arabicPeriod"/>
             </a:pPr>
             <a:r>
-              <a:rPr lang="en-US" smtClean="0"/>
+              <a:rPr lang="en-US"/>
               <a:t>Products that are doorbusters and online, but are out of stock</a:t>
             </a:r>
           </a:p>
@@ -6032,7 +8376,7 @@
               <a:buAutoNum type="arabicPeriod"/>
             </a:pPr>
             <a:r>
-              <a:rPr lang="en-US" smtClean="0"/>
+              <a:rPr lang="en-US"/>
               <a:t>Shall write out a csv with the following:</a:t>
             </a:r>
           </a:p>
@@ -6041,7 +8385,7 @@
               <a:buAutoNum type="arabicPeriod"/>
             </a:pPr>
             <a:r>
-              <a:rPr lang="en-US" smtClean="0"/>
+              <a:rPr lang="en-US"/>
               <a:t>Product id</a:t>
             </a:r>
           </a:p>
@@ -6050,7 +8394,7 @@
               <a:buAutoNum type="arabicPeriod"/>
             </a:pPr>
             <a:r>
-              <a:rPr lang="en-US" smtClean="0"/>
+              <a:rPr lang="en-US"/>
               <a:t>No price metric</a:t>
             </a:r>
           </a:p>
@@ -6059,7 +8403,7 @@
               <a:buAutoNum type="arabicPeriod"/>
             </a:pPr>
             <a:r>
-              <a:rPr lang="en-US" smtClean="0"/>
+              <a:rPr lang="en-US"/>
               <a:t>Online but out of stock metric</a:t>
             </a:r>
           </a:p>
@@ -6616,695 +8960,6 @@
                                     <p:animEffect transition="in" filter="fade">
                                       <p:cBhvr>
                                         <p:cTn id="43" dur="500"/>
-                                        <p:tgtEl>
-                                          <p:spTgt spid="3">
-                                            <p:txEl>
-                                              <p:pRg st="10" end="10"/>
-                                            </p:txEl>
-                                          </p:spTgt>
-                                        </p:tgtEl>
-                                      </p:cBhvr>
-                                    </p:animEffect>
-                                  </p:childTnLst>
-                                </p:cTn>
-                              </p:par>
-                            </p:childTnLst>
-                          </p:cTn>
-                        </p:par>
-                      </p:childTnLst>
-                    </p:cTn>
-                  </p:par>
-                </p:childTnLst>
-              </p:cTn>
-              <p:prevCondLst>
-                <p:cond evt="onPrev" delay="0">
-                  <p:tgtEl>
-                    <p:sldTgt/>
-                  </p:tgtEl>
-                </p:cond>
-              </p:prevCondLst>
-              <p:nextCondLst>
-                <p:cond evt="onNext" delay="0">
-                  <p:tgtEl>
-                    <p:sldTgt/>
-                  </p:tgtEl>
-                </p:cond>
-              </p:nextCondLst>
-            </p:seq>
-          </p:childTnLst>
-        </p:cTn>
-      </p:par>
-    </p:tnLst>
-    <p:bldLst>
-      <p:bldP spid="3" grpId="0" build="p"/>
-    </p:bldLst>
-  </p:timing>
-</p:sld>
-</file>
-
-<file path=ppt/slides/slide7.xml><?xml version="1.0" encoding="utf-8"?>
-<p:sld xmlns:a="http://schemas.openxmlformats.org/drawingml/2006/main" xmlns:r="http://schemas.openxmlformats.org/officeDocument/2006/relationships" xmlns:p="http://schemas.openxmlformats.org/presentationml/2006/main">
-  <p:cSld>
-    <p:spTree>
-      <p:nvGrpSpPr>
-        <p:cNvPr id="1" name=""/>
-        <p:cNvGrpSpPr/>
-        <p:nvPr/>
-      </p:nvGrpSpPr>
-      <p:grpSpPr>
-        <a:xfrm>
-          <a:off x="0" y="0"/>
-          <a:ext cx="0" cy="0"/>
-          <a:chOff x="0" y="0"/>
-          <a:chExt cx="0" cy="0"/>
-        </a:xfrm>
-      </p:grpSpPr>
-      <p:sp>
-        <p:nvSpPr>
-          <p:cNvPr id="2" name="Title 1"/>
-          <p:cNvSpPr>
-            <a:spLocks noGrp="1"/>
-          </p:cNvSpPr>
-          <p:nvPr>
-            <p:ph type="title"/>
-          </p:nvPr>
-        </p:nvSpPr>
-        <p:spPr/>
-        <p:txBody>
-          <a:bodyPr/>
-          <a:lstStyle/>
-          <a:p>
-            <a:r>
-              <a:rPr lang="en-US" smtClean="0"/>
-              <a:t>The R Example</a:t>
-            </a:r>
-            <a:endParaRPr lang="en-US"/>
-          </a:p>
-        </p:txBody>
-      </p:sp>
-      <p:sp>
-        <p:nvSpPr>
-          <p:cNvPr id="3" name="Content Placeholder 2"/>
-          <p:cNvSpPr>
-            <a:spLocks noGrp="1"/>
-          </p:cNvSpPr>
-          <p:nvPr>
-            <p:ph idx="1"/>
-          </p:nvPr>
-        </p:nvSpPr>
-        <p:spPr/>
-        <p:txBody>
-          <a:bodyPr>
-            <a:normAutofit lnSpcReduction="10000"/>
-          </a:bodyPr>
-          <a:lstStyle/>
-          <a:p>
-            <a:r>
-              <a:rPr lang="en-US" smtClean="0"/>
-              <a:t>0_monolith.R</a:t>
-            </a:r>
-          </a:p>
-          <a:p>
-            <a:pPr lvl="1"/>
-            <a:r>
-              <a:rPr lang="en-US" smtClean="0"/>
-              <a:t>A typical R Script</a:t>
-            </a:r>
-          </a:p>
-          <a:p>
-            <a:pPr lvl="1"/>
-            <a:r>
-              <a:rPr lang="en-US" smtClean="0"/>
-              <a:t>Contains a lot of code that all runs in sequence</a:t>
-            </a:r>
-          </a:p>
-          <a:p>
-            <a:r>
-              <a:rPr lang="en-US" smtClean="0"/>
-              <a:t>What the script does</a:t>
-            </a:r>
-          </a:p>
-          <a:p>
-            <a:pPr lvl="1"/>
-            <a:r>
-              <a:rPr lang="en-US" smtClean="0"/>
-              <a:t>Reads 2 data sets from csv (doorbuster data)</a:t>
-            </a:r>
-          </a:p>
-          <a:p>
-            <a:pPr lvl="2"/>
-            <a:r>
-              <a:rPr lang="en-US" smtClean="0"/>
-              <a:t>Doorbuster1.csv &amp; doorbuster2.csv</a:t>
-            </a:r>
-          </a:p>
-          <a:p>
-            <a:pPr lvl="1"/>
-            <a:r>
-              <a:rPr lang="en-US" smtClean="0"/>
-              <a:t>Combines the datasets</a:t>
-            </a:r>
-          </a:p>
-          <a:p>
-            <a:pPr lvl="1"/>
-            <a:r>
-              <a:rPr lang="en-US" smtClean="0"/>
-              <a:t>Adds metrics for</a:t>
-            </a:r>
-          </a:p>
-          <a:p>
-            <a:pPr lvl="2"/>
-            <a:r>
-              <a:rPr lang="en-US" smtClean="0"/>
-              <a:t>Doorbuster items missing a price</a:t>
-            </a:r>
-          </a:p>
-          <a:p>
-            <a:pPr lvl="2"/>
-            <a:r>
-              <a:rPr lang="en-US" smtClean="0"/>
-              <a:t>Doorbuster items that are online, but out of stock</a:t>
-            </a:r>
-          </a:p>
-          <a:p>
-            <a:pPr lvl="1"/>
-            <a:r>
-              <a:rPr lang="en-US" smtClean="0"/>
-              <a:t>Writes metric data to csv called doorbuster_metrics.csv</a:t>
-            </a:r>
-            <a:endParaRPr lang="en-US"/>
-          </a:p>
-        </p:txBody>
-      </p:sp>
-    </p:spTree>
-    <p:extLst>
-      <p:ext uri="{BB962C8B-B14F-4D97-AF65-F5344CB8AC3E}">
-        <p14:creationId xmlns:p14="http://schemas.microsoft.com/office/powerpoint/2010/main" val="1171179039"/>
-      </p:ext>
-    </p:extLst>
-  </p:cSld>
-  <p:clrMapOvr>
-    <a:masterClrMapping/>
-  </p:clrMapOvr>
-  <p:timing>
-    <p:tnLst>
-      <p:par>
-        <p:cTn id="1" dur="indefinite" restart="never" nodeType="tmRoot">
-          <p:childTnLst>
-            <p:seq concurrent="1" nextAc="seek">
-              <p:cTn id="2" dur="indefinite" nodeType="mainSeq">
-                <p:childTnLst>
-                  <p:par>
-                    <p:cTn id="3" fill="hold">
-                      <p:stCondLst>
-                        <p:cond delay="indefinite"/>
-                      </p:stCondLst>
-                      <p:childTnLst>
-                        <p:par>
-                          <p:cTn id="4" fill="hold">
-                            <p:stCondLst>
-                              <p:cond delay="0"/>
-                            </p:stCondLst>
-                            <p:childTnLst>
-                              <p:par>
-                                <p:cTn id="5" presetID="10" presetClass="entr" presetSubtype="0" fill="hold" grpId="0" nodeType="clickEffect">
-                                  <p:stCondLst>
-                                    <p:cond delay="0"/>
-                                  </p:stCondLst>
-                                  <p:childTnLst>
-                                    <p:set>
-                                      <p:cBhvr>
-                                        <p:cTn id="6" dur="1" fill="hold">
-                                          <p:stCondLst>
-                                            <p:cond delay="0"/>
-                                          </p:stCondLst>
-                                        </p:cTn>
-                                        <p:tgtEl>
-                                          <p:spTgt spid="3">
-                                            <p:txEl>
-                                              <p:pRg st="0" end="0"/>
-                                            </p:txEl>
-                                          </p:spTgt>
-                                        </p:tgtEl>
-                                        <p:attrNameLst>
-                                          <p:attrName>style.visibility</p:attrName>
-                                        </p:attrNameLst>
-                                      </p:cBhvr>
-                                      <p:to>
-                                        <p:strVal val="visible"/>
-                                      </p:to>
-                                    </p:set>
-                                    <p:animEffect transition="in" filter="fade">
-                                      <p:cBhvr>
-                                        <p:cTn id="7" dur="500"/>
-                                        <p:tgtEl>
-                                          <p:spTgt spid="3">
-                                            <p:txEl>
-                                              <p:pRg st="0" end="0"/>
-                                            </p:txEl>
-                                          </p:spTgt>
-                                        </p:tgtEl>
-                                      </p:cBhvr>
-                                    </p:animEffect>
-                                  </p:childTnLst>
-                                </p:cTn>
-                              </p:par>
-                              <p:par>
-                                <p:cTn id="8" presetID="10" presetClass="entr" presetSubtype="0" fill="hold" grpId="0" nodeType="withEffect">
-                                  <p:stCondLst>
-                                    <p:cond delay="0"/>
-                                  </p:stCondLst>
-                                  <p:childTnLst>
-                                    <p:set>
-                                      <p:cBhvr>
-                                        <p:cTn id="9" dur="1" fill="hold">
-                                          <p:stCondLst>
-                                            <p:cond delay="0"/>
-                                          </p:stCondLst>
-                                        </p:cTn>
-                                        <p:tgtEl>
-                                          <p:spTgt spid="3">
-                                            <p:txEl>
-                                              <p:pRg st="1" end="1"/>
-                                            </p:txEl>
-                                          </p:spTgt>
-                                        </p:tgtEl>
-                                        <p:attrNameLst>
-                                          <p:attrName>style.visibility</p:attrName>
-                                        </p:attrNameLst>
-                                      </p:cBhvr>
-                                      <p:to>
-                                        <p:strVal val="visible"/>
-                                      </p:to>
-                                    </p:set>
-                                    <p:animEffect transition="in" filter="fade">
-                                      <p:cBhvr>
-                                        <p:cTn id="10" dur="500"/>
-                                        <p:tgtEl>
-                                          <p:spTgt spid="3">
-                                            <p:txEl>
-                                              <p:pRg st="1" end="1"/>
-                                            </p:txEl>
-                                          </p:spTgt>
-                                        </p:tgtEl>
-                                      </p:cBhvr>
-                                    </p:animEffect>
-                                  </p:childTnLst>
-                                </p:cTn>
-                              </p:par>
-                              <p:par>
-                                <p:cTn id="11" presetID="10" presetClass="entr" presetSubtype="0" fill="hold" grpId="0" nodeType="withEffect">
-                                  <p:stCondLst>
-                                    <p:cond delay="0"/>
-                                  </p:stCondLst>
-                                  <p:childTnLst>
-                                    <p:set>
-                                      <p:cBhvr>
-                                        <p:cTn id="12" dur="1" fill="hold">
-                                          <p:stCondLst>
-                                            <p:cond delay="0"/>
-                                          </p:stCondLst>
-                                        </p:cTn>
-                                        <p:tgtEl>
-                                          <p:spTgt spid="3">
-                                            <p:txEl>
-                                              <p:pRg st="2" end="2"/>
-                                            </p:txEl>
-                                          </p:spTgt>
-                                        </p:tgtEl>
-                                        <p:attrNameLst>
-                                          <p:attrName>style.visibility</p:attrName>
-                                        </p:attrNameLst>
-                                      </p:cBhvr>
-                                      <p:to>
-                                        <p:strVal val="visible"/>
-                                      </p:to>
-                                    </p:set>
-                                    <p:animEffect transition="in" filter="fade">
-                                      <p:cBhvr>
-                                        <p:cTn id="13" dur="500"/>
-                                        <p:tgtEl>
-                                          <p:spTgt spid="3">
-                                            <p:txEl>
-                                              <p:pRg st="2" end="2"/>
-                                            </p:txEl>
-                                          </p:spTgt>
-                                        </p:tgtEl>
-                                      </p:cBhvr>
-                                    </p:animEffect>
-                                  </p:childTnLst>
-                                </p:cTn>
-                              </p:par>
-                            </p:childTnLst>
-                          </p:cTn>
-                        </p:par>
-                      </p:childTnLst>
-                    </p:cTn>
-                  </p:par>
-                  <p:par>
-                    <p:cTn id="14" fill="hold">
-                      <p:stCondLst>
-                        <p:cond delay="indefinite"/>
-                      </p:stCondLst>
-                      <p:childTnLst>
-                        <p:par>
-                          <p:cTn id="15" fill="hold">
-                            <p:stCondLst>
-                              <p:cond delay="0"/>
-                            </p:stCondLst>
-                            <p:childTnLst>
-                              <p:par>
-                                <p:cTn id="16" presetID="10" presetClass="entr" presetSubtype="0" fill="hold" grpId="0" nodeType="clickEffect">
-                                  <p:stCondLst>
-                                    <p:cond delay="0"/>
-                                  </p:stCondLst>
-                                  <p:childTnLst>
-                                    <p:set>
-                                      <p:cBhvr>
-                                        <p:cTn id="17" dur="1" fill="hold">
-                                          <p:stCondLst>
-                                            <p:cond delay="0"/>
-                                          </p:stCondLst>
-                                        </p:cTn>
-                                        <p:tgtEl>
-                                          <p:spTgt spid="3">
-                                            <p:txEl>
-                                              <p:pRg st="3" end="3"/>
-                                            </p:txEl>
-                                          </p:spTgt>
-                                        </p:tgtEl>
-                                        <p:attrNameLst>
-                                          <p:attrName>style.visibility</p:attrName>
-                                        </p:attrNameLst>
-                                      </p:cBhvr>
-                                      <p:to>
-                                        <p:strVal val="visible"/>
-                                      </p:to>
-                                    </p:set>
-                                    <p:animEffect transition="in" filter="fade">
-                                      <p:cBhvr>
-                                        <p:cTn id="18" dur="500"/>
-                                        <p:tgtEl>
-                                          <p:spTgt spid="3">
-                                            <p:txEl>
-                                              <p:pRg st="3" end="3"/>
-                                            </p:txEl>
-                                          </p:spTgt>
-                                        </p:tgtEl>
-                                      </p:cBhvr>
-                                    </p:animEffect>
-                                  </p:childTnLst>
-                                </p:cTn>
-                              </p:par>
-                              <p:par>
-                                <p:cTn id="19" presetID="10" presetClass="entr" presetSubtype="0" fill="hold" grpId="0" nodeType="withEffect">
-                                  <p:stCondLst>
-                                    <p:cond delay="0"/>
-                                  </p:stCondLst>
-                                  <p:childTnLst>
-                                    <p:set>
-                                      <p:cBhvr>
-                                        <p:cTn id="20" dur="1" fill="hold">
-                                          <p:stCondLst>
-                                            <p:cond delay="0"/>
-                                          </p:stCondLst>
-                                        </p:cTn>
-                                        <p:tgtEl>
-                                          <p:spTgt spid="3">
-                                            <p:txEl>
-                                              <p:pRg st="4" end="4"/>
-                                            </p:txEl>
-                                          </p:spTgt>
-                                        </p:tgtEl>
-                                        <p:attrNameLst>
-                                          <p:attrName>style.visibility</p:attrName>
-                                        </p:attrNameLst>
-                                      </p:cBhvr>
-                                      <p:to>
-                                        <p:strVal val="visible"/>
-                                      </p:to>
-                                    </p:set>
-                                    <p:animEffect transition="in" filter="fade">
-                                      <p:cBhvr>
-                                        <p:cTn id="21" dur="500"/>
-                                        <p:tgtEl>
-                                          <p:spTgt spid="3">
-                                            <p:txEl>
-                                              <p:pRg st="4" end="4"/>
-                                            </p:txEl>
-                                          </p:spTgt>
-                                        </p:tgtEl>
-                                      </p:cBhvr>
-                                    </p:animEffect>
-                                  </p:childTnLst>
-                                </p:cTn>
-                              </p:par>
-                              <p:par>
-                                <p:cTn id="22" presetID="10" presetClass="entr" presetSubtype="0" fill="hold" grpId="0" nodeType="withEffect">
-                                  <p:stCondLst>
-                                    <p:cond delay="0"/>
-                                  </p:stCondLst>
-                                  <p:childTnLst>
-                                    <p:set>
-                                      <p:cBhvr>
-                                        <p:cTn id="23" dur="1" fill="hold">
-                                          <p:stCondLst>
-                                            <p:cond delay="0"/>
-                                          </p:stCondLst>
-                                        </p:cTn>
-                                        <p:tgtEl>
-                                          <p:spTgt spid="3">
-                                            <p:txEl>
-                                              <p:pRg st="5" end="5"/>
-                                            </p:txEl>
-                                          </p:spTgt>
-                                        </p:tgtEl>
-                                        <p:attrNameLst>
-                                          <p:attrName>style.visibility</p:attrName>
-                                        </p:attrNameLst>
-                                      </p:cBhvr>
-                                      <p:to>
-                                        <p:strVal val="visible"/>
-                                      </p:to>
-                                    </p:set>
-                                    <p:animEffect transition="in" filter="fade">
-                                      <p:cBhvr>
-                                        <p:cTn id="24" dur="500"/>
-                                        <p:tgtEl>
-                                          <p:spTgt spid="3">
-                                            <p:txEl>
-                                              <p:pRg st="5" end="5"/>
-                                            </p:txEl>
-                                          </p:spTgt>
-                                        </p:tgtEl>
-                                      </p:cBhvr>
-                                    </p:animEffect>
-                                  </p:childTnLst>
-                                </p:cTn>
-                              </p:par>
-                              <p:par>
-                                <p:cTn id="25" presetID="10" presetClass="entr" presetSubtype="0" fill="hold" grpId="0" nodeType="withEffect">
-                                  <p:stCondLst>
-                                    <p:cond delay="0"/>
-                                  </p:stCondLst>
-                                  <p:childTnLst>
-                                    <p:set>
-                                      <p:cBhvr>
-                                        <p:cTn id="26" dur="1" fill="hold">
-                                          <p:stCondLst>
-                                            <p:cond delay="0"/>
-                                          </p:stCondLst>
-                                        </p:cTn>
-                                        <p:tgtEl>
-                                          <p:spTgt spid="3">
-                                            <p:txEl>
-                                              <p:pRg st="6" end="6"/>
-                                            </p:txEl>
-                                          </p:spTgt>
-                                        </p:tgtEl>
-                                        <p:attrNameLst>
-                                          <p:attrName>style.visibility</p:attrName>
-                                        </p:attrNameLst>
-                                      </p:cBhvr>
-                                      <p:to>
-                                        <p:strVal val="visible"/>
-                                      </p:to>
-                                    </p:set>
-                                    <p:animEffect transition="in" filter="fade">
-                                      <p:cBhvr>
-                                        <p:cTn id="27" dur="500"/>
-                                        <p:tgtEl>
-                                          <p:spTgt spid="3">
-                                            <p:txEl>
-                                              <p:pRg st="6" end="6"/>
-                                            </p:txEl>
-                                          </p:spTgt>
-                                        </p:tgtEl>
-                                      </p:cBhvr>
-                                    </p:animEffect>
-                                  </p:childTnLst>
-                                </p:cTn>
-                              </p:par>
-                              <p:par>
-                                <p:cTn id="28" presetID="10" presetClass="entr" presetSubtype="0" fill="hold" grpId="0" nodeType="withEffect">
-                                  <p:stCondLst>
-                                    <p:cond delay="0"/>
-                                  </p:stCondLst>
-                                  <p:childTnLst>
-                                    <p:set>
-                                      <p:cBhvr>
-                                        <p:cTn id="29" dur="1" fill="hold">
-                                          <p:stCondLst>
-                                            <p:cond delay="0"/>
-                                          </p:stCondLst>
-                                        </p:cTn>
-                                        <p:tgtEl>
-                                          <p:spTgt spid="3">
-                                            <p:txEl>
-                                              <p:pRg st="7" end="7"/>
-                                            </p:txEl>
-                                          </p:spTgt>
-                                        </p:tgtEl>
-                                        <p:attrNameLst>
-                                          <p:attrName>style.visibility</p:attrName>
-                                        </p:attrNameLst>
-                                      </p:cBhvr>
-                                      <p:to>
-                                        <p:strVal val="visible"/>
-                                      </p:to>
-                                    </p:set>
-                                    <p:animEffect transition="in" filter="fade">
-                                      <p:cBhvr>
-                                        <p:cTn id="30" dur="500"/>
-                                        <p:tgtEl>
-                                          <p:spTgt spid="3">
-                                            <p:txEl>
-                                              <p:pRg st="7" end="7"/>
-                                            </p:txEl>
-                                          </p:spTgt>
-                                        </p:tgtEl>
-                                      </p:cBhvr>
-                                    </p:animEffect>
-                                  </p:childTnLst>
-                                </p:cTn>
-                              </p:par>
-                              <p:par>
-                                <p:cTn id="31" presetID="10" presetClass="entr" presetSubtype="0" fill="hold" grpId="0" nodeType="withEffect">
-                                  <p:stCondLst>
-                                    <p:cond delay="0"/>
-                                  </p:stCondLst>
-                                  <p:childTnLst>
-                                    <p:set>
-                                      <p:cBhvr>
-                                        <p:cTn id="32" dur="1" fill="hold">
-                                          <p:stCondLst>
-                                            <p:cond delay="0"/>
-                                          </p:stCondLst>
-                                        </p:cTn>
-                                        <p:tgtEl>
-                                          <p:spTgt spid="3">
-                                            <p:txEl>
-                                              <p:pRg st="8" end="8"/>
-                                            </p:txEl>
-                                          </p:spTgt>
-                                        </p:tgtEl>
-                                        <p:attrNameLst>
-                                          <p:attrName>style.visibility</p:attrName>
-                                        </p:attrNameLst>
-                                      </p:cBhvr>
-                                      <p:to>
-                                        <p:strVal val="visible"/>
-                                      </p:to>
-                                    </p:set>
-                                    <p:animEffect transition="in" filter="fade">
-                                      <p:cBhvr>
-                                        <p:cTn id="33" dur="500"/>
-                                        <p:tgtEl>
-                                          <p:spTgt spid="3">
-                                            <p:txEl>
-                                              <p:pRg st="8" end="8"/>
-                                            </p:txEl>
-                                          </p:spTgt>
-                                        </p:tgtEl>
-                                      </p:cBhvr>
-                                    </p:animEffect>
-                                  </p:childTnLst>
-                                </p:cTn>
-                              </p:par>
-                              <p:par>
-                                <p:cTn id="34" presetID="10" presetClass="entr" presetSubtype="0" fill="hold" grpId="0" nodeType="withEffect">
-                                  <p:stCondLst>
-                                    <p:cond delay="0"/>
-                                  </p:stCondLst>
-                                  <p:childTnLst>
-                                    <p:set>
-                                      <p:cBhvr>
-                                        <p:cTn id="35" dur="1" fill="hold">
-                                          <p:stCondLst>
-                                            <p:cond delay="0"/>
-                                          </p:stCondLst>
-                                        </p:cTn>
-                                        <p:tgtEl>
-                                          <p:spTgt spid="3">
-                                            <p:txEl>
-                                              <p:pRg st="9" end="9"/>
-                                            </p:txEl>
-                                          </p:spTgt>
-                                        </p:tgtEl>
-                                        <p:attrNameLst>
-                                          <p:attrName>style.visibility</p:attrName>
-                                        </p:attrNameLst>
-                                      </p:cBhvr>
-                                      <p:to>
-                                        <p:strVal val="visible"/>
-                                      </p:to>
-                                    </p:set>
-                                    <p:animEffect transition="in" filter="fade">
-                                      <p:cBhvr>
-                                        <p:cTn id="36" dur="500"/>
-                                        <p:tgtEl>
-                                          <p:spTgt spid="3">
-                                            <p:txEl>
-                                              <p:pRg st="9" end="9"/>
-                                            </p:txEl>
-                                          </p:spTgt>
-                                        </p:tgtEl>
-                                      </p:cBhvr>
-                                    </p:animEffect>
-                                  </p:childTnLst>
-                                </p:cTn>
-                              </p:par>
-                              <p:par>
-                                <p:cTn id="37" presetID="10" presetClass="entr" presetSubtype="0" fill="hold" grpId="0" nodeType="withEffect">
-                                  <p:stCondLst>
-                                    <p:cond delay="0"/>
-                                  </p:stCondLst>
-                                  <p:childTnLst>
-                                    <p:set>
-                                      <p:cBhvr>
-                                        <p:cTn id="38" dur="1" fill="hold">
-                                          <p:stCondLst>
-                                            <p:cond delay="0"/>
-                                          </p:stCondLst>
-                                        </p:cTn>
-                                        <p:tgtEl>
-                                          <p:spTgt spid="3">
-                                            <p:txEl>
-                                              <p:pRg st="10" end="10"/>
-                                            </p:txEl>
-                                          </p:spTgt>
-                                        </p:tgtEl>
-                                        <p:attrNameLst>
-                                          <p:attrName>style.visibility</p:attrName>
-                                        </p:attrNameLst>
-                                      </p:cBhvr>
-                                      <p:to>
-                                        <p:strVal val="visible"/>
-                                      </p:to>
-                                    </p:set>
-                                    <p:animEffect transition="in" filter="fade">
-                                      <p:cBhvr>
-                                        <p:cTn id="39" dur="500"/>
                                         <p:tgtEl>
                                           <p:spTgt spid="3">
                                             <p:txEl>
@@ -7384,10 +9039,696 @@
           <a:lstStyle/>
           <a:p>
             <a:r>
-              <a:rPr lang="en-US" smtClean="0"/>
+              <a:rPr lang="en-US"/>
+              <a:t>The R Example</a:t>
+            </a:r>
+          </a:p>
+        </p:txBody>
+      </p:sp>
+      <p:sp>
+        <p:nvSpPr>
+          <p:cNvPr id="3" name="Content Placeholder 2"/>
+          <p:cNvSpPr>
+            <a:spLocks noGrp="1"/>
+          </p:cNvSpPr>
+          <p:nvPr>
+            <p:ph idx="1"/>
+          </p:nvPr>
+        </p:nvSpPr>
+        <p:spPr/>
+        <p:txBody>
+          <a:bodyPr>
+            <a:normAutofit lnSpcReduction="10000"/>
+          </a:bodyPr>
+          <a:lstStyle/>
+          <a:p>
+            <a:r>
+              <a:rPr lang="en-US" dirty="0"/>
+              <a:t>0_monolith.R</a:t>
+            </a:r>
+          </a:p>
+          <a:p>
+            <a:pPr lvl="1"/>
+            <a:r>
+              <a:rPr lang="en-US" dirty="0"/>
+              <a:t>A typical R Script</a:t>
+            </a:r>
+          </a:p>
+          <a:p>
+            <a:pPr lvl="1"/>
+            <a:r>
+              <a:rPr lang="en-US" dirty="0"/>
+              <a:t>Contains a lot of code that all runs in sequence</a:t>
+            </a:r>
+          </a:p>
+          <a:p>
+            <a:r>
+              <a:rPr lang="en-US" dirty="0"/>
+              <a:t>What the script does</a:t>
+            </a:r>
+          </a:p>
+          <a:p>
+            <a:pPr lvl="1"/>
+            <a:r>
+              <a:rPr lang="en-US" dirty="0"/>
+              <a:t>Reads 2 data sets from csv (doorbuster data)</a:t>
+            </a:r>
+          </a:p>
+          <a:p>
+            <a:pPr lvl="2"/>
+            <a:r>
+              <a:rPr lang="en-US" dirty="0"/>
+              <a:t>doorbuster1.csv &amp; doorbuster2.csv</a:t>
+            </a:r>
+          </a:p>
+          <a:p>
+            <a:pPr lvl="1"/>
+            <a:r>
+              <a:rPr lang="en-US" dirty="0"/>
+              <a:t>Combines the datasets</a:t>
+            </a:r>
+          </a:p>
+          <a:p>
+            <a:pPr lvl="1"/>
+            <a:r>
+              <a:rPr lang="en-US" dirty="0"/>
+              <a:t>Adds metrics for</a:t>
+            </a:r>
+          </a:p>
+          <a:p>
+            <a:pPr lvl="2"/>
+            <a:r>
+              <a:rPr lang="en-US" dirty="0"/>
+              <a:t>Doorbuster items missing a price</a:t>
+            </a:r>
+          </a:p>
+          <a:p>
+            <a:pPr lvl="2"/>
+            <a:r>
+              <a:rPr lang="en-US" dirty="0"/>
+              <a:t>Doorbuster items that are online, but out of stock</a:t>
+            </a:r>
+          </a:p>
+          <a:p>
+            <a:pPr lvl="1"/>
+            <a:r>
+              <a:rPr lang="en-US" dirty="0"/>
+              <a:t>Writes metric data to csv called doorbuster_metrics.csv</a:t>
+            </a:r>
+          </a:p>
+        </p:txBody>
+      </p:sp>
+    </p:spTree>
+    <p:extLst>
+      <p:ext uri="{BB962C8B-B14F-4D97-AF65-F5344CB8AC3E}">
+        <p14:creationId xmlns:p14="http://schemas.microsoft.com/office/powerpoint/2010/main" val="1171179039"/>
+      </p:ext>
+    </p:extLst>
+  </p:cSld>
+  <p:clrMapOvr>
+    <a:masterClrMapping/>
+  </p:clrMapOvr>
+  <p:timing>
+    <p:tnLst>
+      <p:par>
+        <p:cTn id="1" dur="indefinite" restart="never" nodeType="tmRoot">
+          <p:childTnLst>
+            <p:seq concurrent="1" nextAc="seek">
+              <p:cTn id="2" dur="indefinite" nodeType="mainSeq">
+                <p:childTnLst>
+                  <p:par>
+                    <p:cTn id="3" fill="hold">
+                      <p:stCondLst>
+                        <p:cond delay="indefinite"/>
+                      </p:stCondLst>
+                      <p:childTnLst>
+                        <p:par>
+                          <p:cTn id="4" fill="hold">
+                            <p:stCondLst>
+                              <p:cond delay="0"/>
+                            </p:stCondLst>
+                            <p:childTnLst>
+                              <p:par>
+                                <p:cTn id="5" presetID="10" presetClass="entr" presetSubtype="0" fill="hold" grpId="0" nodeType="clickEffect">
+                                  <p:stCondLst>
+                                    <p:cond delay="0"/>
+                                  </p:stCondLst>
+                                  <p:childTnLst>
+                                    <p:set>
+                                      <p:cBhvr>
+                                        <p:cTn id="6" dur="1" fill="hold">
+                                          <p:stCondLst>
+                                            <p:cond delay="0"/>
+                                          </p:stCondLst>
+                                        </p:cTn>
+                                        <p:tgtEl>
+                                          <p:spTgt spid="3">
+                                            <p:txEl>
+                                              <p:pRg st="0" end="0"/>
+                                            </p:txEl>
+                                          </p:spTgt>
+                                        </p:tgtEl>
+                                        <p:attrNameLst>
+                                          <p:attrName>style.visibility</p:attrName>
+                                        </p:attrNameLst>
+                                      </p:cBhvr>
+                                      <p:to>
+                                        <p:strVal val="visible"/>
+                                      </p:to>
+                                    </p:set>
+                                    <p:animEffect transition="in" filter="fade">
+                                      <p:cBhvr>
+                                        <p:cTn id="7" dur="500"/>
+                                        <p:tgtEl>
+                                          <p:spTgt spid="3">
+                                            <p:txEl>
+                                              <p:pRg st="0" end="0"/>
+                                            </p:txEl>
+                                          </p:spTgt>
+                                        </p:tgtEl>
+                                      </p:cBhvr>
+                                    </p:animEffect>
+                                  </p:childTnLst>
+                                </p:cTn>
+                              </p:par>
+                              <p:par>
+                                <p:cTn id="8" presetID="10" presetClass="entr" presetSubtype="0" fill="hold" grpId="0" nodeType="withEffect">
+                                  <p:stCondLst>
+                                    <p:cond delay="0"/>
+                                  </p:stCondLst>
+                                  <p:childTnLst>
+                                    <p:set>
+                                      <p:cBhvr>
+                                        <p:cTn id="9" dur="1" fill="hold">
+                                          <p:stCondLst>
+                                            <p:cond delay="0"/>
+                                          </p:stCondLst>
+                                        </p:cTn>
+                                        <p:tgtEl>
+                                          <p:spTgt spid="3">
+                                            <p:txEl>
+                                              <p:pRg st="1" end="1"/>
+                                            </p:txEl>
+                                          </p:spTgt>
+                                        </p:tgtEl>
+                                        <p:attrNameLst>
+                                          <p:attrName>style.visibility</p:attrName>
+                                        </p:attrNameLst>
+                                      </p:cBhvr>
+                                      <p:to>
+                                        <p:strVal val="visible"/>
+                                      </p:to>
+                                    </p:set>
+                                    <p:animEffect transition="in" filter="fade">
+                                      <p:cBhvr>
+                                        <p:cTn id="10" dur="500"/>
+                                        <p:tgtEl>
+                                          <p:spTgt spid="3">
+                                            <p:txEl>
+                                              <p:pRg st="1" end="1"/>
+                                            </p:txEl>
+                                          </p:spTgt>
+                                        </p:tgtEl>
+                                      </p:cBhvr>
+                                    </p:animEffect>
+                                  </p:childTnLst>
+                                </p:cTn>
+                              </p:par>
+                              <p:par>
+                                <p:cTn id="11" presetID="10" presetClass="entr" presetSubtype="0" fill="hold" grpId="0" nodeType="withEffect">
+                                  <p:stCondLst>
+                                    <p:cond delay="0"/>
+                                  </p:stCondLst>
+                                  <p:childTnLst>
+                                    <p:set>
+                                      <p:cBhvr>
+                                        <p:cTn id="12" dur="1" fill="hold">
+                                          <p:stCondLst>
+                                            <p:cond delay="0"/>
+                                          </p:stCondLst>
+                                        </p:cTn>
+                                        <p:tgtEl>
+                                          <p:spTgt spid="3">
+                                            <p:txEl>
+                                              <p:pRg st="2" end="2"/>
+                                            </p:txEl>
+                                          </p:spTgt>
+                                        </p:tgtEl>
+                                        <p:attrNameLst>
+                                          <p:attrName>style.visibility</p:attrName>
+                                        </p:attrNameLst>
+                                      </p:cBhvr>
+                                      <p:to>
+                                        <p:strVal val="visible"/>
+                                      </p:to>
+                                    </p:set>
+                                    <p:animEffect transition="in" filter="fade">
+                                      <p:cBhvr>
+                                        <p:cTn id="13" dur="500"/>
+                                        <p:tgtEl>
+                                          <p:spTgt spid="3">
+                                            <p:txEl>
+                                              <p:pRg st="2" end="2"/>
+                                            </p:txEl>
+                                          </p:spTgt>
+                                        </p:tgtEl>
+                                      </p:cBhvr>
+                                    </p:animEffect>
+                                  </p:childTnLst>
+                                </p:cTn>
+                              </p:par>
+                            </p:childTnLst>
+                          </p:cTn>
+                        </p:par>
+                      </p:childTnLst>
+                    </p:cTn>
+                  </p:par>
+                  <p:par>
+                    <p:cTn id="14" fill="hold">
+                      <p:stCondLst>
+                        <p:cond delay="indefinite"/>
+                      </p:stCondLst>
+                      <p:childTnLst>
+                        <p:par>
+                          <p:cTn id="15" fill="hold">
+                            <p:stCondLst>
+                              <p:cond delay="0"/>
+                            </p:stCondLst>
+                            <p:childTnLst>
+                              <p:par>
+                                <p:cTn id="16" presetID="10" presetClass="entr" presetSubtype="0" fill="hold" grpId="0" nodeType="clickEffect">
+                                  <p:stCondLst>
+                                    <p:cond delay="0"/>
+                                  </p:stCondLst>
+                                  <p:childTnLst>
+                                    <p:set>
+                                      <p:cBhvr>
+                                        <p:cTn id="17" dur="1" fill="hold">
+                                          <p:stCondLst>
+                                            <p:cond delay="0"/>
+                                          </p:stCondLst>
+                                        </p:cTn>
+                                        <p:tgtEl>
+                                          <p:spTgt spid="3">
+                                            <p:txEl>
+                                              <p:pRg st="3" end="3"/>
+                                            </p:txEl>
+                                          </p:spTgt>
+                                        </p:tgtEl>
+                                        <p:attrNameLst>
+                                          <p:attrName>style.visibility</p:attrName>
+                                        </p:attrNameLst>
+                                      </p:cBhvr>
+                                      <p:to>
+                                        <p:strVal val="visible"/>
+                                      </p:to>
+                                    </p:set>
+                                    <p:animEffect transition="in" filter="fade">
+                                      <p:cBhvr>
+                                        <p:cTn id="18" dur="500"/>
+                                        <p:tgtEl>
+                                          <p:spTgt spid="3">
+                                            <p:txEl>
+                                              <p:pRg st="3" end="3"/>
+                                            </p:txEl>
+                                          </p:spTgt>
+                                        </p:tgtEl>
+                                      </p:cBhvr>
+                                    </p:animEffect>
+                                  </p:childTnLst>
+                                </p:cTn>
+                              </p:par>
+                              <p:par>
+                                <p:cTn id="19" presetID="10" presetClass="entr" presetSubtype="0" fill="hold" grpId="0" nodeType="withEffect">
+                                  <p:stCondLst>
+                                    <p:cond delay="0"/>
+                                  </p:stCondLst>
+                                  <p:childTnLst>
+                                    <p:set>
+                                      <p:cBhvr>
+                                        <p:cTn id="20" dur="1" fill="hold">
+                                          <p:stCondLst>
+                                            <p:cond delay="0"/>
+                                          </p:stCondLst>
+                                        </p:cTn>
+                                        <p:tgtEl>
+                                          <p:spTgt spid="3">
+                                            <p:txEl>
+                                              <p:pRg st="4" end="4"/>
+                                            </p:txEl>
+                                          </p:spTgt>
+                                        </p:tgtEl>
+                                        <p:attrNameLst>
+                                          <p:attrName>style.visibility</p:attrName>
+                                        </p:attrNameLst>
+                                      </p:cBhvr>
+                                      <p:to>
+                                        <p:strVal val="visible"/>
+                                      </p:to>
+                                    </p:set>
+                                    <p:animEffect transition="in" filter="fade">
+                                      <p:cBhvr>
+                                        <p:cTn id="21" dur="500"/>
+                                        <p:tgtEl>
+                                          <p:spTgt spid="3">
+                                            <p:txEl>
+                                              <p:pRg st="4" end="4"/>
+                                            </p:txEl>
+                                          </p:spTgt>
+                                        </p:tgtEl>
+                                      </p:cBhvr>
+                                    </p:animEffect>
+                                  </p:childTnLst>
+                                </p:cTn>
+                              </p:par>
+                              <p:par>
+                                <p:cTn id="22" presetID="10" presetClass="entr" presetSubtype="0" fill="hold" grpId="0" nodeType="withEffect">
+                                  <p:stCondLst>
+                                    <p:cond delay="0"/>
+                                  </p:stCondLst>
+                                  <p:childTnLst>
+                                    <p:set>
+                                      <p:cBhvr>
+                                        <p:cTn id="23" dur="1" fill="hold">
+                                          <p:stCondLst>
+                                            <p:cond delay="0"/>
+                                          </p:stCondLst>
+                                        </p:cTn>
+                                        <p:tgtEl>
+                                          <p:spTgt spid="3">
+                                            <p:txEl>
+                                              <p:pRg st="5" end="5"/>
+                                            </p:txEl>
+                                          </p:spTgt>
+                                        </p:tgtEl>
+                                        <p:attrNameLst>
+                                          <p:attrName>style.visibility</p:attrName>
+                                        </p:attrNameLst>
+                                      </p:cBhvr>
+                                      <p:to>
+                                        <p:strVal val="visible"/>
+                                      </p:to>
+                                    </p:set>
+                                    <p:animEffect transition="in" filter="fade">
+                                      <p:cBhvr>
+                                        <p:cTn id="24" dur="500"/>
+                                        <p:tgtEl>
+                                          <p:spTgt spid="3">
+                                            <p:txEl>
+                                              <p:pRg st="5" end="5"/>
+                                            </p:txEl>
+                                          </p:spTgt>
+                                        </p:tgtEl>
+                                      </p:cBhvr>
+                                    </p:animEffect>
+                                  </p:childTnLst>
+                                </p:cTn>
+                              </p:par>
+                              <p:par>
+                                <p:cTn id="25" presetID="10" presetClass="entr" presetSubtype="0" fill="hold" grpId="0" nodeType="withEffect">
+                                  <p:stCondLst>
+                                    <p:cond delay="0"/>
+                                  </p:stCondLst>
+                                  <p:childTnLst>
+                                    <p:set>
+                                      <p:cBhvr>
+                                        <p:cTn id="26" dur="1" fill="hold">
+                                          <p:stCondLst>
+                                            <p:cond delay="0"/>
+                                          </p:stCondLst>
+                                        </p:cTn>
+                                        <p:tgtEl>
+                                          <p:spTgt spid="3">
+                                            <p:txEl>
+                                              <p:pRg st="6" end="6"/>
+                                            </p:txEl>
+                                          </p:spTgt>
+                                        </p:tgtEl>
+                                        <p:attrNameLst>
+                                          <p:attrName>style.visibility</p:attrName>
+                                        </p:attrNameLst>
+                                      </p:cBhvr>
+                                      <p:to>
+                                        <p:strVal val="visible"/>
+                                      </p:to>
+                                    </p:set>
+                                    <p:animEffect transition="in" filter="fade">
+                                      <p:cBhvr>
+                                        <p:cTn id="27" dur="500"/>
+                                        <p:tgtEl>
+                                          <p:spTgt spid="3">
+                                            <p:txEl>
+                                              <p:pRg st="6" end="6"/>
+                                            </p:txEl>
+                                          </p:spTgt>
+                                        </p:tgtEl>
+                                      </p:cBhvr>
+                                    </p:animEffect>
+                                  </p:childTnLst>
+                                </p:cTn>
+                              </p:par>
+                              <p:par>
+                                <p:cTn id="28" presetID="10" presetClass="entr" presetSubtype="0" fill="hold" grpId="0" nodeType="withEffect">
+                                  <p:stCondLst>
+                                    <p:cond delay="0"/>
+                                  </p:stCondLst>
+                                  <p:childTnLst>
+                                    <p:set>
+                                      <p:cBhvr>
+                                        <p:cTn id="29" dur="1" fill="hold">
+                                          <p:stCondLst>
+                                            <p:cond delay="0"/>
+                                          </p:stCondLst>
+                                        </p:cTn>
+                                        <p:tgtEl>
+                                          <p:spTgt spid="3">
+                                            <p:txEl>
+                                              <p:pRg st="7" end="7"/>
+                                            </p:txEl>
+                                          </p:spTgt>
+                                        </p:tgtEl>
+                                        <p:attrNameLst>
+                                          <p:attrName>style.visibility</p:attrName>
+                                        </p:attrNameLst>
+                                      </p:cBhvr>
+                                      <p:to>
+                                        <p:strVal val="visible"/>
+                                      </p:to>
+                                    </p:set>
+                                    <p:animEffect transition="in" filter="fade">
+                                      <p:cBhvr>
+                                        <p:cTn id="30" dur="500"/>
+                                        <p:tgtEl>
+                                          <p:spTgt spid="3">
+                                            <p:txEl>
+                                              <p:pRg st="7" end="7"/>
+                                            </p:txEl>
+                                          </p:spTgt>
+                                        </p:tgtEl>
+                                      </p:cBhvr>
+                                    </p:animEffect>
+                                  </p:childTnLst>
+                                </p:cTn>
+                              </p:par>
+                              <p:par>
+                                <p:cTn id="31" presetID="10" presetClass="entr" presetSubtype="0" fill="hold" grpId="0" nodeType="withEffect">
+                                  <p:stCondLst>
+                                    <p:cond delay="0"/>
+                                  </p:stCondLst>
+                                  <p:childTnLst>
+                                    <p:set>
+                                      <p:cBhvr>
+                                        <p:cTn id="32" dur="1" fill="hold">
+                                          <p:stCondLst>
+                                            <p:cond delay="0"/>
+                                          </p:stCondLst>
+                                        </p:cTn>
+                                        <p:tgtEl>
+                                          <p:spTgt spid="3">
+                                            <p:txEl>
+                                              <p:pRg st="8" end="8"/>
+                                            </p:txEl>
+                                          </p:spTgt>
+                                        </p:tgtEl>
+                                        <p:attrNameLst>
+                                          <p:attrName>style.visibility</p:attrName>
+                                        </p:attrNameLst>
+                                      </p:cBhvr>
+                                      <p:to>
+                                        <p:strVal val="visible"/>
+                                      </p:to>
+                                    </p:set>
+                                    <p:animEffect transition="in" filter="fade">
+                                      <p:cBhvr>
+                                        <p:cTn id="33" dur="500"/>
+                                        <p:tgtEl>
+                                          <p:spTgt spid="3">
+                                            <p:txEl>
+                                              <p:pRg st="8" end="8"/>
+                                            </p:txEl>
+                                          </p:spTgt>
+                                        </p:tgtEl>
+                                      </p:cBhvr>
+                                    </p:animEffect>
+                                  </p:childTnLst>
+                                </p:cTn>
+                              </p:par>
+                              <p:par>
+                                <p:cTn id="34" presetID="10" presetClass="entr" presetSubtype="0" fill="hold" grpId="0" nodeType="withEffect">
+                                  <p:stCondLst>
+                                    <p:cond delay="0"/>
+                                  </p:stCondLst>
+                                  <p:childTnLst>
+                                    <p:set>
+                                      <p:cBhvr>
+                                        <p:cTn id="35" dur="1" fill="hold">
+                                          <p:stCondLst>
+                                            <p:cond delay="0"/>
+                                          </p:stCondLst>
+                                        </p:cTn>
+                                        <p:tgtEl>
+                                          <p:spTgt spid="3">
+                                            <p:txEl>
+                                              <p:pRg st="9" end="9"/>
+                                            </p:txEl>
+                                          </p:spTgt>
+                                        </p:tgtEl>
+                                        <p:attrNameLst>
+                                          <p:attrName>style.visibility</p:attrName>
+                                        </p:attrNameLst>
+                                      </p:cBhvr>
+                                      <p:to>
+                                        <p:strVal val="visible"/>
+                                      </p:to>
+                                    </p:set>
+                                    <p:animEffect transition="in" filter="fade">
+                                      <p:cBhvr>
+                                        <p:cTn id="36" dur="500"/>
+                                        <p:tgtEl>
+                                          <p:spTgt spid="3">
+                                            <p:txEl>
+                                              <p:pRg st="9" end="9"/>
+                                            </p:txEl>
+                                          </p:spTgt>
+                                        </p:tgtEl>
+                                      </p:cBhvr>
+                                    </p:animEffect>
+                                  </p:childTnLst>
+                                </p:cTn>
+                              </p:par>
+                              <p:par>
+                                <p:cTn id="37" presetID="10" presetClass="entr" presetSubtype="0" fill="hold" grpId="0" nodeType="withEffect">
+                                  <p:stCondLst>
+                                    <p:cond delay="0"/>
+                                  </p:stCondLst>
+                                  <p:childTnLst>
+                                    <p:set>
+                                      <p:cBhvr>
+                                        <p:cTn id="38" dur="1" fill="hold">
+                                          <p:stCondLst>
+                                            <p:cond delay="0"/>
+                                          </p:stCondLst>
+                                        </p:cTn>
+                                        <p:tgtEl>
+                                          <p:spTgt spid="3">
+                                            <p:txEl>
+                                              <p:pRg st="10" end="10"/>
+                                            </p:txEl>
+                                          </p:spTgt>
+                                        </p:tgtEl>
+                                        <p:attrNameLst>
+                                          <p:attrName>style.visibility</p:attrName>
+                                        </p:attrNameLst>
+                                      </p:cBhvr>
+                                      <p:to>
+                                        <p:strVal val="visible"/>
+                                      </p:to>
+                                    </p:set>
+                                    <p:animEffect transition="in" filter="fade">
+                                      <p:cBhvr>
+                                        <p:cTn id="39" dur="500"/>
+                                        <p:tgtEl>
+                                          <p:spTgt spid="3">
+                                            <p:txEl>
+                                              <p:pRg st="10" end="10"/>
+                                            </p:txEl>
+                                          </p:spTgt>
+                                        </p:tgtEl>
+                                      </p:cBhvr>
+                                    </p:animEffect>
+                                  </p:childTnLst>
+                                </p:cTn>
+                              </p:par>
+                            </p:childTnLst>
+                          </p:cTn>
+                        </p:par>
+                      </p:childTnLst>
+                    </p:cTn>
+                  </p:par>
+                </p:childTnLst>
+              </p:cTn>
+              <p:prevCondLst>
+                <p:cond evt="onPrev" delay="0">
+                  <p:tgtEl>
+                    <p:sldTgt/>
+                  </p:tgtEl>
+                </p:cond>
+              </p:prevCondLst>
+              <p:nextCondLst>
+                <p:cond evt="onNext" delay="0">
+                  <p:tgtEl>
+                    <p:sldTgt/>
+                  </p:tgtEl>
+                </p:cond>
+              </p:nextCondLst>
+            </p:seq>
+          </p:childTnLst>
+        </p:cTn>
+      </p:par>
+    </p:tnLst>
+    <p:bldLst>
+      <p:bldP spid="3" grpId="0" build="p"/>
+    </p:bldLst>
+  </p:timing>
+</p:sld>
+</file>
+
+<file path=ppt/slides/slide9.xml><?xml version="1.0" encoding="utf-8"?>
+<p:sld xmlns:a="http://schemas.openxmlformats.org/drawingml/2006/main" xmlns:r="http://schemas.openxmlformats.org/officeDocument/2006/relationships" xmlns:p="http://schemas.openxmlformats.org/presentationml/2006/main">
+  <p:cSld>
+    <p:spTree>
+      <p:nvGrpSpPr>
+        <p:cNvPr id="1" name=""/>
+        <p:cNvGrpSpPr/>
+        <p:nvPr/>
+      </p:nvGrpSpPr>
+      <p:grpSpPr>
+        <a:xfrm>
+          <a:off x="0" y="0"/>
+          <a:ext cx="0" cy="0"/>
+          <a:chOff x="0" y="0"/>
+          <a:chExt cx="0" cy="0"/>
+        </a:xfrm>
+      </p:grpSpPr>
+      <p:sp>
+        <p:nvSpPr>
+          <p:cNvPr id="2" name="Title 1"/>
+          <p:cNvSpPr>
+            <a:spLocks noGrp="1"/>
+          </p:cNvSpPr>
+          <p:nvPr>
+            <p:ph type="title"/>
+          </p:nvPr>
+        </p:nvSpPr>
+        <p:spPr/>
+        <p:txBody>
+          <a:bodyPr/>
+          <a:lstStyle/>
+          <a:p>
+            <a:r>
+              <a:rPr lang="en-US"/>
               <a:t>Refactor: Extract Method</a:t>
             </a:r>
-            <a:endParaRPr lang="en-US"/>
           </a:p>
         </p:txBody>
       </p:sp>
@@ -7407,55 +9748,55 @@
           <a:lstStyle/>
           <a:p>
             <a:r>
-              <a:rPr lang="en-US" smtClean="0"/>
+              <a:rPr lang="en-US"/>
               <a:t>Purpose</a:t>
             </a:r>
           </a:p>
           <a:p>
             <a:pPr lvl="1"/>
             <a:r>
-              <a:rPr lang="en-US" smtClean="0"/>
+              <a:rPr lang="en-US"/>
               <a:t>Take a chunk of code and create a method/function so it can be tested.</a:t>
             </a:r>
           </a:p>
           <a:p>
             <a:pPr lvl="1"/>
             <a:r>
-              <a:rPr lang="en-US" smtClean="0"/>
+              <a:rPr lang="en-US"/>
               <a:t>Make a small function to follow the Single Responsibility principle</a:t>
             </a:r>
           </a:p>
           <a:p>
             <a:r>
-              <a:rPr lang="en-US" smtClean="0"/>
+              <a:rPr lang="en-US"/>
               <a:t>In 0_monolith.R</a:t>
             </a:r>
           </a:p>
           <a:p>
             <a:pPr lvl="1"/>
             <a:r>
-              <a:rPr lang="en-US" smtClean="0"/>
+              <a:rPr lang="en-US"/>
               <a:t>Create a method for reading a single doorbuster csv file</a:t>
             </a:r>
           </a:p>
           <a:p>
             <a:pPr lvl="1"/>
             <a:r>
-              <a:rPr lang="en-US" smtClean="0"/>
+              <a:rPr lang="en-US"/>
               <a:t>Create a method that reads both doorbuster csv files</a:t>
             </a:r>
           </a:p>
           <a:p>
             <a:pPr lvl="1"/>
             <a:r>
-              <a:rPr lang="en-US" smtClean="0"/>
+              <a:rPr lang="en-US"/>
               <a:t>Create a method that adds metric for doorbusters with no price</a:t>
             </a:r>
           </a:p>
           <a:p>
             <a:pPr lvl="1"/>
             <a:r>
-              <a:rPr lang="en-US" smtClean="0"/>
+              <a:rPr lang="en-US"/>
               <a:t>Create a method that adds metric for doorbusters that are online but out of stock</a:t>
             </a:r>
           </a:p>
@@ -7988,693 +10329,6 @@
         </p:cTn>
       </p:par>
     </p:tnLst>
-  </p:timing>
-</p:sld>
-</file>
-
-<file path=ppt/slides/slide9.xml><?xml version="1.0" encoding="utf-8"?>
-<p:sld xmlns:a="http://schemas.openxmlformats.org/drawingml/2006/main" xmlns:r="http://schemas.openxmlformats.org/officeDocument/2006/relationships" xmlns:p="http://schemas.openxmlformats.org/presentationml/2006/main">
-  <p:cSld>
-    <p:spTree>
-      <p:nvGrpSpPr>
-        <p:cNvPr id="1" name=""/>
-        <p:cNvGrpSpPr/>
-        <p:nvPr/>
-      </p:nvGrpSpPr>
-      <p:grpSpPr>
-        <a:xfrm>
-          <a:off x="0" y="0"/>
-          <a:ext cx="0" cy="0"/>
-          <a:chOff x="0" y="0"/>
-          <a:chExt cx="0" cy="0"/>
-        </a:xfrm>
-      </p:grpSpPr>
-      <p:sp>
-        <p:nvSpPr>
-          <p:cNvPr id="2" name="Title 1"/>
-          <p:cNvSpPr>
-            <a:spLocks noGrp="1"/>
-          </p:cNvSpPr>
-          <p:nvPr>
-            <p:ph type="title"/>
-          </p:nvPr>
-        </p:nvSpPr>
-        <p:spPr/>
-        <p:txBody>
-          <a:bodyPr/>
-          <a:lstStyle/>
-          <a:p>
-            <a:r>
-              <a:rPr lang="en-US" smtClean="0"/>
-              <a:t>To Refactor (the TDD Way)</a:t>
-            </a:r>
-            <a:endParaRPr lang="en-US"/>
-          </a:p>
-        </p:txBody>
-      </p:sp>
-      <p:sp>
-        <p:nvSpPr>
-          <p:cNvPr id="3" name="Content Placeholder 2"/>
-          <p:cNvSpPr>
-            <a:spLocks noGrp="1"/>
-          </p:cNvSpPr>
-          <p:nvPr>
-            <p:ph idx="1"/>
-          </p:nvPr>
-        </p:nvSpPr>
-        <p:spPr/>
-        <p:txBody>
-          <a:bodyPr/>
-          <a:lstStyle/>
-          <a:p>
-            <a:pPr marL="514350" indent="-514350">
-              <a:buFont typeface="+mj-lt"/>
-              <a:buAutoNum type="arabicPeriod"/>
-            </a:pPr>
-            <a:r>
-              <a:rPr lang="en-US" smtClean="0"/>
-              <a:t>Stub out a function for the code being refactored</a:t>
-            </a:r>
-          </a:p>
-          <a:p>
-            <a:pPr marL="514350" indent="-514350">
-              <a:buFont typeface="+mj-lt"/>
-              <a:buAutoNum type="arabicPeriod"/>
-            </a:pPr>
-            <a:r>
-              <a:rPr lang="en-US" smtClean="0"/>
-              <a:t>Write the appropriate unit tests</a:t>
-            </a:r>
-          </a:p>
-          <a:p>
-            <a:pPr marL="514350" indent="-514350">
-              <a:buFont typeface="+mj-lt"/>
-              <a:buAutoNum type="arabicPeriod"/>
-            </a:pPr>
-            <a:r>
-              <a:rPr lang="en-US" smtClean="0"/>
-              <a:t>RUN the tests </a:t>
-            </a:r>
-            <a:r>
-              <a:rPr lang="en-US" smtClean="0">
-                <a:sym typeface="Wingdings" panose="05000000000000000000" pitchFamily="2" charset="2"/>
-              </a:rPr>
-              <a:t> They BETTER fail!</a:t>
-            </a:r>
-          </a:p>
-          <a:p>
-            <a:pPr marL="514350" indent="-514350">
-              <a:buFont typeface="+mj-lt"/>
-              <a:buAutoNum type="arabicPeriod"/>
-            </a:pPr>
-            <a:r>
-              <a:rPr lang="en-US" smtClean="0">
-                <a:sym typeface="Wingdings" panose="05000000000000000000" pitchFamily="2" charset="2"/>
-              </a:rPr>
-              <a:t>Fill the code into the method</a:t>
-            </a:r>
-          </a:p>
-          <a:p>
-            <a:pPr marL="514350" indent="-514350">
-              <a:buFont typeface="+mj-lt"/>
-              <a:buAutoNum type="arabicPeriod"/>
-            </a:pPr>
-            <a:r>
-              <a:rPr lang="en-US" smtClean="0">
-                <a:sym typeface="Wingdings" panose="05000000000000000000" pitchFamily="2" charset="2"/>
-              </a:rPr>
-              <a:t>RUN the tests &amp; fix function until the tests pass</a:t>
-            </a:r>
-          </a:p>
-          <a:p>
-            <a:pPr marL="514350" indent="-514350">
-              <a:buFont typeface="+mj-lt"/>
-              <a:buAutoNum type="arabicPeriod"/>
-            </a:pPr>
-            <a:r>
-              <a:rPr lang="en-US" smtClean="0">
-                <a:sym typeface="Wingdings" panose="05000000000000000000" pitchFamily="2" charset="2"/>
-              </a:rPr>
-              <a:t>Move on</a:t>
-            </a:r>
-          </a:p>
-          <a:p>
-            <a:pPr marL="514350" indent="-514350">
-              <a:buFont typeface="+mj-lt"/>
-              <a:buAutoNum type="arabicPeriod"/>
-            </a:pPr>
-            <a:r>
-              <a:rPr lang="en-US" smtClean="0">
-                <a:sym typeface="Wingdings" panose="05000000000000000000" pitchFamily="2" charset="2"/>
-              </a:rPr>
-              <a:t>Every change to the program you make, RUN ALL THE TESTS</a:t>
-            </a:r>
-          </a:p>
-          <a:p>
-            <a:pPr marL="514350" indent="-514350">
-              <a:buFont typeface="+mj-lt"/>
-              <a:buAutoNum type="arabicPeriod"/>
-            </a:pPr>
-            <a:r>
-              <a:rPr lang="en-US" smtClean="0">
-                <a:sym typeface="Wingdings" panose="05000000000000000000" pitchFamily="2" charset="2"/>
-              </a:rPr>
-              <a:t>Every defect that gets reported  CREATE NEW TESTS</a:t>
-            </a:r>
-            <a:endParaRPr lang="en-US"/>
-          </a:p>
-        </p:txBody>
-      </p:sp>
-    </p:spTree>
-    <p:extLst>
-      <p:ext uri="{BB962C8B-B14F-4D97-AF65-F5344CB8AC3E}">
-        <p14:creationId xmlns:p14="http://schemas.microsoft.com/office/powerpoint/2010/main" val="137657008"/>
-      </p:ext>
-    </p:extLst>
-  </p:cSld>
-  <p:clrMapOvr>
-    <a:masterClrMapping/>
-  </p:clrMapOvr>
-  <p:timing>
-    <p:tnLst>
-      <p:par>
-        <p:cTn id="1" dur="indefinite" restart="never" nodeType="tmRoot">
-          <p:childTnLst>
-            <p:seq concurrent="1" nextAc="seek">
-              <p:cTn id="2" dur="indefinite" nodeType="mainSeq">
-                <p:childTnLst>
-                  <p:par>
-                    <p:cTn id="3" fill="hold">
-                      <p:stCondLst>
-                        <p:cond delay="indefinite"/>
-                      </p:stCondLst>
-                      <p:childTnLst>
-                        <p:par>
-                          <p:cTn id="4" fill="hold">
-                            <p:stCondLst>
-                              <p:cond delay="0"/>
-                            </p:stCondLst>
-                            <p:childTnLst>
-                              <p:par>
-                                <p:cTn id="5" presetID="10" presetClass="entr" presetSubtype="0" fill="hold" grpId="0" nodeType="clickEffect">
-                                  <p:stCondLst>
-                                    <p:cond delay="0"/>
-                                  </p:stCondLst>
-                                  <p:childTnLst>
-                                    <p:set>
-                                      <p:cBhvr>
-                                        <p:cTn id="6" dur="1" fill="hold">
-                                          <p:stCondLst>
-                                            <p:cond delay="0"/>
-                                          </p:stCondLst>
-                                        </p:cTn>
-                                        <p:tgtEl>
-                                          <p:spTgt spid="3">
-                                            <p:txEl>
-                                              <p:pRg st="0" end="0"/>
-                                            </p:txEl>
-                                          </p:spTgt>
-                                        </p:tgtEl>
-                                        <p:attrNameLst>
-                                          <p:attrName>style.visibility</p:attrName>
-                                        </p:attrNameLst>
-                                      </p:cBhvr>
-                                      <p:to>
-                                        <p:strVal val="visible"/>
-                                      </p:to>
-                                    </p:set>
-                                    <p:animEffect transition="in" filter="fade">
-                                      <p:cBhvr>
-                                        <p:cTn id="7" dur="500"/>
-                                        <p:tgtEl>
-                                          <p:spTgt spid="3">
-                                            <p:txEl>
-                                              <p:pRg st="0" end="0"/>
-                                            </p:txEl>
-                                          </p:spTgt>
-                                        </p:tgtEl>
-                                      </p:cBhvr>
-                                    </p:animEffect>
-                                  </p:childTnLst>
-                                </p:cTn>
-                              </p:par>
-                            </p:childTnLst>
-                          </p:cTn>
-                        </p:par>
-                      </p:childTnLst>
-                    </p:cTn>
-                  </p:par>
-                  <p:par>
-                    <p:cTn id="8" fill="hold">
-                      <p:stCondLst>
-                        <p:cond delay="indefinite"/>
-                      </p:stCondLst>
-                      <p:childTnLst>
-                        <p:par>
-                          <p:cTn id="9" fill="hold">
-                            <p:stCondLst>
-                              <p:cond delay="0"/>
-                            </p:stCondLst>
-                            <p:childTnLst>
-                              <p:par>
-                                <p:cTn id="10" presetID="10" presetClass="entr" presetSubtype="0" fill="hold" grpId="0" nodeType="clickEffect">
-                                  <p:stCondLst>
-                                    <p:cond delay="0"/>
-                                  </p:stCondLst>
-                                  <p:childTnLst>
-                                    <p:set>
-                                      <p:cBhvr>
-                                        <p:cTn id="11" dur="1" fill="hold">
-                                          <p:stCondLst>
-                                            <p:cond delay="0"/>
-                                          </p:stCondLst>
-                                        </p:cTn>
-                                        <p:tgtEl>
-                                          <p:spTgt spid="3">
-                                            <p:txEl>
-                                              <p:pRg st="1" end="1"/>
-                                            </p:txEl>
-                                          </p:spTgt>
-                                        </p:tgtEl>
-                                        <p:attrNameLst>
-                                          <p:attrName>style.visibility</p:attrName>
-                                        </p:attrNameLst>
-                                      </p:cBhvr>
-                                      <p:to>
-                                        <p:strVal val="visible"/>
-                                      </p:to>
-                                    </p:set>
-                                    <p:animEffect transition="in" filter="fade">
-                                      <p:cBhvr>
-                                        <p:cTn id="12" dur="500"/>
-                                        <p:tgtEl>
-                                          <p:spTgt spid="3">
-                                            <p:txEl>
-                                              <p:pRg st="1" end="1"/>
-                                            </p:txEl>
-                                          </p:spTgt>
-                                        </p:tgtEl>
-                                      </p:cBhvr>
-                                    </p:animEffect>
-                                  </p:childTnLst>
-                                </p:cTn>
-                              </p:par>
-                            </p:childTnLst>
-                          </p:cTn>
-                        </p:par>
-                      </p:childTnLst>
-                    </p:cTn>
-                  </p:par>
-                  <p:par>
-                    <p:cTn id="13" fill="hold">
-                      <p:stCondLst>
-                        <p:cond delay="indefinite"/>
-                      </p:stCondLst>
-                      <p:childTnLst>
-                        <p:par>
-                          <p:cTn id="14" fill="hold">
-                            <p:stCondLst>
-                              <p:cond delay="0"/>
-                            </p:stCondLst>
-                            <p:childTnLst>
-                              <p:par>
-                                <p:cTn id="15" presetID="10" presetClass="entr" presetSubtype="0" fill="hold" grpId="0" nodeType="clickEffect">
-                                  <p:stCondLst>
-                                    <p:cond delay="0"/>
-                                  </p:stCondLst>
-                                  <p:childTnLst>
-                                    <p:set>
-                                      <p:cBhvr>
-                                        <p:cTn id="16" dur="1" fill="hold">
-                                          <p:stCondLst>
-                                            <p:cond delay="0"/>
-                                          </p:stCondLst>
-                                        </p:cTn>
-                                        <p:tgtEl>
-                                          <p:spTgt spid="3">
-                                            <p:txEl>
-                                              <p:pRg st="2" end="2"/>
-                                            </p:txEl>
-                                          </p:spTgt>
-                                        </p:tgtEl>
-                                        <p:attrNameLst>
-                                          <p:attrName>style.visibility</p:attrName>
-                                        </p:attrNameLst>
-                                      </p:cBhvr>
-                                      <p:to>
-                                        <p:strVal val="visible"/>
-                                      </p:to>
-                                    </p:set>
-                                    <p:animEffect transition="in" filter="fade">
-                                      <p:cBhvr>
-                                        <p:cTn id="17" dur="500"/>
-                                        <p:tgtEl>
-                                          <p:spTgt spid="3">
-                                            <p:txEl>
-                                              <p:pRg st="2" end="2"/>
-                                            </p:txEl>
-                                          </p:spTgt>
-                                        </p:tgtEl>
-                                      </p:cBhvr>
-                                    </p:animEffect>
-                                  </p:childTnLst>
-                                </p:cTn>
-                              </p:par>
-                            </p:childTnLst>
-                          </p:cTn>
-                        </p:par>
-                      </p:childTnLst>
-                    </p:cTn>
-                  </p:par>
-                  <p:par>
-                    <p:cTn id="18" fill="hold">
-                      <p:stCondLst>
-                        <p:cond delay="indefinite"/>
-                      </p:stCondLst>
-                      <p:childTnLst>
-                        <p:par>
-                          <p:cTn id="19" fill="hold">
-                            <p:stCondLst>
-                              <p:cond delay="0"/>
-                            </p:stCondLst>
-                            <p:childTnLst>
-                              <p:par>
-                                <p:cTn id="20" presetID="10" presetClass="entr" presetSubtype="0" fill="hold" grpId="0" nodeType="clickEffect">
-                                  <p:stCondLst>
-                                    <p:cond delay="0"/>
-                                  </p:stCondLst>
-                                  <p:childTnLst>
-                                    <p:set>
-                                      <p:cBhvr>
-                                        <p:cTn id="21" dur="1" fill="hold">
-                                          <p:stCondLst>
-                                            <p:cond delay="0"/>
-                                          </p:stCondLst>
-                                        </p:cTn>
-                                        <p:tgtEl>
-                                          <p:spTgt spid="3">
-                                            <p:txEl>
-                                              <p:pRg st="3" end="3"/>
-                                            </p:txEl>
-                                          </p:spTgt>
-                                        </p:tgtEl>
-                                        <p:attrNameLst>
-                                          <p:attrName>style.visibility</p:attrName>
-                                        </p:attrNameLst>
-                                      </p:cBhvr>
-                                      <p:to>
-                                        <p:strVal val="visible"/>
-                                      </p:to>
-                                    </p:set>
-                                    <p:animEffect transition="in" filter="fade">
-                                      <p:cBhvr>
-                                        <p:cTn id="22" dur="500"/>
-                                        <p:tgtEl>
-                                          <p:spTgt spid="3">
-                                            <p:txEl>
-                                              <p:pRg st="3" end="3"/>
-                                            </p:txEl>
-                                          </p:spTgt>
-                                        </p:tgtEl>
-                                      </p:cBhvr>
-                                    </p:animEffect>
-                                  </p:childTnLst>
-                                </p:cTn>
-                              </p:par>
-                            </p:childTnLst>
-                          </p:cTn>
-                        </p:par>
-                      </p:childTnLst>
-                    </p:cTn>
-                  </p:par>
-                  <p:par>
-                    <p:cTn id="23" fill="hold">
-                      <p:stCondLst>
-                        <p:cond delay="indefinite"/>
-                      </p:stCondLst>
-                      <p:childTnLst>
-                        <p:par>
-                          <p:cTn id="24" fill="hold">
-                            <p:stCondLst>
-                              <p:cond delay="0"/>
-                            </p:stCondLst>
-                            <p:childTnLst>
-                              <p:par>
-                                <p:cTn id="25" presetID="10" presetClass="entr" presetSubtype="0" fill="hold" grpId="0" nodeType="clickEffect">
-                                  <p:stCondLst>
-                                    <p:cond delay="0"/>
-                                  </p:stCondLst>
-                                  <p:childTnLst>
-                                    <p:set>
-                                      <p:cBhvr>
-                                        <p:cTn id="26" dur="1" fill="hold">
-                                          <p:stCondLst>
-                                            <p:cond delay="0"/>
-                                          </p:stCondLst>
-                                        </p:cTn>
-                                        <p:tgtEl>
-                                          <p:spTgt spid="3">
-                                            <p:txEl>
-                                              <p:pRg st="4" end="4"/>
-                                            </p:txEl>
-                                          </p:spTgt>
-                                        </p:tgtEl>
-                                        <p:attrNameLst>
-                                          <p:attrName>style.visibility</p:attrName>
-                                        </p:attrNameLst>
-                                      </p:cBhvr>
-                                      <p:to>
-                                        <p:strVal val="visible"/>
-                                      </p:to>
-                                    </p:set>
-                                    <p:animEffect transition="in" filter="fade">
-                                      <p:cBhvr>
-                                        <p:cTn id="27" dur="500"/>
-                                        <p:tgtEl>
-                                          <p:spTgt spid="3">
-                                            <p:txEl>
-                                              <p:pRg st="4" end="4"/>
-                                            </p:txEl>
-                                          </p:spTgt>
-                                        </p:tgtEl>
-                                      </p:cBhvr>
-                                    </p:animEffect>
-                                  </p:childTnLst>
-                                </p:cTn>
-                              </p:par>
-                            </p:childTnLst>
-                          </p:cTn>
-                        </p:par>
-                      </p:childTnLst>
-                    </p:cTn>
-                  </p:par>
-                  <p:par>
-                    <p:cTn id="28" fill="hold">
-                      <p:stCondLst>
-                        <p:cond delay="indefinite"/>
-                      </p:stCondLst>
-                      <p:childTnLst>
-                        <p:par>
-                          <p:cTn id="29" fill="hold">
-                            <p:stCondLst>
-                              <p:cond delay="0"/>
-                            </p:stCondLst>
-                            <p:childTnLst>
-                              <p:par>
-                                <p:cTn id="30" presetID="10" presetClass="entr" presetSubtype="0" fill="hold" grpId="0" nodeType="clickEffect">
-                                  <p:stCondLst>
-                                    <p:cond delay="0"/>
-                                  </p:stCondLst>
-                                  <p:childTnLst>
-                                    <p:set>
-                                      <p:cBhvr>
-                                        <p:cTn id="31" dur="1" fill="hold">
-                                          <p:stCondLst>
-                                            <p:cond delay="0"/>
-                                          </p:stCondLst>
-                                        </p:cTn>
-                                        <p:tgtEl>
-                                          <p:spTgt spid="3">
-                                            <p:txEl>
-                                              <p:pRg st="5" end="5"/>
-                                            </p:txEl>
-                                          </p:spTgt>
-                                        </p:tgtEl>
-                                        <p:attrNameLst>
-                                          <p:attrName>style.visibility</p:attrName>
-                                        </p:attrNameLst>
-                                      </p:cBhvr>
-                                      <p:to>
-                                        <p:strVal val="visible"/>
-                                      </p:to>
-                                    </p:set>
-                                    <p:animEffect transition="in" filter="fade">
-                                      <p:cBhvr>
-                                        <p:cTn id="32" dur="500"/>
-                                        <p:tgtEl>
-                                          <p:spTgt spid="3">
-                                            <p:txEl>
-                                              <p:pRg st="5" end="5"/>
-                                            </p:txEl>
-                                          </p:spTgt>
-                                        </p:tgtEl>
-                                      </p:cBhvr>
-                                    </p:animEffect>
-                                  </p:childTnLst>
-                                </p:cTn>
-                              </p:par>
-                            </p:childTnLst>
-                          </p:cTn>
-                        </p:par>
-                      </p:childTnLst>
-                    </p:cTn>
-                  </p:par>
-                  <p:par>
-                    <p:cTn id="33" fill="hold">
-                      <p:stCondLst>
-                        <p:cond delay="indefinite"/>
-                      </p:stCondLst>
-                      <p:childTnLst>
-                        <p:par>
-                          <p:cTn id="34" fill="hold">
-                            <p:stCondLst>
-                              <p:cond delay="0"/>
-                            </p:stCondLst>
-                            <p:childTnLst>
-                              <p:par>
-                                <p:cTn id="35" presetID="10" presetClass="entr" presetSubtype="0" fill="hold" grpId="0" nodeType="clickEffect">
-                                  <p:stCondLst>
-                                    <p:cond delay="0"/>
-                                  </p:stCondLst>
-                                  <p:childTnLst>
-                                    <p:set>
-                                      <p:cBhvr>
-                                        <p:cTn id="36" dur="1" fill="hold">
-                                          <p:stCondLst>
-                                            <p:cond delay="0"/>
-                                          </p:stCondLst>
-                                        </p:cTn>
-                                        <p:tgtEl>
-                                          <p:spTgt spid="3">
-                                            <p:txEl>
-                                              <p:pRg st="6" end="6"/>
-                                            </p:txEl>
-                                          </p:spTgt>
-                                        </p:tgtEl>
-                                        <p:attrNameLst>
-                                          <p:attrName>style.visibility</p:attrName>
-                                        </p:attrNameLst>
-                                      </p:cBhvr>
-                                      <p:to>
-                                        <p:strVal val="visible"/>
-                                      </p:to>
-                                    </p:set>
-                                    <p:animEffect transition="in" filter="fade">
-                                      <p:cBhvr>
-                                        <p:cTn id="37" dur="500"/>
-                                        <p:tgtEl>
-                                          <p:spTgt spid="3">
-                                            <p:txEl>
-                                              <p:pRg st="6" end="6"/>
-                                            </p:txEl>
-                                          </p:spTgt>
-                                        </p:tgtEl>
-                                      </p:cBhvr>
-                                    </p:animEffect>
-                                  </p:childTnLst>
-                                </p:cTn>
-                              </p:par>
-                            </p:childTnLst>
-                          </p:cTn>
-                        </p:par>
-                      </p:childTnLst>
-                    </p:cTn>
-                  </p:par>
-                  <p:par>
-                    <p:cTn id="38" fill="hold">
-                      <p:stCondLst>
-                        <p:cond delay="indefinite"/>
-                      </p:stCondLst>
-                      <p:childTnLst>
-                        <p:par>
-                          <p:cTn id="39" fill="hold">
-                            <p:stCondLst>
-                              <p:cond delay="0"/>
-                            </p:stCondLst>
-                            <p:childTnLst>
-                              <p:par>
-                                <p:cTn id="40" presetID="10" presetClass="entr" presetSubtype="0" fill="hold" grpId="0" nodeType="clickEffect">
-                                  <p:stCondLst>
-                                    <p:cond delay="0"/>
-                                  </p:stCondLst>
-                                  <p:childTnLst>
-                                    <p:set>
-                                      <p:cBhvr>
-                                        <p:cTn id="41" dur="1" fill="hold">
-                                          <p:stCondLst>
-                                            <p:cond delay="0"/>
-                                          </p:stCondLst>
-                                        </p:cTn>
-                                        <p:tgtEl>
-                                          <p:spTgt spid="3">
-                                            <p:txEl>
-                                              <p:pRg st="7" end="7"/>
-                                            </p:txEl>
-                                          </p:spTgt>
-                                        </p:tgtEl>
-                                        <p:attrNameLst>
-                                          <p:attrName>style.visibility</p:attrName>
-                                        </p:attrNameLst>
-                                      </p:cBhvr>
-                                      <p:to>
-                                        <p:strVal val="visible"/>
-                                      </p:to>
-                                    </p:set>
-                                    <p:animEffect transition="in" filter="fade">
-                                      <p:cBhvr>
-                                        <p:cTn id="42" dur="500"/>
-                                        <p:tgtEl>
-                                          <p:spTgt spid="3">
-                                            <p:txEl>
-                                              <p:pRg st="7" end="7"/>
-                                            </p:txEl>
-                                          </p:spTgt>
-                                        </p:tgtEl>
-                                      </p:cBhvr>
-                                    </p:animEffect>
-                                  </p:childTnLst>
-                                </p:cTn>
-                              </p:par>
-                            </p:childTnLst>
-                          </p:cTn>
-                        </p:par>
-                      </p:childTnLst>
-                    </p:cTn>
-                  </p:par>
-                </p:childTnLst>
-              </p:cTn>
-              <p:prevCondLst>
-                <p:cond evt="onPrev" delay="0">
-                  <p:tgtEl>
-                    <p:sldTgt/>
-                  </p:tgtEl>
-                </p:cond>
-              </p:prevCondLst>
-              <p:nextCondLst>
-                <p:cond evt="onNext" delay="0">
-                  <p:tgtEl>
-                    <p:sldTgt/>
-                  </p:tgtEl>
-                </p:cond>
-              </p:nextCondLst>
-            </p:seq>
-          </p:childTnLst>
-        </p:cTn>
-      </p:par>
-    </p:tnLst>
-    <p:bldLst>
-      <p:bldP spid="3" grpId="0" build="p"/>
-    </p:bldLst>
   </p:timing>
 </p:sld>
 </file>
@@ -8938,4 +10592,299 @@
     </a:ext>
   </a:extLst>
 </a:theme>
+</file>
+
+<file path=ppt/theme/theme2.xml><?xml version="1.0" encoding="utf-8"?>
+<a:theme xmlns:a="http://schemas.openxmlformats.org/drawingml/2006/main" name="Office Theme">
+  <a:themeElements>
+    <a:clrScheme name="Office">
+      <a:dk1>
+        <a:sysClr val="windowText" lastClr="000000"/>
+      </a:dk1>
+      <a:lt1>
+        <a:sysClr val="window" lastClr="FFFFFF"/>
+      </a:lt1>
+      <a:dk2>
+        <a:srgbClr val="44546A"/>
+      </a:dk2>
+      <a:lt2>
+        <a:srgbClr val="E7E6E6"/>
+      </a:lt2>
+      <a:accent1>
+        <a:srgbClr val="4472C4"/>
+      </a:accent1>
+      <a:accent2>
+        <a:srgbClr val="ED7D31"/>
+      </a:accent2>
+      <a:accent3>
+        <a:srgbClr val="A5A5A5"/>
+      </a:accent3>
+      <a:accent4>
+        <a:srgbClr val="FFC000"/>
+      </a:accent4>
+      <a:accent5>
+        <a:srgbClr val="5B9BD5"/>
+      </a:accent5>
+      <a:accent6>
+        <a:srgbClr val="70AD47"/>
+      </a:accent6>
+      <a:hlink>
+        <a:srgbClr val="0563C1"/>
+      </a:hlink>
+      <a:folHlink>
+        <a:srgbClr val="954F72"/>
+      </a:folHlink>
+    </a:clrScheme>
+    <a:fontScheme name="Office">
+      <a:majorFont>
+        <a:latin typeface="Calibri Light" panose="020F0302020204030204"/>
+        <a:ea typeface=""/>
+        <a:cs typeface=""/>
+        <a:font script="Jpan" typeface="游ゴシック Light"/>
+        <a:font script="Hang" typeface="맑은 고딕"/>
+        <a:font script="Hans" typeface="等线 Light"/>
+        <a:font script="Hant" typeface="新細明體"/>
+        <a:font script="Arab" typeface="Times New Roman"/>
+        <a:font script="Hebr" typeface="Times New Roman"/>
+        <a:font script="Thai" typeface="Angsana New"/>
+        <a:font script="Ethi" typeface="Nyala"/>
+        <a:font script="Beng" typeface="Vrinda"/>
+        <a:font script="Gujr" typeface="Shruti"/>
+        <a:font script="Khmr" typeface="MoolBoran"/>
+        <a:font script="Knda" typeface="Tunga"/>
+        <a:font script="Guru" typeface="Raavi"/>
+        <a:font script="Cans" typeface="Euphemia"/>
+        <a:font script="Cher" typeface="Plantagenet Cherokee"/>
+        <a:font script="Yiii" typeface="Microsoft Yi Baiti"/>
+        <a:font script="Tibt" typeface="Microsoft Himalaya"/>
+        <a:font script="Thaa" typeface="MV Boli"/>
+        <a:font script="Deva" typeface="Mangal"/>
+        <a:font script="Telu" typeface="Gautami"/>
+        <a:font script="Taml" typeface="Latha"/>
+        <a:font script="Syrc" typeface="Estrangelo Edessa"/>
+        <a:font script="Orya" typeface="Kalinga"/>
+        <a:font script="Mlym" typeface="Kartika"/>
+        <a:font script="Laoo" typeface="DokChampa"/>
+        <a:font script="Sinh" typeface="Iskoola Pota"/>
+        <a:font script="Mong" typeface="Mongolian Baiti"/>
+        <a:font script="Viet" typeface="Times New Roman"/>
+        <a:font script="Uigh" typeface="Microsoft Uighur"/>
+        <a:font script="Geor" typeface="Sylfaen"/>
+        <a:font script="Armn" typeface="Arial"/>
+        <a:font script="Bugi" typeface="Leelawadee UI"/>
+        <a:font script="Bopo" typeface="Microsoft JhengHei"/>
+        <a:font script="Java" typeface="Javanese Text"/>
+        <a:font script="Lisu" typeface="Segoe UI"/>
+        <a:font script="Mymr" typeface="Myanmar Text"/>
+        <a:font script="Nkoo" typeface="Ebrima"/>
+        <a:font script="Olck" typeface="Nirmala UI"/>
+        <a:font script="Osma" typeface="Ebrima"/>
+        <a:font script="Phag" typeface="Phagspa"/>
+        <a:font script="Syrn" typeface="Estrangelo Edessa"/>
+        <a:font script="Syrj" typeface="Estrangelo Edessa"/>
+        <a:font script="Syre" typeface="Estrangelo Edessa"/>
+        <a:font script="Sora" typeface="Nirmala UI"/>
+        <a:font script="Tale" typeface="Microsoft Tai Le"/>
+        <a:font script="Talu" typeface="Microsoft New Tai Lue"/>
+        <a:font script="Tfng" typeface="Ebrima"/>
+      </a:majorFont>
+      <a:minorFont>
+        <a:latin typeface="Calibri" panose="020F0502020204030204"/>
+        <a:ea typeface=""/>
+        <a:cs typeface=""/>
+        <a:font script="Jpan" typeface="游ゴシック"/>
+        <a:font script="Hang" typeface="맑은 고딕"/>
+        <a:font script="Hans" typeface="等线"/>
+        <a:font script="Hant" typeface="新細明體"/>
+        <a:font script="Arab" typeface="Arial"/>
+        <a:font script="Hebr" typeface="Arial"/>
+        <a:font script="Thai" typeface="Cordia New"/>
+        <a:font script="Ethi" typeface="Nyala"/>
+        <a:font script="Beng" typeface="Vrinda"/>
+        <a:font script="Gujr" typeface="Shruti"/>
+        <a:font script="Khmr" typeface="DaunPenh"/>
+        <a:font script="Knda" typeface="Tunga"/>
+        <a:font script="Guru" typeface="Raavi"/>
+        <a:font script="Cans" typeface="Euphemia"/>
+        <a:font script="Cher" typeface="Plantagenet Cherokee"/>
+        <a:font script="Yiii" typeface="Microsoft Yi Baiti"/>
+        <a:font script="Tibt" typeface="Microsoft Himalaya"/>
+        <a:font script="Thaa" typeface="MV Boli"/>
+        <a:font script="Deva" typeface="Mangal"/>
+        <a:font script="Telu" typeface="Gautami"/>
+        <a:font script="Taml" typeface="Latha"/>
+        <a:font script="Syrc" typeface="Estrangelo Edessa"/>
+        <a:font script="Orya" typeface="Kalinga"/>
+        <a:font script="Mlym" typeface="Kartika"/>
+        <a:font script="Laoo" typeface="DokChampa"/>
+        <a:font script="Sinh" typeface="Iskoola Pota"/>
+        <a:font script="Mong" typeface="Mongolian Baiti"/>
+        <a:font script="Viet" typeface="Arial"/>
+        <a:font script="Uigh" typeface="Microsoft Uighur"/>
+        <a:font script="Geor" typeface="Sylfaen"/>
+        <a:font script="Armn" typeface="Arial"/>
+        <a:font script="Bugi" typeface="Leelawadee UI"/>
+        <a:font script="Bopo" typeface="Microsoft JhengHei"/>
+        <a:font script="Java" typeface="Javanese Text"/>
+        <a:font script="Lisu" typeface="Segoe UI"/>
+        <a:font script="Mymr" typeface="Myanmar Text"/>
+        <a:font script="Nkoo" typeface="Ebrima"/>
+        <a:font script="Olck" typeface="Nirmala UI"/>
+        <a:font script="Osma" typeface="Ebrima"/>
+        <a:font script="Phag" typeface="Phagspa"/>
+        <a:font script="Syrn" typeface="Estrangelo Edessa"/>
+        <a:font script="Syrj" typeface="Estrangelo Edessa"/>
+        <a:font script="Syre" typeface="Estrangelo Edessa"/>
+        <a:font script="Sora" typeface="Nirmala UI"/>
+        <a:font script="Tale" typeface="Microsoft Tai Le"/>
+        <a:font script="Talu" typeface="Microsoft New Tai Lue"/>
+        <a:font script="Tfng" typeface="Ebrima"/>
+      </a:minorFont>
+    </a:fontScheme>
+    <a:fmtScheme name="Office">
+      <a:fillStyleLst>
+        <a:solidFill>
+          <a:schemeClr val="phClr"/>
+        </a:solidFill>
+        <a:gradFill rotWithShape="1">
+          <a:gsLst>
+            <a:gs pos="0">
+              <a:schemeClr val="phClr">
+                <a:lumMod val="110000"/>
+                <a:satMod val="105000"/>
+                <a:tint val="67000"/>
+              </a:schemeClr>
+            </a:gs>
+            <a:gs pos="50000">
+              <a:schemeClr val="phClr">
+                <a:lumMod val="105000"/>
+                <a:satMod val="103000"/>
+                <a:tint val="73000"/>
+              </a:schemeClr>
+            </a:gs>
+            <a:gs pos="100000">
+              <a:schemeClr val="phClr">
+                <a:lumMod val="105000"/>
+                <a:satMod val="109000"/>
+                <a:tint val="81000"/>
+              </a:schemeClr>
+            </a:gs>
+          </a:gsLst>
+          <a:lin ang="5400000" scaled="0"/>
+        </a:gradFill>
+        <a:gradFill rotWithShape="1">
+          <a:gsLst>
+            <a:gs pos="0">
+              <a:schemeClr val="phClr">
+                <a:satMod val="103000"/>
+                <a:lumMod val="102000"/>
+                <a:tint val="94000"/>
+              </a:schemeClr>
+            </a:gs>
+            <a:gs pos="50000">
+              <a:schemeClr val="phClr">
+                <a:satMod val="110000"/>
+                <a:lumMod val="100000"/>
+                <a:shade val="100000"/>
+              </a:schemeClr>
+            </a:gs>
+            <a:gs pos="100000">
+              <a:schemeClr val="phClr">
+                <a:lumMod val="99000"/>
+                <a:satMod val="120000"/>
+                <a:shade val="78000"/>
+              </a:schemeClr>
+            </a:gs>
+          </a:gsLst>
+          <a:lin ang="5400000" scaled="0"/>
+        </a:gradFill>
+      </a:fillStyleLst>
+      <a:lnStyleLst>
+        <a:ln w="6350" cap="flat" cmpd="sng" algn="ctr">
+          <a:solidFill>
+            <a:schemeClr val="phClr"/>
+          </a:solidFill>
+          <a:prstDash val="solid"/>
+          <a:miter lim="800000"/>
+        </a:ln>
+        <a:ln w="12700" cap="flat" cmpd="sng" algn="ctr">
+          <a:solidFill>
+            <a:schemeClr val="phClr"/>
+          </a:solidFill>
+          <a:prstDash val="solid"/>
+          <a:miter lim="800000"/>
+        </a:ln>
+        <a:ln w="19050" cap="flat" cmpd="sng" algn="ctr">
+          <a:solidFill>
+            <a:schemeClr val="phClr"/>
+          </a:solidFill>
+          <a:prstDash val="solid"/>
+          <a:miter lim="800000"/>
+        </a:ln>
+      </a:lnStyleLst>
+      <a:effectStyleLst>
+        <a:effectStyle>
+          <a:effectLst/>
+        </a:effectStyle>
+        <a:effectStyle>
+          <a:effectLst/>
+        </a:effectStyle>
+        <a:effectStyle>
+          <a:effectLst>
+            <a:outerShdw blurRad="57150" dist="19050" dir="5400000" algn="ctr" rotWithShape="0">
+              <a:srgbClr val="000000">
+                <a:alpha val="63000"/>
+              </a:srgbClr>
+            </a:outerShdw>
+          </a:effectLst>
+        </a:effectStyle>
+      </a:effectStyleLst>
+      <a:bgFillStyleLst>
+        <a:solidFill>
+          <a:schemeClr val="phClr"/>
+        </a:solidFill>
+        <a:solidFill>
+          <a:schemeClr val="phClr">
+            <a:tint val="95000"/>
+            <a:satMod val="170000"/>
+          </a:schemeClr>
+        </a:solidFill>
+        <a:gradFill rotWithShape="1">
+          <a:gsLst>
+            <a:gs pos="0">
+              <a:schemeClr val="phClr">
+                <a:tint val="93000"/>
+                <a:satMod val="150000"/>
+                <a:shade val="98000"/>
+                <a:lumMod val="102000"/>
+              </a:schemeClr>
+            </a:gs>
+            <a:gs pos="50000">
+              <a:schemeClr val="phClr">
+                <a:tint val="98000"/>
+                <a:satMod val="130000"/>
+                <a:shade val="90000"/>
+                <a:lumMod val="103000"/>
+              </a:schemeClr>
+            </a:gs>
+            <a:gs pos="100000">
+              <a:schemeClr val="phClr">
+                <a:shade val="63000"/>
+                <a:satMod val="120000"/>
+              </a:schemeClr>
+            </a:gs>
+          </a:gsLst>
+          <a:lin ang="5400000" scaled="0"/>
+        </a:gradFill>
+      </a:bgFillStyleLst>
+    </a:fmtScheme>
+  </a:themeElements>
+  <a:objectDefaults/>
+  <a:extraClrSchemeLst/>
+  <a:extLst>
+    <a:ext uri="{05A4C25C-085E-4340-85A3-A5531E510DB2}">
+      <thm15:themeFamily xmlns:thm15="http://schemas.microsoft.com/office/thememl/2012/main" name="Office Theme" id="{62F939B6-93AF-4DB8-9C6B-D6C7DFDC589F}" vid="{4A3C46E8-61CC-4603-A589-7422A47A8E4A}"/>
+    </a:ext>
+  </a:extLst>
+</a:theme>
 </file>